--- a/slides/Trusted Path.pptx
+++ b/slides/Trusted Path.pptx
@@ -13,10 +13,10 @@
     <p:sldMasterId id="2147483849" r:id="rId9"/>
   </p:sldMasterIdLst>
   <p:notesMasterIdLst>
-    <p:notesMasterId r:id="rId34"/>
+    <p:notesMasterId r:id="rId40"/>
   </p:notesMasterIdLst>
   <p:handoutMasterIdLst>
-    <p:handoutMasterId r:id="rId35"/>
+    <p:handoutMasterId r:id="rId41"/>
   </p:handoutMasterIdLst>
   <p:sldIdLst>
     <p:sldId id="268" r:id="rId10"/>
@@ -39,10 +39,16 @@
     <p:sldId id="286" r:id="rId27"/>
     <p:sldId id="287" r:id="rId28"/>
     <p:sldId id="288" r:id="rId29"/>
-    <p:sldId id="289" r:id="rId30"/>
-    <p:sldId id="290" r:id="rId31"/>
-    <p:sldId id="273" r:id="rId32"/>
-    <p:sldId id="271" r:id="rId33"/>
+    <p:sldId id="294" r:id="rId30"/>
+    <p:sldId id="295" r:id="rId31"/>
+    <p:sldId id="298" r:id="rId32"/>
+    <p:sldId id="299" r:id="rId33"/>
+    <p:sldId id="289" r:id="rId34"/>
+    <p:sldId id="297" r:id="rId35"/>
+    <p:sldId id="296" r:id="rId36"/>
+    <p:sldId id="290" r:id="rId37"/>
+    <p:sldId id="273" r:id="rId38"/>
+    <p:sldId id="271" r:id="rId39"/>
   </p:sldIdLst>
   <p:sldSz cx="12187238" cy="6858000"/>
   <p:notesSz cx="7099300" cy="10234613"/>
@@ -301,7 +307,7 @@
               <a:rPr lang="de-DE" smtClean="0">
                 <a:latin typeface="Arial" panose="020B0604020202020204" pitchFamily="34" charset="0"/>
               </a:rPr>
-              <a:t>03.12.2019</a:t>
+              <a:t>04.12.2019</a:t>
             </a:fld>
             <a:endParaRPr lang="de-DE" dirty="0">
               <a:latin typeface="Arial" panose="020B0604020202020204" pitchFamily="34" charset="0"/>
@@ -480,7 +486,7 @@
             <a:fld id="{BCDB334D-D17F-49C4-91DD-37BB7E818209}" type="datetimeFigureOut">
               <a:rPr lang="de-CH" smtClean="0"/>
               <a:pPr/>
-              <a:t>03.12.2019</a:t>
+              <a:t>04.12.2019</a:t>
             </a:fld>
             <a:endParaRPr lang="de-CH" dirty="0"/>
           </a:p>
@@ -911,7 +917,7 @@
           <a:p>
             <a:fld id="{651C28B5-9567-4C77-A05D-61BF16F18E36}" type="datetime1">
               <a:rPr lang="en-US" smtClean="0"/>
-              <a:t>12/3/2019</a:t>
+              <a:t>12/4/2019</a:t>
             </a:fld>
             <a:endParaRPr lang="en-GB" dirty="0"/>
           </a:p>
@@ -1216,7 +1222,7 @@
           <a:p>
             <a:fld id="{DA72EF0A-3AC6-4E84-A0EB-A14B2B88786E}" type="datetime1">
               <a:rPr lang="en-US" smtClean="0"/>
-              <a:t>12/3/2019</a:t>
+              <a:t>12/4/2019</a:t>
             </a:fld>
             <a:endParaRPr lang="en-GB" dirty="0"/>
           </a:p>
@@ -1564,7 +1570,7 @@
           <a:p>
             <a:fld id="{A5FBDDA0-8906-4795-81A7-1AF96FE76A2E}" type="datetime1">
               <a:rPr lang="en-US" smtClean="0"/>
-              <a:t>12/3/2019</a:t>
+              <a:t>12/4/2019</a:t>
             </a:fld>
             <a:endParaRPr lang="en-GB" dirty="0"/>
           </a:p>
@@ -1872,7 +1878,7 @@
           <a:p>
             <a:fld id="{6A38EF0D-CC41-4BAA-8691-7A0493A5E1E3}" type="datetime1">
               <a:rPr lang="en-US" smtClean="0"/>
-              <a:t>12/3/2019</a:t>
+              <a:t>12/4/2019</a:t>
             </a:fld>
             <a:endParaRPr lang="en-GB" dirty="0"/>
           </a:p>
@@ -3165,7 +3171,7 @@
           <a:p>
             <a:fld id="{F1390B1A-68A9-4F42-9999-3E34BEE00D63}" type="datetime1">
               <a:rPr lang="en-US" smtClean="0"/>
-              <a:t>12/3/2019</a:t>
+              <a:t>12/4/2019</a:t>
             </a:fld>
             <a:endParaRPr lang="en-GB" dirty="0"/>
           </a:p>
@@ -3583,7 +3589,7 @@
           <a:p>
             <a:fld id="{1A7BFB6E-5CA3-4F41-B5A6-8505D214B846}" type="datetime1">
               <a:rPr lang="en-US" smtClean="0"/>
-              <a:t>12/3/2019</a:t>
+              <a:t>12/4/2019</a:t>
             </a:fld>
             <a:endParaRPr lang="en-GB" dirty="0"/>
           </a:p>
@@ -3727,7 +3733,7 @@
           <a:p>
             <a:fld id="{66C5C4D9-37AE-4ED3-A5A2-94715560D50A}" type="datetime1">
               <a:rPr lang="en-US" smtClean="0"/>
-              <a:t>12/3/2019</a:t>
+              <a:t>12/4/2019</a:t>
             </a:fld>
             <a:endParaRPr lang="en-GB" dirty="0"/>
           </a:p>
@@ -3868,7 +3874,7 @@
           <a:p>
             <a:fld id="{42D0D820-BB49-42A9-8BEB-03A46710BE91}" type="datetime1">
               <a:rPr lang="en-US" smtClean="0"/>
-              <a:t>12/3/2019</a:t>
+              <a:t>12/4/2019</a:t>
             </a:fld>
             <a:endParaRPr lang="en-GB" dirty="0"/>
           </a:p>
@@ -4056,7 +4062,7 @@
           <a:p>
             <a:fld id="{B881C130-6D04-460B-867F-A9643062B75A}" type="datetime1">
               <a:rPr lang="en-US" smtClean="0"/>
-              <a:t>12/3/2019</a:t>
+              <a:t>12/4/2019</a:t>
             </a:fld>
             <a:endParaRPr lang="en-GB" dirty="0"/>
           </a:p>
@@ -4318,7 +4324,7 @@
           <a:p>
             <a:fld id="{F970F150-E083-4B95-8468-A9DFB23DC439}" type="datetime1">
               <a:rPr lang="en-US" smtClean="0"/>
-              <a:t>12/3/2019</a:t>
+              <a:t>12/4/2019</a:t>
             </a:fld>
             <a:endParaRPr lang="en-GB" dirty="0"/>
           </a:p>
@@ -4666,7 +4672,7 @@
           <a:p>
             <a:fld id="{EF964370-0330-4E70-90A5-1B620BCC4268}" type="datetime1">
               <a:rPr lang="en-US" smtClean="0"/>
-              <a:t>12/3/2019</a:t>
+              <a:t>12/4/2019</a:t>
             </a:fld>
             <a:endParaRPr lang="en-GB" dirty="0"/>
           </a:p>
@@ -4978,7 +4984,7 @@
           <a:p>
             <a:fld id="{ACC12D4C-3689-4B05-9977-E6C54F9B36B9}" type="datetime1">
               <a:rPr lang="en-US" smtClean="0"/>
-              <a:t>12/3/2019</a:t>
+              <a:t>12/4/2019</a:t>
             </a:fld>
             <a:endParaRPr lang="en-GB" dirty="0"/>
           </a:p>
@@ -5286,7 +5292,7 @@
           <a:p>
             <a:fld id="{76160E65-D6A2-4AF0-A977-A94D1A3DA44C}" type="datetime1">
               <a:rPr lang="en-US" smtClean="0"/>
-              <a:t>12/3/2019</a:t>
+              <a:t>12/4/2019</a:t>
             </a:fld>
             <a:endParaRPr lang="en-GB" dirty="0"/>
           </a:p>
@@ -6579,7 +6585,7 @@
           <a:p>
             <a:fld id="{605BE293-3BAC-4C3B-8F67-325D4A144462}" type="datetime1">
               <a:rPr lang="en-US" smtClean="0"/>
-              <a:t>12/3/2019</a:t>
+              <a:t>12/4/2019</a:t>
             </a:fld>
             <a:endParaRPr lang="en-GB" dirty="0"/>
           </a:p>
@@ -6997,7 +7003,7 @@
           <a:p>
             <a:fld id="{9E9A5FED-D8DC-4999-A2EF-270A59F1F308}" type="datetime1">
               <a:rPr lang="en-US" smtClean="0"/>
-              <a:t>12/3/2019</a:t>
+              <a:t>12/4/2019</a:t>
             </a:fld>
             <a:endParaRPr lang="en-GB" dirty="0"/>
           </a:p>
@@ -7141,7 +7147,7 @@
           <a:p>
             <a:fld id="{EE006F3D-75D7-4D5D-955A-C819C1B36038}" type="datetime1">
               <a:rPr lang="en-US" smtClean="0"/>
-              <a:t>12/3/2019</a:t>
+              <a:t>12/4/2019</a:t>
             </a:fld>
             <a:endParaRPr lang="en-GB" dirty="0"/>
           </a:p>
@@ -7282,7 +7288,7 @@
           <a:p>
             <a:fld id="{0217170D-B913-47F3-B6B1-3DA7B96B9EEB}" type="datetime1">
               <a:rPr lang="en-US" smtClean="0"/>
-              <a:t>12/3/2019</a:t>
+              <a:t>12/4/2019</a:t>
             </a:fld>
             <a:endParaRPr lang="en-GB" dirty="0"/>
           </a:p>
@@ -7470,7 +7476,7 @@
           <a:p>
             <a:fld id="{8BF1CFE2-4733-46EF-9C54-4D870C2C80CF}" type="datetime1">
               <a:rPr lang="en-US" smtClean="0"/>
-              <a:t>12/3/2019</a:t>
+              <a:t>12/4/2019</a:t>
             </a:fld>
             <a:endParaRPr lang="en-GB" dirty="0"/>
           </a:p>
@@ -7732,7 +7738,7 @@
           <a:p>
             <a:fld id="{2149C77A-4B4F-4058-91D8-39913E4F6C9D}" type="datetime1">
               <a:rPr lang="en-US" smtClean="0"/>
-              <a:t>12/3/2019</a:t>
+              <a:t>12/4/2019</a:t>
             </a:fld>
             <a:endParaRPr lang="en-GB" dirty="0"/>
           </a:p>
@@ -8080,7 +8086,7 @@
           <a:p>
             <a:fld id="{D5812808-852E-4C0C-82BB-96B54D69BFC6}" type="datetime1">
               <a:rPr lang="en-US" smtClean="0"/>
-              <a:t>12/3/2019</a:t>
+              <a:t>12/4/2019</a:t>
             </a:fld>
             <a:endParaRPr lang="en-GB" dirty="0"/>
           </a:p>
@@ -8388,7 +8394,7 @@
           <a:p>
             <a:fld id="{50855F92-2BF8-4AFA-8A4C-1A0BFD2894DB}" type="datetime1">
               <a:rPr lang="en-US" smtClean="0"/>
-              <a:t>12/3/2019</a:t>
+              <a:t>12/4/2019</a:t>
             </a:fld>
             <a:endParaRPr lang="en-GB" dirty="0"/>
           </a:p>
@@ -8701,7 +8707,7 @@
           <a:p>
             <a:fld id="{F70AB909-EDAC-4E5D-83DC-878BDFB71A85}" type="datetime1">
               <a:rPr lang="en-US" smtClean="0"/>
-              <a:t>12/3/2019</a:t>
+              <a:t>12/4/2019</a:t>
             </a:fld>
             <a:endParaRPr lang="en-GB" dirty="0"/>
           </a:p>
@@ -9994,7 +10000,7 @@
           <a:p>
             <a:fld id="{7FF8D568-43DF-4F5D-89F5-4AC433931597}" type="datetime1">
               <a:rPr lang="en-US" smtClean="0"/>
-              <a:t>12/3/2019</a:t>
+              <a:t>12/4/2019</a:t>
             </a:fld>
             <a:endParaRPr lang="en-GB" dirty="0"/>
           </a:p>
@@ -10412,7 +10418,7 @@
           <a:p>
             <a:fld id="{797B3727-FFE2-428A-9D25-75E532F68CBD}" type="datetime1">
               <a:rPr lang="en-US" smtClean="0"/>
-              <a:t>12/3/2019</a:t>
+              <a:t>12/4/2019</a:t>
             </a:fld>
             <a:endParaRPr lang="en-GB" dirty="0"/>
           </a:p>
@@ -10556,7 +10562,7 @@
           <a:p>
             <a:fld id="{9EB5D81B-2567-4CB8-85C6-A0B71A9AC3E2}" type="datetime1">
               <a:rPr lang="en-US" smtClean="0"/>
-              <a:t>12/3/2019</a:t>
+              <a:t>12/4/2019</a:t>
             </a:fld>
             <a:endParaRPr lang="en-GB" dirty="0"/>
           </a:p>
@@ -10697,7 +10703,7 @@
           <a:p>
             <a:fld id="{5B7EDA6A-3F0D-483C-866C-14D69449B146}" type="datetime1">
               <a:rPr lang="en-US" smtClean="0"/>
-              <a:t>12/3/2019</a:t>
+              <a:t>12/4/2019</a:t>
             </a:fld>
             <a:endParaRPr lang="en-GB" dirty="0"/>
           </a:p>
@@ -10885,7 +10891,7 @@
           <a:p>
             <a:fld id="{12090752-4996-47F4-9438-5146CCA65BCF}" type="datetime1">
               <a:rPr lang="en-US" smtClean="0"/>
-              <a:t>12/3/2019</a:t>
+              <a:t>12/4/2019</a:t>
             </a:fld>
             <a:endParaRPr lang="en-GB" dirty="0"/>
           </a:p>
@@ -11147,7 +11153,7 @@
           <a:p>
             <a:fld id="{FEE7CFC9-58D9-423D-B139-7A42FFB65150}" type="datetime1">
               <a:rPr lang="en-US" smtClean="0"/>
-              <a:t>12/3/2019</a:t>
+              <a:t>12/4/2019</a:t>
             </a:fld>
             <a:endParaRPr lang="en-GB" dirty="0"/>
           </a:p>
@@ -11495,7 +11501,7 @@
           <a:p>
             <a:fld id="{DA2B9DA8-4B3F-4FF2-9B85-3E383E5BB32D}" type="datetime1">
               <a:rPr lang="en-US" smtClean="0"/>
-              <a:t>12/3/2019</a:t>
+              <a:t>12/4/2019</a:t>
             </a:fld>
             <a:endParaRPr lang="en-GB" dirty="0"/>
           </a:p>
@@ -11803,7 +11809,7 @@
           <a:p>
             <a:fld id="{ADACF1E0-E645-4AB8-BF49-A4712ECFC572}" type="datetime1">
               <a:rPr lang="en-US" smtClean="0"/>
-              <a:t>12/3/2019</a:t>
+              <a:t>12/4/2019</a:t>
             </a:fld>
             <a:endParaRPr lang="en-GB" dirty="0"/>
           </a:p>
@@ -14137,7 +14143,7 @@
           <a:p>
             <a:fld id="{AC2FBD33-6F1A-4DB7-AFE9-6EB9F9390666}" type="datetime1">
               <a:rPr lang="en-US" smtClean="0"/>
-              <a:t>12/3/2019</a:t>
+              <a:t>12/4/2019</a:t>
             </a:fld>
             <a:endParaRPr lang="en-GB" dirty="0"/>
           </a:p>
@@ -14555,7 +14561,7 @@
           <a:p>
             <a:fld id="{5ECCB7DD-F5FA-4772-AE6C-4B16CC639692}" type="datetime1">
               <a:rPr lang="en-US" smtClean="0"/>
-              <a:t>12/3/2019</a:t>
+              <a:t>12/4/2019</a:t>
             </a:fld>
             <a:endParaRPr lang="en-GB" dirty="0"/>
           </a:p>
@@ -14699,7 +14705,7 @@
           <a:p>
             <a:fld id="{4D503B69-6866-48ED-BC84-D955599A3486}" type="datetime1">
               <a:rPr lang="en-US" smtClean="0"/>
-              <a:t>12/3/2019</a:t>
+              <a:t>12/4/2019</a:t>
             </a:fld>
             <a:endParaRPr lang="en-GB" dirty="0"/>
           </a:p>
@@ -14840,7 +14846,7 @@
           <a:p>
             <a:fld id="{C7E2A169-E932-49B0-B280-576865BCCE00}" type="datetime1">
               <a:rPr lang="en-US" smtClean="0"/>
-              <a:t>12/3/2019</a:t>
+              <a:t>12/4/2019</a:t>
             </a:fld>
             <a:endParaRPr lang="en-GB" dirty="0"/>
           </a:p>
@@ -15028,7 +15034,7 @@
           <a:p>
             <a:fld id="{C164A7DF-EF9C-4B73-AB2A-987BF19A48D3}" type="datetime1">
               <a:rPr lang="en-US" smtClean="0"/>
-              <a:t>12/3/2019</a:t>
+              <a:t>12/4/2019</a:t>
             </a:fld>
             <a:endParaRPr lang="en-GB" dirty="0"/>
           </a:p>
@@ -15290,7 +15296,7 @@
           <a:p>
             <a:fld id="{62AED7A3-D046-43C5-B79B-335D0B5E0861}" type="datetime1">
               <a:rPr lang="en-US" smtClean="0"/>
-              <a:t>12/3/2019</a:t>
+              <a:t>12/4/2019</a:t>
             </a:fld>
             <a:endParaRPr lang="en-GB" dirty="0"/>
           </a:p>
@@ -15638,7 +15644,7 @@
           <a:p>
             <a:fld id="{E160ED12-57FA-4ABA-86AE-25EBA340D37A}" type="datetime1">
               <a:rPr lang="en-US" smtClean="0"/>
-              <a:t>12/3/2019</a:t>
+              <a:t>12/4/2019</a:t>
             </a:fld>
             <a:endParaRPr lang="en-GB" dirty="0"/>
           </a:p>
@@ -15946,7 +15952,7 @@
           <a:p>
             <a:fld id="{187AC5FE-57D4-46C3-AF1C-FA9290B2A597}" type="datetime1">
               <a:rPr lang="en-US" smtClean="0"/>
-              <a:t>12/3/2019</a:t>
+              <a:t>12/4/2019</a:t>
             </a:fld>
             <a:endParaRPr lang="en-GB" dirty="0"/>
           </a:p>
@@ -17239,7 +17245,7 @@
           <a:p>
             <a:fld id="{C0E6A5AA-C347-4F8D-86AF-2BF972CD8449}" type="datetime1">
               <a:rPr lang="en-US" smtClean="0"/>
-              <a:t>12/3/2019</a:t>
+              <a:t>12/4/2019</a:t>
             </a:fld>
             <a:endParaRPr lang="en-GB" dirty="0"/>
           </a:p>
@@ -17483,7 +17489,7 @@
           <a:p>
             <a:fld id="{497E7D34-FB5C-457C-A1BC-F1CABB70971B}" type="datetime1">
               <a:rPr lang="en-US" smtClean="0"/>
-              <a:t>12/3/2019</a:t>
+              <a:t>12/4/2019</a:t>
             </a:fld>
             <a:endParaRPr lang="en-GB" dirty="0"/>
           </a:p>
@@ -17901,7 +17907,7 @@
           <a:p>
             <a:fld id="{B5A63901-8058-4988-9452-50BA6B122EA3}" type="datetime1">
               <a:rPr lang="en-US" smtClean="0"/>
-              <a:t>12/3/2019</a:t>
+              <a:t>12/4/2019</a:t>
             </a:fld>
             <a:endParaRPr lang="en-GB" dirty="0"/>
           </a:p>
@@ -18045,7 +18051,7 @@
           <a:p>
             <a:fld id="{485765C9-0432-4266-8884-D975FC988581}" type="datetime1">
               <a:rPr lang="en-US" smtClean="0"/>
-              <a:t>12/3/2019</a:t>
+              <a:t>12/4/2019</a:t>
             </a:fld>
             <a:endParaRPr lang="en-GB" dirty="0"/>
           </a:p>
@@ -18186,7 +18192,7 @@
           <a:p>
             <a:fld id="{DFBA0859-753F-4346-95EA-852F1066DB10}" type="datetime1">
               <a:rPr lang="en-US" smtClean="0"/>
-              <a:t>12/3/2019</a:t>
+              <a:t>12/4/2019</a:t>
             </a:fld>
             <a:endParaRPr lang="en-GB" dirty="0"/>
           </a:p>
@@ -18374,7 +18380,7 @@
           <a:p>
             <a:fld id="{304FFA06-10F2-4E4E-9279-94195B041370}" type="datetime1">
               <a:rPr lang="en-US" smtClean="0"/>
-              <a:t>12/3/2019</a:t>
+              <a:t>12/4/2019</a:t>
             </a:fld>
             <a:endParaRPr lang="en-GB" dirty="0"/>
           </a:p>
@@ -18636,7 +18642,7 @@
           <a:p>
             <a:fld id="{56713D48-FC07-4881-BEA5-5FEBF1932E19}" type="datetime1">
               <a:rPr lang="en-US" smtClean="0"/>
-              <a:t>12/3/2019</a:t>
+              <a:t>12/4/2019</a:t>
             </a:fld>
             <a:endParaRPr lang="en-GB" dirty="0"/>
           </a:p>
@@ -18984,7 +18990,7 @@
           <a:p>
             <a:fld id="{C9A15C87-8CEC-4AA9-BC05-F4681A6FFBFE}" type="datetime1">
               <a:rPr lang="en-US" smtClean="0"/>
-              <a:t>12/3/2019</a:t>
+              <a:t>12/4/2019</a:t>
             </a:fld>
             <a:endParaRPr lang="en-GB" dirty="0"/>
           </a:p>
@@ -19292,7 +19298,7 @@
           <a:p>
             <a:fld id="{06691B28-D785-41D3-9EE9-D42B1A956368}" type="datetime1">
               <a:rPr lang="en-US" smtClean="0"/>
-              <a:t>12/3/2019</a:t>
+              <a:t>12/4/2019</a:t>
             </a:fld>
             <a:endParaRPr lang="en-GB" dirty="0"/>
           </a:p>
@@ -20585,7 +20591,7 @@
           <a:p>
             <a:fld id="{AEDEC028-3C13-492A-B169-B1C79A26C36D}" type="datetime1">
               <a:rPr lang="en-US" smtClean="0"/>
-              <a:t>12/3/2019</a:t>
+              <a:t>12/4/2019</a:t>
             </a:fld>
             <a:endParaRPr lang="en-GB" dirty="0"/>
           </a:p>
@@ -21003,7 +21009,7 @@
           <a:p>
             <a:fld id="{AAF92817-7296-4D21-8141-80BB63633798}" type="datetime1">
               <a:rPr lang="en-US" smtClean="0"/>
-              <a:t>12/3/2019</a:t>
+              <a:t>12/4/2019</a:t>
             </a:fld>
             <a:endParaRPr lang="en-GB" dirty="0"/>
           </a:p>
@@ -21416,7 +21422,7 @@
           <a:p>
             <a:fld id="{9DD62E2E-CE23-4207-929D-3A229DECE710}" type="datetime1">
               <a:rPr lang="en-US" smtClean="0"/>
-              <a:t>12/3/2019</a:t>
+              <a:t>12/4/2019</a:t>
             </a:fld>
             <a:endParaRPr lang="en-GB" dirty="0"/>
           </a:p>
@@ -21560,7 +21566,7 @@
           <a:p>
             <a:fld id="{55BEEE73-62FD-4DBE-972D-3DA88A137848}" type="datetime1">
               <a:rPr lang="en-US" smtClean="0"/>
-              <a:t>12/3/2019</a:t>
+              <a:t>12/4/2019</a:t>
             </a:fld>
             <a:endParaRPr lang="en-GB" dirty="0"/>
           </a:p>
@@ -21701,7 +21707,7 @@
           <a:p>
             <a:fld id="{670E0159-69AA-471F-8145-9222D00D6FF9}" type="datetime1">
               <a:rPr lang="en-US" smtClean="0"/>
-              <a:t>12/3/2019</a:t>
+              <a:t>12/4/2019</a:t>
             </a:fld>
             <a:endParaRPr lang="en-GB" dirty="0"/>
           </a:p>
@@ -21889,7 +21895,7 @@
           <a:p>
             <a:fld id="{291D9909-32EB-4A86-9E5D-1E9670F25E34}" type="datetime1">
               <a:rPr lang="en-US" smtClean="0"/>
-              <a:t>12/3/2019</a:t>
+              <a:t>12/4/2019</a:t>
             </a:fld>
             <a:endParaRPr lang="en-GB" dirty="0"/>
           </a:p>
@@ -22151,7 +22157,7 @@
           <a:p>
             <a:fld id="{7BF3E51F-3690-4738-A938-B9B48B5BA1DC}" type="datetime1">
               <a:rPr lang="en-US" smtClean="0"/>
-              <a:t>12/3/2019</a:t>
+              <a:t>12/4/2019</a:t>
             </a:fld>
             <a:endParaRPr lang="en-GB" dirty="0"/>
           </a:p>
@@ -22499,7 +22505,7 @@
           <a:p>
             <a:fld id="{8CC65AAA-63AE-4C25-92C2-D913523DAFB5}" type="datetime1">
               <a:rPr lang="en-US" smtClean="0"/>
-              <a:t>12/3/2019</a:t>
+              <a:t>12/4/2019</a:t>
             </a:fld>
             <a:endParaRPr lang="en-GB" dirty="0"/>
           </a:p>
@@ -22807,7 +22813,7 @@
           <a:p>
             <a:fld id="{66522B32-74FD-42FB-A05A-AB341E10E1DB}" type="datetime1">
               <a:rPr lang="en-US" smtClean="0"/>
-              <a:t>12/3/2019</a:t>
+              <a:t>12/4/2019</a:t>
             </a:fld>
             <a:endParaRPr lang="en-GB" dirty="0"/>
           </a:p>
@@ -24100,7 +24106,7 @@
           <a:p>
             <a:fld id="{3FC695B4-78DA-48A6-8CA6-16EA861F8320}" type="datetime1">
               <a:rPr lang="en-US" smtClean="0"/>
-              <a:t>12/3/2019</a:t>
+              <a:t>12/4/2019</a:t>
             </a:fld>
             <a:endParaRPr lang="en-GB" dirty="0"/>
           </a:p>
@@ -24518,7 +24524,7 @@
           <a:p>
             <a:fld id="{5B01CBB0-5C7C-47F6-8253-4142AE057ABC}" type="datetime1">
               <a:rPr lang="en-US" smtClean="0"/>
-              <a:t>12/3/2019</a:t>
+              <a:t>12/4/2019</a:t>
             </a:fld>
             <a:endParaRPr lang="en-GB" dirty="0"/>
           </a:p>
@@ -24662,7 +24668,7 @@
           <a:p>
             <a:fld id="{AFA94C81-BE19-4FE2-8877-A0D212454D53}" type="datetime1">
               <a:rPr lang="en-US" smtClean="0"/>
-              <a:t>12/3/2019</a:t>
+              <a:t>12/4/2019</a:t>
             </a:fld>
             <a:endParaRPr lang="en-GB" dirty="0"/>
           </a:p>
@@ -24798,7 +24804,7 @@
           <a:p>
             <a:fld id="{6F56A6AC-2F08-44A8-ACE0-1B2A22DBC3B5}" type="datetime1">
               <a:rPr lang="en-US" smtClean="0"/>
-              <a:t>12/3/2019</a:t>
+              <a:t>12/4/2019</a:t>
             </a:fld>
             <a:endParaRPr lang="en-GB" dirty="0"/>
           </a:p>
@@ -24939,7 +24945,7 @@
           <a:p>
             <a:fld id="{758D1020-7513-405E-88A2-24919630E1F2}" type="datetime1">
               <a:rPr lang="en-US" smtClean="0"/>
-              <a:t>12/3/2019</a:t>
+              <a:t>12/4/2019</a:t>
             </a:fld>
             <a:endParaRPr lang="en-GB" dirty="0"/>
           </a:p>
@@ -25127,7 +25133,7 @@
           <a:p>
             <a:fld id="{85023977-FC94-4C67-9D95-0AFFB2B3B05D}" type="datetime1">
               <a:rPr lang="en-US" smtClean="0"/>
-              <a:t>12/3/2019</a:t>
+              <a:t>12/4/2019</a:t>
             </a:fld>
             <a:endParaRPr lang="en-GB" dirty="0"/>
           </a:p>
@@ -25389,7 +25395,7 @@
           <a:p>
             <a:fld id="{5249CCCC-8BA7-4EFA-82D4-129DC766428A}" type="datetime1">
               <a:rPr lang="en-US" smtClean="0"/>
-              <a:t>12/3/2019</a:t>
+              <a:t>12/4/2019</a:t>
             </a:fld>
             <a:endParaRPr lang="en-GB" dirty="0"/>
           </a:p>
@@ -25737,7 +25743,7 @@
           <a:p>
             <a:fld id="{9D17E42D-F789-49BC-8A02-D6029DC2A3D6}" type="datetime1">
               <a:rPr lang="en-US" smtClean="0"/>
-              <a:t>12/3/2019</a:t>
+              <a:t>12/4/2019</a:t>
             </a:fld>
             <a:endParaRPr lang="en-GB" dirty="0"/>
           </a:p>
@@ -26045,7 +26051,7 @@
           <a:p>
             <a:fld id="{21055F86-C937-425A-979E-34D4E70F5CCE}" type="datetime1">
               <a:rPr lang="en-US" smtClean="0"/>
-              <a:t>12/3/2019</a:t>
+              <a:t>12/4/2019</a:t>
             </a:fld>
             <a:endParaRPr lang="en-GB" dirty="0"/>
           </a:p>
@@ -27338,7 +27344,7 @@
           <a:p>
             <a:fld id="{FBD75297-45D6-4DFF-93FA-8144F02030AA}" type="datetime1">
               <a:rPr lang="en-US" smtClean="0"/>
-              <a:t>12/3/2019</a:t>
+              <a:t>12/4/2019</a:t>
             </a:fld>
             <a:endParaRPr lang="en-GB" dirty="0"/>
           </a:p>
@@ -27756,7 +27762,7 @@
           <a:p>
             <a:fld id="{61C0F4FB-E946-4524-9D98-92464FB0BAE1}" type="datetime1">
               <a:rPr lang="en-US" smtClean="0"/>
-              <a:t>12/3/2019</a:t>
+              <a:t>12/4/2019</a:t>
             </a:fld>
             <a:endParaRPr lang="en-GB" dirty="0"/>
           </a:p>
@@ -27900,7 +27906,7 @@
           <a:p>
             <a:fld id="{F8605371-0364-4965-9F89-45B26BD4E146}" type="datetime1">
               <a:rPr lang="en-US" smtClean="0"/>
-              <a:t>12/3/2019</a:t>
+              <a:t>12/4/2019</a:t>
             </a:fld>
             <a:endParaRPr lang="en-GB" dirty="0"/>
           </a:p>
@@ -28041,7 +28047,7 @@
           <a:p>
             <a:fld id="{83F947AC-D274-465F-8D7E-98ABBD88E9AB}" type="datetime1">
               <a:rPr lang="en-US" smtClean="0"/>
-              <a:t>12/3/2019</a:t>
+              <a:t>12/4/2019</a:t>
             </a:fld>
             <a:endParaRPr lang="en-GB" dirty="0"/>
           </a:p>
@@ -28183,7 +28189,7 @@
           <a:p>
             <a:fld id="{F067EECC-F6CD-43AC-B372-1D04FA8B3DD4}" type="datetime1">
               <a:rPr lang="en-US" smtClean="0"/>
-              <a:t>12/3/2019</a:t>
+              <a:t>12/4/2019</a:t>
             </a:fld>
             <a:endParaRPr lang="en-GB" dirty="0"/>
           </a:p>
@@ -28371,7 +28377,7 @@
           <a:p>
             <a:fld id="{1D6BCA9A-2E27-41F6-BEB5-CCBC81A11A8F}" type="datetime1">
               <a:rPr lang="en-US" smtClean="0"/>
-              <a:t>12/3/2019</a:t>
+              <a:t>12/4/2019</a:t>
             </a:fld>
             <a:endParaRPr lang="en-GB" dirty="0"/>
           </a:p>
@@ -28556,7 +28562,7 @@
           <a:p>
             <a:fld id="{FCF91914-FE42-4C19-940C-9185985369DD}" type="datetime1">
               <a:rPr lang="en-US" smtClean="0"/>
-              <a:t>12/3/2019</a:t>
+              <a:t>12/4/2019</a:t>
             </a:fld>
             <a:endParaRPr lang="en-GB" dirty="0"/>
           </a:p>
@@ -29401,7 +29407,7 @@
           <a:p>
             <a:fld id="{F1A8B5C7-0E7C-48D3-930F-8A4D245AA74B}" type="datetime1">
               <a:rPr lang="en-US" smtClean="0"/>
-              <a:t>12/3/2019</a:t>
+              <a:t>12/4/2019</a:t>
             </a:fld>
             <a:endParaRPr lang="en-GB" dirty="0"/>
           </a:p>
@@ -29740,7 +29746,6 @@
               <a:rPr lang="en-GB" sz="800" b="1" baseline="0" dirty="0" smtClean="0"/>
               <a:t>System Security</a:t>
             </a:r>
-            <a:endParaRPr lang="en-GB" sz="800" b="1" baseline="0" dirty="0" smtClean="0"/>
           </a:p>
         </p:txBody>
       </p:sp>
@@ -30886,7 +30891,7 @@
           <a:p>
             <a:fld id="{92CC00C2-4DDE-4B9E-9EC0-B625A50156CA}" type="datetime1">
               <a:rPr lang="en-US" smtClean="0"/>
-              <a:t>12/3/2019</a:t>
+              <a:t>12/4/2019</a:t>
             </a:fld>
             <a:endParaRPr lang="en-GB" dirty="0"/>
           </a:p>
@@ -32386,7 +32391,7 @@
           <a:p>
             <a:fld id="{750741AF-D87A-4355-8AEB-580F459C681B}" type="datetime1">
               <a:rPr lang="en-US" smtClean="0"/>
-              <a:t>12/3/2019</a:t>
+              <a:t>12/4/2019</a:t>
             </a:fld>
             <a:endParaRPr lang="en-GB" dirty="0"/>
           </a:p>
@@ -33886,7 +33891,7 @@
           <a:p>
             <a:fld id="{A8B37773-2ACD-4FA6-B109-CD7B2AA7DA0F}" type="datetime1">
               <a:rPr lang="en-US" smtClean="0"/>
-              <a:t>12/3/2019</a:t>
+              <a:t>12/4/2019</a:t>
             </a:fld>
             <a:endParaRPr lang="en-GB" dirty="0"/>
           </a:p>
@@ -35386,7 +35391,7 @@
           <a:p>
             <a:fld id="{BB06121B-F5BE-4DD3-9D5C-14BF41B8AE4E}" type="datetime1">
               <a:rPr lang="en-US" smtClean="0"/>
-              <a:t>12/3/2019</a:t>
+              <a:t>12/4/2019</a:t>
             </a:fld>
             <a:endParaRPr lang="en-GB" dirty="0"/>
           </a:p>
@@ -36886,7 +36891,7 @@
           <a:p>
             <a:fld id="{1A6E1C20-A3DB-45D1-ACDA-F9718D8F423E}" type="datetime1">
               <a:rPr lang="en-US" smtClean="0"/>
-              <a:t>12/3/2019</a:t>
+              <a:t>12/4/2019</a:t>
             </a:fld>
             <a:endParaRPr lang="en-GB" dirty="0"/>
           </a:p>
@@ -38386,7 +38391,7 @@
           <a:p>
             <a:fld id="{EE97D1C7-FFD6-4AA4-9180-83332BBD99E4}" type="datetime1">
               <a:rPr lang="en-US" smtClean="0"/>
-              <a:t>12/3/2019</a:t>
+              <a:t>12/4/2019</a:t>
             </a:fld>
             <a:endParaRPr lang="en-GB" dirty="0"/>
           </a:p>
@@ -39886,7 +39891,7 @@
           <a:p>
             <a:fld id="{948AB86F-1222-42B1-8D3F-3C350F7B99CF}" type="datetime1">
               <a:rPr lang="en-US" smtClean="0"/>
-              <a:t>12/3/2019</a:t>
+              <a:t>12/4/2019</a:t>
             </a:fld>
             <a:endParaRPr lang="en-GB" dirty="0"/>
           </a:p>
@@ -41386,7 +41391,7 @@
           <a:p>
             <a:fld id="{C9131744-2CF9-4496-962F-5D8D56285C40}" type="datetime1">
               <a:rPr lang="en-US" smtClean="0"/>
-              <a:t>12/3/2019</a:t>
+              <a:t>12/4/2019</a:t>
             </a:fld>
             <a:endParaRPr lang="en-GB" dirty="0"/>
           </a:p>
@@ -42203,7 +42208,7 @@
           <a:p>
             <a:fld id="{88380EBB-AF45-4528-800B-F123B62D554C}" type="datetime1">
               <a:rPr lang="en-US" smtClean="0"/>
-              <a:t>12/3/2019</a:t>
+              <a:t>12/4/2019</a:t>
             </a:fld>
             <a:endParaRPr lang="en-GB" dirty="0"/>
           </a:p>
@@ -42361,7 +42366,7 @@
           <a:p>
             <a:fld id="{C0E6A5AA-C347-4F8D-86AF-2BF972CD8449}" type="datetime1">
               <a:rPr lang="en-US" smtClean="0"/>
-              <a:t>12/3/2019</a:t>
+              <a:t>12/4/2019</a:t>
             </a:fld>
             <a:endParaRPr lang="en-GB" dirty="0"/>
           </a:p>
@@ -43269,7 +43274,7 @@
           <a:p>
             <a:fld id="{C0E6A5AA-C347-4F8D-86AF-2BF972CD8449}" type="datetime1">
               <a:rPr lang="en-US" smtClean="0"/>
-              <a:t>12/3/2019</a:t>
+              <a:t>12/4/2019</a:t>
             </a:fld>
             <a:endParaRPr lang="en-GB" dirty="0"/>
           </a:p>
@@ -43941,7 +43946,7 @@
           <a:p>
             <a:fld id="{C0E6A5AA-C347-4F8D-86AF-2BF972CD8449}" type="datetime1">
               <a:rPr lang="en-US" smtClean="0"/>
-              <a:t>12/3/2019</a:t>
+              <a:t>12/4/2019</a:t>
             </a:fld>
             <a:endParaRPr lang="en-GB" dirty="0"/>
           </a:p>
@@ -44073,7 +44078,7 @@
           <a:p>
             <a:fld id="{C0E6A5AA-C347-4F8D-86AF-2BF972CD8449}" type="datetime1">
               <a:rPr lang="en-US" smtClean="0"/>
-              <a:t>12/3/2019</a:t>
+              <a:t>12/4/2019</a:t>
             </a:fld>
             <a:endParaRPr lang="en-GB" dirty="0"/>
           </a:p>
@@ -44233,7 +44238,7 @@
           <a:p>
             <a:fld id="{C0E6A5AA-C347-4F8D-86AF-2BF972CD8449}" type="datetime1">
               <a:rPr lang="en-US" smtClean="0"/>
-              <a:t>12/3/2019</a:t>
+              <a:t>12/4/2019</a:t>
             </a:fld>
             <a:endParaRPr lang="en-GB" dirty="0"/>
           </a:p>
@@ -44432,8 +44437,24 @@
           <a:p>
             <a:r>
               <a:rPr lang="en-US" dirty="0" smtClean="0"/>
-              <a:t>Uses 3 security indicators</a:t>
-            </a:r>
+              <a:t>Uses 3 security </a:t>
+            </a:r>
+            <a:r>
+              <a:rPr lang="en-US" dirty="0" smtClean="0"/>
+              <a:t>indicators</a:t>
+            </a:r>
+          </a:p>
+          <a:p>
+            <a:endParaRPr lang="en-US" dirty="0"/>
+          </a:p>
+          <a:p>
+            <a:r>
+              <a:rPr lang="en-US" dirty="0" smtClean="0"/>
+              <a:t>Security indicator does not work in real-world scenarios</a:t>
+            </a:r>
+            <a:endParaRPr lang="en-US" dirty="0"/>
+          </a:p>
+          <a:p>
             <a:endParaRPr lang="en-US" dirty="0"/>
           </a:p>
         </p:txBody>
@@ -44455,7 +44476,7 @@
           <a:p>
             <a:fld id="{C0E6A5AA-C347-4F8D-86AF-2BF972CD8449}" type="datetime1">
               <a:rPr lang="en-US" smtClean="0"/>
-              <a:t>12/3/2019</a:t>
+              <a:t>12/4/2019</a:t>
             </a:fld>
             <a:endParaRPr lang="en-GB" dirty="0"/>
           </a:p>
@@ -44661,7 +44682,6 @@
               <a:rPr lang="en-US" dirty="0"/>
               <a:t>can be violated.</a:t>
             </a:r>
-            <a:endParaRPr lang="en-US" dirty="0"/>
           </a:p>
         </p:txBody>
       </p:sp>
@@ -44682,7 +44702,7 @@
           <a:p>
             <a:fld id="{C0E6A5AA-C347-4F8D-86AF-2BF972CD8449}" type="datetime1">
               <a:rPr lang="en-US" smtClean="0"/>
-              <a:t>12/3/2019</a:t>
+              <a:t>12/4/2019</a:t>
             </a:fld>
             <a:endParaRPr lang="en-GB" dirty="0"/>
           </a:p>
@@ -44814,7 +44834,7 @@
           <a:p>
             <a:fld id="{C0E6A5AA-C347-4F8D-86AF-2BF972CD8449}" type="datetime1">
               <a:rPr lang="en-US" smtClean="0"/>
-              <a:t>12/3/2019</a:t>
+              <a:t>12/4/2019</a:t>
             </a:fld>
             <a:endParaRPr lang="en-GB" dirty="0"/>
           </a:p>
@@ -45115,7 +45135,6 @@
               <a:rPr lang="en-US" dirty="0"/>
               <a:t>simultaneously, none of them can be fully secured.</a:t>
             </a:r>
-            <a:endParaRPr lang="en-US" dirty="0"/>
           </a:p>
         </p:txBody>
       </p:sp>
@@ -45136,7 +45155,7 @@
           <a:p>
             <a:fld id="{C0E6A5AA-C347-4F8D-86AF-2BF972CD8449}" type="datetime1">
               <a:rPr lang="en-US" smtClean="0"/>
-              <a:t>12/3/2019</a:t>
+              <a:t>12/4/2019</a:t>
             </a:fld>
             <a:endParaRPr lang="en-GB" dirty="0"/>
           </a:p>
@@ -45355,7 +45374,7 @@
           <a:p>
             <a:fld id="{C0E6A5AA-C347-4F8D-86AF-2BF972CD8449}" type="datetime1">
               <a:rPr lang="en-US" smtClean="0"/>
-              <a:t>12/3/2019</a:t>
+              <a:t>12/4/2019</a:t>
             </a:fld>
             <a:endParaRPr lang="en-GB" dirty="0"/>
           </a:p>
@@ -45487,7 +45506,7 @@
           <a:p>
             <a:fld id="{B2122DFB-C80F-4963-B23C-7D5234AE7A1B}" type="datetime1">
               <a:rPr lang="en-US" smtClean="0"/>
-              <a:t>12/3/2019</a:t>
+              <a:t>12/4/2019</a:t>
             </a:fld>
             <a:endParaRPr lang="en-GB" dirty="0"/>
           </a:p>
@@ -45749,7 +45768,7 @@
           <a:p>
             <a:fld id="{C0E6A5AA-C347-4F8D-86AF-2BF972CD8449}" type="datetime1">
               <a:rPr lang="en-US" smtClean="0"/>
-              <a:t>12/3/2019</a:t>
+              <a:t>12/4/2019</a:t>
             </a:fld>
             <a:endParaRPr lang="en-GB" dirty="0"/>
           </a:p>
@@ -45860,6 +45879,52 @@
           </a:prstGeom>
         </p:spPr>
       </p:pic>
+      <p:sp>
+        <p:nvSpPr>
+          <p:cNvPr id="2" name="Rectangle 1"/>
+          <p:cNvSpPr/>
+          <p:nvPr/>
+        </p:nvSpPr>
+        <p:spPr>
+          <a:xfrm>
+            <a:off x="7160419" y="1219200"/>
+            <a:ext cx="2667000" cy="5013326"/>
+          </a:xfrm>
+          <a:prstGeom prst="rect">
+            <a:avLst/>
+          </a:prstGeom>
+          <a:noFill/>
+          <a:ln w="38100">
+            <a:solidFill>
+              <a:srgbClr val="FF0000"/>
+            </a:solidFill>
+          </a:ln>
+        </p:spPr>
+        <p:style>
+          <a:lnRef idx="2">
+            <a:schemeClr val="accent1">
+              <a:shade val="50000"/>
+            </a:schemeClr>
+          </a:lnRef>
+          <a:fillRef idx="1">
+            <a:schemeClr val="accent1"/>
+          </a:fillRef>
+          <a:effectRef idx="0">
+            <a:schemeClr val="accent1"/>
+          </a:effectRef>
+          <a:fontRef idx="minor">
+            <a:schemeClr val="lt1"/>
+          </a:fontRef>
+        </p:style>
+        <p:txBody>
+          <a:bodyPr rtlCol="0" anchor="ctr"/>
+          <a:lstStyle/>
+          <a:p>
+            <a:pPr algn="ctr"/>
+            <a:endParaRPr lang="en-US"/>
+          </a:p>
+        </p:txBody>
+      </p:sp>
     </p:spTree>
     <p:extLst>
       <p:ext uri="{BB962C8B-B14F-4D97-AF65-F5344CB8AC3E}">
@@ -45919,14 +45984,3633 @@
               <a:p>
                 <a:r>
                   <a:rPr lang="en-US" dirty="0" smtClean="0"/>
-                  <a:t>Building trusted path is non-trivial</a:t>
+                  <a:t>We learn from the observations</a:t>
                 </a:r>
               </a:p>
               <a:p>
                 <a:r>
                   <a:rPr lang="en-US" dirty="0" smtClean="0"/>
-                  <a:t>Existing solutions: build systems first</a:t>
+                  <a:t>Server sends messages : HTML, JS … </a:t>
                 </a:r>
+                <a14:m>
+                  <m:oMath xmlns:m="http://schemas.openxmlformats.org/officeDocument/2006/math">
+                    <m:r>
+                      <a:rPr lang="en-US" b="0" i="1" smtClean="0">
+                        <a:latin typeface="Cambria Math" panose="02040503050406030204" pitchFamily="18" charset="0"/>
+                      </a:rPr>
+                      <m:t>→</m:t>
+                    </m:r>
+                    <m:r>
+                      <a:rPr lang="en-US" b="0" i="1" smtClean="0">
+                        <a:latin typeface="Cambria Math" panose="02040503050406030204" pitchFamily="18" charset="0"/>
+                      </a:rPr>
+                      <m:t>𝑚</m:t>
+                    </m:r>
+                  </m:oMath>
+                </a14:m>
+                <a:r>
+                  <a:rPr lang="en-US" dirty="0" smtClean="0"/>
+                  <a:t> </a:t>
+                </a:r>
+              </a:p>
+              <a:p>
+                <a:r>
+                  <a:rPr lang="en-US" dirty="0"/>
+                  <a:t>All modalities of inputs </a:t>
+                </a:r>
+                <a14:m>
+                  <m:oMath xmlns:m="http://schemas.openxmlformats.org/officeDocument/2006/math">
+                    <m:r>
+                      <a:rPr lang="en-US" i="1">
+                        <a:latin typeface="Cambria Math" panose="02040503050406030204" pitchFamily="18" charset="0"/>
+                      </a:rPr>
+                      <m:t>→</m:t>
+                    </m:r>
+                    <m:r>
+                      <a:rPr lang="en-US" i="1">
+                        <a:latin typeface="Cambria Math" panose="02040503050406030204" pitchFamily="18" charset="0"/>
+                      </a:rPr>
+                      <m:t>𝐼</m:t>
+                    </m:r>
+                  </m:oMath>
+                </a14:m>
+                <a:endParaRPr lang="en-US" dirty="0"/>
+              </a:p>
+              <a:p>
+                <a:pPr lvl="1"/>
+                <a14:m>
+                  <m:oMath xmlns:m="http://schemas.openxmlformats.org/officeDocument/2006/math">
+                    <m:r>
+                      <a:rPr lang="en-US" b="0" i="1" smtClean="0">
+                        <a:latin typeface="Cambria Math" panose="02040503050406030204" pitchFamily="18" charset="0"/>
+                      </a:rPr>
+                      <m:t>𝐼𝑛𝑝𝑢𝑡</m:t>
+                    </m:r>
+                    <m:d>
+                      <m:dPr>
+                        <m:ctrlPr>
+                          <a:rPr lang="en-US" b="0" i="1" smtClean="0">
+                            <a:latin typeface="Cambria Math" panose="02040503050406030204" pitchFamily="18" charset="0"/>
+                          </a:rPr>
+                        </m:ctrlPr>
+                      </m:dPr>
+                      <m:e/>
+                    </m:d>
+                    <m:r>
+                      <a:rPr lang="en-US" b="0" i="1" smtClean="0">
+                        <a:latin typeface="Cambria Math" panose="02040503050406030204" pitchFamily="18" charset="0"/>
+                      </a:rPr>
+                      <m:t>→</m:t>
+                    </m:r>
+                    <m:d>
+                      <m:dPr>
+                        <m:begChr m:val="["/>
+                        <m:endChr m:val="]"/>
+                        <m:ctrlPr>
+                          <a:rPr lang="en-US" b="0" i="1" smtClean="0">
+                            <a:latin typeface="Cambria Math" panose="02040503050406030204" pitchFamily="18" charset="0"/>
+                          </a:rPr>
+                        </m:ctrlPr>
+                      </m:dPr>
+                      <m:e>
+                        <m:r>
+                          <a:rPr lang="en-US" b="0" i="1" smtClean="0">
+                            <a:latin typeface="Cambria Math" panose="02040503050406030204" pitchFamily="18" charset="0"/>
+                          </a:rPr>
+                          <m:t>𝑚</m:t>
+                        </m:r>
+                      </m:e>
+                    </m:d>
+                    <m:r>
+                      <a:rPr lang="en-US" b="0" i="1" smtClean="0">
+                        <a:latin typeface="Cambria Math" panose="02040503050406030204" pitchFamily="18" charset="0"/>
+                      </a:rPr>
+                      <m:t>→</m:t>
+                    </m:r>
+                    <m:r>
+                      <a:rPr lang="en-US" b="0" i="1" smtClean="0">
+                        <a:latin typeface="Cambria Math" panose="02040503050406030204" pitchFamily="18" charset="0"/>
+                      </a:rPr>
+                      <m:t>𝐼</m:t>
+                    </m:r>
+                  </m:oMath>
+                </a14:m>
+                <a:endParaRPr lang="en-US" dirty="0" smtClean="0"/>
+              </a:p>
+              <a:p>
+                <a:pPr lvl="1"/>
+                <a:endParaRPr lang="en-US" dirty="0" smtClean="0"/>
+              </a:p>
+              <a:p>
+                <a:r>
+                  <a:rPr lang="en-US" dirty="0" smtClean="0"/>
+                  <a:t>Host transforms them : Browser, GPU … </a:t>
+                </a:r>
+                <a14:m>
+                  <m:oMath xmlns:m="http://schemas.openxmlformats.org/officeDocument/2006/math">
+                    <m:r>
+                      <a:rPr lang="en-US" b="0" i="0" smtClean="0">
+                        <a:latin typeface="Cambria Math" panose="02040503050406030204" pitchFamily="18" charset="0"/>
+                      </a:rPr>
+                      <m:t>+ </m:t>
+                    </m:r>
+                    <m:r>
+                      <m:rPr>
+                        <m:sty m:val="p"/>
+                      </m:rPr>
+                      <a:rPr lang="en-US" b="0" i="0" smtClean="0">
+                        <a:latin typeface="Cambria Math" panose="02040503050406030204" pitchFamily="18" charset="0"/>
+                      </a:rPr>
+                      <m:t>I</m:t>
+                    </m:r>
+                    <m:r>
+                      <a:rPr lang="en-US" b="0" i="0" smtClean="0">
+                        <a:latin typeface="Cambria Math" panose="02040503050406030204" pitchFamily="18" charset="0"/>
+                      </a:rPr>
+                      <m:t> </m:t>
+                    </m:r>
+                    <m:r>
+                      <a:rPr lang="en-US" i="1">
+                        <a:latin typeface="Cambria Math" panose="02040503050406030204" pitchFamily="18" charset="0"/>
+                      </a:rPr>
+                      <m:t>→</m:t>
+                    </m:r>
+                    <m:r>
+                      <a:rPr lang="en-US" b="0" i="1" smtClean="0">
+                        <a:latin typeface="Cambria Math" panose="02040503050406030204" pitchFamily="18" charset="0"/>
+                      </a:rPr>
+                      <m:t>[</m:t>
+                    </m:r>
+                    <m:r>
+                      <a:rPr lang="en-US" i="1">
+                        <a:latin typeface="Cambria Math" panose="02040503050406030204" pitchFamily="18" charset="0"/>
+                      </a:rPr>
+                      <m:t>𝑚</m:t>
+                    </m:r>
+                    <m:r>
+                      <a:rPr lang="en-US" b="0" i="1" smtClean="0">
+                        <a:latin typeface="Cambria Math" panose="02040503050406030204" pitchFamily="18" charset="0"/>
+                      </a:rPr>
+                      <m:t>]</m:t>
+                    </m:r>
+                  </m:oMath>
+                </a14:m>
+                <a:r>
+                  <a:rPr lang="en-US" dirty="0"/>
+                  <a:t> </a:t>
+                </a:r>
+                <a:endParaRPr lang="en-US" dirty="0" smtClean="0"/>
+              </a:p>
+              <a:p>
+                <a:pPr lvl="1"/>
+                <a14:m>
+                  <m:oMath xmlns:m="http://schemas.openxmlformats.org/officeDocument/2006/math">
+                    <m:r>
+                      <a:rPr lang="en-US" b="0" i="1" smtClean="0">
+                        <a:latin typeface="Cambria Math" panose="02040503050406030204" pitchFamily="18" charset="0"/>
+                      </a:rPr>
+                      <m:t>𝑇𝑟𝑎𝑛𝑠𝑓𝑜𝑟𝑚</m:t>
+                    </m:r>
+                    <m:d>
+                      <m:dPr>
+                        <m:ctrlPr>
+                          <a:rPr lang="en-US" b="0" i="1" smtClean="0">
+                            <a:latin typeface="Cambria Math" panose="02040503050406030204" pitchFamily="18" charset="0"/>
+                          </a:rPr>
+                        </m:ctrlPr>
+                      </m:dPr>
+                      <m:e/>
+                    </m:d>
+                    <m:r>
+                      <a:rPr lang="en-US" b="0" i="1" smtClean="0">
+                        <a:latin typeface="Cambria Math" panose="02040503050406030204" pitchFamily="18" charset="0"/>
+                      </a:rPr>
+                      <m:t>:</m:t>
+                    </m:r>
+                    <m:r>
+                      <a:rPr lang="en-US" b="0" i="1" smtClean="0">
+                        <a:latin typeface="Cambria Math" panose="02040503050406030204" pitchFamily="18" charset="0"/>
+                      </a:rPr>
+                      <m:t>𝑚</m:t>
+                    </m:r>
+                    <m:r>
+                      <a:rPr lang="en-US" b="0" i="1" smtClean="0">
+                        <a:latin typeface="Cambria Math" panose="02040503050406030204" pitchFamily="18" charset="0"/>
+                      </a:rPr>
+                      <m:t>,</m:t>
+                    </m:r>
+                    <m:r>
+                      <a:rPr lang="en-US" b="0" i="1" smtClean="0">
+                        <a:latin typeface="Cambria Math" panose="02040503050406030204" pitchFamily="18" charset="0"/>
+                      </a:rPr>
+                      <m:t>𝐼</m:t>
+                    </m:r>
+                    <m:r>
+                      <a:rPr lang="en-US" b="0" i="1" smtClean="0">
+                        <a:latin typeface="Cambria Math" panose="02040503050406030204" pitchFamily="18" charset="0"/>
+                      </a:rPr>
+                      <m:t>→[</m:t>
+                    </m:r>
+                    <m:r>
+                      <a:rPr lang="en-US" b="0" i="1" smtClean="0">
+                        <a:latin typeface="Cambria Math" panose="02040503050406030204" pitchFamily="18" charset="0"/>
+                      </a:rPr>
+                      <m:t>𝑚</m:t>
+                    </m:r>
+                    <m:r>
+                      <a:rPr lang="en-US" b="0" i="1" smtClean="0">
+                        <a:latin typeface="Cambria Math" panose="02040503050406030204" pitchFamily="18" charset="0"/>
+                      </a:rPr>
+                      <m:t>]</m:t>
+                    </m:r>
+                  </m:oMath>
+                </a14:m>
+                <a:endParaRPr lang="en-US" dirty="0" smtClean="0"/>
+              </a:p>
+              <a:p>
+                <a:pPr lvl="1"/>
+                <a:endParaRPr lang="en-US" dirty="0" smtClean="0"/>
+              </a:p>
+              <a:p>
+                <a:r>
+                  <a:rPr lang="en-US" dirty="0" smtClean="0"/>
+                  <a:t>Host is a bad buy </a:t>
+                </a:r>
+                <a14:m>
+                  <m:oMath xmlns:m="http://schemas.openxmlformats.org/officeDocument/2006/math">
+                    <m:r>
+                      <a:rPr lang="en-US" b="0" i="1" smtClean="0">
+                        <a:latin typeface="Cambria Math" panose="02040503050406030204" pitchFamily="18" charset="0"/>
+                      </a:rPr>
+                      <m:t>→</m:t>
+                    </m:r>
+                    <m:d>
+                      <m:dPr>
+                        <m:begChr m:val="["/>
+                        <m:endChr m:val="]"/>
+                        <m:ctrlPr>
+                          <a:rPr lang="en-US" b="0" i="1" smtClean="0">
+                            <a:latin typeface="Cambria Math" panose="02040503050406030204" pitchFamily="18" charset="0"/>
+                          </a:rPr>
+                        </m:ctrlPr>
+                      </m:dPr>
+                      <m:e>
+                        <m:r>
+                          <a:rPr lang="en-US" b="0" i="1" smtClean="0">
+                            <a:latin typeface="Cambria Math" panose="02040503050406030204" pitchFamily="18" charset="0"/>
+                          </a:rPr>
+                          <m:t>𝑚</m:t>
+                        </m:r>
+                      </m:e>
+                    </m:d>
+                    <m:r>
+                      <a:rPr lang="en-US" b="0" i="1" smtClean="0">
+                        <a:latin typeface="Cambria Math" panose="02040503050406030204" pitchFamily="18" charset="0"/>
+                      </a:rPr>
+                      <m:t> </m:t>
+                    </m:r>
+                    <m:r>
+                      <a:rPr lang="en-US" b="0" i="1" smtClean="0">
+                        <a:latin typeface="Cambria Math" panose="02040503050406030204" pitchFamily="18" charset="0"/>
+                      </a:rPr>
+                      <m:t>𝑜𝑟</m:t>
+                    </m:r>
+                    <m:r>
+                      <a:rPr lang="en-US" b="0" i="1" smtClean="0">
+                        <a:latin typeface="Cambria Math" panose="02040503050406030204" pitchFamily="18" charset="0"/>
+                      </a:rPr>
+                      <m:t> </m:t>
+                    </m:r>
+                    <m:d>
+                      <m:dPr>
+                        <m:begChr m:val="["/>
+                        <m:endChr m:val="]"/>
+                        <m:ctrlPr>
+                          <a:rPr lang="en-US" b="0" i="1" smtClean="0">
+                            <a:latin typeface="Cambria Math" panose="02040503050406030204" pitchFamily="18" charset="0"/>
+                          </a:rPr>
+                        </m:ctrlPr>
+                      </m:dPr>
+                      <m:e>
+                        <m:sSup>
+                          <m:sSupPr>
+                            <m:ctrlPr>
+                              <a:rPr lang="en-US" b="0" i="1" smtClean="0">
+                                <a:latin typeface="Cambria Math" panose="02040503050406030204" pitchFamily="18" charset="0"/>
+                              </a:rPr>
+                            </m:ctrlPr>
+                          </m:sSupPr>
+                          <m:e>
+                            <m:r>
+                              <a:rPr lang="en-US" b="0" i="1" smtClean="0">
+                                <a:latin typeface="Cambria Math" panose="02040503050406030204" pitchFamily="18" charset="0"/>
+                              </a:rPr>
+                              <m:t>𝑚</m:t>
+                            </m:r>
+                          </m:e>
+                          <m:sup>
+                            <m:r>
+                              <a:rPr lang="en-US" b="0" i="1" smtClean="0">
+                                <a:latin typeface="Cambria Math" panose="02040503050406030204" pitchFamily="18" charset="0"/>
+                              </a:rPr>
+                              <m:t>′</m:t>
+                            </m:r>
+                          </m:sup>
+                        </m:sSup>
+                      </m:e>
+                    </m:d>
+                  </m:oMath>
+                </a14:m>
+                <a:endParaRPr lang="en-US" dirty="0" smtClean="0"/>
+              </a:p>
+              <a:p>
+                <a:r>
+                  <a:rPr lang="en-US" dirty="0" smtClean="0"/>
+                  <a:t>Output integrity </a:t>
+                </a:r>
+                <a14:m>
+                  <m:oMath xmlns:m="http://schemas.openxmlformats.org/officeDocument/2006/math">
+                    <m:r>
+                      <a:rPr lang="en-US" b="0" i="1" smtClean="0">
+                        <a:latin typeface="Cambria Math" panose="02040503050406030204" pitchFamily="18" charset="0"/>
+                      </a:rPr>
+                      <m:t>→</m:t>
+                    </m:r>
+                  </m:oMath>
+                </a14:m>
+                <a:r>
+                  <a:rPr lang="en-US" dirty="0" smtClean="0"/>
+                  <a:t> Users need to report back </a:t>
+                </a:r>
+                <a14:m>
+                  <m:oMath xmlns:m="http://schemas.openxmlformats.org/officeDocument/2006/math">
+                    <m:d>
+                      <m:dPr>
+                        <m:begChr m:val="["/>
+                        <m:endChr m:val="]"/>
+                        <m:ctrlPr>
+                          <a:rPr lang="en-US" i="1">
+                            <a:latin typeface="Cambria Math" panose="02040503050406030204" pitchFamily="18" charset="0"/>
+                          </a:rPr>
+                        </m:ctrlPr>
+                      </m:dPr>
+                      <m:e>
+                        <m:r>
+                          <a:rPr lang="en-US" i="1">
+                            <a:latin typeface="Cambria Math" panose="02040503050406030204" pitchFamily="18" charset="0"/>
+                          </a:rPr>
+                          <m:t>𝑚</m:t>
+                        </m:r>
+                      </m:e>
+                    </m:d>
+                    <m:r>
+                      <a:rPr lang="en-US" i="1">
+                        <a:latin typeface="Cambria Math" panose="02040503050406030204" pitchFamily="18" charset="0"/>
+                      </a:rPr>
+                      <m:t> </m:t>
+                    </m:r>
+                    <m:r>
+                      <a:rPr lang="en-US" b="0" i="1" smtClean="0">
+                        <a:latin typeface="Cambria Math" panose="02040503050406030204" pitchFamily="18" charset="0"/>
+                      </a:rPr>
+                      <m:t>/</m:t>
+                    </m:r>
+                    <m:r>
+                      <a:rPr lang="en-US" i="1">
+                        <a:latin typeface="Cambria Math" panose="02040503050406030204" pitchFamily="18" charset="0"/>
+                      </a:rPr>
+                      <m:t> </m:t>
+                    </m:r>
+                    <m:d>
+                      <m:dPr>
+                        <m:begChr m:val="["/>
+                        <m:endChr m:val="]"/>
+                        <m:ctrlPr>
+                          <a:rPr lang="en-US" i="1">
+                            <a:latin typeface="Cambria Math" panose="02040503050406030204" pitchFamily="18" charset="0"/>
+                          </a:rPr>
+                        </m:ctrlPr>
+                      </m:dPr>
+                      <m:e>
+                        <m:sSup>
+                          <m:sSupPr>
+                            <m:ctrlPr>
+                              <a:rPr lang="en-US" i="1">
+                                <a:latin typeface="Cambria Math" panose="02040503050406030204" pitchFamily="18" charset="0"/>
+                              </a:rPr>
+                            </m:ctrlPr>
+                          </m:sSupPr>
+                          <m:e>
+                            <m:r>
+                              <a:rPr lang="en-US" i="1">
+                                <a:latin typeface="Cambria Math" panose="02040503050406030204" pitchFamily="18" charset="0"/>
+                              </a:rPr>
+                              <m:t>𝑚</m:t>
+                            </m:r>
+                          </m:e>
+                          <m:sup>
+                            <m:r>
+                              <a:rPr lang="en-US" i="1">
+                                <a:latin typeface="Cambria Math" panose="02040503050406030204" pitchFamily="18" charset="0"/>
+                              </a:rPr>
+                              <m:t>′</m:t>
+                            </m:r>
+                          </m:sup>
+                        </m:sSup>
+                      </m:e>
+                    </m:d>
+                  </m:oMath>
+                </a14:m>
+                <a:endParaRPr lang="en-US" dirty="0"/>
+              </a:p>
+            </p:txBody>
+          </p:sp>
+        </mc:Choice>
+        <mc:Fallback>
+          <p:sp>
+            <p:nvSpPr>
+              <p:cNvPr id="2" name="Content Placeholder 1"/>
+              <p:cNvSpPr>
+                <a:spLocks noGrp="1" noRot="1" noChangeAspect="1" noMove="1" noResize="1" noEditPoints="1" noAdjustHandles="1" noChangeArrowheads="1" noChangeShapeType="1" noTextEdit="1"/>
+              </p:cNvSpPr>
+              <p:nvPr>
+                <p:ph idx="1"/>
+              </p:nvPr>
+            </p:nvSpPr>
+            <p:spPr>
+              <a:blipFill>
+                <a:blip r:embed="rId2"/>
+                <a:stretch>
+                  <a:fillRect l="-264" t="-2026"/>
+                </a:stretch>
+              </a:blipFill>
+            </p:spPr>
+            <p:txBody>
+              <a:bodyPr/>
+              <a:lstStyle/>
+              <a:p>
+                <a:r>
+                  <a:rPr lang="en-US">
+                    <a:noFill/>
+                  </a:rPr>
+                  <a:t> </a:t>
+                </a:r>
+              </a:p>
+            </p:txBody>
+          </p:sp>
+        </mc:Fallback>
+      </mc:AlternateContent>
+      <p:sp>
+        <p:nvSpPr>
+          <p:cNvPr id="3" name="Date Placeholder 2"/>
+          <p:cNvSpPr>
+            <a:spLocks noGrp="1"/>
+          </p:cNvSpPr>
+          <p:nvPr>
+            <p:ph type="dt" sz="half" idx="10"/>
+          </p:nvPr>
+        </p:nvSpPr>
+        <p:spPr/>
+        <p:txBody>
+          <a:bodyPr/>
+          <a:lstStyle/>
+          <a:p>
+            <a:fld id="{C0E6A5AA-C347-4F8D-86AF-2BF972CD8449}" type="datetime1">
+              <a:rPr lang="en-US" smtClean="0"/>
+              <a:t>12/4/2019</a:t>
+            </a:fld>
+            <a:endParaRPr lang="en-GB" dirty="0"/>
+          </a:p>
+        </p:txBody>
+      </p:sp>
+      <p:sp>
+        <p:nvSpPr>
+          <p:cNvPr id="4" name="Footer Placeholder 3"/>
+          <p:cNvSpPr>
+            <a:spLocks noGrp="1"/>
+          </p:cNvSpPr>
+          <p:nvPr>
+            <p:ph type="ftr" sz="quarter" idx="11"/>
+          </p:nvPr>
+        </p:nvSpPr>
+        <p:spPr/>
+        <p:txBody>
+          <a:bodyPr/>
+          <a:lstStyle/>
+          <a:p>
+            <a:r>
+              <a:rPr lang="en-GB" dirty="0" smtClean="0"/>
+              <a:t>Aritra Dhar</a:t>
+            </a:r>
+            <a:endParaRPr lang="en-GB" dirty="0"/>
+          </a:p>
+        </p:txBody>
+      </p:sp>
+      <p:sp>
+        <p:nvSpPr>
+          <p:cNvPr id="5" name="Slide Number Placeholder 4"/>
+          <p:cNvSpPr>
+            <a:spLocks noGrp="1"/>
+          </p:cNvSpPr>
+          <p:nvPr>
+            <p:ph type="sldNum" sz="quarter" idx="12"/>
+          </p:nvPr>
+        </p:nvSpPr>
+        <p:spPr/>
+        <p:txBody>
+          <a:bodyPr/>
+          <a:lstStyle/>
+          <a:p>
+            <a:fld id="{6C6AE60A-B69C-4790-82F7-3882EDF23186}" type="slidenum">
+              <a:rPr lang="en-GB" smtClean="0"/>
+              <a:t>21</a:t>
+            </a:fld>
+            <a:endParaRPr lang="en-GB" dirty="0"/>
+          </a:p>
+        </p:txBody>
+      </p:sp>
+      <p:sp>
+        <p:nvSpPr>
+          <p:cNvPr id="6" name="Title 5"/>
+          <p:cNvSpPr>
+            <a:spLocks noGrp="1"/>
+          </p:cNvSpPr>
+          <p:nvPr>
+            <p:ph type="title"/>
+          </p:nvPr>
+        </p:nvSpPr>
+        <p:spPr/>
+        <p:txBody>
+          <a:bodyPr/>
+          <a:lstStyle/>
+          <a:p>
+            <a:r>
+              <a:rPr lang="en-US" dirty="0" smtClean="0"/>
+              <a:t>How to Build a Trusted Path</a:t>
+            </a:r>
+            <a:endParaRPr lang="en-US" dirty="0"/>
+          </a:p>
+        </p:txBody>
+      </p:sp>
+    </p:spTree>
+    <p:extLst>
+      <p:ext uri="{BB962C8B-B14F-4D97-AF65-F5344CB8AC3E}">
+        <p14:creationId xmlns:p14="http://schemas.microsoft.com/office/powerpoint/2010/main" val="4073522529"/>
+      </p:ext>
+    </p:extLst>
+  </p:cSld>
+  <p:clrMapOvr>
+    <a:masterClrMapping/>
+  </p:clrMapOvr>
+  <p:transition>
+    <p:fade/>
+  </p:transition>
+  <p:timing>
+    <p:tnLst>
+      <p:par>
+        <p:cTn id="1" dur="indefinite" restart="never" nodeType="tmRoot"/>
+      </p:par>
+    </p:tnLst>
+  </p:timing>
+</p:sld>
+</file>
+
+<file path=ppt/slides/slide22.xml><?xml version="1.0" encoding="utf-8"?>
+<p:sld xmlns:a="http://schemas.openxmlformats.org/drawingml/2006/main" xmlns:r="http://schemas.openxmlformats.org/officeDocument/2006/relationships" xmlns:p="http://schemas.openxmlformats.org/presentationml/2006/main">
+  <p:cSld>
+    <p:spTree>
+      <p:nvGrpSpPr>
+        <p:cNvPr id="1" name=""/>
+        <p:cNvGrpSpPr/>
+        <p:nvPr/>
+      </p:nvGrpSpPr>
+      <p:grpSpPr>
+        <a:xfrm>
+          <a:off x="0" y="0"/>
+          <a:ext cx="0" cy="0"/>
+          <a:chOff x="0" y="0"/>
+          <a:chExt cx="0" cy="0"/>
+        </a:xfrm>
+      </p:grpSpPr>
+      <p:sp>
+        <p:nvSpPr>
+          <p:cNvPr id="3" name="Date Placeholder 2"/>
+          <p:cNvSpPr>
+            <a:spLocks noGrp="1"/>
+          </p:cNvSpPr>
+          <p:nvPr>
+            <p:ph type="dt" sz="half" idx="10"/>
+          </p:nvPr>
+        </p:nvSpPr>
+        <p:spPr/>
+        <p:txBody>
+          <a:bodyPr/>
+          <a:lstStyle/>
+          <a:p>
+            <a:fld id="{C0E6A5AA-C347-4F8D-86AF-2BF972CD8449}" type="datetime1">
+              <a:rPr lang="en-US" smtClean="0"/>
+              <a:t>12/4/2019</a:t>
+            </a:fld>
+            <a:endParaRPr lang="en-GB" dirty="0"/>
+          </a:p>
+        </p:txBody>
+      </p:sp>
+      <p:sp>
+        <p:nvSpPr>
+          <p:cNvPr id="4" name="Footer Placeholder 3"/>
+          <p:cNvSpPr>
+            <a:spLocks noGrp="1"/>
+          </p:cNvSpPr>
+          <p:nvPr>
+            <p:ph type="ftr" sz="quarter" idx="11"/>
+          </p:nvPr>
+        </p:nvSpPr>
+        <p:spPr/>
+        <p:txBody>
+          <a:bodyPr/>
+          <a:lstStyle/>
+          <a:p>
+            <a:r>
+              <a:rPr lang="en-GB" smtClean="0"/>
+              <a:t>Aritra Dhar</a:t>
+            </a:r>
+            <a:endParaRPr lang="en-GB" dirty="0"/>
+          </a:p>
+        </p:txBody>
+      </p:sp>
+      <p:sp>
+        <p:nvSpPr>
+          <p:cNvPr id="5" name="Slide Number Placeholder 4"/>
+          <p:cNvSpPr>
+            <a:spLocks noGrp="1"/>
+          </p:cNvSpPr>
+          <p:nvPr>
+            <p:ph type="sldNum" sz="quarter" idx="12"/>
+          </p:nvPr>
+        </p:nvSpPr>
+        <p:spPr/>
+        <p:txBody>
+          <a:bodyPr/>
+          <a:lstStyle/>
+          <a:p>
+            <a:fld id="{6C6AE60A-B69C-4790-82F7-3882EDF23186}" type="slidenum">
+              <a:rPr lang="en-GB" smtClean="0"/>
+              <a:t>22</a:t>
+            </a:fld>
+            <a:endParaRPr lang="en-GB" dirty="0"/>
+          </a:p>
+        </p:txBody>
+      </p:sp>
+      <p:sp>
+        <p:nvSpPr>
+          <p:cNvPr id="6" name="Title 5"/>
+          <p:cNvSpPr>
+            <a:spLocks noGrp="1"/>
+          </p:cNvSpPr>
+          <p:nvPr>
+            <p:ph type="title"/>
+          </p:nvPr>
+        </p:nvSpPr>
+        <p:spPr/>
+        <p:txBody>
+          <a:bodyPr/>
+          <a:lstStyle/>
+          <a:p>
+            <a:r>
+              <a:rPr lang="en-US" dirty="0" smtClean="0"/>
+              <a:t>Trusted Path Interactions</a:t>
+            </a:r>
+            <a:endParaRPr lang="en-US" dirty="0"/>
+          </a:p>
+        </p:txBody>
+      </p:sp>
+      <p:pic>
+        <p:nvPicPr>
+          <p:cNvPr id="7" name="Picture 6"/>
+          <p:cNvPicPr>
+            <a:picLocks noChangeAspect="1"/>
+          </p:cNvPicPr>
+          <p:nvPr/>
+        </p:nvPicPr>
+        <p:blipFill>
+          <a:blip r:embed="rId2"/>
+          <a:stretch>
+            <a:fillRect/>
+          </a:stretch>
+        </p:blipFill>
+        <p:spPr>
+          <a:xfrm>
+            <a:off x="323850" y="3124200"/>
+            <a:ext cx="4924439" cy="1371600"/>
+          </a:xfrm>
+          <a:prstGeom prst="rect">
+            <a:avLst/>
+          </a:prstGeom>
+        </p:spPr>
+      </p:pic>
+      <p:pic>
+        <p:nvPicPr>
+          <p:cNvPr id="8" name="Picture 7"/>
+          <p:cNvPicPr>
+            <a:picLocks noChangeAspect="1"/>
+          </p:cNvPicPr>
+          <p:nvPr/>
+        </p:nvPicPr>
+        <p:blipFill>
+          <a:blip r:embed="rId3"/>
+          <a:stretch>
+            <a:fillRect/>
+          </a:stretch>
+        </p:blipFill>
+        <p:spPr>
+          <a:xfrm>
+            <a:off x="6036396" y="1981200"/>
+            <a:ext cx="5588509" cy="3668486"/>
+          </a:xfrm>
+          <a:prstGeom prst="rect">
+            <a:avLst/>
+          </a:prstGeom>
+        </p:spPr>
+      </p:pic>
+    </p:spTree>
+    <p:extLst>
+      <p:ext uri="{BB962C8B-B14F-4D97-AF65-F5344CB8AC3E}">
+        <p14:creationId xmlns:p14="http://schemas.microsoft.com/office/powerpoint/2010/main" val="3176107080"/>
+      </p:ext>
+    </p:extLst>
+  </p:cSld>
+  <p:clrMapOvr>
+    <a:masterClrMapping/>
+  </p:clrMapOvr>
+  <p:transition>
+    <p:fade/>
+  </p:transition>
+  <p:timing>
+    <p:tnLst>
+      <p:par>
+        <p:cTn id="1" dur="indefinite" restart="never" nodeType="tmRoot"/>
+      </p:par>
+    </p:tnLst>
+  </p:timing>
+</p:sld>
+</file>
+
+<file path=ppt/slides/slide23.xml><?xml version="1.0" encoding="utf-8"?>
+<p:sld xmlns:a="http://schemas.openxmlformats.org/drawingml/2006/main" xmlns:r="http://schemas.openxmlformats.org/officeDocument/2006/relationships" xmlns:p="http://schemas.openxmlformats.org/presentationml/2006/main">
+  <p:cSld>
+    <p:spTree>
+      <p:nvGrpSpPr>
+        <p:cNvPr id="1" name=""/>
+        <p:cNvGrpSpPr/>
+        <p:nvPr/>
+      </p:nvGrpSpPr>
+      <p:grpSpPr>
+        <a:xfrm>
+          <a:off x="0" y="0"/>
+          <a:ext cx="0" cy="0"/>
+          <a:chOff x="0" y="0"/>
+          <a:chExt cx="0" cy="0"/>
+        </a:xfrm>
+      </p:grpSpPr>
+      <mc:AlternateContent xmlns:mc="http://schemas.openxmlformats.org/markup-compatibility/2006">
+        <mc:Choice xmlns:a14="http://schemas.microsoft.com/office/drawing/2010/main" Requires="a14">
+          <p:sp>
+            <p:nvSpPr>
+              <p:cNvPr id="2" name="Content Placeholder 1"/>
+              <p:cNvSpPr>
+                <a:spLocks noGrp="1"/>
+              </p:cNvSpPr>
+              <p:nvPr>
+                <p:ph idx="1"/>
+              </p:nvPr>
+            </p:nvSpPr>
+            <p:spPr/>
+            <p:txBody>
+              <a:bodyPr/>
+              <a:lstStyle/>
+              <a:p>
+                <a:r>
+                  <a:rPr lang="en-US" dirty="0" smtClean="0"/>
+                  <a:t>Sever sends </a:t>
+                </a:r>
+                <a14:m>
+                  <m:oMath xmlns:m="http://schemas.openxmlformats.org/officeDocument/2006/math">
+                    <m:r>
+                      <a:rPr lang="en-US" i="1" dirty="0" smtClean="0">
+                        <a:latin typeface="Cambria Math" panose="02040503050406030204" pitchFamily="18" charset="0"/>
+                      </a:rPr>
+                      <m:t>𝑚</m:t>
+                    </m:r>
+                  </m:oMath>
+                </a14:m>
+                <a:endParaRPr lang="en-US" dirty="0" smtClean="0"/>
+              </a:p>
+              <a:p>
+                <a:r>
+                  <a:rPr lang="en-US" dirty="0" smtClean="0"/>
+                  <a:t>Server knows </a:t>
+                </a:r>
+                <a14:m>
+                  <m:oMath xmlns:m="http://schemas.openxmlformats.org/officeDocument/2006/math">
+                    <m:d>
+                      <m:dPr>
+                        <m:begChr m:val="["/>
+                        <m:endChr m:val="]"/>
+                        <m:ctrlPr>
+                          <a:rPr lang="en-US" i="1" dirty="0" smtClean="0">
+                            <a:latin typeface="Cambria Math" panose="02040503050406030204" pitchFamily="18" charset="0"/>
+                          </a:rPr>
+                        </m:ctrlPr>
+                      </m:dPr>
+                      <m:e>
+                        <m:r>
+                          <a:rPr lang="en-US" i="1" dirty="0" smtClean="0">
+                            <a:latin typeface="Cambria Math" panose="02040503050406030204" pitchFamily="18" charset="0"/>
+                          </a:rPr>
+                          <m:t>𝑚</m:t>
+                        </m:r>
+                      </m:e>
+                    </m:d>
+                  </m:oMath>
+                </a14:m>
+                <a:endParaRPr lang="en-US" dirty="0" smtClean="0"/>
+              </a:p>
+              <a:p>
+                <a:r>
+                  <a:rPr lang="en-US" dirty="0" smtClean="0"/>
+                  <a:t>Given </a:t>
+                </a:r>
+                <a14:m>
+                  <m:oMath xmlns:m="http://schemas.openxmlformats.org/officeDocument/2006/math">
+                    <m:d>
+                      <m:dPr>
+                        <m:begChr m:val="["/>
+                        <m:endChr m:val="]"/>
+                        <m:ctrlPr>
+                          <a:rPr lang="en-US" i="1" dirty="0">
+                            <a:latin typeface="Cambria Math" panose="02040503050406030204" pitchFamily="18" charset="0"/>
+                          </a:rPr>
+                        </m:ctrlPr>
+                      </m:dPr>
+                      <m:e>
+                        <m:r>
+                          <a:rPr lang="en-US" i="1" dirty="0">
+                            <a:latin typeface="Cambria Math" panose="02040503050406030204" pitchFamily="18" charset="0"/>
+                          </a:rPr>
+                          <m:t>𝑚</m:t>
+                        </m:r>
+                      </m:e>
+                    </m:d>
+                  </m:oMath>
+                </a14:m>
+                <a:r>
+                  <a:rPr lang="en-US" dirty="0" smtClean="0"/>
+                  <a:t>, correct input is </a:t>
+                </a:r>
+                <a14:m>
+                  <m:oMath xmlns:m="http://schemas.openxmlformats.org/officeDocument/2006/math">
+                    <m:r>
+                      <a:rPr lang="en-US" b="0" i="1" dirty="0" smtClean="0">
+                        <a:latin typeface="Cambria Math" panose="02040503050406030204" pitchFamily="18" charset="0"/>
+                      </a:rPr>
+                      <m:t>𝐼</m:t>
+                    </m:r>
+                  </m:oMath>
+                </a14:m>
+                <a:endParaRPr lang="en-US" dirty="0" smtClean="0"/>
+              </a:p>
+              <a:p>
+                <a:r>
+                  <a:rPr lang="en-US" dirty="0" smtClean="0"/>
+                  <a:t>Host sends </a:t>
+                </a:r>
+                <a14:m>
+                  <m:oMath xmlns:m="http://schemas.openxmlformats.org/officeDocument/2006/math">
+                    <m:d>
+                      <m:dPr>
+                        <m:begChr m:val="["/>
+                        <m:endChr m:val="]"/>
+                        <m:ctrlPr>
+                          <a:rPr lang="en-US" b="0" i="1" dirty="0" smtClean="0">
+                            <a:latin typeface="Cambria Math" panose="02040503050406030204" pitchFamily="18" charset="0"/>
+                          </a:rPr>
+                        </m:ctrlPr>
+                      </m:dPr>
+                      <m:e>
+                        <m:sSup>
+                          <m:sSupPr>
+                            <m:ctrlPr>
+                              <a:rPr lang="en-US" b="0" i="1" dirty="0" smtClean="0">
+                                <a:latin typeface="Cambria Math" panose="02040503050406030204" pitchFamily="18" charset="0"/>
+                              </a:rPr>
+                            </m:ctrlPr>
+                          </m:sSupPr>
+                          <m:e>
+                            <m:r>
+                              <a:rPr lang="en-US" i="1" dirty="0" smtClean="0">
+                                <a:latin typeface="Cambria Math" panose="02040503050406030204" pitchFamily="18" charset="0"/>
+                              </a:rPr>
+                              <m:t>𝑚</m:t>
+                            </m:r>
+                          </m:e>
+                          <m:sup>
+                            <m:r>
+                              <a:rPr lang="en-US" b="0" i="1" dirty="0" smtClean="0">
+                                <a:latin typeface="Cambria Math" panose="02040503050406030204" pitchFamily="18" charset="0"/>
+                              </a:rPr>
+                              <m:t>′</m:t>
+                            </m:r>
+                          </m:sup>
+                        </m:sSup>
+                      </m:e>
+                    </m:d>
+                    <m:r>
+                      <a:rPr lang="en-US" b="0" i="1" dirty="0" smtClean="0">
+                        <a:latin typeface="Cambria Math" panose="02040503050406030204" pitchFamily="18" charset="0"/>
+                      </a:rPr>
+                      <m:t>≠</m:t>
+                    </m:r>
+                    <m:d>
+                      <m:dPr>
+                        <m:begChr m:val="["/>
+                        <m:endChr m:val="]"/>
+                        <m:ctrlPr>
+                          <a:rPr lang="en-US" b="0" i="1" dirty="0" smtClean="0">
+                            <a:latin typeface="Cambria Math" panose="02040503050406030204" pitchFamily="18" charset="0"/>
+                          </a:rPr>
+                        </m:ctrlPr>
+                      </m:dPr>
+                      <m:e>
+                        <m:r>
+                          <a:rPr lang="en-US" b="0" i="1" dirty="0" smtClean="0">
+                            <a:latin typeface="Cambria Math" panose="02040503050406030204" pitchFamily="18" charset="0"/>
+                          </a:rPr>
+                          <m:t>𝑚</m:t>
+                        </m:r>
+                      </m:e>
+                    </m:d>
+                  </m:oMath>
+                </a14:m>
+                <a:r>
+                  <a:rPr lang="en-US" b="0" dirty="0" smtClean="0"/>
+                  <a:t>  </a:t>
+                </a:r>
+                <a:r>
+                  <a:rPr lang="en-US" b="0" dirty="0" smtClean="0">
+                    <a:solidFill>
+                      <a:srgbClr val="FF0000"/>
+                    </a:solidFill>
+                  </a:rPr>
+                  <a:t>Output integrity</a:t>
+                </a:r>
+              </a:p>
+              <a:p>
+                <a:r>
+                  <a:rPr lang="en-US" dirty="0" smtClean="0"/>
+                  <a:t>User sends </a:t>
+                </a:r>
+                <a14:m>
+                  <m:oMath xmlns:m="http://schemas.openxmlformats.org/officeDocument/2006/math">
+                    <m:sSup>
+                      <m:sSupPr>
+                        <m:ctrlPr>
+                          <a:rPr lang="en-US" b="0" i="1" smtClean="0">
+                            <a:latin typeface="Cambria Math" panose="02040503050406030204" pitchFamily="18" charset="0"/>
+                          </a:rPr>
+                        </m:ctrlPr>
+                      </m:sSupPr>
+                      <m:e>
+                        <m:r>
+                          <a:rPr lang="en-US" b="0" i="1" smtClean="0">
+                            <a:latin typeface="Cambria Math" panose="02040503050406030204" pitchFamily="18" charset="0"/>
+                          </a:rPr>
+                          <m:t>𝐼</m:t>
+                        </m:r>
+                      </m:e>
+                      <m:sup>
+                        <m:r>
+                          <a:rPr lang="en-US" b="0" i="1" smtClean="0">
+                            <a:latin typeface="Cambria Math" panose="02040503050406030204" pitchFamily="18" charset="0"/>
+                          </a:rPr>
+                          <m:t>′</m:t>
+                        </m:r>
+                      </m:sup>
+                    </m:sSup>
+                    <m:r>
+                      <a:rPr lang="en-US" b="0" i="1" smtClean="0">
+                        <a:latin typeface="Cambria Math" panose="02040503050406030204" pitchFamily="18" charset="0"/>
+                      </a:rPr>
+                      <m:t>≠</m:t>
+                    </m:r>
+                    <m:r>
+                      <a:rPr lang="en-US" b="0" i="1" smtClean="0">
+                        <a:latin typeface="Cambria Math" panose="02040503050406030204" pitchFamily="18" charset="0"/>
+                      </a:rPr>
+                      <m:t>𝐼</m:t>
+                    </m:r>
+                    <m:r>
+                      <a:rPr lang="en-US" b="0" i="1" smtClean="0">
+                        <a:latin typeface="Cambria Math" panose="02040503050406030204" pitchFamily="18" charset="0"/>
+                      </a:rPr>
+                      <m:t> </m:t>
+                    </m:r>
+                  </m:oMath>
+                </a14:m>
+                <a:r>
+                  <a:rPr lang="en-US" dirty="0" smtClean="0">
+                    <a:solidFill>
+                      <a:srgbClr val="FF0000"/>
+                    </a:solidFill>
+                  </a:rPr>
+                  <a:t> Input integrity</a:t>
+                </a:r>
+                <a:endParaRPr lang="en-US" dirty="0">
+                  <a:solidFill>
+                    <a:srgbClr val="FF0000"/>
+                  </a:solidFill>
+                </a:endParaRPr>
+              </a:p>
+            </p:txBody>
+          </p:sp>
+        </mc:Choice>
+        <mc:Fallback>
+          <p:sp>
+            <p:nvSpPr>
+              <p:cNvPr id="2" name="Content Placeholder 1"/>
+              <p:cNvSpPr>
+                <a:spLocks noGrp="1" noRot="1" noChangeAspect="1" noMove="1" noResize="1" noEditPoints="1" noAdjustHandles="1" noChangeArrowheads="1" noChangeShapeType="1" noTextEdit="1"/>
+              </p:cNvSpPr>
+              <p:nvPr>
+                <p:ph idx="1"/>
+              </p:nvPr>
+            </p:nvSpPr>
+            <p:spPr>
+              <a:blipFill>
+                <a:blip r:embed="rId2"/>
+                <a:stretch>
+                  <a:fillRect l="-264" t="-2026"/>
+                </a:stretch>
+              </a:blipFill>
+            </p:spPr>
+            <p:txBody>
+              <a:bodyPr/>
+              <a:lstStyle/>
+              <a:p>
+                <a:r>
+                  <a:rPr lang="en-US">
+                    <a:noFill/>
+                  </a:rPr>
+                  <a:t> </a:t>
+                </a:r>
+              </a:p>
+            </p:txBody>
+          </p:sp>
+        </mc:Fallback>
+      </mc:AlternateContent>
+      <p:sp>
+        <p:nvSpPr>
+          <p:cNvPr id="3" name="Date Placeholder 2"/>
+          <p:cNvSpPr>
+            <a:spLocks noGrp="1"/>
+          </p:cNvSpPr>
+          <p:nvPr>
+            <p:ph type="dt" sz="half" idx="10"/>
+          </p:nvPr>
+        </p:nvSpPr>
+        <p:spPr/>
+        <p:txBody>
+          <a:bodyPr/>
+          <a:lstStyle/>
+          <a:p>
+            <a:fld id="{C0E6A5AA-C347-4F8D-86AF-2BF972CD8449}" type="datetime1">
+              <a:rPr lang="en-US" smtClean="0"/>
+              <a:t>12/4/2019</a:t>
+            </a:fld>
+            <a:endParaRPr lang="en-GB" dirty="0"/>
+          </a:p>
+        </p:txBody>
+      </p:sp>
+      <p:sp>
+        <p:nvSpPr>
+          <p:cNvPr id="4" name="Footer Placeholder 3"/>
+          <p:cNvSpPr>
+            <a:spLocks noGrp="1"/>
+          </p:cNvSpPr>
+          <p:nvPr>
+            <p:ph type="ftr" sz="quarter" idx="11"/>
+          </p:nvPr>
+        </p:nvSpPr>
+        <p:spPr/>
+        <p:txBody>
+          <a:bodyPr/>
+          <a:lstStyle/>
+          <a:p>
+            <a:r>
+              <a:rPr lang="en-GB" smtClean="0"/>
+              <a:t>Aritra Dhar</a:t>
+            </a:r>
+            <a:endParaRPr lang="en-GB" dirty="0"/>
+          </a:p>
+        </p:txBody>
+      </p:sp>
+      <p:sp>
+        <p:nvSpPr>
+          <p:cNvPr id="5" name="Slide Number Placeholder 4"/>
+          <p:cNvSpPr>
+            <a:spLocks noGrp="1"/>
+          </p:cNvSpPr>
+          <p:nvPr>
+            <p:ph type="sldNum" sz="quarter" idx="12"/>
+          </p:nvPr>
+        </p:nvSpPr>
+        <p:spPr/>
+        <p:txBody>
+          <a:bodyPr/>
+          <a:lstStyle/>
+          <a:p>
+            <a:fld id="{6C6AE60A-B69C-4790-82F7-3882EDF23186}" type="slidenum">
+              <a:rPr lang="en-GB" smtClean="0"/>
+              <a:t>23</a:t>
+            </a:fld>
+            <a:endParaRPr lang="en-GB" dirty="0"/>
+          </a:p>
+        </p:txBody>
+      </p:sp>
+      <p:sp>
+        <p:nvSpPr>
+          <p:cNvPr id="6" name="Title 5"/>
+          <p:cNvSpPr>
+            <a:spLocks noGrp="1"/>
+          </p:cNvSpPr>
+          <p:nvPr>
+            <p:ph type="title"/>
+          </p:nvPr>
+        </p:nvSpPr>
+        <p:spPr/>
+        <p:txBody>
+          <a:bodyPr/>
+          <a:lstStyle/>
+          <a:p>
+            <a:r>
+              <a:rPr lang="en-US" dirty="0" smtClean="0"/>
+              <a:t>Definition: Violation of Input/output Integrity</a:t>
+            </a:r>
+            <a:endParaRPr lang="en-US" dirty="0"/>
+          </a:p>
+        </p:txBody>
+      </p:sp>
+    </p:spTree>
+    <p:extLst>
+      <p:ext uri="{BB962C8B-B14F-4D97-AF65-F5344CB8AC3E}">
+        <p14:creationId xmlns:p14="http://schemas.microsoft.com/office/powerpoint/2010/main" val="108889755"/>
+      </p:ext>
+    </p:extLst>
+  </p:cSld>
+  <p:clrMapOvr>
+    <a:masterClrMapping/>
+  </p:clrMapOvr>
+  <p:transition>
+    <p:fade/>
+  </p:transition>
+</p:sld>
+</file>
+
+<file path=ppt/slides/slide24.xml><?xml version="1.0" encoding="utf-8"?>
+<p:sld xmlns:a="http://schemas.openxmlformats.org/drawingml/2006/main" xmlns:r="http://schemas.openxmlformats.org/officeDocument/2006/relationships" xmlns:p="http://schemas.openxmlformats.org/presentationml/2006/main">
+  <p:cSld>
+    <p:spTree>
+      <p:nvGrpSpPr>
+        <p:cNvPr id="1" name=""/>
+        <p:cNvGrpSpPr/>
+        <p:nvPr/>
+      </p:nvGrpSpPr>
+      <p:grpSpPr>
+        <a:xfrm>
+          <a:off x="0" y="0"/>
+          <a:ext cx="0" cy="0"/>
+          <a:chOff x="0" y="0"/>
+          <a:chExt cx="0" cy="0"/>
+        </a:xfrm>
+      </p:grpSpPr>
+      <p:sp>
+        <p:nvSpPr>
+          <p:cNvPr id="3" name="Date Placeholder 2"/>
+          <p:cNvSpPr>
+            <a:spLocks noGrp="1"/>
+          </p:cNvSpPr>
+          <p:nvPr>
+            <p:ph type="dt" sz="half" idx="10"/>
+          </p:nvPr>
+        </p:nvSpPr>
+        <p:spPr/>
+        <p:txBody>
+          <a:bodyPr/>
+          <a:lstStyle/>
+          <a:p>
+            <a:fld id="{C0E6A5AA-C347-4F8D-86AF-2BF972CD8449}" type="datetime1">
+              <a:rPr lang="en-US" smtClean="0"/>
+              <a:t>12/4/2019</a:t>
+            </a:fld>
+            <a:endParaRPr lang="en-GB" dirty="0"/>
+          </a:p>
+        </p:txBody>
+      </p:sp>
+      <p:sp>
+        <p:nvSpPr>
+          <p:cNvPr id="4" name="Footer Placeholder 3"/>
+          <p:cNvSpPr>
+            <a:spLocks noGrp="1"/>
+          </p:cNvSpPr>
+          <p:nvPr>
+            <p:ph type="ftr" sz="quarter" idx="11"/>
+          </p:nvPr>
+        </p:nvSpPr>
+        <p:spPr/>
+        <p:txBody>
+          <a:bodyPr/>
+          <a:lstStyle/>
+          <a:p>
+            <a:r>
+              <a:rPr lang="en-GB" smtClean="0"/>
+              <a:t>Aritra Dhar</a:t>
+            </a:r>
+            <a:endParaRPr lang="en-GB" dirty="0"/>
+          </a:p>
+        </p:txBody>
+      </p:sp>
+      <p:sp>
+        <p:nvSpPr>
+          <p:cNvPr id="5" name="Slide Number Placeholder 4"/>
+          <p:cNvSpPr>
+            <a:spLocks noGrp="1"/>
+          </p:cNvSpPr>
+          <p:nvPr>
+            <p:ph type="sldNum" sz="quarter" idx="12"/>
+          </p:nvPr>
+        </p:nvSpPr>
+        <p:spPr/>
+        <p:txBody>
+          <a:bodyPr/>
+          <a:lstStyle/>
+          <a:p>
+            <a:fld id="{6C6AE60A-B69C-4790-82F7-3882EDF23186}" type="slidenum">
+              <a:rPr lang="en-GB" smtClean="0"/>
+              <a:t>24</a:t>
+            </a:fld>
+            <a:endParaRPr lang="en-GB" dirty="0"/>
+          </a:p>
+        </p:txBody>
+      </p:sp>
+      <p:sp>
+        <p:nvSpPr>
+          <p:cNvPr id="6" name="Title 5"/>
+          <p:cNvSpPr>
+            <a:spLocks noGrp="1"/>
+          </p:cNvSpPr>
+          <p:nvPr>
+            <p:ph type="title"/>
+          </p:nvPr>
+        </p:nvSpPr>
+        <p:spPr/>
+        <p:txBody>
+          <a:bodyPr/>
+          <a:lstStyle/>
+          <a:p>
+            <a:r>
+              <a:rPr lang="en-US" dirty="0" smtClean="0"/>
+              <a:t>Verification</a:t>
+            </a:r>
+            <a:endParaRPr lang="en-US" dirty="0"/>
+          </a:p>
+        </p:txBody>
+      </p:sp>
+      <mc:AlternateContent xmlns:mc="http://schemas.openxmlformats.org/markup-compatibility/2006">
+        <mc:Choice xmlns:a14="http://schemas.microsoft.com/office/drawing/2010/main" Requires="a14">
+          <p:sp>
+            <p:nvSpPr>
+              <p:cNvPr id="7" name="Rectangle 6"/>
+              <p:cNvSpPr/>
+              <p:nvPr/>
+            </p:nvSpPr>
+            <p:spPr>
+              <a:xfrm>
+                <a:off x="1140619" y="3124200"/>
+                <a:ext cx="838200" cy="457200"/>
+              </a:xfrm>
+              <a:prstGeom prst="rect">
+                <a:avLst/>
+              </a:prstGeom>
+              <a:ln w="19050"/>
+            </p:spPr>
+            <p:style>
+              <a:lnRef idx="2">
+                <a:schemeClr val="dk1"/>
+              </a:lnRef>
+              <a:fillRef idx="1">
+                <a:schemeClr val="lt1"/>
+              </a:fillRef>
+              <a:effectRef idx="0">
+                <a:schemeClr val="dk1"/>
+              </a:effectRef>
+              <a:fontRef idx="minor">
+                <a:schemeClr val="dk1"/>
+              </a:fontRef>
+            </p:style>
+            <p:txBody>
+              <a:bodyPr rtlCol="0" anchor="ctr"/>
+              <a:lstStyle/>
+              <a:p>
+                <a:pPr algn="ctr"/>
+                <a14:m>
+                  <m:oMathPara xmlns:m="http://schemas.openxmlformats.org/officeDocument/2006/math">
+                    <m:oMathParaPr>
+                      <m:jc m:val="centerGroup"/>
+                    </m:oMathParaPr>
+                    <m:oMath xmlns:m="http://schemas.openxmlformats.org/officeDocument/2006/math">
+                      <m:sSub>
+                        <m:sSubPr>
+                          <m:ctrlPr>
+                            <a:rPr lang="en-US" b="0" i="1" smtClean="0">
+                              <a:latin typeface="Cambria Math" panose="02040503050406030204" pitchFamily="18" charset="0"/>
+                            </a:rPr>
+                          </m:ctrlPr>
+                        </m:sSubPr>
+                        <m:e>
+                          <m:d>
+                            <m:dPr>
+                              <m:begChr m:val="["/>
+                              <m:endChr m:val="]"/>
+                              <m:ctrlPr>
+                                <a:rPr lang="en-US" b="0" i="1" smtClean="0">
+                                  <a:latin typeface="Cambria Math" panose="02040503050406030204" pitchFamily="18" charset="0"/>
+                                </a:rPr>
+                              </m:ctrlPr>
+                            </m:dPr>
+                            <m:e>
+                              <m:r>
+                                <a:rPr lang="en-US" b="0" i="1" smtClean="0">
+                                  <a:latin typeface="Cambria Math" panose="02040503050406030204" pitchFamily="18" charset="0"/>
+                                </a:rPr>
+                                <m:t>𝑚</m:t>
+                              </m:r>
+                            </m:e>
+                          </m:d>
+                        </m:e>
+                        <m:sub>
+                          <m:r>
+                            <a:rPr lang="en-US" b="0" i="1" smtClean="0">
+                              <a:latin typeface="Cambria Math" panose="02040503050406030204" pitchFamily="18" charset="0"/>
+                            </a:rPr>
+                            <m:t>1</m:t>
+                          </m:r>
+                        </m:sub>
+                      </m:sSub>
+                    </m:oMath>
+                  </m:oMathPara>
+                </a14:m>
+                <a:endParaRPr lang="en-US" dirty="0"/>
+              </a:p>
+            </p:txBody>
+          </p:sp>
+        </mc:Choice>
+        <mc:Fallback>
+          <p:sp>
+            <p:nvSpPr>
+              <p:cNvPr id="7" name="Rectangle 6"/>
+              <p:cNvSpPr>
+                <a:spLocks noRot="1" noChangeAspect="1" noMove="1" noResize="1" noEditPoints="1" noAdjustHandles="1" noChangeArrowheads="1" noChangeShapeType="1" noTextEdit="1"/>
+              </p:cNvSpPr>
+              <p:nvPr/>
+            </p:nvSpPr>
+            <p:spPr>
+              <a:xfrm>
+                <a:off x="1140619" y="3124200"/>
+                <a:ext cx="838200" cy="457200"/>
+              </a:xfrm>
+              <a:prstGeom prst="rect">
+                <a:avLst/>
+              </a:prstGeom>
+              <a:blipFill>
+                <a:blip r:embed="rId2"/>
+                <a:stretch>
+                  <a:fillRect/>
+                </a:stretch>
+              </a:blipFill>
+              <a:ln w="19050"/>
+            </p:spPr>
+            <p:txBody>
+              <a:bodyPr/>
+              <a:lstStyle/>
+              <a:p>
+                <a:r>
+                  <a:rPr lang="en-US">
+                    <a:noFill/>
+                  </a:rPr>
+                  <a:t> </a:t>
+                </a:r>
+              </a:p>
+            </p:txBody>
+          </p:sp>
+        </mc:Fallback>
+      </mc:AlternateContent>
+      <mc:AlternateContent xmlns:mc="http://schemas.openxmlformats.org/markup-compatibility/2006">
+        <mc:Choice xmlns:a14="http://schemas.microsoft.com/office/drawing/2010/main" Requires="a14">
+          <p:sp>
+            <p:nvSpPr>
+              <p:cNvPr id="8" name="Rectangle 7"/>
+              <p:cNvSpPr/>
+              <p:nvPr/>
+            </p:nvSpPr>
+            <p:spPr>
+              <a:xfrm>
+                <a:off x="2588419" y="3124200"/>
+                <a:ext cx="838200" cy="457200"/>
+              </a:xfrm>
+              <a:prstGeom prst="rect">
+                <a:avLst/>
+              </a:prstGeom>
+              <a:ln w="19050"/>
+            </p:spPr>
+            <p:style>
+              <a:lnRef idx="2">
+                <a:schemeClr val="dk1"/>
+              </a:lnRef>
+              <a:fillRef idx="1">
+                <a:schemeClr val="lt1"/>
+              </a:fillRef>
+              <a:effectRef idx="0">
+                <a:schemeClr val="dk1"/>
+              </a:effectRef>
+              <a:fontRef idx="minor">
+                <a:schemeClr val="dk1"/>
+              </a:fontRef>
+            </p:style>
+            <p:txBody>
+              <a:bodyPr rtlCol="0" anchor="ctr"/>
+              <a:lstStyle/>
+              <a:p>
+                <a:pPr algn="ctr"/>
+                <a14:m>
+                  <m:oMathPara xmlns:m="http://schemas.openxmlformats.org/officeDocument/2006/math">
+                    <m:oMathParaPr>
+                      <m:jc m:val="centerGroup"/>
+                    </m:oMathParaPr>
+                    <m:oMath xmlns:m="http://schemas.openxmlformats.org/officeDocument/2006/math">
+                      <m:sSub>
+                        <m:sSubPr>
+                          <m:ctrlPr>
+                            <a:rPr lang="en-US" b="0" i="1" smtClean="0">
+                              <a:latin typeface="Cambria Math" panose="02040503050406030204" pitchFamily="18" charset="0"/>
+                            </a:rPr>
+                          </m:ctrlPr>
+                        </m:sSubPr>
+                        <m:e>
+                          <m:d>
+                            <m:dPr>
+                              <m:begChr m:val="["/>
+                              <m:endChr m:val="]"/>
+                              <m:ctrlPr>
+                                <a:rPr lang="en-US" b="0" i="1" smtClean="0">
+                                  <a:latin typeface="Cambria Math" panose="02040503050406030204" pitchFamily="18" charset="0"/>
+                                </a:rPr>
+                              </m:ctrlPr>
+                            </m:dPr>
+                            <m:e>
+                              <m:r>
+                                <a:rPr lang="en-US" b="0" i="1" smtClean="0">
+                                  <a:latin typeface="Cambria Math" panose="02040503050406030204" pitchFamily="18" charset="0"/>
+                                </a:rPr>
+                                <m:t>𝑚</m:t>
+                              </m:r>
+                            </m:e>
+                          </m:d>
+                        </m:e>
+                        <m:sub>
+                          <m:r>
+                            <a:rPr lang="en-US" b="0" i="1" smtClean="0">
+                              <a:latin typeface="Cambria Math" panose="02040503050406030204" pitchFamily="18" charset="0"/>
+                            </a:rPr>
+                            <m:t>2</m:t>
+                          </m:r>
+                        </m:sub>
+                      </m:sSub>
+                    </m:oMath>
+                  </m:oMathPara>
+                </a14:m>
+                <a:endParaRPr lang="en-US" dirty="0"/>
+              </a:p>
+            </p:txBody>
+          </p:sp>
+        </mc:Choice>
+        <mc:Fallback>
+          <p:sp>
+            <p:nvSpPr>
+              <p:cNvPr id="8" name="Rectangle 7"/>
+              <p:cNvSpPr>
+                <a:spLocks noRot="1" noChangeAspect="1" noMove="1" noResize="1" noEditPoints="1" noAdjustHandles="1" noChangeArrowheads="1" noChangeShapeType="1" noTextEdit="1"/>
+              </p:cNvSpPr>
+              <p:nvPr/>
+            </p:nvSpPr>
+            <p:spPr>
+              <a:xfrm>
+                <a:off x="2588419" y="3124200"/>
+                <a:ext cx="838200" cy="457200"/>
+              </a:xfrm>
+              <a:prstGeom prst="rect">
+                <a:avLst/>
+              </a:prstGeom>
+              <a:blipFill>
+                <a:blip r:embed="rId3"/>
+                <a:stretch>
+                  <a:fillRect/>
+                </a:stretch>
+              </a:blipFill>
+              <a:ln w="19050"/>
+            </p:spPr>
+            <p:txBody>
+              <a:bodyPr/>
+              <a:lstStyle/>
+              <a:p>
+                <a:r>
+                  <a:rPr lang="en-US">
+                    <a:noFill/>
+                  </a:rPr>
+                  <a:t> </a:t>
+                </a:r>
+              </a:p>
+            </p:txBody>
+          </p:sp>
+        </mc:Fallback>
+      </mc:AlternateContent>
+      <mc:AlternateContent xmlns:mc="http://schemas.openxmlformats.org/markup-compatibility/2006">
+        <mc:Choice xmlns:a14="http://schemas.microsoft.com/office/drawing/2010/main" Requires="a14">
+          <p:sp>
+            <p:nvSpPr>
+              <p:cNvPr id="9" name="Rectangle 8"/>
+              <p:cNvSpPr/>
+              <p:nvPr/>
+            </p:nvSpPr>
+            <p:spPr>
+              <a:xfrm>
+                <a:off x="4036219" y="3124200"/>
+                <a:ext cx="838200" cy="457200"/>
+              </a:xfrm>
+              <a:prstGeom prst="rect">
+                <a:avLst/>
+              </a:prstGeom>
+              <a:ln w="19050"/>
+            </p:spPr>
+            <p:style>
+              <a:lnRef idx="2">
+                <a:schemeClr val="dk1"/>
+              </a:lnRef>
+              <a:fillRef idx="1">
+                <a:schemeClr val="lt1"/>
+              </a:fillRef>
+              <a:effectRef idx="0">
+                <a:schemeClr val="dk1"/>
+              </a:effectRef>
+              <a:fontRef idx="minor">
+                <a:schemeClr val="dk1"/>
+              </a:fontRef>
+            </p:style>
+            <p:txBody>
+              <a:bodyPr rtlCol="0" anchor="ctr"/>
+              <a:lstStyle/>
+              <a:p>
+                <a:pPr algn="ctr"/>
+                <a14:m>
+                  <m:oMathPara xmlns:m="http://schemas.openxmlformats.org/officeDocument/2006/math">
+                    <m:oMathParaPr>
+                      <m:jc m:val="centerGroup"/>
+                    </m:oMathParaPr>
+                    <m:oMath xmlns:m="http://schemas.openxmlformats.org/officeDocument/2006/math">
+                      <m:sSub>
+                        <m:sSubPr>
+                          <m:ctrlPr>
+                            <a:rPr lang="en-US" b="0" i="1" smtClean="0">
+                              <a:latin typeface="Cambria Math" panose="02040503050406030204" pitchFamily="18" charset="0"/>
+                            </a:rPr>
+                          </m:ctrlPr>
+                        </m:sSubPr>
+                        <m:e>
+                          <m:d>
+                            <m:dPr>
+                              <m:begChr m:val="["/>
+                              <m:endChr m:val="]"/>
+                              <m:ctrlPr>
+                                <a:rPr lang="en-US" b="0" i="1" smtClean="0">
+                                  <a:latin typeface="Cambria Math" panose="02040503050406030204" pitchFamily="18" charset="0"/>
+                                </a:rPr>
+                              </m:ctrlPr>
+                            </m:dPr>
+                            <m:e>
+                              <m:r>
+                                <a:rPr lang="en-US" b="0" i="1" smtClean="0">
+                                  <a:latin typeface="Cambria Math" panose="02040503050406030204" pitchFamily="18" charset="0"/>
+                                </a:rPr>
+                                <m:t>𝑚</m:t>
+                              </m:r>
+                            </m:e>
+                          </m:d>
+                        </m:e>
+                        <m:sub>
+                          <m:r>
+                            <a:rPr lang="en-US" b="0" i="1" smtClean="0">
+                              <a:latin typeface="Cambria Math" panose="02040503050406030204" pitchFamily="18" charset="0"/>
+                            </a:rPr>
+                            <m:t>3</m:t>
+                          </m:r>
+                        </m:sub>
+                      </m:sSub>
+                    </m:oMath>
+                  </m:oMathPara>
+                </a14:m>
+                <a:endParaRPr lang="en-US" dirty="0"/>
+              </a:p>
+            </p:txBody>
+          </p:sp>
+        </mc:Choice>
+        <mc:Fallback>
+          <p:sp>
+            <p:nvSpPr>
+              <p:cNvPr id="9" name="Rectangle 8"/>
+              <p:cNvSpPr>
+                <a:spLocks noRot="1" noChangeAspect="1" noMove="1" noResize="1" noEditPoints="1" noAdjustHandles="1" noChangeArrowheads="1" noChangeShapeType="1" noTextEdit="1"/>
+              </p:cNvSpPr>
+              <p:nvPr/>
+            </p:nvSpPr>
+            <p:spPr>
+              <a:xfrm>
+                <a:off x="4036219" y="3124200"/>
+                <a:ext cx="838200" cy="457200"/>
+              </a:xfrm>
+              <a:prstGeom prst="rect">
+                <a:avLst/>
+              </a:prstGeom>
+              <a:blipFill>
+                <a:blip r:embed="rId4"/>
+                <a:stretch>
+                  <a:fillRect/>
+                </a:stretch>
+              </a:blipFill>
+              <a:ln w="19050"/>
+            </p:spPr>
+            <p:txBody>
+              <a:bodyPr/>
+              <a:lstStyle/>
+              <a:p>
+                <a:r>
+                  <a:rPr lang="en-US">
+                    <a:noFill/>
+                  </a:rPr>
+                  <a:t> </a:t>
+                </a:r>
+              </a:p>
+            </p:txBody>
+          </p:sp>
+        </mc:Fallback>
+      </mc:AlternateContent>
+      <mc:AlternateContent xmlns:mc="http://schemas.openxmlformats.org/markup-compatibility/2006">
+        <mc:Choice xmlns:a14="http://schemas.microsoft.com/office/drawing/2010/main" Requires="a14">
+          <p:sp>
+            <p:nvSpPr>
+              <p:cNvPr id="10" name="Rectangle 9"/>
+              <p:cNvSpPr/>
+              <p:nvPr/>
+            </p:nvSpPr>
+            <p:spPr>
+              <a:xfrm>
+                <a:off x="10392039" y="3124200"/>
+                <a:ext cx="838200" cy="457200"/>
+              </a:xfrm>
+              <a:prstGeom prst="rect">
+                <a:avLst/>
+              </a:prstGeom>
+              <a:ln w="19050"/>
+            </p:spPr>
+            <p:style>
+              <a:lnRef idx="2">
+                <a:schemeClr val="dk1"/>
+              </a:lnRef>
+              <a:fillRef idx="1">
+                <a:schemeClr val="lt1"/>
+              </a:fillRef>
+              <a:effectRef idx="0">
+                <a:schemeClr val="dk1"/>
+              </a:effectRef>
+              <a:fontRef idx="minor">
+                <a:schemeClr val="dk1"/>
+              </a:fontRef>
+            </p:style>
+            <p:txBody>
+              <a:bodyPr rtlCol="0" anchor="ctr"/>
+              <a:lstStyle/>
+              <a:p>
+                <a:pPr algn="ctr"/>
+                <a14:m>
+                  <m:oMathPara xmlns:m="http://schemas.openxmlformats.org/officeDocument/2006/math">
+                    <m:oMathParaPr>
+                      <m:jc m:val="centerGroup"/>
+                    </m:oMathParaPr>
+                    <m:oMath xmlns:m="http://schemas.openxmlformats.org/officeDocument/2006/math">
+                      <m:sSub>
+                        <m:sSubPr>
+                          <m:ctrlPr>
+                            <a:rPr lang="en-US" b="0" i="1" smtClean="0">
+                              <a:latin typeface="Cambria Math" panose="02040503050406030204" pitchFamily="18" charset="0"/>
+                            </a:rPr>
+                          </m:ctrlPr>
+                        </m:sSubPr>
+                        <m:e>
+                          <m:d>
+                            <m:dPr>
+                              <m:begChr m:val="["/>
+                              <m:endChr m:val="]"/>
+                              <m:ctrlPr>
+                                <a:rPr lang="en-US" b="0" i="1" smtClean="0">
+                                  <a:latin typeface="Cambria Math" panose="02040503050406030204" pitchFamily="18" charset="0"/>
+                                </a:rPr>
+                              </m:ctrlPr>
+                            </m:dPr>
+                            <m:e>
+                              <m:r>
+                                <a:rPr lang="en-US" b="0" i="1" smtClean="0">
+                                  <a:latin typeface="Cambria Math" panose="02040503050406030204" pitchFamily="18" charset="0"/>
+                                </a:rPr>
+                                <m:t>𝑚</m:t>
+                              </m:r>
+                            </m:e>
+                          </m:d>
+                        </m:e>
+                        <m:sub>
+                          <m:r>
+                            <a:rPr lang="en-US" b="0" i="1" smtClean="0">
+                              <a:latin typeface="Cambria Math" panose="02040503050406030204" pitchFamily="18" charset="0"/>
+                            </a:rPr>
+                            <m:t>𝑖</m:t>
+                          </m:r>
+                        </m:sub>
+                      </m:sSub>
+                    </m:oMath>
+                  </m:oMathPara>
+                </a14:m>
+                <a:endParaRPr lang="en-US" dirty="0"/>
+              </a:p>
+            </p:txBody>
+          </p:sp>
+        </mc:Choice>
+        <mc:Fallback>
+          <p:sp>
+            <p:nvSpPr>
+              <p:cNvPr id="10" name="Rectangle 9"/>
+              <p:cNvSpPr>
+                <a:spLocks noRot="1" noChangeAspect="1" noMove="1" noResize="1" noEditPoints="1" noAdjustHandles="1" noChangeArrowheads="1" noChangeShapeType="1" noTextEdit="1"/>
+              </p:cNvSpPr>
+              <p:nvPr/>
+            </p:nvSpPr>
+            <p:spPr>
+              <a:xfrm>
+                <a:off x="10392039" y="3124200"/>
+                <a:ext cx="838200" cy="457200"/>
+              </a:xfrm>
+              <a:prstGeom prst="rect">
+                <a:avLst/>
+              </a:prstGeom>
+              <a:blipFill>
+                <a:blip r:embed="rId5"/>
+                <a:stretch>
+                  <a:fillRect/>
+                </a:stretch>
+              </a:blipFill>
+              <a:ln w="19050"/>
+            </p:spPr>
+            <p:txBody>
+              <a:bodyPr/>
+              <a:lstStyle/>
+              <a:p>
+                <a:r>
+                  <a:rPr lang="en-US">
+                    <a:noFill/>
+                  </a:rPr>
+                  <a:t> </a:t>
+                </a:r>
+              </a:p>
+            </p:txBody>
+          </p:sp>
+        </mc:Fallback>
+      </mc:AlternateContent>
+      <mc:AlternateContent xmlns:mc="http://schemas.openxmlformats.org/markup-compatibility/2006">
+        <mc:Choice xmlns:a14="http://schemas.microsoft.com/office/drawing/2010/main" Requires="a14">
+          <p:sp>
+            <p:nvSpPr>
+              <p:cNvPr id="11" name="Rectangle 10"/>
+              <p:cNvSpPr/>
+              <p:nvPr/>
+            </p:nvSpPr>
+            <p:spPr>
+              <a:xfrm>
+                <a:off x="1347000" y="3774362"/>
+                <a:ext cx="425437" cy="369332"/>
+              </a:xfrm>
+              <a:prstGeom prst="rect">
+                <a:avLst/>
+              </a:prstGeom>
+            </p:spPr>
+            <p:txBody>
+              <a:bodyPr wrap="none">
+                <a:spAutoFit/>
+              </a:bodyPr>
+              <a:lstStyle/>
+              <a:p>
+                <a14:m>
+                  <m:oMathPara xmlns:m="http://schemas.openxmlformats.org/officeDocument/2006/math">
+                    <m:oMathParaPr>
+                      <m:jc m:val="centerGroup"/>
+                    </m:oMathParaPr>
+                    <m:oMath xmlns:m="http://schemas.openxmlformats.org/officeDocument/2006/math">
+                      <m:sSub>
+                        <m:sSubPr>
+                          <m:ctrlPr>
+                            <a:rPr lang="en-US" b="0" i="1" smtClean="0">
+                              <a:latin typeface="Cambria Math" panose="02040503050406030204" pitchFamily="18" charset="0"/>
+                            </a:rPr>
+                          </m:ctrlPr>
+                        </m:sSubPr>
+                        <m:e>
+                          <m:r>
+                            <a:rPr lang="en-US" b="0" i="1" smtClean="0">
+                              <a:latin typeface="Cambria Math" panose="02040503050406030204" pitchFamily="18" charset="0"/>
+                            </a:rPr>
+                            <m:t>𝐼</m:t>
+                          </m:r>
+                        </m:e>
+                        <m:sub>
+                          <m:r>
+                            <a:rPr lang="en-US" b="0" i="1" smtClean="0">
+                              <a:latin typeface="Cambria Math" panose="02040503050406030204" pitchFamily="18" charset="0"/>
+                            </a:rPr>
+                            <m:t>1</m:t>
+                          </m:r>
+                        </m:sub>
+                      </m:sSub>
+                    </m:oMath>
+                  </m:oMathPara>
+                </a14:m>
+                <a:endParaRPr lang="en-US" dirty="0"/>
+              </a:p>
+            </p:txBody>
+          </p:sp>
+        </mc:Choice>
+        <mc:Fallback>
+          <p:sp>
+            <p:nvSpPr>
+              <p:cNvPr id="11" name="Rectangle 10"/>
+              <p:cNvSpPr>
+                <a:spLocks noRot="1" noChangeAspect="1" noMove="1" noResize="1" noEditPoints="1" noAdjustHandles="1" noChangeArrowheads="1" noChangeShapeType="1" noTextEdit="1"/>
+              </p:cNvSpPr>
+              <p:nvPr/>
+            </p:nvSpPr>
+            <p:spPr>
+              <a:xfrm>
+                <a:off x="1347000" y="3774362"/>
+                <a:ext cx="425437" cy="369332"/>
+              </a:xfrm>
+              <a:prstGeom prst="rect">
+                <a:avLst/>
+              </a:prstGeom>
+              <a:blipFill>
+                <a:blip r:embed="rId6"/>
+                <a:stretch>
+                  <a:fillRect/>
+                </a:stretch>
+              </a:blipFill>
+            </p:spPr>
+            <p:txBody>
+              <a:bodyPr/>
+              <a:lstStyle/>
+              <a:p>
+                <a:r>
+                  <a:rPr lang="en-US">
+                    <a:noFill/>
+                  </a:rPr>
+                  <a:t> </a:t>
+                </a:r>
+              </a:p>
+            </p:txBody>
+          </p:sp>
+        </mc:Fallback>
+      </mc:AlternateContent>
+      <mc:AlternateContent xmlns:mc="http://schemas.openxmlformats.org/markup-compatibility/2006">
+        <mc:Choice xmlns:a14="http://schemas.microsoft.com/office/drawing/2010/main" Requires="a14">
+          <p:sp>
+            <p:nvSpPr>
+              <p:cNvPr id="12" name="Rectangle 11"/>
+              <p:cNvSpPr/>
+              <p:nvPr/>
+            </p:nvSpPr>
+            <p:spPr>
+              <a:xfrm>
+                <a:off x="2794800" y="3774362"/>
+                <a:ext cx="430759" cy="369332"/>
+              </a:xfrm>
+              <a:prstGeom prst="rect">
+                <a:avLst/>
+              </a:prstGeom>
+            </p:spPr>
+            <p:txBody>
+              <a:bodyPr wrap="none">
+                <a:spAutoFit/>
+              </a:bodyPr>
+              <a:lstStyle/>
+              <a:p>
+                <a14:m>
+                  <m:oMathPara xmlns:m="http://schemas.openxmlformats.org/officeDocument/2006/math">
+                    <m:oMathParaPr>
+                      <m:jc m:val="centerGroup"/>
+                    </m:oMathParaPr>
+                    <m:oMath xmlns:m="http://schemas.openxmlformats.org/officeDocument/2006/math">
+                      <m:sSub>
+                        <m:sSubPr>
+                          <m:ctrlPr>
+                            <a:rPr lang="en-US" b="0" i="1" smtClean="0">
+                              <a:latin typeface="Cambria Math" panose="02040503050406030204" pitchFamily="18" charset="0"/>
+                            </a:rPr>
+                          </m:ctrlPr>
+                        </m:sSubPr>
+                        <m:e>
+                          <m:r>
+                            <a:rPr lang="en-US" b="0" i="1" smtClean="0">
+                              <a:latin typeface="Cambria Math" panose="02040503050406030204" pitchFamily="18" charset="0"/>
+                            </a:rPr>
+                            <m:t>𝐼</m:t>
+                          </m:r>
+                        </m:e>
+                        <m:sub>
+                          <m:r>
+                            <a:rPr lang="en-US" b="0" i="1" smtClean="0">
+                              <a:latin typeface="Cambria Math" panose="02040503050406030204" pitchFamily="18" charset="0"/>
+                            </a:rPr>
+                            <m:t>2</m:t>
+                          </m:r>
+                        </m:sub>
+                      </m:sSub>
+                    </m:oMath>
+                  </m:oMathPara>
+                </a14:m>
+                <a:endParaRPr lang="en-US" dirty="0"/>
+              </a:p>
+            </p:txBody>
+          </p:sp>
+        </mc:Choice>
+        <mc:Fallback>
+          <p:sp>
+            <p:nvSpPr>
+              <p:cNvPr id="12" name="Rectangle 11"/>
+              <p:cNvSpPr>
+                <a:spLocks noRot="1" noChangeAspect="1" noMove="1" noResize="1" noEditPoints="1" noAdjustHandles="1" noChangeArrowheads="1" noChangeShapeType="1" noTextEdit="1"/>
+              </p:cNvSpPr>
+              <p:nvPr/>
+            </p:nvSpPr>
+            <p:spPr>
+              <a:xfrm>
+                <a:off x="2794800" y="3774362"/>
+                <a:ext cx="430759" cy="369332"/>
+              </a:xfrm>
+              <a:prstGeom prst="rect">
+                <a:avLst/>
+              </a:prstGeom>
+              <a:blipFill>
+                <a:blip r:embed="rId7"/>
+                <a:stretch>
+                  <a:fillRect/>
+                </a:stretch>
+              </a:blipFill>
+            </p:spPr>
+            <p:txBody>
+              <a:bodyPr/>
+              <a:lstStyle/>
+              <a:p>
+                <a:r>
+                  <a:rPr lang="en-US">
+                    <a:noFill/>
+                  </a:rPr>
+                  <a:t> </a:t>
+                </a:r>
+              </a:p>
+            </p:txBody>
+          </p:sp>
+        </mc:Fallback>
+      </mc:AlternateContent>
+      <mc:AlternateContent xmlns:mc="http://schemas.openxmlformats.org/markup-compatibility/2006">
+        <mc:Choice xmlns:a14="http://schemas.microsoft.com/office/drawing/2010/main" Requires="a14">
+          <p:sp>
+            <p:nvSpPr>
+              <p:cNvPr id="13" name="Rectangle 12"/>
+              <p:cNvSpPr/>
+              <p:nvPr/>
+            </p:nvSpPr>
+            <p:spPr>
+              <a:xfrm>
+                <a:off x="4239939" y="3774362"/>
+                <a:ext cx="430759" cy="369332"/>
+              </a:xfrm>
+              <a:prstGeom prst="rect">
+                <a:avLst/>
+              </a:prstGeom>
+            </p:spPr>
+            <p:txBody>
+              <a:bodyPr wrap="none">
+                <a:spAutoFit/>
+              </a:bodyPr>
+              <a:lstStyle/>
+              <a:p>
+                <a14:m>
+                  <m:oMathPara xmlns:m="http://schemas.openxmlformats.org/officeDocument/2006/math">
+                    <m:oMathParaPr>
+                      <m:jc m:val="centerGroup"/>
+                    </m:oMathParaPr>
+                    <m:oMath xmlns:m="http://schemas.openxmlformats.org/officeDocument/2006/math">
+                      <m:sSub>
+                        <m:sSubPr>
+                          <m:ctrlPr>
+                            <a:rPr lang="en-US" b="0" i="1" smtClean="0">
+                              <a:latin typeface="Cambria Math" panose="02040503050406030204" pitchFamily="18" charset="0"/>
+                            </a:rPr>
+                          </m:ctrlPr>
+                        </m:sSubPr>
+                        <m:e>
+                          <m:r>
+                            <a:rPr lang="en-US" b="0" i="1" smtClean="0">
+                              <a:latin typeface="Cambria Math" panose="02040503050406030204" pitchFamily="18" charset="0"/>
+                            </a:rPr>
+                            <m:t>𝐼</m:t>
+                          </m:r>
+                        </m:e>
+                        <m:sub>
+                          <m:r>
+                            <a:rPr lang="en-US" b="0" i="1" smtClean="0">
+                              <a:latin typeface="Cambria Math" panose="02040503050406030204" pitchFamily="18" charset="0"/>
+                            </a:rPr>
+                            <m:t>3</m:t>
+                          </m:r>
+                        </m:sub>
+                      </m:sSub>
+                    </m:oMath>
+                  </m:oMathPara>
+                </a14:m>
+                <a:endParaRPr lang="en-US" dirty="0"/>
+              </a:p>
+            </p:txBody>
+          </p:sp>
+        </mc:Choice>
+        <mc:Fallback>
+          <p:sp>
+            <p:nvSpPr>
+              <p:cNvPr id="13" name="Rectangle 12"/>
+              <p:cNvSpPr>
+                <a:spLocks noRot="1" noChangeAspect="1" noMove="1" noResize="1" noEditPoints="1" noAdjustHandles="1" noChangeArrowheads="1" noChangeShapeType="1" noTextEdit="1"/>
+              </p:cNvSpPr>
+              <p:nvPr/>
+            </p:nvSpPr>
+            <p:spPr>
+              <a:xfrm>
+                <a:off x="4239939" y="3774362"/>
+                <a:ext cx="430759" cy="369332"/>
+              </a:xfrm>
+              <a:prstGeom prst="rect">
+                <a:avLst/>
+              </a:prstGeom>
+              <a:blipFill>
+                <a:blip r:embed="rId8"/>
+                <a:stretch>
+                  <a:fillRect/>
+                </a:stretch>
+              </a:blipFill>
+            </p:spPr>
+            <p:txBody>
+              <a:bodyPr/>
+              <a:lstStyle/>
+              <a:p>
+                <a:r>
+                  <a:rPr lang="en-US">
+                    <a:noFill/>
+                  </a:rPr>
+                  <a:t> </a:t>
+                </a:r>
+              </a:p>
+            </p:txBody>
+          </p:sp>
+        </mc:Fallback>
+      </mc:AlternateContent>
+      <mc:AlternateContent xmlns:mc="http://schemas.openxmlformats.org/markup-compatibility/2006">
+        <mc:Choice xmlns:a14="http://schemas.microsoft.com/office/drawing/2010/main" Requires="a14">
+          <p:sp>
+            <p:nvSpPr>
+              <p:cNvPr id="14" name="Rectangle 13"/>
+              <p:cNvSpPr/>
+              <p:nvPr/>
+            </p:nvSpPr>
+            <p:spPr>
+              <a:xfrm>
+                <a:off x="10595759" y="3774362"/>
+                <a:ext cx="398058" cy="369332"/>
+              </a:xfrm>
+              <a:prstGeom prst="rect">
+                <a:avLst/>
+              </a:prstGeom>
+            </p:spPr>
+            <p:txBody>
+              <a:bodyPr wrap="square">
+                <a:spAutoFit/>
+              </a:bodyPr>
+              <a:lstStyle/>
+              <a:p>
+                <a14:m>
+                  <m:oMathPara xmlns:m="http://schemas.openxmlformats.org/officeDocument/2006/math">
+                    <m:oMathParaPr>
+                      <m:jc m:val="centerGroup"/>
+                    </m:oMathParaPr>
+                    <m:oMath xmlns:m="http://schemas.openxmlformats.org/officeDocument/2006/math">
+                      <m:sSub>
+                        <m:sSubPr>
+                          <m:ctrlPr>
+                            <a:rPr lang="en-US" b="0" i="1" smtClean="0">
+                              <a:latin typeface="Cambria Math" panose="02040503050406030204" pitchFamily="18" charset="0"/>
+                            </a:rPr>
+                          </m:ctrlPr>
+                        </m:sSubPr>
+                        <m:e>
+                          <m:r>
+                            <a:rPr lang="en-US" b="0" i="1" smtClean="0">
+                              <a:latin typeface="Cambria Math" panose="02040503050406030204" pitchFamily="18" charset="0"/>
+                            </a:rPr>
+                            <m:t>𝐼</m:t>
+                          </m:r>
+                        </m:e>
+                        <m:sub>
+                          <m:r>
+                            <a:rPr lang="en-US" b="0" i="1" smtClean="0">
+                              <a:latin typeface="Cambria Math" panose="02040503050406030204" pitchFamily="18" charset="0"/>
+                            </a:rPr>
+                            <m:t>𝑖</m:t>
+                          </m:r>
+                        </m:sub>
+                      </m:sSub>
+                    </m:oMath>
+                  </m:oMathPara>
+                </a14:m>
+                <a:endParaRPr lang="en-US" dirty="0"/>
+              </a:p>
+            </p:txBody>
+          </p:sp>
+        </mc:Choice>
+        <mc:Fallback>
+          <p:sp>
+            <p:nvSpPr>
+              <p:cNvPr id="14" name="Rectangle 13"/>
+              <p:cNvSpPr>
+                <a:spLocks noRot="1" noChangeAspect="1" noMove="1" noResize="1" noEditPoints="1" noAdjustHandles="1" noChangeArrowheads="1" noChangeShapeType="1" noTextEdit="1"/>
+              </p:cNvSpPr>
+              <p:nvPr/>
+            </p:nvSpPr>
+            <p:spPr>
+              <a:xfrm>
+                <a:off x="10595759" y="3774362"/>
+                <a:ext cx="398058" cy="369332"/>
+              </a:xfrm>
+              <a:prstGeom prst="rect">
+                <a:avLst/>
+              </a:prstGeom>
+              <a:blipFill>
+                <a:blip r:embed="rId9"/>
+                <a:stretch>
+                  <a:fillRect b="-1639"/>
+                </a:stretch>
+              </a:blipFill>
+            </p:spPr>
+            <p:txBody>
+              <a:bodyPr/>
+              <a:lstStyle/>
+              <a:p>
+                <a:r>
+                  <a:rPr lang="en-US">
+                    <a:noFill/>
+                  </a:rPr>
+                  <a:t> </a:t>
+                </a:r>
+              </a:p>
+            </p:txBody>
+          </p:sp>
+        </mc:Fallback>
+      </mc:AlternateContent>
+      <mc:AlternateContent xmlns:mc="http://schemas.openxmlformats.org/markup-compatibility/2006">
+        <mc:Choice xmlns:a14="http://schemas.microsoft.com/office/drawing/2010/main" Requires="a14">
+          <p:sp>
+            <p:nvSpPr>
+              <p:cNvPr id="15" name="Rectangle 14"/>
+              <p:cNvSpPr/>
+              <p:nvPr/>
+            </p:nvSpPr>
+            <p:spPr>
+              <a:xfrm>
+                <a:off x="150830" y="5029200"/>
+                <a:ext cx="1613711" cy="369332"/>
+              </a:xfrm>
+              <a:prstGeom prst="rect">
+                <a:avLst/>
+              </a:prstGeom>
+            </p:spPr>
+            <p:txBody>
+              <a:bodyPr wrap="none">
+                <a:spAutoFit/>
+              </a:bodyPr>
+              <a:lstStyle/>
+              <a:p>
+                <a14:m>
+                  <m:oMathPara xmlns:m="http://schemas.openxmlformats.org/officeDocument/2006/math">
+                    <m:oMathParaPr>
+                      <m:jc m:val="centerGroup"/>
+                    </m:oMathParaPr>
+                    <m:oMath xmlns:m="http://schemas.openxmlformats.org/officeDocument/2006/math">
+                      <m:r>
+                        <a:rPr lang="en-US" b="0" i="1" smtClean="0">
+                          <a:latin typeface="Cambria Math" panose="02040503050406030204" pitchFamily="18" charset="0"/>
+                        </a:rPr>
+                        <m:t>𝑇𝑟𝑎𝑛𝑠𝑓𝑜𝑟𝑚</m:t>
+                      </m:r>
+                      <m:r>
+                        <a:rPr lang="en-US" b="0" i="1" smtClean="0">
+                          <a:latin typeface="Cambria Math" panose="02040503050406030204" pitchFamily="18" charset="0"/>
+                        </a:rPr>
+                        <m:t>()</m:t>
+                      </m:r>
+                    </m:oMath>
+                  </m:oMathPara>
+                </a14:m>
+                <a:endParaRPr lang="en-US" dirty="0"/>
+              </a:p>
+            </p:txBody>
+          </p:sp>
+        </mc:Choice>
+        <mc:Fallback>
+          <p:sp>
+            <p:nvSpPr>
+              <p:cNvPr id="15" name="Rectangle 14"/>
+              <p:cNvSpPr>
+                <a:spLocks noRot="1" noChangeAspect="1" noMove="1" noResize="1" noEditPoints="1" noAdjustHandles="1" noChangeArrowheads="1" noChangeShapeType="1" noTextEdit="1"/>
+              </p:cNvSpPr>
+              <p:nvPr/>
+            </p:nvSpPr>
+            <p:spPr>
+              <a:xfrm>
+                <a:off x="150830" y="5029200"/>
+                <a:ext cx="1613711" cy="369332"/>
+              </a:xfrm>
+              <a:prstGeom prst="rect">
+                <a:avLst/>
+              </a:prstGeom>
+              <a:blipFill>
+                <a:blip r:embed="rId10"/>
+                <a:stretch>
+                  <a:fillRect b="-13115"/>
+                </a:stretch>
+              </a:blipFill>
+            </p:spPr>
+            <p:txBody>
+              <a:bodyPr/>
+              <a:lstStyle/>
+              <a:p>
+                <a:r>
+                  <a:rPr lang="en-US">
+                    <a:noFill/>
+                  </a:rPr>
+                  <a:t> </a:t>
+                </a:r>
+              </a:p>
+            </p:txBody>
+          </p:sp>
+        </mc:Fallback>
+      </mc:AlternateContent>
+      <p:cxnSp>
+        <p:nvCxnSpPr>
+          <p:cNvPr id="20" name="Curved Connector 19"/>
+          <p:cNvCxnSpPr>
+            <a:stCxn id="7" idx="1"/>
+            <a:endCxn id="15" idx="0"/>
+          </p:cNvCxnSpPr>
+          <p:nvPr/>
+        </p:nvCxnSpPr>
+        <p:spPr>
+          <a:xfrm rot="10800000" flipV="1">
+            <a:off x="957687" y="3352800"/>
+            <a:ext cx="182933" cy="1676400"/>
+          </a:xfrm>
+          <a:prstGeom prst="curvedConnector2">
+            <a:avLst/>
+          </a:prstGeom>
+          <a:ln w="19050" cap="sq">
+            <a:solidFill>
+              <a:srgbClr val="FF0000"/>
+            </a:solidFill>
+            <a:round/>
+            <a:headEnd type="none" w="med" len="med"/>
+            <a:tailEnd type="triangle"/>
+          </a:ln>
+        </p:spPr>
+        <p:style>
+          <a:lnRef idx="1">
+            <a:schemeClr val="accent1"/>
+          </a:lnRef>
+          <a:fillRef idx="0">
+            <a:schemeClr val="accent1"/>
+          </a:fillRef>
+          <a:effectRef idx="0">
+            <a:schemeClr val="accent1"/>
+          </a:effectRef>
+          <a:fontRef idx="minor">
+            <a:schemeClr val="tx1"/>
+          </a:fontRef>
+        </p:style>
+      </p:cxnSp>
+      <p:cxnSp>
+        <p:nvCxnSpPr>
+          <p:cNvPr id="21" name="Curved Connector 20"/>
+          <p:cNvCxnSpPr>
+            <a:stCxn id="11" idx="2"/>
+          </p:cNvCxnSpPr>
+          <p:nvPr/>
+        </p:nvCxnSpPr>
+        <p:spPr>
+          <a:xfrm rot="5400000">
+            <a:off x="918546" y="4388027"/>
+            <a:ext cx="885506" cy="396841"/>
+          </a:xfrm>
+          <a:prstGeom prst="curvedConnector3">
+            <a:avLst>
+              <a:gd name="adj1" fmla="val 50000"/>
+            </a:avLst>
+          </a:prstGeom>
+          <a:ln w="19050" cap="sq">
+            <a:solidFill>
+              <a:srgbClr val="FF0000"/>
+            </a:solidFill>
+            <a:round/>
+            <a:headEnd type="none" w="med" len="med"/>
+            <a:tailEnd type="triangle"/>
+          </a:ln>
+        </p:spPr>
+        <p:style>
+          <a:lnRef idx="1">
+            <a:schemeClr val="accent1"/>
+          </a:lnRef>
+          <a:fillRef idx="0">
+            <a:schemeClr val="accent1"/>
+          </a:fillRef>
+          <a:effectRef idx="0">
+            <a:schemeClr val="accent1"/>
+          </a:effectRef>
+          <a:fontRef idx="minor">
+            <a:schemeClr val="tx1"/>
+          </a:fontRef>
+        </p:style>
+      </p:cxnSp>
+      <p:cxnSp>
+        <p:nvCxnSpPr>
+          <p:cNvPr id="24" name="Curved Connector 23"/>
+          <p:cNvCxnSpPr>
+            <a:stCxn id="15" idx="3"/>
+            <a:endCxn id="8" idx="1"/>
+          </p:cNvCxnSpPr>
+          <p:nvPr/>
+        </p:nvCxnSpPr>
+        <p:spPr>
+          <a:xfrm flipV="1">
+            <a:off x="1764541" y="3352800"/>
+            <a:ext cx="823878" cy="1861066"/>
+          </a:xfrm>
+          <a:prstGeom prst="curvedConnector3">
+            <a:avLst>
+              <a:gd name="adj1" fmla="val 50000"/>
+            </a:avLst>
+          </a:prstGeom>
+          <a:ln w="19050" cap="sq">
+            <a:solidFill>
+              <a:srgbClr val="1269B0"/>
+            </a:solidFill>
+            <a:round/>
+            <a:headEnd type="none" w="med" len="med"/>
+            <a:tailEnd type="triangle"/>
+          </a:ln>
+        </p:spPr>
+        <p:style>
+          <a:lnRef idx="1">
+            <a:schemeClr val="accent1"/>
+          </a:lnRef>
+          <a:fillRef idx="0">
+            <a:schemeClr val="accent1"/>
+          </a:fillRef>
+          <a:effectRef idx="0">
+            <a:schemeClr val="accent1"/>
+          </a:effectRef>
+          <a:fontRef idx="minor">
+            <a:schemeClr val="tx1"/>
+          </a:fontRef>
+        </p:style>
+      </p:cxnSp>
+      <mc:AlternateContent xmlns:mc="http://schemas.openxmlformats.org/markup-compatibility/2006">
+        <mc:Choice xmlns:a14="http://schemas.microsoft.com/office/drawing/2010/main" Requires="a14">
+          <p:sp>
+            <p:nvSpPr>
+              <p:cNvPr id="29" name="Rectangle 28"/>
+              <p:cNvSpPr/>
+              <p:nvPr/>
+            </p:nvSpPr>
+            <p:spPr>
+              <a:xfrm>
+                <a:off x="2152668" y="5029200"/>
+                <a:ext cx="1613711" cy="369332"/>
+              </a:xfrm>
+              <a:prstGeom prst="rect">
+                <a:avLst/>
+              </a:prstGeom>
+            </p:spPr>
+            <p:txBody>
+              <a:bodyPr wrap="none">
+                <a:spAutoFit/>
+              </a:bodyPr>
+              <a:lstStyle/>
+              <a:p>
+                <a14:m>
+                  <m:oMathPara xmlns:m="http://schemas.openxmlformats.org/officeDocument/2006/math">
+                    <m:oMathParaPr>
+                      <m:jc m:val="centerGroup"/>
+                    </m:oMathParaPr>
+                    <m:oMath xmlns:m="http://schemas.openxmlformats.org/officeDocument/2006/math">
+                      <m:r>
+                        <a:rPr lang="en-US" b="0" i="1" smtClean="0">
+                          <a:latin typeface="Cambria Math" panose="02040503050406030204" pitchFamily="18" charset="0"/>
+                        </a:rPr>
+                        <m:t>𝑇𝑟𝑎𝑛𝑠𝑓𝑜𝑟𝑚</m:t>
+                      </m:r>
+                      <m:r>
+                        <a:rPr lang="en-US" b="0" i="1" smtClean="0">
+                          <a:latin typeface="Cambria Math" panose="02040503050406030204" pitchFamily="18" charset="0"/>
+                        </a:rPr>
+                        <m:t>()</m:t>
+                      </m:r>
+                    </m:oMath>
+                  </m:oMathPara>
+                </a14:m>
+                <a:endParaRPr lang="en-US" dirty="0"/>
+              </a:p>
+            </p:txBody>
+          </p:sp>
+        </mc:Choice>
+        <mc:Fallback>
+          <p:sp>
+            <p:nvSpPr>
+              <p:cNvPr id="29" name="Rectangle 28"/>
+              <p:cNvSpPr>
+                <a:spLocks noRot="1" noChangeAspect="1" noMove="1" noResize="1" noEditPoints="1" noAdjustHandles="1" noChangeArrowheads="1" noChangeShapeType="1" noTextEdit="1"/>
+              </p:cNvSpPr>
+              <p:nvPr/>
+            </p:nvSpPr>
+            <p:spPr>
+              <a:xfrm>
+                <a:off x="2152668" y="5029200"/>
+                <a:ext cx="1613711" cy="369332"/>
+              </a:xfrm>
+              <a:prstGeom prst="rect">
+                <a:avLst/>
+              </a:prstGeom>
+              <a:blipFill>
+                <a:blip r:embed="rId11"/>
+                <a:stretch>
+                  <a:fillRect b="-13115"/>
+                </a:stretch>
+              </a:blipFill>
+            </p:spPr>
+            <p:txBody>
+              <a:bodyPr/>
+              <a:lstStyle/>
+              <a:p>
+                <a:r>
+                  <a:rPr lang="en-US">
+                    <a:noFill/>
+                  </a:rPr>
+                  <a:t> </a:t>
+                </a:r>
+              </a:p>
+            </p:txBody>
+          </p:sp>
+        </mc:Fallback>
+      </mc:AlternateContent>
+      <p:cxnSp>
+        <p:nvCxnSpPr>
+          <p:cNvPr id="30" name="Curved Connector 29"/>
+          <p:cNvCxnSpPr/>
+          <p:nvPr/>
+        </p:nvCxnSpPr>
+        <p:spPr>
+          <a:xfrm rot="5400000">
+            <a:off x="1923903" y="4126671"/>
+            <a:ext cx="1447801" cy="357263"/>
+          </a:xfrm>
+          <a:prstGeom prst="curvedConnector3">
+            <a:avLst>
+              <a:gd name="adj1" fmla="val 50000"/>
+            </a:avLst>
+          </a:prstGeom>
+          <a:ln w="19050" cap="sq">
+            <a:solidFill>
+              <a:srgbClr val="FF0000"/>
+            </a:solidFill>
+            <a:round/>
+            <a:headEnd type="none" w="med" len="med"/>
+            <a:tailEnd type="triangle"/>
+          </a:ln>
+        </p:spPr>
+        <p:style>
+          <a:lnRef idx="1">
+            <a:schemeClr val="accent1"/>
+          </a:lnRef>
+          <a:fillRef idx="0">
+            <a:schemeClr val="accent1"/>
+          </a:fillRef>
+          <a:effectRef idx="0">
+            <a:schemeClr val="accent1"/>
+          </a:effectRef>
+          <a:fontRef idx="minor">
+            <a:schemeClr val="tx1"/>
+          </a:fontRef>
+        </p:style>
+      </p:cxnSp>
+      <p:cxnSp>
+        <p:nvCxnSpPr>
+          <p:cNvPr id="38" name="Curved Connector 37"/>
+          <p:cNvCxnSpPr>
+            <a:stCxn id="12" idx="2"/>
+          </p:cNvCxnSpPr>
+          <p:nvPr/>
+        </p:nvCxnSpPr>
+        <p:spPr>
+          <a:xfrm rot="16200000" flipH="1">
+            <a:off x="2720730" y="4433144"/>
+            <a:ext cx="885511" cy="306610"/>
+          </a:xfrm>
+          <a:prstGeom prst="curvedConnector3">
+            <a:avLst>
+              <a:gd name="adj1" fmla="val 50000"/>
+            </a:avLst>
+          </a:prstGeom>
+          <a:ln w="19050" cap="sq">
+            <a:solidFill>
+              <a:srgbClr val="FF0000"/>
+            </a:solidFill>
+            <a:round/>
+            <a:headEnd type="none" w="med" len="med"/>
+            <a:tailEnd type="triangle"/>
+          </a:ln>
+        </p:spPr>
+        <p:style>
+          <a:lnRef idx="1">
+            <a:schemeClr val="accent1"/>
+          </a:lnRef>
+          <a:fillRef idx="0">
+            <a:schemeClr val="accent1"/>
+          </a:fillRef>
+          <a:effectRef idx="0">
+            <a:schemeClr val="accent1"/>
+          </a:effectRef>
+          <a:fontRef idx="minor">
+            <a:schemeClr val="tx1"/>
+          </a:fontRef>
+        </p:style>
+      </p:cxnSp>
+      <p:cxnSp>
+        <p:nvCxnSpPr>
+          <p:cNvPr id="42" name="Curved Connector 41"/>
+          <p:cNvCxnSpPr>
+            <a:stCxn id="29" idx="3"/>
+            <a:endCxn id="9" idx="1"/>
+          </p:cNvCxnSpPr>
+          <p:nvPr/>
+        </p:nvCxnSpPr>
+        <p:spPr>
+          <a:xfrm flipV="1">
+            <a:off x="3766379" y="3352800"/>
+            <a:ext cx="269840" cy="1861066"/>
+          </a:xfrm>
+          <a:prstGeom prst="curvedConnector3">
+            <a:avLst>
+              <a:gd name="adj1" fmla="val 50000"/>
+            </a:avLst>
+          </a:prstGeom>
+          <a:ln w="19050" cap="sq">
+            <a:solidFill>
+              <a:srgbClr val="1269B0"/>
+            </a:solidFill>
+            <a:round/>
+            <a:headEnd type="none" w="med" len="med"/>
+            <a:tailEnd type="triangle"/>
+          </a:ln>
+        </p:spPr>
+        <p:style>
+          <a:lnRef idx="1">
+            <a:schemeClr val="accent1"/>
+          </a:lnRef>
+          <a:fillRef idx="0">
+            <a:schemeClr val="accent1"/>
+          </a:fillRef>
+          <a:effectRef idx="0">
+            <a:schemeClr val="accent1"/>
+          </a:effectRef>
+          <a:fontRef idx="minor">
+            <a:schemeClr val="tx1"/>
+          </a:fontRef>
+        </p:style>
+      </p:cxnSp>
+      <mc:AlternateContent xmlns:mc="http://schemas.openxmlformats.org/markup-compatibility/2006">
+        <mc:Choice xmlns:a14="http://schemas.microsoft.com/office/drawing/2010/main" Requires="a14">
+          <p:sp>
+            <p:nvSpPr>
+              <p:cNvPr id="46" name="Rectangle 45"/>
+              <p:cNvSpPr/>
+              <p:nvPr/>
+            </p:nvSpPr>
+            <p:spPr>
+              <a:xfrm>
+                <a:off x="8432142" y="5029200"/>
+                <a:ext cx="1613711" cy="369332"/>
+              </a:xfrm>
+              <a:prstGeom prst="rect">
+                <a:avLst/>
+              </a:prstGeom>
+            </p:spPr>
+            <p:txBody>
+              <a:bodyPr wrap="none">
+                <a:spAutoFit/>
+              </a:bodyPr>
+              <a:lstStyle/>
+              <a:p>
+                <a14:m>
+                  <m:oMathPara xmlns:m="http://schemas.openxmlformats.org/officeDocument/2006/math">
+                    <m:oMathParaPr>
+                      <m:jc m:val="centerGroup"/>
+                    </m:oMathParaPr>
+                    <m:oMath xmlns:m="http://schemas.openxmlformats.org/officeDocument/2006/math">
+                      <m:r>
+                        <a:rPr lang="en-US" b="0" i="1" smtClean="0">
+                          <a:latin typeface="Cambria Math" panose="02040503050406030204" pitchFamily="18" charset="0"/>
+                        </a:rPr>
+                        <m:t>𝑇𝑟𝑎𝑛𝑠𝑓𝑜𝑟𝑚</m:t>
+                      </m:r>
+                      <m:r>
+                        <a:rPr lang="en-US" b="0" i="1" smtClean="0">
+                          <a:latin typeface="Cambria Math" panose="02040503050406030204" pitchFamily="18" charset="0"/>
+                        </a:rPr>
+                        <m:t>()</m:t>
+                      </m:r>
+                    </m:oMath>
+                  </m:oMathPara>
+                </a14:m>
+                <a:endParaRPr lang="en-US" dirty="0"/>
+              </a:p>
+            </p:txBody>
+          </p:sp>
+        </mc:Choice>
+        <mc:Fallback>
+          <p:sp>
+            <p:nvSpPr>
+              <p:cNvPr id="46" name="Rectangle 45"/>
+              <p:cNvSpPr>
+                <a:spLocks noRot="1" noChangeAspect="1" noMove="1" noResize="1" noEditPoints="1" noAdjustHandles="1" noChangeArrowheads="1" noChangeShapeType="1" noTextEdit="1"/>
+              </p:cNvSpPr>
+              <p:nvPr/>
+            </p:nvSpPr>
+            <p:spPr>
+              <a:xfrm>
+                <a:off x="8432142" y="5029200"/>
+                <a:ext cx="1613711" cy="369332"/>
+              </a:xfrm>
+              <a:prstGeom prst="rect">
+                <a:avLst/>
+              </a:prstGeom>
+              <a:blipFill>
+                <a:blip r:embed="rId12"/>
+                <a:stretch>
+                  <a:fillRect b="-13115"/>
+                </a:stretch>
+              </a:blipFill>
+            </p:spPr>
+            <p:txBody>
+              <a:bodyPr/>
+              <a:lstStyle/>
+              <a:p>
+                <a:r>
+                  <a:rPr lang="en-US">
+                    <a:noFill/>
+                  </a:rPr>
+                  <a:t> </a:t>
+                </a:r>
+              </a:p>
+            </p:txBody>
+          </p:sp>
+        </mc:Fallback>
+      </mc:AlternateContent>
+      <p:cxnSp>
+        <p:nvCxnSpPr>
+          <p:cNvPr id="47" name="Curved Connector 46"/>
+          <p:cNvCxnSpPr>
+            <a:stCxn id="46" idx="3"/>
+            <a:endCxn id="10" idx="1"/>
+          </p:cNvCxnSpPr>
+          <p:nvPr/>
+        </p:nvCxnSpPr>
+        <p:spPr>
+          <a:xfrm flipV="1">
+            <a:off x="10045853" y="3352800"/>
+            <a:ext cx="346186" cy="1861066"/>
+          </a:xfrm>
+          <a:prstGeom prst="curvedConnector3">
+            <a:avLst>
+              <a:gd name="adj1" fmla="val 50000"/>
+            </a:avLst>
+          </a:prstGeom>
+          <a:ln w="19050" cap="sq">
+            <a:solidFill>
+              <a:srgbClr val="1269B0"/>
+            </a:solidFill>
+            <a:round/>
+            <a:headEnd type="none" w="med" len="med"/>
+            <a:tailEnd type="triangle"/>
+          </a:ln>
+        </p:spPr>
+        <p:style>
+          <a:lnRef idx="1">
+            <a:schemeClr val="accent1"/>
+          </a:lnRef>
+          <a:fillRef idx="0">
+            <a:schemeClr val="accent1"/>
+          </a:fillRef>
+          <a:effectRef idx="0">
+            <a:schemeClr val="accent1"/>
+          </a:effectRef>
+          <a:fontRef idx="minor">
+            <a:schemeClr val="tx1"/>
+          </a:fontRef>
+        </p:style>
+      </p:cxnSp>
+      <mc:AlternateContent xmlns:mc="http://schemas.openxmlformats.org/markup-compatibility/2006">
+        <mc:Choice xmlns:a14="http://schemas.microsoft.com/office/drawing/2010/main" Requires="a14">
+          <p:sp>
+            <p:nvSpPr>
+              <p:cNvPr id="51" name="Rectangle 50"/>
+              <p:cNvSpPr/>
+              <p:nvPr/>
+            </p:nvSpPr>
+            <p:spPr>
+              <a:xfrm>
+                <a:off x="8650791" y="3124200"/>
+                <a:ext cx="838200" cy="457200"/>
+              </a:xfrm>
+              <a:prstGeom prst="rect">
+                <a:avLst/>
+              </a:prstGeom>
+              <a:ln w="19050"/>
+            </p:spPr>
+            <p:style>
+              <a:lnRef idx="2">
+                <a:schemeClr val="dk1"/>
+              </a:lnRef>
+              <a:fillRef idx="1">
+                <a:schemeClr val="lt1"/>
+              </a:fillRef>
+              <a:effectRef idx="0">
+                <a:schemeClr val="dk1"/>
+              </a:effectRef>
+              <a:fontRef idx="minor">
+                <a:schemeClr val="dk1"/>
+              </a:fontRef>
+            </p:style>
+            <p:txBody>
+              <a:bodyPr rtlCol="0" anchor="ctr"/>
+              <a:lstStyle/>
+              <a:p>
+                <a:pPr algn="ctr"/>
+                <a14:m>
+                  <m:oMathPara xmlns:m="http://schemas.openxmlformats.org/officeDocument/2006/math">
+                    <m:oMathParaPr>
+                      <m:jc m:val="centerGroup"/>
+                    </m:oMathParaPr>
+                    <m:oMath xmlns:m="http://schemas.openxmlformats.org/officeDocument/2006/math">
+                      <m:sSub>
+                        <m:sSubPr>
+                          <m:ctrlPr>
+                            <a:rPr lang="en-US" b="0" i="1" smtClean="0">
+                              <a:latin typeface="Cambria Math" panose="02040503050406030204" pitchFamily="18" charset="0"/>
+                            </a:rPr>
+                          </m:ctrlPr>
+                        </m:sSubPr>
+                        <m:e>
+                          <m:d>
+                            <m:dPr>
+                              <m:begChr m:val="["/>
+                              <m:endChr m:val="]"/>
+                              <m:ctrlPr>
+                                <a:rPr lang="en-US" b="0" i="1" smtClean="0">
+                                  <a:latin typeface="Cambria Math" panose="02040503050406030204" pitchFamily="18" charset="0"/>
+                                </a:rPr>
+                              </m:ctrlPr>
+                            </m:dPr>
+                            <m:e>
+                              <m:r>
+                                <a:rPr lang="en-US" b="0" i="1" smtClean="0">
+                                  <a:latin typeface="Cambria Math" panose="02040503050406030204" pitchFamily="18" charset="0"/>
+                                </a:rPr>
+                                <m:t>𝑚</m:t>
+                              </m:r>
+                            </m:e>
+                          </m:d>
+                        </m:e>
+                        <m:sub>
+                          <m:r>
+                            <a:rPr lang="en-US" b="0" i="1" smtClean="0">
+                              <a:latin typeface="Cambria Math" panose="02040503050406030204" pitchFamily="18" charset="0"/>
+                            </a:rPr>
+                            <m:t>𝑖</m:t>
+                          </m:r>
+                          <m:r>
+                            <a:rPr lang="en-US" b="0" i="1" smtClean="0">
+                              <a:latin typeface="Cambria Math" panose="02040503050406030204" pitchFamily="18" charset="0"/>
+                            </a:rPr>
+                            <m:t>−1</m:t>
+                          </m:r>
+                        </m:sub>
+                      </m:sSub>
+                    </m:oMath>
+                  </m:oMathPara>
+                </a14:m>
+                <a:endParaRPr lang="en-US" dirty="0"/>
+              </a:p>
+            </p:txBody>
+          </p:sp>
+        </mc:Choice>
+        <mc:Fallback>
+          <p:sp>
+            <p:nvSpPr>
+              <p:cNvPr id="51" name="Rectangle 50"/>
+              <p:cNvSpPr>
+                <a:spLocks noRot="1" noChangeAspect="1" noMove="1" noResize="1" noEditPoints="1" noAdjustHandles="1" noChangeArrowheads="1" noChangeShapeType="1" noTextEdit="1"/>
+              </p:cNvSpPr>
+              <p:nvPr/>
+            </p:nvSpPr>
+            <p:spPr>
+              <a:xfrm>
+                <a:off x="8650791" y="3124200"/>
+                <a:ext cx="838200" cy="457200"/>
+              </a:xfrm>
+              <a:prstGeom prst="rect">
+                <a:avLst/>
+              </a:prstGeom>
+              <a:blipFill>
+                <a:blip r:embed="rId13"/>
+                <a:stretch>
+                  <a:fillRect/>
+                </a:stretch>
+              </a:blipFill>
+              <a:ln w="19050"/>
+            </p:spPr>
+            <p:txBody>
+              <a:bodyPr/>
+              <a:lstStyle/>
+              <a:p>
+                <a:r>
+                  <a:rPr lang="en-US">
+                    <a:noFill/>
+                  </a:rPr>
+                  <a:t> </a:t>
+                </a:r>
+              </a:p>
+            </p:txBody>
+          </p:sp>
+        </mc:Fallback>
+      </mc:AlternateContent>
+      <mc:AlternateContent xmlns:mc="http://schemas.openxmlformats.org/markup-compatibility/2006">
+        <mc:Choice xmlns:a14="http://schemas.microsoft.com/office/drawing/2010/main" Requires="a14">
+          <p:sp>
+            <p:nvSpPr>
+              <p:cNvPr id="52" name="Rectangle 51"/>
+              <p:cNvSpPr/>
+              <p:nvPr/>
+            </p:nvSpPr>
+            <p:spPr>
+              <a:xfrm>
+                <a:off x="8854511" y="3774362"/>
+                <a:ext cx="617670" cy="369332"/>
+              </a:xfrm>
+              <a:prstGeom prst="rect">
+                <a:avLst/>
+              </a:prstGeom>
+            </p:spPr>
+            <p:txBody>
+              <a:bodyPr wrap="none">
+                <a:spAutoFit/>
+              </a:bodyPr>
+              <a:lstStyle/>
+              <a:p>
+                <a14:m>
+                  <m:oMathPara xmlns:m="http://schemas.openxmlformats.org/officeDocument/2006/math">
+                    <m:oMathParaPr>
+                      <m:jc m:val="centerGroup"/>
+                    </m:oMathParaPr>
+                    <m:oMath xmlns:m="http://schemas.openxmlformats.org/officeDocument/2006/math">
+                      <m:sSub>
+                        <m:sSubPr>
+                          <m:ctrlPr>
+                            <a:rPr lang="en-US" b="0" i="1" smtClean="0">
+                              <a:latin typeface="Cambria Math" panose="02040503050406030204" pitchFamily="18" charset="0"/>
+                            </a:rPr>
+                          </m:ctrlPr>
+                        </m:sSubPr>
+                        <m:e>
+                          <m:r>
+                            <a:rPr lang="en-US" b="0" i="1" smtClean="0">
+                              <a:latin typeface="Cambria Math" panose="02040503050406030204" pitchFamily="18" charset="0"/>
+                            </a:rPr>
+                            <m:t>𝐼</m:t>
+                          </m:r>
+                        </m:e>
+                        <m:sub>
+                          <m:r>
+                            <a:rPr lang="en-US" b="0" i="1" smtClean="0">
+                              <a:latin typeface="Cambria Math" panose="02040503050406030204" pitchFamily="18" charset="0"/>
+                            </a:rPr>
+                            <m:t>𝑖</m:t>
+                          </m:r>
+                          <m:r>
+                            <a:rPr lang="en-US" b="0" i="1" smtClean="0">
+                              <a:latin typeface="Cambria Math" panose="02040503050406030204" pitchFamily="18" charset="0"/>
+                            </a:rPr>
+                            <m:t>−1</m:t>
+                          </m:r>
+                        </m:sub>
+                      </m:sSub>
+                    </m:oMath>
+                  </m:oMathPara>
+                </a14:m>
+                <a:endParaRPr lang="en-US" dirty="0"/>
+              </a:p>
+            </p:txBody>
+          </p:sp>
+        </mc:Choice>
+        <mc:Fallback>
+          <p:sp>
+            <p:nvSpPr>
+              <p:cNvPr id="52" name="Rectangle 51"/>
+              <p:cNvSpPr>
+                <a:spLocks noRot="1" noChangeAspect="1" noMove="1" noResize="1" noEditPoints="1" noAdjustHandles="1" noChangeArrowheads="1" noChangeShapeType="1" noTextEdit="1"/>
+              </p:cNvSpPr>
+              <p:nvPr/>
+            </p:nvSpPr>
+            <p:spPr>
+              <a:xfrm>
+                <a:off x="8854511" y="3774362"/>
+                <a:ext cx="617670" cy="369332"/>
+              </a:xfrm>
+              <a:prstGeom prst="rect">
+                <a:avLst/>
+              </a:prstGeom>
+              <a:blipFill>
+                <a:blip r:embed="rId14"/>
+                <a:stretch>
+                  <a:fillRect b="-1639"/>
+                </a:stretch>
+              </a:blipFill>
+            </p:spPr>
+            <p:txBody>
+              <a:bodyPr/>
+              <a:lstStyle/>
+              <a:p>
+                <a:r>
+                  <a:rPr lang="en-US">
+                    <a:noFill/>
+                  </a:rPr>
+                  <a:t> </a:t>
+                </a:r>
+              </a:p>
+            </p:txBody>
+          </p:sp>
+        </mc:Fallback>
+      </mc:AlternateContent>
+      <p:cxnSp>
+        <p:nvCxnSpPr>
+          <p:cNvPr id="53" name="Curved Connector 52"/>
+          <p:cNvCxnSpPr>
+            <a:stCxn id="51" idx="1"/>
+            <a:endCxn id="46" idx="1"/>
+          </p:cNvCxnSpPr>
+          <p:nvPr/>
+        </p:nvCxnSpPr>
+        <p:spPr>
+          <a:xfrm rot="10800000" flipV="1">
+            <a:off x="8432143" y="3352800"/>
+            <a:ext cx="218649" cy="1861066"/>
+          </a:xfrm>
+          <a:prstGeom prst="curvedConnector3">
+            <a:avLst>
+              <a:gd name="adj1" fmla="val 204551"/>
+            </a:avLst>
+          </a:prstGeom>
+          <a:ln w="19050" cap="sq">
+            <a:solidFill>
+              <a:srgbClr val="FF0000"/>
+            </a:solidFill>
+            <a:round/>
+            <a:headEnd type="none" w="med" len="med"/>
+            <a:tailEnd type="triangle"/>
+          </a:ln>
+        </p:spPr>
+        <p:style>
+          <a:lnRef idx="1">
+            <a:schemeClr val="accent1"/>
+          </a:lnRef>
+          <a:fillRef idx="0">
+            <a:schemeClr val="accent1"/>
+          </a:fillRef>
+          <a:effectRef idx="0">
+            <a:schemeClr val="accent1"/>
+          </a:effectRef>
+          <a:fontRef idx="minor">
+            <a:schemeClr val="tx1"/>
+          </a:fontRef>
+        </p:style>
+      </p:cxnSp>
+      <p:cxnSp>
+        <p:nvCxnSpPr>
+          <p:cNvPr id="56" name="Curved Connector 55"/>
+          <p:cNvCxnSpPr>
+            <a:stCxn id="52" idx="2"/>
+          </p:cNvCxnSpPr>
+          <p:nvPr/>
+        </p:nvCxnSpPr>
+        <p:spPr>
+          <a:xfrm rot="16200000" flipH="1">
+            <a:off x="8964526" y="4342514"/>
+            <a:ext cx="910194" cy="512554"/>
+          </a:xfrm>
+          <a:prstGeom prst="curvedConnector3">
+            <a:avLst>
+              <a:gd name="adj1" fmla="val 50000"/>
+            </a:avLst>
+          </a:prstGeom>
+          <a:ln w="19050" cap="sq">
+            <a:solidFill>
+              <a:srgbClr val="FF0000"/>
+            </a:solidFill>
+            <a:round/>
+            <a:headEnd type="none" w="med" len="med"/>
+            <a:tailEnd type="triangle"/>
+          </a:ln>
+        </p:spPr>
+        <p:style>
+          <a:lnRef idx="1">
+            <a:schemeClr val="accent1"/>
+          </a:lnRef>
+          <a:fillRef idx="0">
+            <a:schemeClr val="accent1"/>
+          </a:fillRef>
+          <a:effectRef idx="0">
+            <a:schemeClr val="accent1"/>
+          </a:effectRef>
+          <a:fontRef idx="minor">
+            <a:schemeClr val="tx1"/>
+          </a:fontRef>
+        </p:style>
+      </p:cxnSp>
+      <mc:AlternateContent xmlns:mc="http://schemas.openxmlformats.org/markup-compatibility/2006">
+        <mc:Choice xmlns:a14="http://schemas.microsoft.com/office/drawing/2010/main" Requires="a14">
+          <p:sp>
+            <p:nvSpPr>
+              <p:cNvPr id="63" name="Rectangle 62"/>
+              <p:cNvSpPr/>
+              <p:nvPr/>
+            </p:nvSpPr>
+            <p:spPr>
+              <a:xfrm>
+                <a:off x="6274222" y="4006334"/>
+                <a:ext cx="421910" cy="369332"/>
+              </a:xfrm>
+              <a:prstGeom prst="rect">
+                <a:avLst/>
+              </a:prstGeom>
+            </p:spPr>
+            <p:txBody>
+              <a:bodyPr wrap="none">
+                <a:spAutoFit/>
+              </a:bodyPr>
+              <a:lstStyle/>
+              <a:p>
+                <a14:m>
+                  <m:oMathPara xmlns:m="http://schemas.openxmlformats.org/officeDocument/2006/math">
+                    <m:oMathParaPr>
+                      <m:jc m:val="centerGroup"/>
+                    </m:oMathParaPr>
+                    <m:oMath xmlns:m="http://schemas.openxmlformats.org/officeDocument/2006/math">
+                      <m:r>
+                        <a:rPr lang="en-US" b="0" i="1" smtClean="0">
+                          <a:latin typeface="Cambria Math" panose="02040503050406030204" pitchFamily="18" charset="0"/>
+                        </a:rPr>
+                        <m:t>…</m:t>
+                      </m:r>
+                    </m:oMath>
+                  </m:oMathPara>
+                </a14:m>
+                <a:endParaRPr lang="en-US" dirty="0"/>
+              </a:p>
+            </p:txBody>
+          </p:sp>
+        </mc:Choice>
+        <mc:Fallback>
+          <p:sp>
+            <p:nvSpPr>
+              <p:cNvPr id="63" name="Rectangle 62"/>
+              <p:cNvSpPr>
+                <a:spLocks noRot="1" noChangeAspect="1" noMove="1" noResize="1" noEditPoints="1" noAdjustHandles="1" noChangeArrowheads="1" noChangeShapeType="1" noTextEdit="1"/>
+              </p:cNvSpPr>
+              <p:nvPr/>
+            </p:nvSpPr>
+            <p:spPr>
+              <a:xfrm>
+                <a:off x="6274222" y="4006334"/>
+                <a:ext cx="421910" cy="369332"/>
+              </a:xfrm>
+              <a:prstGeom prst="rect">
+                <a:avLst/>
+              </a:prstGeom>
+              <a:blipFill>
+                <a:blip r:embed="rId15"/>
+                <a:stretch>
+                  <a:fillRect/>
+                </a:stretch>
+              </a:blipFill>
+            </p:spPr>
+            <p:txBody>
+              <a:bodyPr/>
+              <a:lstStyle/>
+              <a:p>
+                <a:r>
+                  <a:rPr lang="en-US">
+                    <a:noFill/>
+                  </a:rPr>
+                  <a:t> </a:t>
+                </a:r>
+              </a:p>
+            </p:txBody>
+          </p:sp>
+        </mc:Fallback>
+      </mc:AlternateContent>
+      <mc:AlternateContent xmlns:mc="http://schemas.openxmlformats.org/markup-compatibility/2006">
+        <mc:Choice xmlns:a14="http://schemas.microsoft.com/office/drawing/2010/main" Requires="a14">
+          <p:sp>
+            <p:nvSpPr>
+              <p:cNvPr id="64" name="Rectangle 63"/>
+              <p:cNvSpPr/>
+              <p:nvPr/>
+            </p:nvSpPr>
+            <p:spPr>
+              <a:xfrm>
+                <a:off x="1341166" y="1458415"/>
+                <a:ext cx="446724" cy="369332"/>
+              </a:xfrm>
+              <a:prstGeom prst="rect">
+                <a:avLst/>
+              </a:prstGeom>
+            </p:spPr>
+            <p:txBody>
+              <a:bodyPr wrap="none">
+                <a:spAutoFit/>
+              </a:bodyPr>
+              <a:lstStyle/>
+              <a:p>
+                <a14:m>
+                  <m:oMathPara xmlns:m="http://schemas.openxmlformats.org/officeDocument/2006/math">
+                    <m:oMathParaPr>
+                      <m:jc m:val="centerGroup"/>
+                    </m:oMathParaPr>
+                    <m:oMath xmlns:m="http://schemas.openxmlformats.org/officeDocument/2006/math">
+                      <m:r>
+                        <a:rPr lang="en-US" i="1">
+                          <a:latin typeface="Cambria Math" panose="02040503050406030204" pitchFamily="18" charset="0"/>
+                        </a:rPr>
+                        <m:t>𝑚</m:t>
+                      </m:r>
+                    </m:oMath>
+                  </m:oMathPara>
+                </a14:m>
+                <a:endParaRPr lang="en-US" dirty="0"/>
+              </a:p>
+            </p:txBody>
+          </p:sp>
+        </mc:Choice>
+        <mc:Fallback>
+          <p:sp>
+            <p:nvSpPr>
+              <p:cNvPr id="64" name="Rectangle 63"/>
+              <p:cNvSpPr>
+                <a:spLocks noRot="1" noChangeAspect="1" noMove="1" noResize="1" noEditPoints="1" noAdjustHandles="1" noChangeArrowheads="1" noChangeShapeType="1" noTextEdit="1"/>
+              </p:cNvSpPr>
+              <p:nvPr/>
+            </p:nvSpPr>
+            <p:spPr>
+              <a:xfrm>
+                <a:off x="1341166" y="1458415"/>
+                <a:ext cx="446724" cy="369332"/>
+              </a:xfrm>
+              <a:prstGeom prst="rect">
+                <a:avLst/>
+              </a:prstGeom>
+              <a:blipFill>
+                <a:blip r:embed="rId16"/>
+                <a:stretch>
+                  <a:fillRect/>
+                </a:stretch>
+              </a:blipFill>
+            </p:spPr>
+            <p:txBody>
+              <a:bodyPr/>
+              <a:lstStyle/>
+              <a:p>
+                <a:r>
+                  <a:rPr lang="en-US">
+                    <a:noFill/>
+                  </a:rPr>
+                  <a:t> </a:t>
+                </a:r>
+              </a:p>
+            </p:txBody>
+          </p:sp>
+        </mc:Fallback>
+      </mc:AlternateContent>
+      <mc:AlternateContent xmlns:mc="http://schemas.openxmlformats.org/markup-compatibility/2006">
+        <mc:Choice xmlns:a14="http://schemas.microsoft.com/office/drawing/2010/main" Requires="a14">
+          <p:sp>
+            <p:nvSpPr>
+              <p:cNvPr id="67" name="Rectangle 66"/>
+              <p:cNvSpPr/>
+              <p:nvPr/>
+            </p:nvSpPr>
+            <p:spPr>
+              <a:xfrm>
+                <a:off x="752864" y="2071538"/>
+                <a:ext cx="1613711" cy="369332"/>
+              </a:xfrm>
+              <a:prstGeom prst="rect">
+                <a:avLst/>
+              </a:prstGeom>
+            </p:spPr>
+            <p:txBody>
+              <a:bodyPr wrap="none">
+                <a:spAutoFit/>
+              </a:bodyPr>
+              <a:lstStyle/>
+              <a:p>
+                <a14:m>
+                  <m:oMathPara xmlns:m="http://schemas.openxmlformats.org/officeDocument/2006/math">
+                    <m:oMathParaPr>
+                      <m:jc m:val="centerGroup"/>
+                    </m:oMathParaPr>
+                    <m:oMath xmlns:m="http://schemas.openxmlformats.org/officeDocument/2006/math">
+                      <m:r>
+                        <a:rPr lang="en-US" b="0" i="1" smtClean="0">
+                          <a:latin typeface="Cambria Math" panose="02040503050406030204" pitchFamily="18" charset="0"/>
+                        </a:rPr>
+                        <m:t>𝑇𝑟𝑎𝑛𝑠𝑓𝑜𝑟𝑚</m:t>
+                      </m:r>
+                      <m:r>
+                        <a:rPr lang="en-US" b="0" i="1" smtClean="0">
+                          <a:latin typeface="Cambria Math" panose="02040503050406030204" pitchFamily="18" charset="0"/>
+                        </a:rPr>
+                        <m:t>()</m:t>
+                      </m:r>
+                    </m:oMath>
+                  </m:oMathPara>
+                </a14:m>
+                <a:endParaRPr lang="en-US" dirty="0"/>
+              </a:p>
+            </p:txBody>
+          </p:sp>
+        </mc:Choice>
+        <mc:Fallback>
+          <p:sp>
+            <p:nvSpPr>
+              <p:cNvPr id="67" name="Rectangle 66"/>
+              <p:cNvSpPr>
+                <a:spLocks noRot="1" noChangeAspect="1" noMove="1" noResize="1" noEditPoints="1" noAdjustHandles="1" noChangeArrowheads="1" noChangeShapeType="1" noTextEdit="1"/>
+              </p:cNvSpPr>
+              <p:nvPr/>
+            </p:nvSpPr>
+            <p:spPr>
+              <a:xfrm>
+                <a:off x="752864" y="2071538"/>
+                <a:ext cx="1613711" cy="369332"/>
+              </a:xfrm>
+              <a:prstGeom prst="rect">
+                <a:avLst/>
+              </a:prstGeom>
+              <a:blipFill>
+                <a:blip r:embed="rId17"/>
+                <a:stretch>
+                  <a:fillRect b="-15000"/>
+                </a:stretch>
+              </a:blipFill>
+            </p:spPr>
+            <p:txBody>
+              <a:bodyPr/>
+              <a:lstStyle/>
+              <a:p>
+                <a:r>
+                  <a:rPr lang="en-US">
+                    <a:noFill/>
+                  </a:rPr>
+                  <a:t> </a:t>
+                </a:r>
+              </a:p>
+            </p:txBody>
+          </p:sp>
+        </mc:Fallback>
+      </mc:AlternateContent>
+      <p:cxnSp>
+        <p:nvCxnSpPr>
+          <p:cNvPr id="69" name="Straight Arrow Connector 68"/>
+          <p:cNvCxnSpPr>
+            <a:stCxn id="64" idx="2"/>
+            <a:endCxn id="67" idx="0"/>
+          </p:cNvCxnSpPr>
+          <p:nvPr/>
+        </p:nvCxnSpPr>
+        <p:spPr>
+          <a:xfrm flipH="1">
+            <a:off x="1559720" y="1827747"/>
+            <a:ext cx="4808" cy="243791"/>
+          </a:xfrm>
+          <a:prstGeom prst="straightConnector1">
+            <a:avLst/>
+          </a:prstGeom>
+          <a:ln w="19050" cap="sq">
+            <a:solidFill>
+              <a:srgbClr val="FF0000"/>
+            </a:solidFill>
+            <a:round/>
+            <a:headEnd type="none" w="med" len="med"/>
+            <a:tailEnd type="triangle"/>
+          </a:ln>
+        </p:spPr>
+        <p:style>
+          <a:lnRef idx="1">
+            <a:schemeClr val="accent1"/>
+          </a:lnRef>
+          <a:fillRef idx="0">
+            <a:schemeClr val="accent1"/>
+          </a:fillRef>
+          <a:effectRef idx="0">
+            <a:schemeClr val="accent1"/>
+          </a:effectRef>
+          <a:fontRef idx="minor">
+            <a:schemeClr val="tx1"/>
+          </a:fontRef>
+        </p:style>
+      </p:cxnSp>
+      <p:cxnSp>
+        <p:nvCxnSpPr>
+          <p:cNvPr id="71" name="Straight Arrow Connector 70"/>
+          <p:cNvCxnSpPr>
+            <a:stCxn id="67" idx="2"/>
+            <a:endCxn id="7" idx="0"/>
+          </p:cNvCxnSpPr>
+          <p:nvPr/>
+        </p:nvCxnSpPr>
+        <p:spPr>
+          <a:xfrm flipH="1">
+            <a:off x="1559719" y="2440870"/>
+            <a:ext cx="1" cy="683330"/>
+          </a:xfrm>
+          <a:prstGeom prst="straightConnector1">
+            <a:avLst/>
+          </a:prstGeom>
+          <a:ln w="19050" cap="sq">
+            <a:solidFill>
+              <a:srgbClr val="FF0000"/>
+            </a:solidFill>
+            <a:round/>
+            <a:headEnd type="none" w="med" len="med"/>
+            <a:tailEnd type="triangle"/>
+          </a:ln>
+        </p:spPr>
+        <p:style>
+          <a:lnRef idx="1">
+            <a:schemeClr val="accent1"/>
+          </a:lnRef>
+          <a:fillRef idx="0">
+            <a:schemeClr val="accent1"/>
+          </a:fillRef>
+          <a:effectRef idx="0">
+            <a:schemeClr val="accent1"/>
+          </a:effectRef>
+          <a:fontRef idx="minor">
+            <a:schemeClr val="tx1"/>
+          </a:fontRef>
+        </p:style>
+      </p:cxnSp>
+      <mc:AlternateContent xmlns:mc="http://schemas.openxmlformats.org/markup-compatibility/2006">
+        <mc:Choice xmlns:a14="http://schemas.microsoft.com/office/drawing/2010/main" Requires="a14">
+          <p:sp>
+            <p:nvSpPr>
+              <p:cNvPr id="78" name="TextBox 77"/>
+              <p:cNvSpPr txBox="1"/>
+              <p:nvPr/>
+            </p:nvSpPr>
+            <p:spPr>
+              <a:xfrm>
+                <a:off x="3163485" y="5914711"/>
+                <a:ext cx="5521063" cy="369332"/>
+              </a:xfrm>
+              <a:prstGeom prst="rect">
+                <a:avLst/>
+              </a:prstGeom>
+              <a:noFill/>
+            </p:spPr>
+            <p:txBody>
+              <a:bodyPr wrap="none" rtlCol="0">
+                <a:spAutoFit/>
+              </a:bodyPr>
+              <a:lstStyle/>
+              <a:p>
+                <a:r>
+                  <a:rPr lang="en-US" dirty="0" smtClean="0">
+                    <a:solidFill>
+                      <a:srgbClr val="FF0000"/>
+                    </a:solidFill>
+                  </a:rPr>
+                  <a:t>Anything missing in the chain </a:t>
+                </a:r>
+                <a14:m>
+                  <m:oMath xmlns:m="http://schemas.openxmlformats.org/officeDocument/2006/math">
+                    <m:r>
+                      <a:rPr lang="en-US" b="0" i="1" smtClean="0">
+                        <a:solidFill>
+                          <a:srgbClr val="FF0000"/>
+                        </a:solidFill>
+                        <a:latin typeface="Cambria Math" panose="02040503050406030204" pitchFamily="18" charset="0"/>
+                      </a:rPr>
+                      <m:t>→</m:t>
+                    </m:r>
+                  </m:oMath>
+                </a14:m>
+                <a:r>
+                  <a:rPr lang="en-US" dirty="0" smtClean="0">
+                    <a:solidFill>
+                      <a:srgbClr val="FF0000"/>
+                    </a:solidFill>
+                  </a:rPr>
+                  <a:t> IO integrity violation</a:t>
+                </a:r>
+                <a:endParaRPr lang="en-US" dirty="0">
+                  <a:solidFill>
+                    <a:srgbClr val="FF0000"/>
+                  </a:solidFill>
+                </a:endParaRPr>
+              </a:p>
+            </p:txBody>
+          </p:sp>
+        </mc:Choice>
+        <mc:Fallback>
+          <p:sp>
+            <p:nvSpPr>
+              <p:cNvPr id="78" name="TextBox 77"/>
+              <p:cNvSpPr txBox="1">
+                <a:spLocks noRot="1" noChangeAspect="1" noMove="1" noResize="1" noEditPoints="1" noAdjustHandles="1" noChangeArrowheads="1" noChangeShapeType="1" noTextEdit="1"/>
+              </p:cNvSpPr>
+              <p:nvPr/>
+            </p:nvSpPr>
+            <p:spPr>
+              <a:xfrm>
+                <a:off x="3163485" y="5914711"/>
+                <a:ext cx="5521063" cy="369332"/>
+              </a:xfrm>
+              <a:prstGeom prst="rect">
+                <a:avLst/>
+              </a:prstGeom>
+              <a:blipFill>
+                <a:blip r:embed="rId18"/>
+                <a:stretch>
+                  <a:fillRect l="-993" t="-8197" r="-221" b="-24590"/>
+                </a:stretch>
+              </a:blipFill>
+            </p:spPr>
+            <p:txBody>
+              <a:bodyPr/>
+              <a:lstStyle/>
+              <a:p>
+                <a:r>
+                  <a:rPr lang="en-US">
+                    <a:noFill/>
+                  </a:rPr>
+                  <a:t> </a:t>
+                </a:r>
+              </a:p>
+            </p:txBody>
+          </p:sp>
+        </mc:Fallback>
+      </mc:AlternateContent>
+    </p:spTree>
+    <p:extLst>
+      <p:ext uri="{BB962C8B-B14F-4D97-AF65-F5344CB8AC3E}">
+        <p14:creationId xmlns:p14="http://schemas.microsoft.com/office/powerpoint/2010/main" val="2169227639"/>
+      </p:ext>
+    </p:extLst>
+  </p:cSld>
+  <p:clrMapOvr>
+    <a:masterClrMapping/>
+  </p:clrMapOvr>
+  <p:transition>
+    <p:fade/>
+  </p:transition>
+</p:sld>
+</file>
+
+<file path=ppt/slides/slide25.xml><?xml version="1.0" encoding="utf-8"?>
+<p:sld xmlns:a="http://schemas.openxmlformats.org/drawingml/2006/main" xmlns:r="http://schemas.openxmlformats.org/officeDocument/2006/relationships" xmlns:p="http://schemas.openxmlformats.org/presentationml/2006/main">
+  <p:cSld>
+    <p:spTree>
+      <p:nvGrpSpPr>
+        <p:cNvPr id="1" name=""/>
+        <p:cNvGrpSpPr/>
+        <p:nvPr/>
+      </p:nvGrpSpPr>
+      <p:grpSpPr>
+        <a:xfrm>
+          <a:off x="0" y="0"/>
+          <a:ext cx="0" cy="0"/>
+          <a:chOff x="0" y="0"/>
+          <a:chExt cx="0" cy="0"/>
+        </a:xfrm>
+      </p:grpSpPr>
+      <mc:AlternateContent xmlns:mc="http://schemas.openxmlformats.org/markup-compatibility/2006">
+        <mc:Choice xmlns:a14="http://schemas.microsoft.com/office/drawing/2010/main" Requires="a14">
+          <p:sp>
+            <p:nvSpPr>
+              <p:cNvPr id="2" name="Content Placeholder 1"/>
+              <p:cNvSpPr>
+                <a:spLocks noGrp="1"/>
+              </p:cNvSpPr>
+              <p:nvPr>
+                <p:ph idx="1"/>
+              </p:nvPr>
+            </p:nvSpPr>
+            <p:spPr/>
+            <p:txBody>
+              <a:bodyPr/>
+              <a:lstStyle/>
+              <a:p>
+                <a:r>
+                  <a:rPr lang="en-US" dirty="0" smtClean="0"/>
+                  <a:t>Building trusted path is </a:t>
+                </a:r>
+                <a:r>
+                  <a:rPr lang="en-US" dirty="0" smtClean="0">
+                    <a:solidFill>
+                      <a:srgbClr val="FF0000"/>
+                    </a:solidFill>
+                  </a:rPr>
+                  <a:t>non-trivial</a:t>
+                </a:r>
+              </a:p>
+              <a:p>
+                <a:r>
+                  <a:rPr lang="en-US" dirty="0" smtClean="0"/>
+                  <a:t>Existing solutions: build </a:t>
+                </a:r>
+                <a:r>
+                  <a:rPr lang="en-US" dirty="0" smtClean="0"/>
+                  <a:t>the systems first </a:t>
+                </a:r>
+                <a14:m>
+                  <m:oMath xmlns:m="http://schemas.openxmlformats.org/officeDocument/2006/math">
+                    <m:r>
+                      <a:rPr lang="en-US" i="1">
+                        <a:latin typeface="Cambria Math" panose="02040503050406030204" pitchFamily="18" charset="0"/>
+                      </a:rPr>
+                      <m:t>→</m:t>
+                    </m:r>
+                  </m:oMath>
+                </a14:m>
+                <a:r>
+                  <a:rPr lang="en-US" dirty="0" smtClean="0"/>
+                  <a:t> …</a:t>
+                </a:r>
+                <a:endParaRPr lang="en-US" dirty="0" smtClean="0"/>
               </a:p>
               <a:p>
                 <a:r>
@@ -46049,7 +49733,7 @@
           <a:p>
             <a:fld id="{C0E6A5AA-C347-4F8D-86AF-2BF972CD8449}" type="datetime1">
               <a:rPr lang="en-US" smtClean="0"/>
-              <a:t>12/3/2019</a:t>
+              <a:t>12/4/2019</a:t>
             </a:fld>
             <a:endParaRPr lang="en-GB" dirty="0"/>
           </a:p>
@@ -46095,7 +49779,7 @@
           <a:p>
             <a:fld id="{6C6AE60A-B69C-4790-82F7-3882EDF23186}" type="slidenum">
               <a:rPr lang="en-GB" smtClean="0"/>
-              <a:t>21</a:t>
+              <a:t>25</a:t>
             </a:fld>
             <a:endParaRPr lang="en-GB" dirty="0"/>
           </a:p>
@@ -46147,7 +49831,7 @@
 </p:sld>
 </file>
 
-<file path=ppt/slides/slide22.xml><?xml version="1.0" encoding="utf-8"?>
+<file path=ppt/slides/slide26.xml><?xml version="1.0" encoding="utf-8"?>
 <p:sld xmlns:a="http://schemas.openxmlformats.org/drawingml/2006/main" xmlns:r="http://schemas.openxmlformats.org/officeDocument/2006/relationships" xmlns:p="http://schemas.openxmlformats.org/presentationml/2006/main">
   <p:cSld>
     <p:spTree>
@@ -46200,7 +49884,7 @@
           <a:p>
             <a:fld id="{C0E6A5AA-C347-4F8D-86AF-2BF972CD8449}" type="datetime1">
               <a:rPr lang="en-US" smtClean="0"/>
-              <a:t>12/3/2019</a:t>
+              <a:t>12/4/2019</a:t>
             </a:fld>
             <a:endParaRPr lang="en-GB" dirty="0"/>
           </a:p>
@@ -46246,7 +49930,287 @@
           <a:p>
             <a:fld id="{6C6AE60A-B69C-4790-82F7-3882EDF23186}" type="slidenum">
               <a:rPr lang="en-GB" smtClean="0"/>
-              <a:t>22</a:t>
+              <a:t>26</a:t>
+            </a:fld>
+            <a:endParaRPr lang="en-GB" dirty="0"/>
+          </a:p>
+        </p:txBody>
+      </p:sp>
+      <p:sp>
+        <p:nvSpPr>
+          <p:cNvPr id="6" name="Title 5"/>
+          <p:cNvSpPr>
+            <a:spLocks noGrp="1"/>
+          </p:cNvSpPr>
+          <p:nvPr>
+            <p:ph type="title"/>
+          </p:nvPr>
+        </p:nvSpPr>
+        <p:spPr/>
+        <p:txBody>
+          <a:bodyPr/>
+          <a:lstStyle/>
+          <a:p>
+            <a:endParaRPr lang="en-US"/>
+          </a:p>
+        </p:txBody>
+      </p:sp>
+    </p:spTree>
+    <p:extLst>
+      <p:ext uri="{BB962C8B-B14F-4D97-AF65-F5344CB8AC3E}">
+        <p14:creationId xmlns:p14="http://schemas.microsoft.com/office/powerpoint/2010/main" val="1342668655"/>
+      </p:ext>
+    </p:extLst>
+  </p:cSld>
+  <p:clrMapOvr>
+    <a:masterClrMapping/>
+  </p:clrMapOvr>
+  <p:transition>
+    <p:fade/>
+  </p:transition>
+</p:sld>
+</file>
+
+<file path=ppt/slides/slide27.xml><?xml version="1.0" encoding="utf-8"?>
+<p:sld xmlns:a="http://schemas.openxmlformats.org/drawingml/2006/main" xmlns:r="http://schemas.openxmlformats.org/officeDocument/2006/relationships" xmlns:p="http://schemas.openxmlformats.org/presentationml/2006/main">
+  <p:cSld>
+    <p:spTree>
+      <p:nvGrpSpPr>
+        <p:cNvPr id="1" name=""/>
+        <p:cNvGrpSpPr/>
+        <p:nvPr/>
+      </p:nvGrpSpPr>
+      <p:grpSpPr>
+        <a:xfrm>
+          <a:off x="0" y="0"/>
+          <a:ext cx="0" cy="0"/>
+          <a:chOff x="0" y="0"/>
+          <a:chExt cx="0" cy="0"/>
+        </a:xfrm>
+      </p:grpSpPr>
+      <p:sp>
+        <p:nvSpPr>
+          <p:cNvPr id="2" name="Content Placeholder 1"/>
+          <p:cNvSpPr>
+            <a:spLocks noGrp="1"/>
+          </p:cNvSpPr>
+          <p:nvPr>
+            <p:ph idx="1"/>
+          </p:nvPr>
+        </p:nvSpPr>
+        <p:spPr/>
+        <p:txBody>
+          <a:bodyPr/>
+          <a:lstStyle/>
+          <a:p>
+            <a:endParaRPr lang="en-US"/>
+          </a:p>
+        </p:txBody>
+      </p:sp>
+      <p:sp>
+        <p:nvSpPr>
+          <p:cNvPr id="3" name="Date Placeholder 2"/>
+          <p:cNvSpPr>
+            <a:spLocks noGrp="1"/>
+          </p:cNvSpPr>
+          <p:nvPr>
+            <p:ph type="dt" sz="half" idx="10"/>
+          </p:nvPr>
+        </p:nvSpPr>
+        <p:spPr/>
+        <p:txBody>
+          <a:bodyPr/>
+          <a:lstStyle/>
+          <a:p>
+            <a:fld id="{C0E6A5AA-C347-4F8D-86AF-2BF972CD8449}" type="datetime1">
+              <a:rPr lang="en-US" smtClean="0"/>
+              <a:t>12/4/2019</a:t>
+            </a:fld>
+            <a:endParaRPr lang="en-GB" dirty="0"/>
+          </a:p>
+        </p:txBody>
+      </p:sp>
+      <p:sp>
+        <p:nvSpPr>
+          <p:cNvPr id="4" name="Footer Placeholder 3"/>
+          <p:cNvSpPr>
+            <a:spLocks noGrp="1"/>
+          </p:cNvSpPr>
+          <p:nvPr>
+            <p:ph type="ftr" sz="quarter" idx="11"/>
+          </p:nvPr>
+        </p:nvSpPr>
+        <p:spPr/>
+        <p:txBody>
+          <a:bodyPr/>
+          <a:lstStyle/>
+          <a:p>
+            <a:r>
+              <a:rPr lang="en-GB" smtClean="0"/>
+              <a:t>Aritra Dhar</a:t>
+            </a:r>
+            <a:endParaRPr lang="en-GB" dirty="0"/>
+          </a:p>
+        </p:txBody>
+      </p:sp>
+      <p:sp>
+        <p:nvSpPr>
+          <p:cNvPr id="5" name="Slide Number Placeholder 4"/>
+          <p:cNvSpPr>
+            <a:spLocks noGrp="1"/>
+          </p:cNvSpPr>
+          <p:nvPr>
+            <p:ph type="sldNum" sz="quarter" idx="12"/>
+          </p:nvPr>
+        </p:nvSpPr>
+        <p:spPr/>
+        <p:txBody>
+          <a:bodyPr/>
+          <a:lstStyle/>
+          <a:p>
+            <a:fld id="{6C6AE60A-B69C-4790-82F7-3882EDF23186}" type="slidenum">
+              <a:rPr lang="en-GB" smtClean="0"/>
+              <a:t>27</a:t>
+            </a:fld>
+            <a:endParaRPr lang="en-GB" dirty="0"/>
+          </a:p>
+        </p:txBody>
+      </p:sp>
+      <p:sp>
+        <p:nvSpPr>
+          <p:cNvPr id="6" name="Title 5"/>
+          <p:cNvSpPr>
+            <a:spLocks noGrp="1"/>
+          </p:cNvSpPr>
+          <p:nvPr>
+            <p:ph type="title"/>
+          </p:nvPr>
+        </p:nvSpPr>
+        <p:spPr/>
+        <p:txBody>
+          <a:bodyPr/>
+          <a:lstStyle/>
+          <a:p>
+            <a:endParaRPr lang="en-US" dirty="0"/>
+          </a:p>
+        </p:txBody>
+      </p:sp>
+    </p:spTree>
+    <p:extLst>
+      <p:ext uri="{BB962C8B-B14F-4D97-AF65-F5344CB8AC3E}">
+        <p14:creationId xmlns:p14="http://schemas.microsoft.com/office/powerpoint/2010/main" val="3528931356"/>
+      </p:ext>
+    </p:extLst>
+  </p:cSld>
+  <p:clrMapOvr>
+    <a:masterClrMapping/>
+  </p:clrMapOvr>
+  <p:transition>
+    <p:fade/>
+  </p:transition>
+</p:sld>
+</file>
+
+<file path=ppt/slides/slide28.xml><?xml version="1.0" encoding="utf-8"?>
+<p:sld xmlns:a="http://schemas.openxmlformats.org/drawingml/2006/main" xmlns:r="http://schemas.openxmlformats.org/officeDocument/2006/relationships" xmlns:p="http://schemas.openxmlformats.org/presentationml/2006/main">
+  <p:cSld>
+    <p:spTree>
+      <p:nvGrpSpPr>
+        <p:cNvPr id="1" name=""/>
+        <p:cNvGrpSpPr/>
+        <p:nvPr/>
+      </p:nvGrpSpPr>
+      <p:grpSpPr>
+        <a:xfrm>
+          <a:off x="0" y="0"/>
+          <a:ext cx="0" cy="0"/>
+          <a:chOff x="0" y="0"/>
+          <a:chExt cx="0" cy="0"/>
+        </a:xfrm>
+      </p:grpSpPr>
+      <p:sp>
+        <p:nvSpPr>
+          <p:cNvPr id="2" name="Content Placeholder 1"/>
+          <p:cNvSpPr>
+            <a:spLocks noGrp="1"/>
+          </p:cNvSpPr>
+          <p:nvPr>
+            <p:ph idx="1"/>
+          </p:nvPr>
+        </p:nvSpPr>
+        <p:spPr/>
+        <p:txBody>
+          <a:bodyPr/>
+          <a:lstStyle/>
+          <a:p>
+            <a:endParaRPr lang="en-US"/>
+          </a:p>
+        </p:txBody>
+      </p:sp>
+      <p:sp>
+        <p:nvSpPr>
+          <p:cNvPr id="3" name="Date Placeholder 2"/>
+          <p:cNvSpPr>
+            <a:spLocks noGrp="1"/>
+          </p:cNvSpPr>
+          <p:nvPr>
+            <p:ph type="dt" sz="half" idx="10"/>
+          </p:nvPr>
+        </p:nvSpPr>
+        <p:spPr/>
+        <p:txBody>
+          <a:bodyPr/>
+          <a:lstStyle/>
+          <a:p>
+            <a:fld id="{C0E6A5AA-C347-4F8D-86AF-2BF972CD8449}" type="datetime1">
+              <a:rPr lang="en-US" smtClean="0"/>
+              <a:t>12/4/2019</a:t>
+            </a:fld>
+            <a:endParaRPr lang="en-GB" dirty="0"/>
+          </a:p>
+        </p:txBody>
+      </p:sp>
+      <p:sp>
+        <p:nvSpPr>
+          <p:cNvPr id="4" name="Footer Placeholder 3"/>
+          <p:cNvSpPr>
+            <a:spLocks noGrp="1"/>
+          </p:cNvSpPr>
+          <p:nvPr>
+            <p:ph type="ftr" sz="quarter" idx="11"/>
+          </p:nvPr>
+        </p:nvSpPr>
+        <p:spPr/>
+        <p:txBody>
+          <a:bodyPr/>
+          <a:lstStyle/>
+          <a:p>
+            <a:r>
+              <a:rPr lang="en-GB" smtClean="0"/>
+              <a:t>Aritra Dhar</a:t>
+            </a:r>
+            <a:endParaRPr lang="en-GB" dirty="0"/>
+          </a:p>
+        </p:txBody>
+      </p:sp>
+      <p:sp>
+        <p:nvSpPr>
+          <p:cNvPr id="5" name="Slide Number Placeholder 4"/>
+          <p:cNvSpPr>
+            <a:spLocks noGrp="1"/>
+          </p:cNvSpPr>
+          <p:nvPr>
+            <p:ph type="sldNum" sz="quarter" idx="12"/>
+          </p:nvPr>
+        </p:nvSpPr>
+        <p:spPr/>
+        <p:txBody>
+          <a:bodyPr/>
+          <a:lstStyle/>
+          <a:p>
+            <a:fld id="{6C6AE60A-B69C-4790-82F7-3882EDF23186}" type="slidenum">
+              <a:rPr lang="en-GB" smtClean="0"/>
+              <a:t>28</a:t>
             </a:fld>
             <a:endParaRPr lang="en-GB" dirty="0"/>
           </a:p>
@@ -46298,7 +50262,7 @@
 </p:sld>
 </file>
 
-<file path=ppt/slides/slide23.xml><?xml version="1.0" encoding="utf-8"?>
+<file path=ppt/slides/slide29.xml><?xml version="1.0" encoding="utf-8"?>
 <p:sld xmlns:a="http://schemas.openxmlformats.org/drawingml/2006/main" xmlns:r="http://schemas.openxmlformats.org/officeDocument/2006/relationships" xmlns:p="http://schemas.openxmlformats.org/presentationml/2006/main">
   <p:cSld>
     <p:spTree>
@@ -46370,7 +50334,7 @@
           <a:p>
             <a:fld id="{9F36BAFD-EAB0-49B3-8F07-303CD82AC296}" type="datetime1">
               <a:rPr lang="en-US" smtClean="0"/>
-              <a:t>12/3/2019</a:t>
+              <a:t>12/4/2019</a:t>
             </a:fld>
             <a:endParaRPr lang="en-GB" dirty="0"/>
           </a:p>
@@ -46417,7 +50381,7 @@
             <a:fld id="{6C6AE60A-B69C-4790-82F7-3882EDF23186}" type="slidenum">
               <a:rPr lang="en-GB" smtClean="0"/>
               <a:pPr/>
-              <a:t>23</a:t>
+              <a:t>29</a:t>
             </a:fld>
             <a:endParaRPr lang="en-GB" dirty="0"/>
           </a:p>
@@ -46465,7 +50429,237 @@
 </p:sld>
 </file>
 
-<file path=ppt/slides/slide24.xml><?xml version="1.0" encoding="utf-8"?>
+<file path=ppt/slides/slide3.xml><?xml version="1.0" encoding="utf-8"?>
+<p:sld xmlns:a="http://schemas.openxmlformats.org/drawingml/2006/main" xmlns:r="http://schemas.openxmlformats.org/officeDocument/2006/relationships" xmlns:p="http://schemas.openxmlformats.org/presentationml/2006/main">
+  <p:cSld>
+    <p:spTree>
+      <p:nvGrpSpPr>
+        <p:cNvPr id="1" name=""/>
+        <p:cNvGrpSpPr/>
+        <p:nvPr/>
+      </p:nvGrpSpPr>
+      <p:grpSpPr>
+        <a:xfrm>
+          <a:off x="0" y="0"/>
+          <a:ext cx="0" cy="0"/>
+          <a:chOff x="0" y="0"/>
+          <a:chExt cx="0" cy="0"/>
+        </a:xfrm>
+      </p:grpSpPr>
+      <p:sp>
+        <p:nvSpPr>
+          <p:cNvPr id="2" name="Content Placeholder 1"/>
+          <p:cNvSpPr>
+            <a:spLocks noGrp="1"/>
+          </p:cNvSpPr>
+          <p:nvPr>
+            <p:ph idx="1"/>
+          </p:nvPr>
+        </p:nvSpPr>
+        <p:spPr/>
+        <p:txBody>
+          <a:bodyPr/>
+          <a:lstStyle/>
+          <a:p>
+            <a:pPr marL="0" indent="0">
+              <a:buNone/>
+            </a:pPr>
+            <a:r>
+              <a:rPr lang="en-US" i="1" dirty="0"/>
+              <a:t>The TCB shall support a trusted communication path between itself and user for initial login and authentication. Communications via this path shall be initiated exclusively by a user.</a:t>
+            </a:r>
+            <a:endParaRPr lang="en-US" dirty="0"/>
+          </a:p>
+          <a:p>
+            <a:pPr marL="0" indent="0">
+              <a:buNone/>
+            </a:pPr>
+            <a:endParaRPr lang="en-US" dirty="0" smtClean="0"/>
+          </a:p>
+          <a:p>
+            <a:pPr marL="0" indent="0">
+              <a:buNone/>
+            </a:pPr>
+            <a:r>
+              <a:rPr lang="en-US" dirty="0"/>
+              <a:t>- Trusted Computer System Evaluation Criteria (TCSEC) </a:t>
+            </a:r>
+            <a:r>
+              <a:rPr lang="en-US" dirty="0" smtClean="0"/>
+              <a:t>by US DoD (1985)</a:t>
+            </a:r>
+          </a:p>
+          <a:p>
+            <a:pPr marL="0" indent="0">
+              <a:buNone/>
+            </a:pPr>
+            <a:endParaRPr lang="en-US" dirty="0"/>
+          </a:p>
+          <a:p>
+            <a:pPr marL="0" indent="0">
+              <a:buNone/>
+            </a:pPr>
+            <a:endParaRPr lang="en-US" dirty="0"/>
+          </a:p>
+        </p:txBody>
+      </p:sp>
+      <p:sp>
+        <p:nvSpPr>
+          <p:cNvPr id="3" name="Date Placeholder 2"/>
+          <p:cNvSpPr>
+            <a:spLocks noGrp="1"/>
+          </p:cNvSpPr>
+          <p:nvPr>
+            <p:ph type="dt" sz="half" idx="10"/>
+          </p:nvPr>
+        </p:nvSpPr>
+        <p:spPr/>
+        <p:txBody>
+          <a:bodyPr/>
+          <a:lstStyle/>
+          <a:p>
+            <a:fld id="{C0E6A5AA-C347-4F8D-86AF-2BF972CD8449}" type="datetime1">
+              <a:rPr lang="en-US" smtClean="0"/>
+              <a:t>12/4/2019</a:t>
+            </a:fld>
+            <a:endParaRPr lang="en-GB" dirty="0"/>
+          </a:p>
+        </p:txBody>
+      </p:sp>
+      <p:sp>
+        <p:nvSpPr>
+          <p:cNvPr id="4" name="Footer Placeholder 3"/>
+          <p:cNvSpPr>
+            <a:spLocks noGrp="1"/>
+          </p:cNvSpPr>
+          <p:nvPr>
+            <p:ph type="ftr" sz="quarter" idx="11"/>
+          </p:nvPr>
+        </p:nvSpPr>
+        <p:spPr/>
+        <p:txBody>
+          <a:bodyPr/>
+          <a:lstStyle/>
+          <a:p>
+            <a:r>
+              <a:rPr lang="en-GB" smtClean="0"/>
+              <a:t>Aritra Dhar</a:t>
+            </a:r>
+            <a:endParaRPr lang="en-GB" dirty="0"/>
+          </a:p>
+        </p:txBody>
+      </p:sp>
+      <p:sp>
+        <p:nvSpPr>
+          <p:cNvPr id="5" name="Slide Number Placeholder 4"/>
+          <p:cNvSpPr>
+            <a:spLocks noGrp="1"/>
+          </p:cNvSpPr>
+          <p:nvPr>
+            <p:ph type="sldNum" sz="quarter" idx="12"/>
+          </p:nvPr>
+        </p:nvSpPr>
+        <p:spPr/>
+        <p:txBody>
+          <a:bodyPr/>
+          <a:lstStyle/>
+          <a:p>
+            <a:fld id="{6C6AE60A-B69C-4790-82F7-3882EDF23186}" type="slidenum">
+              <a:rPr lang="en-GB" smtClean="0"/>
+              <a:t>3</a:t>
+            </a:fld>
+            <a:endParaRPr lang="en-GB" dirty="0"/>
+          </a:p>
+        </p:txBody>
+      </p:sp>
+      <p:sp>
+        <p:nvSpPr>
+          <p:cNvPr id="6" name="Title 5"/>
+          <p:cNvSpPr>
+            <a:spLocks noGrp="1"/>
+          </p:cNvSpPr>
+          <p:nvPr>
+            <p:ph type="title"/>
+          </p:nvPr>
+        </p:nvSpPr>
+        <p:spPr/>
+        <p:txBody>
+          <a:bodyPr/>
+          <a:lstStyle/>
+          <a:p>
+            <a:r>
+              <a:rPr lang="en-US" dirty="0" smtClean="0"/>
+              <a:t>Definition</a:t>
+            </a:r>
+            <a:endParaRPr lang="en-US" dirty="0"/>
+          </a:p>
+        </p:txBody>
+      </p:sp>
+      <p:pic>
+        <p:nvPicPr>
+          <p:cNvPr id="3074" name="Picture 2" descr="https://upload.wikimedia.org/wikipedia/commons/thumb/4/4f/Orange-book-small.PNG/220px-Orange-book-small.PNG"/>
+          <p:cNvPicPr>
+            <a:picLocks noChangeAspect="1" noChangeArrowheads="1"/>
+          </p:cNvPicPr>
+          <p:nvPr/>
+        </p:nvPicPr>
+        <p:blipFill>
+          <a:blip r:embed="rId2">
+            <a:extLst>
+              <a:ext uri="{28A0092B-C50C-407E-A947-70E740481C1C}">
+                <a14:useLocalDpi xmlns:a14="http://schemas.microsoft.com/office/drawing/2010/main" val="0"/>
+              </a:ext>
+            </a:extLst>
+          </a:blip>
+          <a:srcRect/>
+          <a:stretch>
+            <a:fillRect/>
+          </a:stretch>
+        </p:blipFill>
+        <p:spPr bwMode="auto">
+          <a:xfrm>
+            <a:off x="4722019" y="4343400"/>
+            <a:ext cx="1553149" cy="2068512"/>
+          </a:xfrm>
+          <a:prstGeom prst="rect">
+            <a:avLst/>
+          </a:prstGeom>
+          <a:noFill/>
+          <a:extLst>
+            <a:ext uri="{909E8E84-426E-40DD-AFC4-6F175D3DCCD1}">
+              <a14:hiddenFill xmlns:a14="http://schemas.microsoft.com/office/drawing/2010/main">
+                <a:solidFill>
+                  <a:srgbClr val="FFFFFF"/>
+                </a:solidFill>
+              </a14:hiddenFill>
+            </a:ext>
+          </a:extLst>
+        </p:spPr>
+      </p:pic>
+    </p:spTree>
+    <p:extLst>
+      <p:ext uri="{BB962C8B-B14F-4D97-AF65-F5344CB8AC3E}">
+        <p14:creationId xmlns:p14="http://schemas.microsoft.com/office/powerpoint/2010/main" val="4215628363"/>
+      </p:ext>
+    </p:extLst>
+  </p:cSld>
+  <p:clrMapOvr>
+    <a:masterClrMapping/>
+  </p:clrMapOvr>
+  <p:transition>
+    <p:fade/>
+  </p:transition>
+  <p:timing>
+    <p:tnLst>
+      <p:par>
+        <p:cTn id="1" dur="indefinite" restart="never" nodeType="tmRoot"/>
+      </p:par>
+    </p:tnLst>
+  </p:timing>
+</p:sld>
+</file>
+
+<file path=ppt/slides/slide30.xml><?xml version="1.0" encoding="utf-8"?>
 <p:sld xmlns:a="http://schemas.openxmlformats.org/drawingml/2006/main" xmlns:r="http://schemas.openxmlformats.org/officeDocument/2006/relationships" xmlns:p="http://schemas.openxmlformats.org/presentationml/2006/main">
   <p:cSld>
     <p:spTree>
@@ -46748,236 +50942,6 @@
 </p:sld>
 </file>
 
-<file path=ppt/slides/slide3.xml><?xml version="1.0" encoding="utf-8"?>
-<p:sld xmlns:a="http://schemas.openxmlformats.org/drawingml/2006/main" xmlns:r="http://schemas.openxmlformats.org/officeDocument/2006/relationships" xmlns:p="http://schemas.openxmlformats.org/presentationml/2006/main">
-  <p:cSld>
-    <p:spTree>
-      <p:nvGrpSpPr>
-        <p:cNvPr id="1" name=""/>
-        <p:cNvGrpSpPr/>
-        <p:nvPr/>
-      </p:nvGrpSpPr>
-      <p:grpSpPr>
-        <a:xfrm>
-          <a:off x="0" y="0"/>
-          <a:ext cx="0" cy="0"/>
-          <a:chOff x="0" y="0"/>
-          <a:chExt cx="0" cy="0"/>
-        </a:xfrm>
-      </p:grpSpPr>
-      <p:sp>
-        <p:nvSpPr>
-          <p:cNvPr id="2" name="Content Placeholder 1"/>
-          <p:cNvSpPr>
-            <a:spLocks noGrp="1"/>
-          </p:cNvSpPr>
-          <p:nvPr>
-            <p:ph idx="1"/>
-          </p:nvPr>
-        </p:nvSpPr>
-        <p:spPr/>
-        <p:txBody>
-          <a:bodyPr/>
-          <a:lstStyle/>
-          <a:p>
-            <a:pPr marL="0" indent="0">
-              <a:buNone/>
-            </a:pPr>
-            <a:r>
-              <a:rPr lang="en-US" i="1" dirty="0"/>
-              <a:t>The TCB shall support a trusted communication path between itself and user for initial login and authentication. Communications via this path shall be initiated exclusively by a user.</a:t>
-            </a:r>
-            <a:endParaRPr lang="en-US" dirty="0"/>
-          </a:p>
-          <a:p>
-            <a:pPr marL="0" indent="0">
-              <a:buNone/>
-            </a:pPr>
-            <a:endParaRPr lang="en-US" dirty="0" smtClean="0"/>
-          </a:p>
-          <a:p>
-            <a:pPr marL="0" indent="0">
-              <a:buNone/>
-            </a:pPr>
-            <a:r>
-              <a:rPr lang="en-US" dirty="0"/>
-              <a:t>- Trusted Computer System Evaluation Criteria (TCSEC) </a:t>
-            </a:r>
-            <a:r>
-              <a:rPr lang="en-US" dirty="0" smtClean="0"/>
-              <a:t>by US DoD (1985)</a:t>
-            </a:r>
-          </a:p>
-          <a:p>
-            <a:pPr marL="0" indent="0">
-              <a:buNone/>
-            </a:pPr>
-            <a:endParaRPr lang="en-US" dirty="0"/>
-          </a:p>
-          <a:p>
-            <a:pPr marL="0" indent="0">
-              <a:buNone/>
-            </a:pPr>
-            <a:endParaRPr lang="en-US" dirty="0"/>
-          </a:p>
-        </p:txBody>
-      </p:sp>
-      <p:sp>
-        <p:nvSpPr>
-          <p:cNvPr id="3" name="Date Placeholder 2"/>
-          <p:cNvSpPr>
-            <a:spLocks noGrp="1"/>
-          </p:cNvSpPr>
-          <p:nvPr>
-            <p:ph type="dt" sz="half" idx="10"/>
-          </p:nvPr>
-        </p:nvSpPr>
-        <p:spPr/>
-        <p:txBody>
-          <a:bodyPr/>
-          <a:lstStyle/>
-          <a:p>
-            <a:fld id="{C0E6A5AA-C347-4F8D-86AF-2BF972CD8449}" type="datetime1">
-              <a:rPr lang="en-US" smtClean="0"/>
-              <a:t>12/3/2019</a:t>
-            </a:fld>
-            <a:endParaRPr lang="en-GB" dirty="0"/>
-          </a:p>
-        </p:txBody>
-      </p:sp>
-      <p:sp>
-        <p:nvSpPr>
-          <p:cNvPr id="4" name="Footer Placeholder 3"/>
-          <p:cNvSpPr>
-            <a:spLocks noGrp="1"/>
-          </p:cNvSpPr>
-          <p:nvPr>
-            <p:ph type="ftr" sz="quarter" idx="11"/>
-          </p:nvPr>
-        </p:nvSpPr>
-        <p:spPr/>
-        <p:txBody>
-          <a:bodyPr/>
-          <a:lstStyle/>
-          <a:p>
-            <a:r>
-              <a:rPr lang="en-GB" smtClean="0"/>
-              <a:t>Aritra Dhar</a:t>
-            </a:r>
-            <a:endParaRPr lang="en-GB" dirty="0"/>
-          </a:p>
-        </p:txBody>
-      </p:sp>
-      <p:sp>
-        <p:nvSpPr>
-          <p:cNvPr id="5" name="Slide Number Placeholder 4"/>
-          <p:cNvSpPr>
-            <a:spLocks noGrp="1"/>
-          </p:cNvSpPr>
-          <p:nvPr>
-            <p:ph type="sldNum" sz="quarter" idx="12"/>
-          </p:nvPr>
-        </p:nvSpPr>
-        <p:spPr/>
-        <p:txBody>
-          <a:bodyPr/>
-          <a:lstStyle/>
-          <a:p>
-            <a:fld id="{6C6AE60A-B69C-4790-82F7-3882EDF23186}" type="slidenum">
-              <a:rPr lang="en-GB" smtClean="0"/>
-              <a:t>3</a:t>
-            </a:fld>
-            <a:endParaRPr lang="en-GB" dirty="0"/>
-          </a:p>
-        </p:txBody>
-      </p:sp>
-      <p:sp>
-        <p:nvSpPr>
-          <p:cNvPr id="6" name="Title 5"/>
-          <p:cNvSpPr>
-            <a:spLocks noGrp="1"/>
-          </p:cNvSpPr>
-          <p:nvPr>
-            <p:ph type="title"/>
-          </p:nvPr>
-        </p:nvSpPr>
-        <p:spPr/>
-        <p:txBody>
-          <a:bodyPr/>
-          <a:lstStyle/>
-          <a:p>
-            <a:r>
-              <a:rPr lang="en-US" dirty="0" smtClean="0"/>
-              <a:t>Definition</a:t>
-            </a:r>
-            <a:endParaRPr lang="en-US" dirty="0"/>
-          </a:p>
-        </p:txBody>
-      </p:sp>
-      <p:pic>
-        <p:nvPicPr>
-          <p:cNvPr id="3074" name="Picture 2" descr="https://upload.wikimedia.org/wikipedia/commons/thumb/4/4f/Orange-book-small.PNG/220px-Orange-book-small.PNG"/>
-          <p:cNvPicPr>
-            <a:picLocks noChangeAspect="1" noChangeArrowheads="1"/>
-          </p:cNvPicPr>
-          <p:nvPr/>
-        </p:nvPicPr>
-        <p:blipFill>
-          <a:blip r:embed="rId2">
-            <a:extLst>
-              <a:ext uri="{28A0092B-C50C-407E-A947-70E740481C1C}">
-                <a14:useLocalDpi xmlns:a14="http://schemas.microsoft.com/office/drawing/2010/main" val="0"/>
-              </a:ext>
-            </a:extLst>
-          </a:blip>
-          <a:srcRect/>
-          <a:stretch>
-            <a:fillRect/>
-          </a:stretch>
-        </p:blipFill>
-        <p:spPr bwMode="auto">
-          <a:xfrm>
-            <a:off x="4722019" y="4343400"/>
-            <a:ext cx="1553149" cy="2068512"/>
-          </a:xfrm>
-          <a:prstGeom prst="rect">
-            <a:avLst/>
-          </a:prstGeom>
-          <a:noFill/>
-          <a:extLst>
-            <a:ext uri="{909E8E84-426E-40DD-AFC4-6F175D3DCCD1}">
-              <a14:hiddenFill xmlns:a14="http://schemas.microsoft.com/office/drawing/2010/main">
-                <a:solidFill>
-                  <a:srgbClr val="FFFFFF"/>
-                </a:solidFill>
-              </a14:hiddenFill>
-            </a:ext>
-          </a:extLst>
-        </p:spPr>
-      </p:pic>
-    </p:spTree>
-    <p:extLst>
-      <p:ext uri="{BB962C8B-B14F-4D97-AF65-F5344CB8AC3E}">
-        <p14:creationId xmlns:p14="http://schemas.microsoft.com/office/powerpoint/2010/main" val="4215628363"/>
-      </p:ext>
-    </p:extLst>
-  </p:cSld>
-  <p:clrMapOvr>
-    <a:masterClrMapping/>
-  </p:clrMapOvr>
-  <p:transition>
-    <p:fade/>
-  </p:transition>
-  <p:timing>
-    <p:tnLst>
-      <p:par>
-        <p:cTn id="1" dur="indefinite" restart="never" nodeType="tmRoot"/>
-      </p:par>
-    </p:tnLst>
-  </p:timing>
-</p:sld>
-</file>
-
 <file path=ppt/slides/slide4.xml><?xml version="1.0" encoding="utf-8"?>
 <p:sld xmlns:a="http://schemas.openxmlformats.org/drawingml/2006/main" xmlns:r="http://schemas.openxmlformats.org/officeDocument/2006/relationships" xmlns:p="http://schemas.openxmlformats.org/presentationml/2006/main">
   <p:cSld>
@@ -47099,7 +51063,7 @@
           <a:p>
             <a:fld id="{C0E6A5AA-C347-4F8D-86AF-2BF972CD8449}" type="datetime1">
               <a:rPr lang="en-US" smtClean="0"/>
-              <a:t>12/3/2019</a:t>
+              <a:t>12/4/2019</a:t>
             </a:fld>
             <a:endParaRPr lang="en-GB" dirty="0"/>
           </a:p>
@@ -47820,7 +51784,7 @@
           <a:p>
             <a:fld id="{C0E6A5AA-C347-4F8D-86AF-2BF972CD8449}" type="datetime1">
               <a:rPr lang="en-US" smtClean="0"/>
-              <a:t>12/3/2019</a:t>
+              <a:t>12/4/2019</a:t>
             </a:fld>
             <a:endParaRPr lang="en-GB" dirty="0"/>
           </a:p>
@@ -48002,7 +51966,7 @@
           <a:p>
             <a:fld id="{C0E6A5AA-C347-4F8D-86AF-2BF972CD8449}" type="datetime1">
               <a:rPr lang="en-US" smtClean="0"/>
-              <a:t>12/3/2019</a:t>
+              <a:t>12/4/2019</a:t>
             </a:fld>
             <a:endParaRPr lang="en-GB" dirty="0"/>
           </a:p>
@@ -48272,7 +52236,7 @@
           <a:p>
             <a:fld id="{C0E6A5AA-C347-4F8D-86AF-2BF972CD8449}" type="datetime1">
               <a:rPr lang="en-US" smtClean="0"/>
-              <a:t>12/3/2019</a:t>
+              <a:t>12/4/2019</a:t>
             </a:fld>
             <a:endParaRPr lang="en-GB" dirty="0"/>
           </a:p>
@@ -48404,7 +52368,7 @@
           <a:p>
             <a:fld id="{C0E6A5AA-C347-4F8D-86AF-2BF972CD8449}" type="datetime1">
               <a:rPr lang="en-US" smtClean="0"/>
-              <a:t>12/3/2019</a:t>
+              <a:t>12/4/2019</a:t>
             </a:fld>
             <a:endParaRPr lang="en-GB" dirty="0"/>
           </a:p>
@@ -48592,7 +52556,6 @@
               <a:rPr lang="en-GB" dirty="0" smtClean="0"/>
               <a:t>Easy to use for end-users</a:t>
             </a:r>
-            <a:endParaRPr lang="en-GB" dirty="0" smtClean="0"/>
           </a:p>
           <a:p>
             <a:r>
@@ -48699,7 +52662,7 @@
           <a:p>
             <a:fld id="{C0E6A5AA-C347-4F8D-86AF-2BF972CD8449}" type="datetime1">
               <a:rPr lang="en-US" smtClean="0"/>
-              <a:t>12/3/2019</a:t>
+              <a:t>12/4/2019</a:t>
             </a:fld>
             <a:endParaRPr lang="en-GB" dirty="0"/>
           </a:p>

--- a/slides/Trusted Path.pptx
+++ b/slides/Trusted Path.pptx
@@ -13,10 +13,10 @@
     <p:sldMasterId id="2147483849" r:id="rId9"/>
   </p:sldMasterIdLst>
   <p:notesMasterIdLst>
-    <p:notesMasterId r:id="rId40"/>
+    <p:notesMasterId r:id="rId45"/>
   </p:notesMasterIdLst>
   <p:handoutMasterIdLst>
-    <p:handoutMasterId r:id="rId41"/>
+    <p:handoutMasterId r:id="rId46"/>
   </p:handoutMasterIdLst>
   <p:sldIdLst>
     <p:sldId id="268" r:id="rId10"/>
@@ -47,8 +47,13 @@
     <p:sldId id="297" r:id="rId35"/>
     <p:sldId id="296" r:id="rId36"/>
     <p:sldId id="290" r:id="rId37"/>
-    <p:sldId id="273" r:id="rId38"/>
-    <p:sldId id="271" r:id="rId39"/>
+    <p:sldId id="300" r:id="rId38"/>
+    <p:sldId id="303" r:id="rId39"/>
+    <p:sldId id="301" r:id="rId40"/>
+    <p:sldId id="302" r:id="rId41"/>
+    <p:sldId id="304" r:id="rId42"/>
+    <p:sldId id="273" r:id="rId43"/>
+    <p:sldId id="271" r:id="rId44"/>
   </p:sldIdLst>
   <p:sldSz cx="12187238" cy="6858000"/>
   <p:notesSz cx="7099300" cy="10234613"/>
@@ -307,7 +312,7 @@
               <a:rPr lang="de-DE" smtClean="0">
                 <a:latin typeface="Arial" panose="020B0604020202020204" pitchFamily="34" charset="0"/>
               </a:rPr>
-              <a:t>04.12.2019</a:t>
+              <a:t>05.12.2019</a:t>
             </a:fld>
             <a:endParaRPr lang="de-DE" dirty="0">
               <a:latin typeface="Arial" panose="020B0604020202020204" pitchFamily="34" charset="0"/>
@@ -486,7 +491,7 @@
             <a:fld id="{BCDB334D-D17F-49C4-91DD-37BB7E818209}" type="datetimeFigureOut">
               <a:rPr lang="de-CH" smtClean="0"/>
               <a:pPr/>
-              <a:t>04.12.2019</a:t>
+              <a:t>05.12.2019</a:t>
             </a:fld>
             <a:endParaRPr lang="de-CH" dirty="0"/>
           </a:p>
@@ -917,7 +922,7 @@
           <a:p>
             <a:fld id="{651C28B5-9567-4C77-A05D-61BF16F18E36}" type="datetime1">
               <a:rPr lang="en-US" smtClean="0"/>
-              <a:t>12/4/2019</a:t>
+              <a:t>12/5/2019</a:t>
             </a:fld>
             <a:endParaRPr lang="en-GB" dirty="0"/>
           </a:p>
@@ -1222,7 +1227,7 @@
           <a:p>
             <a:fld id="{DA72EF0A-3AC6-4E84-A0EB-A14B2B88786E}" type="datetime1">
               <a:rPr lang="en-US" smtClean="0"/>
-              <a:t>12/4/2019</a:t>
+              <a:t>12/5/2019</a:t>
             </a:fld>
             <a:endParaRPr lang="en-GB" dirty="0"/>
           </a:p>
@@ -1570,7 +1575,7 @@
           <a:p>
             <a:fld id="{A5FBDDA0-8906-4795-81A7-1AF96FE76A2E}" type="datetime1">
               <a:rPr lang="en-US" smtClean="0"/>
-              <a:t>12/4/2019</a:t>
+              <a:t>12/5/2019</a:t>
             </a:fld>
             <a:endParaRPr lang="en-GB" dirty="0"/>
           </a:p>
@@ -1878,7 +1883,7 @@
           <a:p>
             <a:fld id="{6A38EF0D-CC41-4BAA-8691-7A0493A5E1E3}" type="datetime1">
               <a:rPr lang="en-US" smtClean="0"/>
-              <a:t>12/4/2019</a:t>
+              <a:t>12/5/2019</a:t>
             </a:fld>
             <a:endParaRPr lang="en-GB" dirty="0"/>
           </a:p>
@@ -3171,7 +3176,7 @@
           <a:p>
             <a:fld id="{F1390B1A-68A9-4F42-9999-3E34BEE00D63}" type="datetime1">
               <a:rPr lang="en-US" smtClean="0"/>
-              <a:t>12/4/2019</a:t>
+              <a:t>12/5/2019</a:t>
             </a:fld>
             <a:endParaRPr lang="en-GB" dirty="0"/>
           </a:p>
@@ -3589,7 +3594,7 @@
           <a:p>
             <a:fld id="{1A7BFB6E-5CA3-4F41-B5A6-8505D214B846}" type="datetime1">
               <a:rPr lang="en-US" smtClean="0"/>
-              <a:t>12/4/2019</a:t>
+              <a:t>12/5/2019</a:t>
             </a:fld>
             <a:endParaRPr lang="en-GB" dirty="0"/>
           </a:p>
@@ -3733,7 +3738,7 @@
           <a:p>
             <a:fld id="{66C5C4D9-37AE-4ED3-A5A2-94715560D50A}" type="datetime1">
               <a:rPr lang="en-US" smtClean="0"/>
-              <a:t>12/4/2019</a:t>
+              <a:t>12/5/2019</a:t>
             </a:fld>
             <a:endParaRPr lang="en-GB" dirty="0"/>
           </a:p>
@@ -3874,7 +3879,7 @@
           <a:p>
             <a:fld id="{42D0D820-BB49-42A9-8BEB-03A46710BE91}" type="datetime1">
               <a:rPr lang="en-US" smtClean="0"/>
-              <a:t>12/4/2019</a:t>
+              <a:t>12/5/2019</a:t>
             </a:fld>
             <a:endParaRPr lang="en-GB" dirty="0"/>
           </a:p>
@@ -4062,7 +4067,7 @@
           <a:p>
             <a:fld id="{B881C130-6D04-460B-867F-A9643062B75A}" type="datetime1">
               <a:rPr lang="en-US" smtClean="0"/>
-              <a:t>12/4/2019</a:t>
+              <a:t>12/5/2019</a:t>
             </a:fld>
             <a:endParaRPr lang="en-GB" dirty="0"/>
           </a:p>
@@ -4324,7 +4329,7 @@
           <a:p>
             <a:fld id="{F970F150-E083-4B95-8468-A9DFB23DC439}" type="datetime1">
               <a:rPr lang="en-US" smtClean="0"/>
-              <a:t>12/4/2019</a:t>
+              <a:t>12/5/2019</a:t>
             </a:fld>
             <a:endParaRPr lang="en-GB" dirty="0"/>
           </a:p>
@@ -4672,7 +4677,7 @@
           <a:p>
             <a:fld id="{EF964370-0330-4E70-90A5-1B620BCC4268}" type="datetime1">
               <a:rPr lang="en-US" smtClean="0"/>
-              <a:t>12/4/2019</a:t>
+              <a:t>12/5/2019</a:t>
             </a:fld>
             <a:endParaRPr lang="en-GB" dirty="0"/>
           </a:p>
@@ -4984,7 +4989,7 @@
           <a:p>
             <a:fld id="{ACC12D4C-3689-4B05-9977-E6C54F9B36B9}" type="datetime1">
               <a:rPr lang="en-US" smtClean="0"/>
-              <a:t>12/4/2019</a:t>
+              <a:t>12/5/2019</a:t>
             </a:fld>
             <a:endParaRPr lang="en-GB" dirty="0"/>
           </a:p>
@@ -5292,7 +5297,7 @@
           <a:p>
             <a:fld id="{76160E65-D6A2-4AF0-A977-A94D1A3DA44C}" type="datetime1">
               <a:rPr lang="en-US" smtClean="0"/>
-              <a:t>12/4/2019</a:t>
+              <a:t>12/5/2019</a:t>
             </a:fld>
             <a:endParaRPr lang="en-GB" dirty="0"/>
           </a:p>
@@ -6585,7 +6590,7 @@
           <a:p>
             <a:fld id="{605BE293-3BAC-4C3B-8F67-325D4A144462}" type="datetime1">
               <a:rPr lang="en-US" smtClean="0"/>
-              <a:t>12/4/2019</a:t>
+              <a:t>12/5/2019</a:t>
             </a:fld>
             <a:endParaRPr lang="en-GB" dirty="0"/>
           </a:p>
@@ -7003,7 +7008,7 @@
           <a:p>
             <a:fld id="{9E9A5FED-D8DC-4999-A2EF-270A59F1F308}" type="datetime1">
               <a:rPr lang="en-US" smtClean="0"/>
-              <a:t>12/4/2019</a:t>
+              <a:t>12/5/2019</a:t>
             </a:fld>
             <a:endParaRPr lang="en-GB" dirty="0"/>
           </a:p>
@@ -7147,7 +7152,7 @@
           <a:p>
             <a:fld id="{EE006F3D-75D7-4D5D-955A-C819C1B36038}" type="datetime1">
               <a:rPr lang="en-US" smtClean="0"/>
-              <a:t>12/4/2019</a:t>
+              <a:t>12/5/2019</a:t>
             </a:fld>
             <a:endParaRPr lang="en-GB" dirty="0"/>
           </a:p>
@@ -7288,7 +7293,7 @@
           <a:p>
             <a:fld id="{0217170D-B913-47F3-B6B1-3DA7B96B9EEB}" type="datetime1">
               <a:rPr lang="en-US" smtClean="0"/>
-              <a:t>12/4/2019</a:t>
+              <a:t>12/5/2019</a:t>
             </a:fld>
             <a:endParaRPr lang="en-GB" dirty="0"/>
           </a:p>
@@ -7476,7 +7481,7 @@
           <a:p>
             <a:fld id="{8BF1CFE2-4733-46EF-9C54-4D870C2C80CF}" type="datetime1">
               <a:rPr lang="en-US" smtClean="0"/>
-              <a:t>12/4/2019</a:t>
+              <a:t>12/5/2019</a:t>
             </a:fld>
             <a:endParaRPr lang="en-GB" dirty="0"/>
           </a:p>
@@ -7738,7 +7743,7 @@
           <a:p>
             <a:fld id="{2149C77A-4B4F-4058-91D8-39913E4F6C9D}" type="datetime1">
               <a:rPr lang="en-US" smtClean="0"/>
-              <a:t>12/4/2019</a:t>
+              <a:t>12/5/2019</a:t>
             </a:fld>
             <a:endParaRPr lang="en-GB" dirty="0"/>
           </a:p>
@@ -8086,7 +8091,7 @@
           <a:p>
             <a:fld id="{D5812808-852E-4C0C-82BB-96B54D69BFC6}" type="datetime1">
               <a:rPr lang="en-US" smtClean="0"/>
-              <a:t>12/4/2019</a:t>
+              <a:t>12/5/2019</a:t>
             </a:fld>
             <a:endParaRPr lang="en-GB" dirty="0"/>
           </a:p>
@@ -8394,7 +8399,7 @@
           <a:p>
             <a:fld id="{50855F92-2BF8-4AFA-8A4C-1A0BFD2894DB}" type="datetime1">
               <a:rPr lang="en-US" smtClean="0"/>
-              <a:t>12/4/2019</a:t>
+              <a:t>12/5/2019</a:t>
             </a:fld>
             <a:endParaRPr lang="en-GB" dirty="0"/>
           </a:p>
@@ -8707,7 +8712,7 @@
           <a:p>
             <a:fld id="{F70AB909-EDAC-4E5D-83DC-878BDFB71A85}" type="datetime1">
               <a:rPr lang="en-US" smtClean="0"/>
-              <a:t>12/4/2019</a:t>
+              <a:t>12/5/2019</a:t>
             </a:fld>
             <a:endParaRPr lang="en-GB" dirty="0"/>
           </a:p>
@@ -10000,7 +10005,7 @@
           <a:p>
             <a:fld id="{7FF8D568-43DF-4F5D-89F5-4AC433931597}" type="datetime1">
               <a:rPr lang="en-US" smtClean="0"/>
-              <a:t>12/4/2019</a:t>
+              <a:t>12/5/2019</a:t>
             </a:fld>
             <a:endParaRPr lang="en-GB" dirty="0"/>
           </a:p>
@@ -10418,7 +10423,7 @@
           <a:p>
             <a:fld id="{797B3727-FFE2-428A-9D25-75E532F68CBD}" type="datetime1">
               <a:rPr lang="en-US" smtClean="0"/>
-              <a:t>12/4/2019</a:t>
+              <a:t>12/5/2019</a:t>
             </a:fld>
             <a:endParaRPr lang="en-GB" dirty="0"/>
           </a:p>
@@ -10562,7 +10567,7 @@
           <a:p>
             <a:fld id="{9EB5D81B-2567-4CB8-85C6-A0B71A9AC3E2}" type="datetime1">
               <a:rPr lang="en-US" smtClean="0"/>
-              <a:t>12/4/2019</a:t>
+              <a:t>12/5/2019</a:t>
             </a:fld>
             <a:endParaRPr lang="en-GB" dirty="0"/>
           </a:p>
@@ -10703,7 +10708,7 @@
           <a:p>
             <a:fld id="{5B7EDA6A-3F0D-483C-866C-14D69449B146}" type="datetime1">
               <a:rPr lang="en-US" smtClean="0"/>
-              <a:t>12/4/2019</a:t>
+              <a:t>12/5/2019</a:t>
             </a:fld>
             <a:endParaRPr lang="en-GB" dirty="0"/>
           </a:p>
@@ -10891,7 +10896,7 @@
           <a:p>
             <a:fld id="{12090752-4996-47F4-9438-5146CCA65BCF}" type="datetime1">
               <a:rPr lang="en-US" smtClean="0"/>
-              <a:t>12/4/2019</a:t>
+              <a:t>12/5/2019</a:t>
             </a:fld>
             <a:endParaRPr lang="en-GB" dirty="0"/>
           </a:p>
@@ -11153,7 +11158,7 @@
           <a:p>
             <a:fld id="{FEE7CFC9-58D9-423D-B139-7A42FFB65150}" type="datetime1">
               <a:rPr lang="en-US" smtClean="0"/>
-              <a:t>12/4/2019</a:t>
+              <a:t>12/5/2019</a:t>
             </a:fld>
             <a:endParaRPr lang="en-GB" dirty="0"/>
           </a:p>
@@ -11501,7 +11506,7 @@
           <a:p>
             <a:fld id="{DA2B9DA8-4B3F-4FF2-9B85-3E383E5BB32D}" type="datetime1">
               <a:rPr lang="en-US" smtClean="0"/>
-              <a:t>12/4/2019</a:t>
+              <a:t>12/5/2019</a:t>
             </a:fld>
             <a:endParaRPr lang="en-GB" dirty="0"/>
           </a:p>
@@ -11809,7 +11814,7 @@
           <a:p>
             <a:fld id="{ADACF1E0-E645-4AB8-BF49-A4712ECFC572}" type="datetime1">
               <a:rPr lang="en-US" smtClean="0"/>
-              <a:t>12/4/2019</a:t>
+              <a:t>12/5/2019</a:t>
             </a:fld>
             <a:endParaRPr lang="en-GB" dirty="0"/>
           </a:p>
@@ -14143,7 +14148,7 @@
           <a:p>
             <a:fld id="{AC2FBD33-6F1A-4DB7-AFE9-6EB9F9390666}" type="datetime1">
               <a:rPr lang="en-US" smtClean="0"/>
-              <a:t>12/4/2019</a:t>
+              <a:t>12/5/2019</a:t>
             </a:fld>
             <a:endParaRPr lang="en-GB" dirty="0"/>
           </a:p>
@@ -14561,7 +14566,7 @@
           <a:p>
             <a:fld id="{5ECCB7DD-F5FA-4772-AE6C-4B16CC639692}" type="datetime1">
               <a:rPr lang="en-US" smtClean="0"/>
-              <a:t>12/4/2019</a:t>
+              <a:t>12/5/2019</a:t>
             </a:fld>
             <a:endParaRPr lang="en-GB" dirty="0"/>
           </a:p>
@@ -14705,7 +14710,7 @@
           <a:p>
             <a:fld id="{4D503B69-6866-48ED-BC84-D955599A3486}" type="datetime1">
               <a:rPr lang="en-US" smtClean="0"/>
-              <a:t>12/4/2019</a:t>
+              <a:t>12/5/2019</a:t>
             </a:fld>
             <a:endParaRPr lang="en-GB" dirty="0"/>
           </a:p>
@@ -14846,7 +14851,7 @@
           <a:p>
             <a:fld id="{C7E2A169-E932-49B0-B280-576865BCCE00}" type="datetime1">
               <a:rPr lang="en-US" smtClean="0"/>
-              <a:t>12/4/2019</a:t>
+              <a:t>12/5/2019</a:t>
             </a:fld>
             <a:endParaRPr lang="en-GB" dirty="0"/>
           </a:p>
@@ -15034,7 +15039,7 @@
           <a:p>
             <a:fld id="{C164A7DF-EF9C-4B73-AB2A-987BF19A48D3}" type="datetime1">
               <a:rPr lang="en-US" smtClean="0"/>
-              <a:t>12/4/2019</a:t>
+              <a:t>12/5/2019</a:t>
             </a:fld>
             <a:endParaRPr lang="en-GB" dirty="0"/>
           </a:p>
@@ -15296,7 +15301,7 @@
           <a:p>
             <a:fld id="{62AED7A3-D046-43C5-B79B-335D0B5E0861}" type="datetime1">
               <a:rPr lang="en-US" smtClean="0"/>
-              <a:t>12/4/2019</a:t>
+              <a:t>12/5/2019</a:t>
             </a:fld>
             <a:endParaRPr lang="en-GB" dirty="0"/>
           </a:p>
@@ -15644,7 +15649,7 @@
           <a:p>
             <a:fld id="{E160ED12-57FA-4ABA-86AE-25EBA340D37A}" type="datetime1">
               <a:rPr lang="en-US" smtClean="0"/>
-              <a:t>12/4/2019</a:t>
+              <a:t>12/5/2019</a:t>
             </a:fld>
             <a:endParaRPr lang="en-GB" dirty="0"/>
           </a:p>
@@ -15952,7 +15957,7 @@
           <a:p>
             <a:fld id="{187AC5FE-57D4-46C3-AF1C-FA9290B2A597}" type="datetime1">
               <a:rPr lang="en-US" smtClean="0"/>
-              <a:t>12/4/2019</a:t>
+              <a:t>12/5/2019</a:t>
             </a:fld>
             <a:endParaRPr lang="en-GB" dirty="0"/>
           </a:p>
@@ -17245,7 +17250,7 @@
           <a:p>
             <a:fld id="{C0E6A5AA-C347-4F8D-86AF-2BF972CD8449}" type="datetime1">
               <a:rPr lang="en-US" smtClean="0"/>
-              <a:t>12/4/2019</a:t>
+              <a:t>12/5/2019</a:t>
             </a:fld>
             <a:endParaRPr lang="en-GB" dirty="0"/>
           </a:p>
@@ -17489,7 +17494,7 @@
           <a:p>
             <a:fld id="{497E7D34-FB5C-457C-A1BC-F1CABB70971B}" type="datetime1">
               <a:rPr lang="en-US" smtClean="0"/>
-              <a:t>12/4/2019</a:t>
+              <a:t>12/5/2019</a:t>
             </a:fld>
             <a:endParaRPr lang="en-GB" dirty="0"/>
           </a:p>
@@ -17907,7 +17912,7 @@
           <a:p>
             <a:fld id="{B5A63901-8058-4988-9452-50BA6B122EA3}" type="datetime1">
               <a:rPr lang="en-US" smtClean="0"/>
-              <a:t>12/4/2019</a:t>
+              <a:t>12/5/2019</a:t>
             </a:fld>
             <a:endParaRPr lang="en-GB" dirty="0"/>
           </a:p>
@@ -18051,7 +18056,7 @@
           <a:p>
             <a:fld id="{485765C9-0432-4266-8884-D975FC988581}" type="datetime1">
               <a:rPr lang="en-US" smtClean="0"/>
-              <a:t>12/4/2019</a:t>
+              <a:t>12/5/2019</a:t>
             </a:fld>
             <a:endParaRPr lang="en-GB" dirty="0"/>
           </a:p>
@@ -18192,7 +18197,7 @@
           <a:p>
             <a:fld id="{DFBA0859-753F-4346-95EA-852F1066DB10}" type="datetime1">
               <a:rPr lang="en-US" smtClean="0"/>
-              <a:t>12/4/2019</a:t>
+              <a:t>12/5/2019</a:t>
             </a:fld>
             <a:endParaRPr lang="en-GB" dirty="0"/>
           </a:p>
@@ -18380,7 +18385,7 @@
           <a:p>
             <a:fld id="{304FFA06-10F2-4E4E-9279-94195B041370}" type="datetime1">
               <a:rPr lang="en-US" smtClean="0"/>
-              <a:t>12/4/2019</a:t>
+              <a:t>12/5/2019</a:t>
             </a:fld>
             <a:endParaRPr lang="en-GB" dirty="0"/>
           </a:p>
@@ -18642,7 +18647,7 @@
           <a:p>
             <a:fld id="{56713D48-FC07-4881-BEA5-5FEBF1932E19}" type="datetime1">
               <a:rPr lang="en-US" smtClean="0"/>
-              <a:t>12/4/2019</a:t>
+              <a:t>12/5/2019</a:t>
             </a:fld>
             <a:endParaRPr lang="en-GB" dirty="0"/>
           </a:p>
@@ -18990,7 +18995,7 @@
           <a:p>
             <a:fld id="{C9A15C87-8CEC-4AA9-BC05-F4681A6FFBFE}" type="datetime1">
               <a:rPr lang="en-US" smtClean="0"/>
-              <a:t>12/4/2019</a:t>
+              <a:t>12/5/2019</a:t>
             </a:fld>
             <a:endParaRPr lang="en-GB" dirty="0"/>
           </a:p>
@@ -19298,7 +19303,7 @@
           <a:p>
             <a:fld id="{06691B28-D785-41D3-9EE9-D42B1A956368}" type="datetime1">
               <a:rPr lang="en-US" smtClean="0"/>
-              <a:t>12/4/2019</a:t>
+              <a:t>12/5/2019</a:t>
             </a:fld>
             <a:endParaRPr lang="en-GB" dirty="0"/>
           </a:p>
@@ -20591,7 +20596,7 @@
           <a:p>
             <a:fld id="{AEDEC028-3C13-492A-B169-B1C79A26C36D}" type="datetime1">
               <a:rPr lang="en-US" smtClean="0"/>
-              <a:t>12/4/2019</a:t>
+              <a:t>12/5/2019</a:t>
             </a:fld>
             <a:endParaRPr lang="en-GB" dirty="0"/>
           </a:p>
@@ -21009,7 +21014,7 @@
           <a:p>
             <a:fld id="{AAF92817-7296-4D21-8141-80BB63633798}" type="datetime1">
               <a:rPr lang="en-US" smtClean="0"/>
-              <a:t>12/4/2019</a:t>
+              <a:t>12/5/2019</a:t>
             </a:fld>
             <a:endParaRPr lang="en-GB" dirty="0"/>
           </a:p>
@@ -21422,7 +21427,7 @@
           <a:p>
             <a:fld id="{9DD62E2E-CE23-4207-929D-3A229DECE710}" type="datetime1">
               <a:rPr lang="en-US" smtClean="0"/>
-              <a:t>12/4/2019</a:t>
+              <a:t>12/5/2019</a:t>
             </a:fld>
             <a:endParaRPr lang="en-GB" dirty="0"/>
           </a:p>
@@ -21566,7 +21571,7 @@
           <a:p>
             <a:fld id="{55BEEE73-62FD-4DBE-972D-3DA88A137848}" type="datetime1">
               <a:rPr lang="en-US" smtClean="0"/>
-              <a:t>12/4/2019</a:t>
+              <a:t>12/5/2019</a:t>
             </a:fld>
             <a:endParaRPr lang="en-GB" dirty="0"/>
           </a:p>
@@ -21707,7 +21712,7 @@
           <a:p>
             <a:fld id="{670E0159-69AA-471F-8145-9222D00D6FF9}" type="datetime1">
               <a:rPr lang="en-US" smtClean="0"/>
-              <a:t>12/4/2019</a:t>
+              <a:t>12/5/2019</a:t>
             </a:fld>
             <a:endParaRPr lang="en-GB" dirty="0"/>
           </a:p>
@@ -21895,7 +21900,7 @@
           <a:p>
             <a:fld id="{291D9909-32EB-4A86-9E5D-1E9670F25E34}" type="datetime1">
               <a:rPr lang="en-US" smtClean="0"/>
-              <a:t>12/4/2019</a:t>
+              <a:t>12/5/2019</a:t>
             </a:fld>
             <a:endParaRPr lang="en-GB" dirty="0"/>
           </a:p>
@@ -22157,7 +22162,7 @@
           <a:p>
             <a:fld id="{7BF3E51F-3690-4738-A938-B9B48B5BA1DC}" type="datetime1">
               <a:rPr lang="en-US" smtClean="0"/>
-              <a:t>12/4/2019</a:t>
+              <a:t>12/5/2019</a:t>
             </a:fld>
             <a:endParaRPr lang="en-GB" dirty="0"/>
           </a:p>
@@ -22505,7 +22510,7 @@
           <a:p>
             <a:fld id="{8CC65AAA-63AE-4C25-92C2-D913523DAFB5}" type="datetime1">
               <a:rPr lang="en-US" smtClean="0"/>
-              <a:t>12/4/2019</a:t>
+              <a:t>12/5/2019</a:t>
             </a:fld>
             <a:endParaRPr lang="en-GB" dirty="0"/>
           </a:p>
@@ -22813,7 +22818,7 @@
           <a:p>
             <a:fld id="{66522B32-74FD-42FB-A05A-AB341E10E1DB}" type="datetime1">
               <a:rPr lang="en-US" smtClean="0"/>
-              <a:t>12/4/2019</a:t>
+              <a:t>12/5/2019</a:t>
             </a:fld>
             <a:endParaRPr lang="en-GB" dirty="0"/>
           </a:p>
@@ -24106,7 +24111,7 @@
           <a:p>
             <a:fld id="{3FC695B4-78DA-48A6-8CA6-16EA861F8320}" type="datetime1">
               <a:rPr lang="en-US" smtClean="0"/>
-              <a:t>12/4/2019</a:t>
+              <a:t>12/5/2019</a:t>
             </a:fld>
             <a:endParaRPr lang="en-GB" dirty="0"/>
           </a:p>
@@ -24524,7 +24529,7 @@
           <a:p>
             <a:fld id="{5B01CBB0-5C7C-47F6-8253-4142AE057ABC}" type="datetime1">
               <a:rPr lang="en-US" smtClean="0"/>
-              <a:t>12/4/2019</a:t>
+              <a:t>12/5/2019</a:t>
             </a:fld>
             <a:endParaRPr lang="en-GB" dirty="0"/>
           </a:p>
@@ -24668,7 +24673,7 @@
           <a:p>
             <a:fld id="{AFA94C81-BE19-4FE2-8877-A0D212454D53}" type="datetime1">
               <a:rPr lang="en-US" smtClean="0"/>
-              <a:t>12/4/2019</a:t>
+              <a:t>12/5/2019</a:t>
             </a:fld>
             <a:endParaRPr lang="en-GB" dirty="0"/>
           </a:p>
@@ -24804,7 +24809,7 @@
           <a:p>
             <a:fld id="{6F56A6AC-2F08-44A8-ACE0-1B2A22DBC3B5}" type="datetime1">
               <a:rPr lang="en-US" smtClean="0"/>
-              <a:t>12/4/2019</a:t>
+              <a:t>12/5/2019</a:t>
             </a:fld>
             <a:endParaRPr lang="en-GB" dirty="0"/>
           </a:p>
@@ -24945,7 +24950,7 @@
           <a:p>
             <a:fld id="{758D1020-7513-405E-88A2-24919630E1F2}" type="datetime1">
               <a:rPr lang="en-US" smtClean="0"/>
-              <a:t>12/4/2019</a:t>
+              <a:t>12/5/2019</a:t>
             </a:fld>
             <a:endParaRPr lang="en-GB" dirty="0"/>
           </a:p>
@@ -25133,7 +25138,7 @@
           <a:p>
             <a:fld id="{85023977-FC94-4C67-9D95-0AFFB2B3B05D}" type="datetime1">
               <a:rPr lang="en-US" smtClean="0"/>
-              <a:t>12/4/2019</a:t>
+              <a:t>12/5/2019</a:t>
             </a:fld>
             <a:endParaRPr lang="en-GB" dirty="0"/>
           </a:p>
@@ -25395,7 +25400,7 @@
           <a:p>
             <a:fld id="{5249CCCC-8BA7-4EFA-82D4-129DC766428A}" type="datetime1">
               <a:rPr lang="en-US" smtClean="0"/>
-              <a:t>12/4/2019</a:t>
+              <a:t>12/5/2019</a:t>
             </a:fld>
             <a:endParaRPr lang="en-GB" dirty="0"/>
           </a:p>
@@ -25743,7 +25748,7 @@
           <a:p>
             <a:fld id="{9D17E42D-F789-49BC-8A02-D6029DC2A3D6}" type="datetime1">
               <a:rPr lang="en-US" smtClean="0"/>
-              <a:t>12/4/2019</a:t>
+              <a:t>12/5/2019</a:t>
             </a:fld>
             <a:endParaRPr lang="en-GB" dirty="0"/>
           </a:p>
@@ -26051,7 +26056,7 @@
           <a:p>
             <a:fld id="{21055F86-C937-425A-979E-34D4E70F5CCE}" type="datetime1">
               <a:rPr lang="en-US" smtClean="0"/>
-              <a:t>12/4/2019</a:t>
+              <a:t>12/5/2019</a:t>
             </a:fld>
             <a:endParaRPr lang="en-GB" dirty="0"/>
           </a:p>
@@ -27344,7 +27349,7 @@
           <a:p>
             <a:fld id="{FBD75297-45D6-4DFF-93FA-8144F02030AA}" type="datetime1">
               <a:rPr lang="en-US" smtClean="0"/>
-              <a:t>12/4/2019</a:t>
+              <a:t>12/5/2019</a:t>
             </a:fld>
             <a:endParaRPr lang="en-GB" dirty="0"/>
           </a:p>
@@ -27762,7 +27767,7 @@
           <a:p>
             <a:fld id="{61C0F4FB-E946-4524-9D98-92464FB0BAE1}" type="datetime1">
               <a:rPr lang="en-US" smtClean="0"/>
-              <a:t>12/4/2019</a:t>
+              <a:t>12/5/2019</a:t>
             </a:fld>
             <a:endParaRPr lang="en-GB" dirty="0"/>
           </a:p>
@@ -27906,7 +27911,7 @@
           <a:p>
             <a:fld id="{F8605371-0364-4965-9F89-45B26BD4E146}" type="datetime1">
               <a:rPr lang="en-US" smtClean="0"/>
-              <a:t>12/4/2019</a:t>
+              <a:t>12/5/2019</a:t>
             </a:fld>
             <a:endParaRPr lang="en-GB" dirty="0"/>
           </a:p>
@@ -28047,7 +28052,7 @@
           <a:p>
             <a:fld id="{83F947AC-D274-465F-8D7E-98ABBD88E9AB}" type="datetime1">
               <a:rPr lang="en-US" smtClean="0"/>
-              <a:t>12/4/2019</a:t>
+              <a:t>12/5/2019</a:t>
             </a:fld>
             <a:endParaRPr lang="en-GB" dirty="0"/>
           </a:p>
@@ -28189,7 +28194,7 @@
           <a:p>
             <a:fld id="{F067EECC-F6CD-43AC-B372-1D04FA8B3DD4}" type="datetime1">
               <a:rPr lang="en-US" smtClean="0"/>
-              <a:t>12/4/2019</a:t>
+              <a:t>12/5/2019</a:t>
             </a:fld>
             <a:endParaRPr lang="en-GB" dirty="0"/>
           </a:p>
@@ -28377,7 +28382,7 @@
           <a:p>
             <a:fld id="{1D6BCA9A-2E27-41F6-BEB5-CCBC81A11A8F}" type="datetime1">
               <a:rPr lang="en-US" smtClean="0"/>
-              <a:t>12/4/2019</a:t>
+              <a:t>12/5/2019</a:t>
             </a:fld>
             <a:endParaRPr lang="en-GB" dirty="0"/>
           </a:p>
@@ -28562,7 +28567,7 @@
           <a:p>
             <a:fld id="{FCF91914-FE42-4C19-940C-9185985369DD}" type="datetime1">
               <a:rPr lang="en-US" smtClean="0"/>
-              <a:t>12/4/2019</a:t>
+              <a:t>12/5/2019</a:t>
             </a:fld>
             <a:endParaRPr lang="en-GB" dirty="0"/>
           </a:p>
@@ -29407,7 +29412,7 @@
           <a:p>
             <a:fld id="{F1A8B5C7-0E7C-48D3-930F-8A4D245AA74B}" type="datetime1">
               <a:rPr lang="en-US" smtClean="0"/>
-              <a:t>12/4/2019</a:t>
+              <a:t>12/5/2019</a:t>
             </a:fld>
             <a:endParaRPr lang="en-GB" dirty="0"/>
           </a:p>
@@ -30891,7 +30896,7 @@
           <a:p>
             <a:fld id="{92CC00C2-4DDE-4B9E-9EC0-B625A50156CA}" type="datetime1">
               <a:rPr lang="en-US" smtClean="0"/>
-              <a:t>12/4/2019</a:t>
+              <a:t>12/5/2019</a:t>
             </a:fld>
             <a:endParaRPr lang="en-GB" dirty="0"/>
           </a:p>
@@ -32391,7 +32396,7 @@
           <a:p>
             <a:fld id="{750741AF-D87A-4355-8AEB-580F459C681B}" type="datetime1">
               <a:rPr lang="en-US" smtClean="0"/>
-              <a:t>12/4/2019</a:t>
+              <a:t>12/5/2019</a:t>
             </a:fld>
             <a:endParaRPr lang="en-GB" dirty="0"/>
           </a:p>
@@ -33891,7 +33896,7 @@
           <a:p>
             <a:fld id="{A8B37773-2ACD-4FA6-B109-CD7B2AA7DA0F}" type="datetime1">
               <a:rPr lang="en-US" smtClean="0"/>
-              <a:t>12/4/2019</a:t>
+              <a:t>12/5/2019</a:t>
             </a:fld>
             <a:endParaRPr lang="en-GB" dirty="0"/>
           </a:p>
@@ -35391,7 +35396,7 @@
           <a:p>
             <a:fld id="{BB06121B-F5BE-4DD3-9D5C-14BF41B8AE4E}" type="datetime1">
               <a:rPr lang="en-US" smtClean="0"/>
-              <a:t>12/4/2019</a:t>
+              <a:t>12/5/2019</a:t>
             </a:fld>
             <a:endParaRPr lang="en-GB" dirty="0"/>
           </a:p>
@@ -36891,7 +36896,7 @@
           <a:p>
             <a:fld id="{1A6E1C20-A3DB-45D1-ACDA-F9718D8F423E}" type="datetime1">
               <a:rPr lang="en-US" smtClean="0"/>
-              <a:t>12/4/2019</a:t>
+              <a:t>12/5/2019</a:t>
             </a:fld>
             <a:endParaRPr lang="en-GB" dirty="0"/>
           </a:p>
@@ -38391,7 +38396,7 @@
           <a:p>
             <a:fld id="{EE97D1C7-FFD6-4AA4-9180-83332BBD99E4}" type="datetime1">
               <a:rPr lang="en-US" smtClean="0"/>
-              <a:t>12/4/2019</a:t>
+              <a:t>12/5/2019</a:t>
             </a:fld>
             <a:endParaRPr lang="en-GB" dirty="0"/>
           </a:p>
@@ -39891,7 +39896,7 @@
           <a:p>
             <a:fld id="{948AB86F-1222-42B1-8D3F-3C350F7B99CF}" type="datetime1">
               <a:rPr lang="en-US" smtClean="0"/>
-              <a:t>12/4/2019</a:t>
+              <a:t>12/5/2019</a:t>
             </a:fld>
             <a:endParaRPr lang="en-GB" dirty="0"/>
           </a:p>
@@ -41391,7 +41396,7 @@
           <a:p>
             <a:fld id="{C9131744-2CF9-4496-962F-5D8D56285C40}" type="datetime1">
               <a:rPr lang="en-US" smtClean="0"/>
-              <a:t>12/4/2019</a:t>
+              <a:t>12/5/2019</a:t>
             </a:fld>
             <a:endParaRPr lang="en-GB" dirty="0"/>
           </a:p>
@@ -42208,7 +42213,7 @@
           <a:p>
             <a:fld id="{88380EBB-AF45-4528-800B-F123B62D554C}" type="datetime1">
               <a:rPr lang="en-US" smtClean="0"/>
-              <a:t>12/4/2019</a:t>
+              <a:t>12/5/2019</a:t>
             </a:fld>
             <a:endParaRPr lang="en-GB" dirty="0"/>
           </a:p>
@@ -42366,7 +42371,7 @@
           <a:p>
             <a:fld id="{C0E6A5AA-C347-4F8D-86AF-2BF972CD8449}" type="datetime1">
               <a:rPr lang="en-US" smtClean="0"/>
-              <a:t>12/4/2019</a:t>
+              <a:t>12/5/2019</a:t>
             </a:fld>
             <a:endParaRPr lang="en-GB" dirty="0"/>
           </a:p>
@@ -43274,7 +43279,7 @@
           <a:p>
             <a:fld id="{C0E6A5AA-C347-4F8D-86AF-2BF972CD8449}" type="datetime1">
               <a:rPr lang="en-US" smtClean="0"/>
-              <a:t>12/4/2019</a:t>
+              <a:t>12/5/2019</a:t>
             </a:fld>
             <a:endParaRPr lang="en-GB" dirty="0"/>
           </a:p>
@@ -43838,9 +43843,486 @@
   <p:timing>
     <p:tnLst>
       <p:par>
-        <p:cTn id="1" dur="indefinite" restart="never" nodeType="tmRoot"/>
+        <p:cTn id="1" dur="indefinite" restart="never" nodeType="tmRoot">
+          <p:childTnLst>
+            <p:seq concurrent="1" nextAc="seek">
+              <p:cTn id="2" dur="indefinite" nodeType="mainSeq">
+                <p:childTnLst>
+                  <p:par>
+                    <p:cTn id="3" fill="hold">
+                      <p:stCondLst>
+                        <p:cond delay="indefinite"/>
+                      </p:stCondLst>
+                      <p:childTnLst>
+                        <p:par>
+                          <p:cTn id="4" fill="hold">
+                            <p:stCondLst>
+                              <p:cond delay="0"/>
+                            </p:stCondLst>
+                            <p:childTnLst>
+                              <p:par>
+                                <p:cTn id="5" presetID="10" presetClass="entr" presetSubtype="0" fill="hold" grpId="0" nodeType="clickEffect">
+                                  <p:stCondLst>
+                                    <p:cond delay="0"/>
+                                  </p:stCondLst>
+                                  <p:childTnLst>
+                                    <p:set>
+                                      <p:cBhvr>
+                                        <p:cTn id="6" dur="1" fill="hold">
+                                          <p:stCondLst>
+                                            <p:cond delay="0"/>
+                                          </p:stCondLst>
+                                        </p:cTn>
+                                        <p:tgtEl>
+                                          <p:spTgt spid="16"/>
+                                        </p:tgtEl>
+                                        <p:attrNameLst>
+                                          <p:attrName>style.visibility</p:attrName>
+                                        </p:attrNameLst>
+                                      </p:cBhvr>
+                                      <p:to>
+                                        <p:strVal val="visible"/>
+                                      </p:to>
+                                    </p:set>
+                                    <p:animEffect transition="in" filter="fade">
+                                      <p:cBhvr>
+                                        <p:cTn id="7" dur="500"/>
+                                        <p:tgtEl>
+                                          <p:spTgt spid="16"/>
+                                        </p:tgtEl>
+                                      </p:cBhvr>
+                                    </p:animEffect>
+                                  </p:childTnLst>
+                                </p:cTn>
+                              </p:par>
+                              <p:par>
+                                <p:cTn id="8" presetID="10" presetClass="entr" presetSubtype="0" fill="hold" grpId="0" nodeType="withEffect">
+                                  <p:stCondLst>
+                                    <p:cond delay="0"/>
+                                  </p:stCondLst>
+                                  <p:childTnLst>
+                                    <p:set>
+                                      <p:cBhvr>
+                                        <p:cTn id="9" dur="1" fill="hold">
+                                          <p:stCondLst>
+                                            <p:cond delay="0"/>
+                                          </p:stCondLst>
+                                        </p:cTn>
+                                        <p:tgtEl>
+                                          <p:spTgt spid="8"/>
+                                        </p:tgtEl>
+                                        <p:attrNameLst>
+                                          <p:attrName>style.visibility</p:attrName>
+                                        </p:attrNameLst>
+                                      </p:cBhvr>
+                                      <p:to>
+                                        <p:strVal val="visible"/>
+                                      </p:to>
+                                    </p:set>
+                                    <p:animEffect transition="in" filter="fade">
+                                      <p:cBhvr>
+                                        <p:cTn id="10" dur="500"/>
+                                        <p:tgtEl>
+                                          <p:spTgt spid="8"/>
+                                        </p:tgtEl>
+                                      </p:cBhvr>
+                                    </p:animEffect>
+                                  </p:childTnLst>
+                                </p:cTn>
+                              </p:par>
+                            </p:childTnLst>
+                          </p:cTn>
+                        </p:par>
+                      </p:childTnLst>
+                    </p:cTn>
+                  </p:par>
+                  <p:par>
+                    <p:cTn id="11" fill="hold">
+                      <p:stCondLst>
+                        <p:cond delay="indefinite"/>
+                      </p:stCondLst>
+                      <p:childTnLst>
+                        <p:par>
+                          <p:cTn id="12" fill="hold">
+                            <p:stCondLst>
+                              <p:cond delay="0"/>
+                            </p:stCondLst>
+                            <p:childTnLst>
+                              <p:par>
+                                <p:cTn id="13" presetID="10" presetClass="entr" presetSubtype="0" fill="hold" grpId="0" nodeType="clickEffect">
+                                  <p:stCondLst>
+                                    <p:cond delay="0"/>
+                                  </p:stCondLst>
+                                  <p:childTnLst>
+                                    <p:set>
+                                      <p:cBhvr>
+                                        <p:cTn id="14" dur="1" fill="hold">
+                                          <p:stCondLst>
+                                            <p:cond delay="0"/>
+                                          </p:stCondLst>
+                                        </p:cTn>
+                                        <p:tgtEl>
+                                          <p:spTgt spid="7"/>
+                                        </p:tgtEl>
+                                        <p:attrNameLst>
+                                          <p:attrName>style.visibility</p:attrName>
+                                        </p:attrNameLst>
+                                      </p:cBhvr>
+                                      <p:to>
+                                        <p:strVal val="visible"/>
+                                      </p:to>
+                                    </p:set>
+                                    <p:animEffect transition="in" filter="fade">
+                                      <p:cBhvr>
+                                        <p:cTn id="15" dur="500"/>
+                                        <p:tgtEl>
+                                          <p:spTgt spid="7"/>
+                                        </p:tgtEl>
+                                      </p:cBhvr>
+                                    </p:animEffect>
+                                  </p:childTnLst>
+                                </p:cTn>
+                              </p:par>
+                            </p:childTnLst>
+                          </p:cTn>
+                        </p:par>
+                      </p:childTnLst>
+                    </p:cTn>
+                  </p:par>
+                  <p:par>
+                    <p:cTn id="16" fill="hold">
+                      <p:stCondLst>
+                        <p:cond delay="indefinite"/>
+                      </p:stCondLst>
+                      <p:childTnLst>
+                        <p:par>
+                          <p:cTn id="17" fill="hold">
+                            <p:stCondLst>
+                              <p:cond delay="0"/>
+                            </p:stCondLst>
+                            <p:childTnLst>
+                              <p:par>
+                                <p:cTn id="18" presetID="10" presetClass="entr" presetSubtype="0" fill="hold" grpId="0" nodeType="clickEffect">
+                                  <p:stCondLst>
+                                    <p:cond delay="0"/>
+                                  </p:stCondLst>
+                                  <p:childTnLst>
+                                    <p:set>
+                                      <p:cBhvr>
+                                        <p:cTn id="19" dur="1" fill="hold">
+                                          <p:stCondLst>
+                                            <p:cond delay="0"/>
+                                          </p:stCondLst>
+                                        </p:cTn>
+                                        <p:tgtEl>
+                                          <p:spTgt spid="18"/>
+                                        </p:tgtEl>
+                                        <p:attrNameLst>
+                                          <p:attrName>style.visibility</p:attrName>
+                                        </p:attrNameLst>
+                                      </p:cBhvr>
+                                      <p:to>
+                                        <p:strVal val="visible"/>
+                                      </p:to>
+                                    </p:set>
+                                    <p:animEffect transition="in" filter="fade">
+                                      <p:cBhvr>
+                                        <p:cTn id="20" dur="500"/>
+                                        <p:tgtEl>
+                                          <p:spTgt spid="18"/>
+                                        </p:tgtEl>
+                                      </p:cBhvr>
+                                    </p:animEffect>
+                                  </p:childTnLst>
+                                </p:cTn>
+                              </p:par>
+                            </p:childTnLst>
+                          </p:cTn>
+                        </p:par>
+                      </p:childTnLst>
+                    </p:cTn>
+                  </p:par>
+                  <p:par>
+                    <p:cTn id="21" fill="hold">
+                      <p:stCondLst>
+                        <p:cond delay="indefinite"/>
+                      </p:stCondLst>
+                      <p:childTnLst>
+                        <p:par>
+                          <p:cTn id="22" fill="hold">
+                            <p:stCondLst>
+                              <p:cond delay="0"/>
+                            </p:stCondLst>
+                            <p:childTnLst>
+                              <p:par>
+                                <p:cTn id="23" presetID="1" presetClass="entr" presetSubtype="0" fill="hold" grpId="0" nodeType="clickEffect">
+                                  <p:stCondLst>
+                                    <p:cond delay="0"/>
+                                  </p:stCondLst>
+                                  <p:childTnLst>
+                                    <p:set>
+                                      <p:cBhvr>
+                                        <p:cTn id="24" dur="1" fill="hold">
+                                          <p:stCondLst>
+                                            <p:cond delay="0"/>
+                                          </p:stCondLst>
+                                        </p:cTn>
+                                        <p:tgtEl>
+                                          <p:spTgt spid="19"/>
+                                        </p:tgtEl>
+                                        <p:attrNameLst>
+                                          <p:attrName>style.visibility</p:attrName>
+                                        </p:attrNameLst>
+                                      </p:cBhvr>
+                                      <p:to>
+                                        <p:strVal val="visible"/>
+                                      </p:to>
+                                    </p:set>
+                                  </p:childTnLst>
+                                </p:cTn>
+                              </p:par>
+                            </p:childTnLst>
+                          </p:cTn>
+                        </p:par>
+                      </p:childTnLst>
+                    </p:cTn>
+                  </p:par>
+                  <p:par>
+                    <p:cTn id="25" fill="hold">
+                      <p:stCondLst>
+                        <p:cond delay="indefinite"/>
+                      </p:stCondLst>
+                      <p:childTnLst>
+                        <p:par>
+                          <p:cTn id="26" fill="hold">
+                            <p:stCondLst>
+                              <p:cond delay="0"/>
+                            </p:stCondLst>
+                            <p:childTnLst>
+                              <p:par>
+                                <p:cTn id="27" presetID="1" presetClass="entr" presetSubtype="0" fill="hold" grpId="0" nodeType="clickEffect">
+                                  <p:stCondLst>
+                                    <p:cond delay="0"/>
+                                  </p:stCondLst>
+                                  <p:childTnLst>
+                                    <p:set>
+                                      <p:cBhvr>
+                                        <p:cTn id="28" dur="1" fill="hold">
+                                          <p:stCondLst>
+                                            <p:cond delay="0"/>
+                                          </p:stCondLst>
+                                        </p:cTn>
+                                        <p:tgtEl>
+                                          <p:spTgt spid="17"/>
+                                        </p:tgtEl>
+                                        <p:attrNameLst>
+                                          <p:attrName>style.visibility</p:attrName>
+                                        </p:attrNameLst>
+                                      </p:cBhvr>
+                                      <p:to>
+                                        <p:strVal val="visible"/>
+                                      </p:to>
+                                    </p:set>
+                                  </p:childTnLst>
+                                </p:cTn>
+                              </p:par>
+                            </p:childTnLst>
+                          </p:cTn>
+                        </p:par>
+                      </p:childTnLst>
+                    </p:cTn>
+                  </p:par>
+                  <p:par>
+                    <p:cTn id="29" fill="hold">
+                      <p:stCondLst>
+                        <p:cond delay="indefinite"/>
+                      </p:stCondLst>
+                      <p:childTnLst>
+                        <p:par>
+                          <p:cTn id="30" fill="hold">
+                            <p:stCondLst>
+                              <p:cond delay="0"/>
+                            </p:stCondLst>
+                            <p:childTnLst>
+                              <p:par>
+                                <p:cTn id="31" presetID="10" presetClass="entr" presetSubtype="0" fill="hold" grpId="0" nodeType="clickEffect">
+                                  <p:stCondLst>
+                                    <p:cond delay="0"/>
+                                  </p:stCondLst>
+                                  <p:childTnLst>
+                                    <p:set>
+                                      <p:cBhvr>
+                                        <p:cTn id="32" dur="1" fill="hold">
+                                          <p:stCondLst>
+                                            <p:cond delay="0"/>
+                                          </p:stCondLst>
+                                        </p:cTn>
+                                        <p:tgtEl>
+                                          <p:spTgt spid="23"/>
+                                        </p:tgtEl>
+                                        <p:attrNameLst>
+                                          <p:attrName>style.visibility</p:attrName>
+                                        </p:attrNameLst>
+                                      </p:cBhvr>
+                                      <p:to>
+                                        <p:strVal val="visible"/>
+                                      </p:to>
+                                    </p:set>
+                                    <p:animEffect transition="in" filter="fade">
+                                      <p:cBhvr>
+                                        <p:cTn id="33" dur="500"/>
+                                        <p:tgtEl>
+                                          <p:spTgt spid="23"/>
+                                        </p:tgtEl>
+                                      </p:cBhvr>
+                                    </p:animEffect>
+                                  </p:childTnLst>
+                                </p:cTn>
+                              </p:par>
+                              <p:par>
+                                <p:cTn id="34" presetID="10" presetClass="entr" presetSubtype="0" fill="hold" grpId="0" nodeType="withEffect">
+                                  <p:stCondLst>
+                                    <p:cond delay="0"/>
+                                  </p:stCondLst>
+                                  <p:childTnLst>
+                                    <p:set>
+                                      <p:cBhvr>
+                                        <p:cTn id="35" dur="1" fill="hold">
+                                          <p:stCondLst>
+                                            <p:cond delay="0"/>
+                                          </p:stCondLst>
+                                        </p:cTn>
+                                        <p:tgtEl>
+                                          <p:spTgt spid="20"/>
+                                        </p:tgtEl>
+                                        <p:attrNameLst>
+                                          <p:attrName>style.visibility</p:attrName>
+                                        </p:attrNameLst>
+                                      </p:cBhvr>
+                                      <p:to>
+                                        <p:strVal val="visible"/>
+                                      </p:to>
+                                    </p:set>
+                                    <p:animEffect transition="in" filter="fade">
+                                      <p:cBhvr>
+                                        <p:cTn id="36" dur="500"/>
+                                        <p:tgtEl>
+                                          <p:spTgt spid="20"/>
+                                        </p:tgtEl>
+                                      </p:cBhvr>
+                                    </p:animEffect>
+                                  </p:childTnLst>
+                                </p:cTn>
+                              </p:par>
+                              <p:par>
+                                <p:cTn id="37" presetID="10" presetClass="entr" presetSubtype="0" fill="hold" grpId="0" nodeType="withEffect">
+                                  <p:stCondLst>
+                                    <p:cond delay="0"/>
+                                  </p:stCondLst>
+                                  <p:childTnLst>
+                                    <p:set>
+                                      <p:cBhvr>
+                                        <p:cTn id="38" dur="1" fill="hold">
+                                          <p:stCondLst>
+                                            <p:cond delay="0"/>
+                                          </p:stCondLst>
+                                        </p:cTn>
+                                        <p:tgtEl>
+                                          <p:spTgt spid="21"/>
+                                        </p:tgtEl>
+                                        <p:attrNameLst>
+                                          <p:attrName>style.visibility</p:attrName>
+                                        </p:attrNameLst>
+                                      </p:cBhvr>
+                                      <p:to>
+                                        <p:strVal val="visible"/>
+                                      </p:to>
+                                    </p:set>
+                                    <p:animEffect transition="in" filter="fade">
+                                      <p:cBhvr>
+                                        <p:cTn id="39" dur="500"/>
+                                        <p:tgtEl>
+                                          <p:spTgt spid="21"/>
+                                        </p:tgtEl>
+                                      </p:cBhvr>
+                                    </p:animEffect>
+                                  </p:childTnLst>
+                                </p:cTn>
+                              </p:par>
+                              <p:par>
+                                <p:cTn id="40" presetID="10" presetClass="entr" presetSubtype="0" fill="hold" grpId="0" nodeType="withEffect">
+                                  <p:stCondLst>
+                                    <p:cond delay="0"/>
+                                  </p:stCondLst>
+                                  <p:childTnLst>
+                                    <p:set>
+                                      <p:cBhvr>
+                                        <p:cTn id="41" dur="1" fill="hold">
+                                          <p:stCondLst>
+                                            <p:cond delay="0"/>
+                                          </p:stCondLst>
+                                        </p:cTn>
+                                        <p:tgtEl>
+                                          <p:spTgt spid="22"/>
+                                        </p:tgtEl>
+                                        <p:attrNameLst>
+                                          <p:attrName>style.visibility</p:attrName>
+                                        </p:attrNameLst>
+                                      </p:cBhvr>
+                                      <p:to>
+                                        <p:strVal val="visible"/>
+                                      </p:to>
+                                    </p:set>
+                                    <p:animEffect transition="in" filter="fade">
+                                      <p:cBhvr>
+                                        <p:cTn id="42" dur="500"/>
+                                        <p:tgtEl>
+                                          <p:spTgt spid="22"/>
+                                        </p:tgtEl>
+                                      </p:cBhvr>
+                                    </p:animEffect>
+                                  </p:childTnLst>
+                                </p:cTn>
+                              </p:par>
+                            </p:childTnLst>
+                          </p:cTn>
+                        </p:par>
+                      </p:childTnLst>
+                    </p:cTn>
+                  </p:par>
+                </p:childTnLst>
+              </p:cTn>
+              <p:prevCondLst>
+                <p:cond evt="onPrev" delay="0">
+                  <p:tgtEl>
+                    <p:sldTgt/>
+                  </p:tgtEl>
+                </p:cond>
+              </p:prevCondLst>
+              <p:nextCondLst>
+                <p:cond evt="onNext" delay="0">
+                  <p:tgtEl>
+                    <p:sldTgt/>
+                  </p:tgtEl>
+                </p:cond>
+              </p:nextCondLst>
+            </p:seq>
+          </p:childTnLst>
+        </p:cTn>
       </p:par>
     </p:tnLst>
+    <p:bldLst>
+      <p:bldP spid="23" grpId="0" animBg="1"/>
+      <p:bldP spid="7" grpId="0" animBg="1"/>
+      <p:bldP spid="8" grpId="0"/>
+      <p:bldP spid="16" grpId="0"/>
+      <p:bldP spid="17" grpId="0" animBg="1"/>
+      <p:bldP spid="18" grpId="0"/>
+      <p:bldP spid="19" grpId="0"/>
+      <p:bldP spid="20" grpId="0"/>
+      <p:bldP spid="21" grpId="0"/>
+      <p:bldP spid="22" grpId="0"/>
+    </p:bldLst>
   </p:timing>
 </p:sld>
 </file>
@@ -43946,7 +44428,7 @@
           <a:p>
             <a:fld id="{C0E6A5AA-C347-4F8D-86AF-2BF972CD8449}" type="datetime1">
               <a:rPr lang="en-US" smtClean="0"/>
-              <a:t>12/4/2019</a:t>
+              <a:t>12/5/2019</a:t>
             </a:fld>
             <a:endParaRPr lang="en-GB" dirty="0"/>
           </a:p>
@@ -44078,7 +44560,7 @@
           <a:p>
             <a:fld id="{C0E6A5AA-C347-4F8D-86AF-2BF972CD8449}" type="datetime1">
               <a:rPr lang="en-US" smtClean="0"/>
-              <a:t>12/4/2019</a:t>
+              <a:t>12/5/2019</a:t>
             </a:fld>
             <a:endParaRPr lang="en-GB" dirty="0"/>
           </a:p>
@@ -44238,7 +44720,7 @@
           <a:p>
             <a:fld id="{C0E6A5AA-C347-4F8D-86AF-2BF972CD8449}" type="datetime1">
               <a:rPr lang="en-US" smtClean="0"/>
-              <a:t>12/4/2019</a:t>
+              <a:t>12/5/2019</a:t>
             </a:fld>
             <a:endParaRPr lang="en-GB" dirty="0"/>
           </a:p>
@@ -44437,11 +44919,7 @@
           <a:p>
             <a:r>
               <a:rPr lang="en-US" dirty="0" smtClean="0"/>
-              <a:t>Uses 3 security </a:t>
-            </a:r>
-            <a:r>
-              <a:rPr lang="en-US" dirty="0" smtClean="0"/>
-              <a:t>indicators</a:t>
+              <a:t>Uses 3 security indicators</a:t>
             </a:r>
           </a:p>
           <a:p>
@@ -44476,7 +44954,7 @@
           <a:p>
             <a:fld id="{C0E6A5AA-C347-4F8D-86AF-2BF972CD8449}" type="datetime1">
               <a:rPr lang="en-US" smtClean="0"/>
-              <a:t>12/4/2019</a:t>
+              <a:t>12/5/2019</a:t>
             </a:fld>
             <a:endParaRPr lang="en-GB" dirty="0"/>
           </a:p>
@@ -44702,7 +45180,7 @@
           <a:p>
             <a:fld id="{C0E6A5AA-C347-4F8D-86AF-2BF972CD8449}" type="datetime1">
               <a:rPr lang="en-US" smtClean="0"/>
-              <a:t>12/4/2019</a:t>
+              <a:t>12/5/2019</a:t>
             </a:fld>
             <a:endParaRPr lang="en-GB" dirty="0"/>
           </a:p>
@@ -44834,7 +45312,7 @@
           <a:p>
             <a:fld id="{C0E6A5AA-C347-4F8D-86AF-2BF972CD8449}" type="datetime1">
               <a:rPr lang="en-US" smtClean="0"/>
-              <a:t>12/4/2019</a:t>
+              <a:t>12/5/2019</a:t>
             </a:fld>
             <a:endParaRPr lang="en-GB" dirty="0"/>
           </a:p>
@@ -45155,7 +45633,7 @@
           <a:p>
             <a:fld id="{C0E6A5AA-C347-4F8D-86AF-2BF972CD8449}" type="datetime1">
               <a:rPr lang="en-US" smtClean="0"/>
-              <a:t>12/4/2019</a:t>
+              <a:t>12/5/2019</a:t>
             </a:fld>
             <a:endParaRPr lang="en-GB" dirty="0"/>
           </a:p>
@@ -45374,7 +45852,7 @@
           <a:p>
             <a:fld id="{C0E6A5AA-C347-4F8D-86AF-2BF972CD8449}" type="datetime1">
               <a:rPr lang="en-US" smtClean="0"/>
-              <a:t>12/4/2019</a:t>
+              <a:t>12/5/2019</a:t>
             </a:fld>
             <a:endParaRPr lang="en-GB" dirty="0"/>
           </a:p>
@@ -45506,7 +45984,7 @@
           <a:p>
             <a:fld id="{B2122DFB-C80F-4963-B23C-7D5234AE7A1B}" type="datetime1">
               <a:rPr lang="en-US" smtClean="0"/>
-              <a:t>12/4/2019</a:t>
+              <a:t>12/5/2019</a:t>
             </a:fld>
             <a:endParaRPr lang="en-GB" dirty="0"/>
           </a:p>
@@ -45768,7 +46246,7 @@
           <a:p>
             <a:fld id="{C0E6A5AA-C347-4F8D-86AF-2BF972CD8449}" type="datetime1">
               <a:rPr lang="en-US" smtClean="0"/>
-              <a:t>12/4/2019</a:t>
+              <a:t>12/5/2019</a:t>
             </a:fld>
             <a:endParaRPr lang="en-GB" dirty="0"/>
           </a:p>
@@ -45965,8 +46443,8 @@
           <a:chExt cx="0" cy="0"/>
         </a:xfrm>
       </p:grpSpPr>
-      <mc:AlternateContent xmlns:mc="http://schemas.openxmlformats.org/markup-compatibility/2006">
-        <mc:Choice xmlns:a14="http://schemas.microsoft.com/office/drawing/2010/main" Requires="a14">
+      <mc:AlternateContent xmlns:mc="http://schemas.openxmlformats.org/markup-compatibility/2006" xmlns:a14="http://schemas.microsoft.com/office/drawing/2010/main">
+        <mc:Choice Requires="a14">
           <p:sp>
             <p:nvSpPr>
               <p:cNvPr id="2" name="Content Placeholder 1"/>
@@ -46426,7 +46904,7 @@
             </p:txBody>
           </p:sp>
         </mc:Choice>
-        <mc:Fallback>
+        <mc:Fallback xmlns="">
           <p:sp>
             <p:nvSpPr>
               <p:cNvPr id="2" name="Content Placeholder 1"/>
@@ -46477,7 +46955,7 @@
           <a:p>
             <a:fld id="{C0E6A5AA-C347-4F8D-86AF-2BF972CD8449}" type="datetime1">
               <a:rPr lang="en-US" smtClean="0"/>
-              <a:t>12/4/2019</a:t>
+              <a:t>12/5/2019</a:t>
             </a:fld>
             <a:endParaRPr lang="en-GB" dirty="0"/>
           </a:p>
@@ -46609,7 +47087,7 @@
           <a:p>
             <a:fld id="{C0E6A5AA-C347-4F8D-86AF-2BF972CD8449}" type="datetime1">
               <a:rPr lang="en-US" smtClean="0"/>
-              <a:t>12/4/2019</a:t>
+              <a:t>12/5/2019</a:t>
             </a:fld>
             <a:endParaRPr lang="en-GB" dirty="0"/>
           </a:p>
@@ -46772,8 +47250,8 @@
           <a:chExt cx="0" cy="0"/>
         </a:xfrm>
       </p:grpSpPr>
-      <mc:AlternateContent xmlns:mc="http://schemas.openxmlformats.org/markup-compatibility/2006">
-        <mc:Choice xmlns:a14="http://schemas.microsoft.com/office/drawing/2010/main" Requires="a14">
+      <mc:AlternateContent xmlns:mc="http://schemas.openxmlformats.org/markup-compatibility/2006" xmlns:a14="http://schemas.microsoft.com/office/drawing/2010/main">
+        <mc:Choice Requires="a14">
           <p:sp>
             <p:nvSpPr>
               <p:cNvPr id="2" name="Content Placeholder 1"/>
@@ -47033,7 +47511,7 @@
             </p:txBody>
           </p:sp>
         </mc:Choice>
-        <mc:Fallback>
+        <mc:Fallback xmlns="">
           <p:sp>
             <p:nvSpPr>
               <p:cNvPr id="2" name="Content Placeholder 1"/>
@@ -47084,7 +47562,7 @@
           <a:p>
             <a:fld id="{C0E6A5AA-C347-4F8D-86AF-2BF972CD8449}" type="datetime1">
               <a:rPr lang="en-US" smtClean="0"/>
-              <a:t>12/4/2019</a:t>
+              <a:t>12/5/2019</a:t>
             </a:fld>
             <a:endParaRPr lang="en-GB" dirty="0"/>
           </a:p>
@@ -47172,6 +47650,13 @@
   <p:transition>
     <p:fade/>
   </p:transition>
+  <p:timing>
+    <p:tnLst>
+      <p:par>
+        <p:cTn id="1" dur="indefinite" restart="never" nodeType="tmRoot"/>
+      </p:par>
+    </p:tnLst>
+  </p:timing>
 </p:sld>
 </file>
 
@@ -47209,7 +47694,7 @@
           <a:p>
             <a:fld id="{C0E6A5AA-C347-4F8D-86AF-2BF972CD8449}" type="datetime1">
               <a:rPr lang="en-US" smtClean="0"/>
-              <a:t>12/4/2019</a:t>
+              <a:t>12/5/2019</a:t>
             </a:fld>
             <a:endParaRPr lang="en-GB" dirty="0"/>
           </a:p>
@@ -47284,8 +47769,8 @@
           </a:p>
         </p:txBody>
       </p:sp>
-      <mc:AlternateContent xmlns:mc="http://schemas.openxmlformats.org/markup-compatibility/2006">
-        <mc:Choice xmlns:a14="http://schemas.microsoft.com/office/drawing/2010/main" Requires="a14">
+      <mc:AlternateContent xmlns:mc="http://schemas.openxmlformats.org/markup-compatibility/2006" xmlns:a14="http://schemas.microsoft.com/office/drawing/2010/main">
+        <mc:Choice Requires="a14">
           <p:sp>
             <p:nvSpPr>
               <p:cNvPr id="7" name="Rectangle 6"/>
@@ -47373,7 +47858,7 @@
             </p:txBody>
           </p:sp>
         </mc:Choice>
-        <mc:Fallback>
+        <mc:Fallback xmlns="">
           <p:sp>
             <p:nvSpPr>
               <p:cNvPr id="7" name="Rectangle 6"/>
@@ -47413,8 +47898,8 @@
           </p:sp>
         </mc:Fallback>
       </mc:AlternateContent>
-      <mc:AlternateContent xmlns:mc="http://schemas.openxmlformats.org/markup-compatibility/2006">
-        <mc:Choice xmlns:a14="http://schemas.microsoft.com/office/drawing/2010/main" Requires="a14">
+      <mc:AlternateContent xmlns:mc="http://schemas.openxmlformats.org/markup-compatibility/2006" xmlns:a14="http://schemas.microsoft.com/office/drawing/2010/main">
+        <mc:Choice Requires="a14">
           <p:sp>
             <p:nvSpPr>
               <p:cNvPr id="8" name="Rectangle 7"/>
@@ -47502,7 +47987,7 @@
             </p:txBody>
           </p:sp>
         </mc:Choice>
-        <mc:Fallback>
+        <mc:Fallback xmlns="">
           <p:sp>
             <p:nvSpPr>
               <p:cNvPr id="8" name="Rectangle 7"/>
@@ -47542,8 +48027,8 @@
           </p:sp>
         </mc:Fallback>
       </mc:AlternateContent>
-      <mc:AlternateContent xmlns:mc="http://schemas.openxmlformats.org/markup-compatibility/2006">
-        <mc:Choice xmlns:a14="http://schemas.microsoft.com/office/drawing/2010/main" Requires="a14">
+      <mc:AlternateContent xmlns:mc="http://schemas.openxmlformats.org/markup-compatibility/2006" xmlns:a14="http://schemas.microsoft.com/office/drawing/2010/main">
+        <mc:Choice Requires="a14">
           <p:sp>
             <p:nvSpPr>
               <p:cNvPr id="9" name="Rectangle 8"/>
@@ -47631,7 +48116,7 @@
             </p:txBody>
           </p:sp>
         </mc:Choice>
-        <mc:Fallback>
+        <mc:Fallback xmlns="">
           <p:sp>
             <p:nvSpPr>
               <p:cNvPr id="9" name="Rectangle 8"/>
@@ -47671,8 +48156,8 @@
           </p:sp>
         </mc:Fallback>
       </mc:AlternateContent>
-      <mc:AlternateContent xmlns:mc="http://schemas.openxmlformats.org/markup-compatibility/2006">
-        <mc:Choice xmlns:a14="http://schemas.microsoft.com/office/drawing/2010/main" Requires="a14">
+      <mc:AlternateContent xmlns:mc="http://schemas.openxmlformats.org/markup-compatibility/2006" xmlns:a14="http://schemas.microsoft.com/office/drawing/2010/main">
+        <mc:Choice Requires="a14">
           <p:sp>
             <p:nvSpPr>
               <p:cNvPr id="10" name="Rectangle 9"/>
@@ -47760,7 +48245,7 @@
             </p:txBody>
           </p:sp>
         </mc:Choice>
-        <mc:Fallback>
+        <mc:Fallback xmlns="">
           <p:sp>
             <p:nvSpPr>
               <p:cNvPr id="10" name="Rectangle 9"/>
@@ -47800,8 +48285,8 @@
           </p:sp>
         </mc:Fallback>
       </mc:AlternateContent>
-      <mc:AlternateContent xmlns:mc="http://schemas.openxmlformats.org/markup-compatibility/2006">
-        <mc:Choice xmlns:a14="http://schemas.microsoft.com/office/drawing/2010/main" Requires="a14">
+      <mc:AlternateContent xmlns:mc="http://schemas.openxmlformats.org/markup-compatibility/2006" xmlns:a14="http://schemas.microsoft.com/office/drawing/2010/main">
+        <mc:Choice Requires="a14">
           <p:sp>
             <p:nvSpPr>
               <p:cNvPr id="11" name="Rectangle 10"/>
@@ -47823,6 +48308,7 @@
               </a:bodyPr>
               <a:lstStyle/>
               <a:p>
+                <a:pPr/>
                 <a14:m>
                   <m:oMathPara xmlns:m="http://schemas.openxmlformats.org/officeDocument/2006/math">
                     <m:oMathParaPr>
@@ -47862,7 +48348,7 @@
             </p:txBody>
           </p:sp>
         </mc:Choice>
-        <mc:Fallback>
+        <mc:Fallback xmlns="">
           <p:sp>
             <p:nvSpPr>
               <p:cNvPr id="11" name="Rectangle 10"/>
@@ -47901,8 +48387,8 @@
           </p:sp>
         </mc:Fallback>
       </mc:AlternateContent>
-      <mc:AlternateContent xmlns:mc="http://schemas.openxmlformats.org/markup-compatibility/2006">
-        <mc:Choice xmlns:a14="http://schemas.microsoft.com/office/drawing/2010/main" Requires="a14">
+      <mc:AlternateContent xmlns:mc="http://schemas.openxmlformats.org/markup-compatibility/2006" xmlns:a14="http://schemas.microsoft.com/office/drawing/2010/main">
+        <mc:Choice Requires="a14">
           <p:sp>
             <p:nvSpPr>
               <p:cNvPr id="12" name="Rectangle 11"/>
@@ -47924,6 +48410,7 @@
               </a:bodyPr>
               <a:lstStyle/>
               <a:p>
+                <a:pPr/>
                 <a14:m>
                   <m:oMathPara xmlns:m="http://schemas.openxmlformats.org/officeDocument/2006/math">
                     <m:oMathParaPr>
@@ -47963,7 +48450,7 @@
             </p:txBody>
           </p:sp>
         </mc:Choice>
-        <mc:Fallback>
+        <mc:Fallback xmlns="">
           <p:sp>
             <p:nvSpPr>
               <p:cNvPr id="12" name="Rectangle 11"/>
@@ -48002,8 +48489,8 @@
           </p:sp>
         </mc:Fallback>
       </mc:AlternateContent>
-      <mc:AlternateContent xmlns:mc="http://schemas.openxmlformats.org/markup-compatibility/2006">
-        <mc:Choice xmlns:a14="http://schemas.microsoft.com/office/drawing/2010/main" Requires="a14">
+      <mc:AlternateContent xmlns:mc="http://schemas.openxmlformats.org/markup-compatibility/2006" xmlns:a14="http://schemas.microsoft.com/office/drawing/2010/main">
+        <mc:Choice Requires="a14">
           <p:sp>
             <p:nvSpPr>
               <p:cNvPr id="13" name="Rectangle 12"/>
@@ -48025,6 +48512,7 @@
               </a:bodyPr>
               <a:lstStyle/>
               <a:p>
+                <a:pPr/>
                 <a14:m>
                   <m:oMathPara xmlns:m="http://schemas.openxmlformats.org/officeDocument/2006/math">
                     <m:oMathParaPr>
@@ -48064,7 +48552,7 @@
             </p:txBody>
           </p:sp>
         </mc:Choice>
-        <mc:Fallback>
+        <mc:Fallback xmlns="">
           <p:sp>
             <p:nvSpPr>
               <p:cNvPr id="13" name="Rectangle 12"/>
@@ -48103,8 +48591,8 @@
           </p:sp>
         </mc:Fallback>
       </mc:AlternateContent>
-      <mc:AlternateContent xmlns:mc="http://schemas.openxmlformats.org/markup-compatibility/2006">
-        <mc:Choice xmlns:a14="http://schemas.microsoft.com/office/drawing/2010/main" Requires="a14">
+      <mc:AlternateContent xmlns:mc="http://schemas.openxmlformats.org/markup-compatibility/2006" xmlns:a14="http://schemas.microsoft.com/office/drawing/2010/main">
+        <mc:Choice Requires="a14">
           <p:sp>
             <p:nvSpPr>
               <p:cNvPr id="14" name="Rectangle 13"/>
@@ -48126,6 +48614,7 @@
               </a:bodyPr>
               <a:lstStyle/>
               <a:p>
+                <a:pPr/>
                 <a14:m>
                   <m:oMathPara xmlns:m="http://schemas.openxmlformats.org/officeDocument/2006/math">
                     <m:oMathParaPr>
@@ -48165,7 +48654,7 @@
             </p:txBody>
           </p:sp>
         </mc:Choice>
-        <mc:Fallback>
+        <mc:Fallback xmlns="">
           <p:sp>
             <p:nvSpPr>
               <p:cNvPr id="14" name="Rectangle 13"/>
@@ -48204,8 +48693,8 @@
           </p:sp>
         </mc:Fallback>
       </mc:AlternateContent>
-      <mc:AlternateContent xmlns:mc="http://schemas.openxmlformats.org/markup-compatibility/2006">
-        <mc:Choice xmlns:a14="http://schemas.microsoft.com/office/drawing/2010/main" Requires="a14">
+      <mc:AlternateContent xmlns:mc="http://schemas.openxmlformats.org/markup-compatibility/2006" xmlns:a14="http://schemas.microsoft.com/office/drawing/2010/main">
+        <mc:Choice Requires="a14">
           <p:sp>
             <p:nvSpPr>
               <p:cNvPr id="15" name="Rectangle 14"/>
@@ -48227,6 +48716,7 @@
               </a:bodyPr>
               <a:lstStyle/>
               <a:p>
+                <a:pPr/>
                 <a14:m>
                   <m:oMathPara xmlns:m="http://schemas.openxmlformats.org/officeDocument/2006/math">
                     <m:oMathParaPr>
@@ -48253,7 +48743,7 @@
             </p:txBody>
           </p:sp>
         </mc:Choice>
-        <mc:Fallback>
+        <mc:Fallback xmlns="">
           <p:sp>
             <p:nvSpPr>
               <p:cNvPr id="15" name="Rectangle 14"/>
@@ -48418,8 +48908,8 @@
           </a:fontRef>
         </p:style>
       </p:cxnSp>
-      <mc:AlternateContent xmlns:mc="http://schemas.openxmlformats.org/markup-compatibility/2006">
-        <mc:Choice xmlns:a14="http://schemas.microsoft.com/office/drawing/2010/main" Requires="a14">
+      <mc:AlternateContent xmlns:mc="http://schemas.openxmlformats.org/markup-compatibility/2006" xmlns:a14="http://schemas.microsoft.com/office/drawing/2010/main">
+        <mc:Choice Requires="a14">
           <p:sp>
             <p:nvSpPr>
               <p:cNvPr id="29" name="Rectangle 28"/>
@@ -48441,6 +48931,7 @@
               </a:bodyPr>
               <a:lstStyle/>
               <a:p>
+                <a:pPr/>
                 <a14:m>
                   <m:oMathPara xmlns:m="http://schemas.openxmlformats.org/officeDocument/2006/math">
                     <m:oMathParaPr>
@@ -48467,7 +48958,7 @@
             </p:txBody>
           </p:sp>
         </mc:Choice>
-        <mc:Fallback>
+        <mc:Fallback xmlns="">
           <p:sp>
             <p:nvSpPr>
               <p:cNvPr id="29" name="Rectangle 28"/>
@@ -48631,8 +49122,8 @@
           </a:fontRef>
         </p:style>
       </p:cxnSp>
-      <mc:AlternateContent xmlns:mc="http://schemas.openxmlformats.org/markup-compatibility/2006">
-        <mc:Choice xmlns:a14="http://schemas.microsoft.com/office/drawing/2010/main" Requires="a14">
+      <mc:AlternateContent xmlns:mc="http://schemas.openxmlformats.org/markup-compatibility/2006" xmlns:a14="http://schemas.microsoft.com/office/drawing/2010/main">
+        <mc:Choice Requires="a14">
           <p:sp>
             <p:nvSpPr>
               <p:cNvPr id="46" name="Rectangle 45"/>
@@ -48654,6 +49145,7 @@
               </a:bodyPr>
               <a:lstStyle/>
               <a:p>
+                <a:pPr/>
                 <a14:m>
                   <m:oMathPara xmlns:m="http://schemas.openxmlformats.org/officeDocument/2006/math">
                     <m:oMathParaPr>
@@ -48680,7 +49172,7 @@
             </p:txBody>
           </p:sp>
         </mc:Choice>
-        <mc:Fallback>
+        <mc:Fallback xmlns="">
           <p:sp>
             <p:nvSpPr>
               <p:cNvPr id="46" name="Rectangle 45"/>
@@ -48762,8 +49254,8 @@
           </a:fontRef>
         </p:style>
       </p:cxnSp>
-      <mc:AlternateContent xmlns:mc="http://schemas.openxmlformats.org/markup-compatibility/2006">
-        <mc:Choice xmlns:a14="http://schemas.microsoft.com/office/drawing/2010/main" Requires="a14">
+      <mc:AlternateContent xmlns:mc="http://schemas.openxmlformats.org/markup-compatibility/2006" xmlns:a14="http://schemas.microsoft.com/office/drawing/2010/main">
+        <mc:Choice Requires="a14">
           <p:sp>
             <p:nvSpPr>
               <p:cNvPr id="51" name="Rectangle 50"/>
@@ -48857,7 +49349,7 @@
             </p:txBody>
           </p:sp>
         </mc:Choice>
-        <mc:Fallback>
+        <mc:Fallback xmlns="">
           <p:sp>
             <p:nvSpPr>
               <p:cNvPr id="51" name="Rectangle 50"/>
@@ -48897,8 +49389,8 @@
           </p:sp>
         </mc:Fallback>
       </mc:AlternateContent>
-      <mc:AlternateContent xmlns:mc="http://schemas.openxmlformats.org/markup-compatibility/2006">
-        <mc:Choice xmlns:a14="http://schemas.microsoft.com/office/drawing/2010/main" Requires="a14">
+      <mc:AlternateContent xmlns:mc="http://schemas.openxmlformats.org/markup-compatibility/2006" xmlns:a14="http://schemas.microsoft.com/office/drawing/2010/main">
+        <mc:Choice Requires="a14">
           <p:sp>
             <p:nvSpPr>
               <p:cNvPr id="52" name="Rectangle 51"/>
@@ -48920,6 +49412,7 @@
               </a:bodyPr>
               <a:lstStyle/>
               <a:p>
+                <a:pPr/>
                 <a14:m>
                   <m:oMathPara xmlns:m="http://schemas.openxmlformats.org/officeDocument/2006/math">
                     <m:oMathParaPr>
@@ -48965,7 +49458,7 @@
             </p:txBody>
           </p:sp>
         </mc:Choice>
-        <mc:Fallback>
+        <mc:Fallback xmlns="">
           <p:sp>
             <p:nvSpPr>
               <p:cNvPr id="52" name="Rectangle 51"/>
@@ -49089,8 +49582,8 @@
           </a:fontRef>
         </p:style>
       </p:cxnSp>
-      <mc:AlternateContent xmlns:mc="http://schemas.openxmlformats.org/markup-compatibility/2006">
-        <mc:Choice xmlns:a14="http://schemas.microsoft.com/office/drawing/2010/main" Requires="a14">
+      <mc:AlternateContent xmlns:mc="http://schemas.openxmlformats.org/markup-compatibility/2006" xmlns:a14="http://schemas.microsoft.com/office/drawing/2010/main">
+        <mc:Choice Requires="a14">
           <p:sp>
             <p:nvSpPr>
               <p:cNvPr id="63" name="Rectangle 62"/>
@@ -49112,6 +49605,7 @@
               </a:bodyPr>
               <a:lstStyle/>
               <a:p>
+                <a:pPr/>
                 <a14:m>
                   <m:oMathPara xmlns:m="http://schemas.openxmlformats.org/officeDocument/2006/math">
                     <m:oMathParaPr>
@@ -49132,7 +49626,7 @@
             </p:txBody>
           </p:sp>
         </mc:Choice>
-        <mc:Fallback>
+        <mc:Fallback xmlns="">
           <p:sp>
             <p:nvSpPr>
               <p:cNvPr id="63" name="Rectangle 62"/>
@@ -49171,8 +49665,8 @@
           </p:sp>
         </mc:Fallback>
       </mc:AlternateContent>
-      <mc:AlternateContent xmlns:mc="http://schemas.openxmlformats.org/markup-compatibility/2006">
-        <mc:Choice xmlns:a14="http://schemas.microsoft.com/office/drawing/2010/main" Requires="a14">
+      <mc:AlternateContent xmlns:mc="http://schemas.openxmlformats.org/markup-compatibility/2006" xmlns:a14="http://schemas.microsoft.com/office/drawing/2010/main">
+        <mc:Choice Requires="a14">
           <p:sp>
             <p:nvSpPr>
               <p:cNvPr id="64" name="Rectangle 63"/>
@@ -49194,6 +49688,7 @@
               </a:bodyPr>
               <a:lstStyle/>
               <a:p>
+                <a:pPr/>
                 <a14:m>
                   <m:oMathPara xmlns:m="http://schemas.openxmlformats.org/officeDocument/2006/math">
                     <m:oMathParaPr>
@@ -49214,7 +49709,7 @@
             </p:txBody>
           </p:sp>
         </mc:Choice>
-        <mc:Fallback>
+        <mc:Fallback xmlns="">
           <p:sp>
             <p:nvSpPr>
               <p:cNvPr id="64" name="Rectangle 63"/>
@@ -49253,8 +49748,8 @@
           </p:sp>
         </mc:Fallback>
       </mc:AlternateContent>
-      <mc:AlternateContent xmlns:mc="http://schemas.openxmlformats.org/markup-compatibility/2006">
-        <mc:Choice xmlns:a14="http://schemas.microsoft.com/office/drawing/2010/main" Requires="a14">
+      <mc:AlternateContent xmlns:mc="http://schemas.openxmlformats.org/markup-compatibility/2006" xmlns:a14="http://schemas.microsoft.com/office/drawing/2010/main">
+        <mc:Choice Requires="a14">
           <p:sp>
             <p:nvSpPr>
               <p:cNvPr id="67" name="Rectangle 66"/>
@@ -49276,6 +49771,7 @@
               </a:bodyPr>
               <a:lstStyle/>
               <a:p>
+                <a:pPr/>
                 <a14:m>
                   <m:oMathPara xmlns:m="http://schemas.openxmlformats.org/officeDocument/2006/math">
                     <m:oMathParaPr>
@@ -49302,7 +49798,7 @@
             </p:txBody>
           </p:sp>
         </mc:Choice>
-        <mc:Fallback>
+        <mc:Fallback xmlns="">
           <p:sp>
             <p:nvSpPr>
               <p:cNvPr id="67" name="Rectangle 66"/>
@@ -49423,8 +49919,8 @@
           </a:fontRef>
         </p:style>
       </p:cxnSp>
-      <mc:AlternateContent xmlns:mc="http://schemas.openxmlformats.org/markup-compatibility/2006">
-        <mc:Choice xmlns:a14="http://schemas.microsoft.com/office/drawing/2010/main" Requires="a14">
+      <mc:AlternateContent xmlns:mc="http://schemas.openxmlformats.org/markup-compatibility/2006" xmlns:a14="http://schemas.microsoft.com/office/drawing/2010/main">
+        <mc:Choice Requires="a14">
           <p:sp>
             <p:nvSpPr>
               <p:cNvPr id="78" name="TextBox 77"/>
@@ -49485,7 +49981,7 @@
             </p:txBody>
           </p:sp>
         </mc:Choice>
-        <mc:Fallback>
+        <mc:Fallback xmlns="">
           <p:sp>
             <p:nvSpPr>
               <p:cNvPr id="78" name="TextBox 77"/>
@@ -49537,6 +50033,13 @@
   <p:transition>
     <p:fade/>
   </p:transition>
+  <p:timing>
+    <p:tnLst>
+      <p:par>
+        <p:cTn id="1" dur="indefinite" restart="never" nodeType="tmRoot"/>
+      </p:par>
+    </p:tnLst>
+  </p:timing>
 </p:sld>
 </file>
 
@@ -49590,11 +50093,7 @@
               <a:p>
                 <a:r>
                   <a:rPr lang="en-US" dirty="0" smtClean="0"/>
-                  <a:t>Existing solutions: build </a:t>
-                </a:r>
-                <a:r>
-                  <a:rPr lang="en-US" dirty="0" smtClean="0"/>
-                  <a:t>the systems first </a:t>
+                  <a:t>Existing solutions: build the systems first </a:t>
                 </a:r>
                 <a14:m>
                   <m:oMath xmlns:m="http://schemas.openxmlformats.org/officeDocument/2006/math">
@@ -49610,7 +50109,6 @@
                   <a:rPr lang="en-US" dirty="0" smtClean="0"/>
                   <a:t> …</a:t>
                 </a:r>
-                <a:endParaRPr lang="en-US" dirty="0" smtClean="0"/>
               </a:p>
               <a:p>
                 <a:r>
@@ -49669,13 +50167,11 @@
               <a:p>
                 <a:r>
                   <a:rPr lang="en-US" dirty="0" smtClean="0"/>
-                  <a:t>External vs internal</a:t>
+                  <a:t>How </a:t>
                 </a:r>
-              </a:p>
-              <a:p>
                 <a:r>
                   <a:rPr lang="en-US" dirty="0" smtClean="0"/>
-                  <a:t>How to extend it to platforms </a:t>
+                  <a:t>to extend it to platforms </a:t>
                 </a:r>
                 <a:endParaRPr lang="en-US" dirty="0"/>
               </a:p>
@@ -49733,7 +50229,7 @@
           <a:p>
             <a:fld id="{C0E6A5AA-C347-4F8D-86AF-2BF972CD8449}" type="datetime1">
               <a:rPr lang="en-US" smtClean="0"/>
-              <a:t>12/4/2019</a:t>
+              <a:t>12/5/2019</a:t>
             </a:fld>
             <a:endParaRPr lang="en-GB" dirty="0"/>
           </a:p>
@@ -49863,7 +50359,86 @@
           <a:bodyPr/>
           <a:lstStyle/>
           <a:p>
-            <a:endParaRPr lang="en-US"/>
+            <a:r>
+              <a:rPr lang="en-US" dirty="0" smtClean="0"/>
+              <a:t>TEEs: Intel SGX, RISC-V keystone, ARM </a:t>
+            </a:r>
+            <a:r>
+              <a:rPr lang="en-US" dirty="0" err="1" smtClean="0"/>
+              <a:t>TrustZone</a:t>
+            </a:r>
+            <a:r>
+              <a:rPr lang="en-US" dirty="0" smtClean="0"/>
+              <a:t>, AMD SEV,…</a:t>
+            </a:r>
+          </a:p>
+          <a:p>
+            <a:r>
+              <a:rPr lang="en-US" dirty="0" smtClean="0"/>
+              <a:t>Trusted path is still a problem</a:t>
+            </a:r>
+          </a:p>
+          <a:p>
+            <a:pPr lvl="1"/>
+            <a:r>
+              <a:rPr lang="en-US" dirty="0" smtClean="0">
+                <a:solidFill>
+                  <a:srgbClr val="FF0000"/>
+                </a:solidFill>
+              </a:rPr>
+              <a:t>Hypervisor or external hardware</a:t>
+            </a:r>
+          </a:p>
+          <a:p>
+            <a:r>
+              <a:rPr lang="en-US" dirty="0" smtClean="0"/>
+              <a:t>Exclusive/restrict access to peripheral</a:t>
+            </a:r>
+          </a:p>
+          <a:p>
+            <a:pPr lvl="1"/>
+            <a:r>
+              <a:rPr lang="en-US" dirty="0" smtClean="0">
+                <a:solidFill>
+                  <a:srgbClr val="FF0000"/>
+                </a:solidFill>
+              </a:rPr>
+              <a:t>“I want my UBS app to have exclusive access to my keyboard.”</a:t>
+            </a:r>
+          </a:p>
+          <a:p>
+            <a:r>
+              <a:rPr lang="en-US" dirty="0" smtClean="0"/>
+              <a:t>Peripherals are oblivious to the applications</a:t>
+            </a:r>
+          </a:p>
+          <a:p>
+            <a:pPr lvl="1"/>
+            <a:r>
+              <a:rPr lang="en-US" dirty="0" smtClean="0">
+                <a:solidFill>
+                  <a:srgbClr val="FF0000"/>
+                </a:solidFill>
+              </a:rPr>
+              <a:t>Keyboard: “Am I getting accessed by the UBS app or the OS?”</a:t>
+            </a:r>
+          </a:p>
+          <a:p>
+            <a:r>
+              <a:rPr lang="en-US" dirty="0" smtClean="0"/>
+              <a:t>Metered peripheral access</a:t>
+            </a:r>
+          </a:p>
+          <a:p>
+            <a:pPr lvl="1"/>
+            <a:r>
+              <a:rPr lang="en-US" dirty="0" smtClean="0">
+                <a:solidFill>
+                  <a:srgbClr val="FF0000"/>
+                </a:solidFill>
+              </a:rPr>
+              <a:t>“I want to charge the client based on the number of GPU cores used by the ML app.”</a:t>
+            </a:r>
           </a:p>
         </p:txBody>
       </p:sp>
@@ -49884,7 +50459,7 @@
           <a:p>
             <a:fld id="{C0E6A5AA-C347-4F8D-86AF-2BF972CD8449}" type="datetime1">
               <a:rPr lang="en-US" smtClean="0"/>
-              <a:t>12/4/2019</a:t>
+              <a:t>12/5/2019</a:t>
             </a:fld>
             <a:endParaRPr lang="en-GB" dirty="0"/>
           </a:p>
@@ -49951,7 +50526,11 @@
           <a:bodyPr/>
           <a:lstStyle/>
           <a:p>
-            <a:endParaRPr lang="en-US"/>
+            <a:r>
+              <a:rPr lang="en-US" dirty="0" smtClean="0"/>
+              <a:t>What is Missing	</a:t>
+            </a:r>
+            <a:endParaRPr lang="en-US" dirty="0"/>
           </a:p>
         </p:txBody>
       </p:sp>
@@ -49968,6 +50547,516 @@
   <p:transition>
     <p:fade/>
   </p:transition>
+  <p:timing>
+    <p:tnLst>
+      <p:par>
+        <p:cTn id="1" dur="indefinite" restart="never" nodeType="tmRoot">
+          <p:childTnLst>
+            <p:seq concurrent="1" nextAc="seek">
+              <p:cTn id="2" dur="indefinite" nodeType="mainSeq">
+                <p:childTnLst>
+                  <p:par>
+                    <p:cTn id="3" fill="hold">
+                      <p:stCondLst>
+                        <p:cond delay="indefinite"/>
+                      </p:stCondLst>
+                      <p:childTnLst>
+                        <p:par>
+                          <p:cTn id="4" fill="hold">
+                            <p:stCondLst>
+                              <p:cond delay="0"/>
+                            </p:stCondLst>
+                            <p:childTnLst>
+                              <p:par>
+                                <p:cTn id="5" presetID="10" presetClass="entr" presetSubtype="0" fill="hold" grpId="0" nodeType="clickEffect">
+                                  <p:stCondLst>
+                                    <p:cond delay="0"/>
+                                  </p:stCondLst>
+                                  <p:childTnLst>
+                                    <p:set>
+                                      <p:cBhvr>
+                                        <p:cTn id="6" dur="1" fill="hold">
+                                          <p:stCondLst>
+                                            <p:cond delay="0"/>
+                                          </p:stCondLst>
+                                        </p:cTn>
+                                        <p:tgtEl>
+                                          <p:spTgt spid="2">
+                                            <p:txEl>
+                                              <p:pRg st="0" end="0"/>
+                                            </p:txEl>
+                                          </p:spTgt>
+                                        </p:tgtEl>
+                                        <p:attrNameLst>
+                                          <p:attrName>style.visibility</p:attrName>
+                                        </p:attrNameLst>
+                                      </p:cBhvr>
+                                      <p:to>
+                                        <p:strVal val="visible"/>
+                                      </p:to>
+                                    </p:set>
+                                    <p:animEffect transition="in" filter="fade">
+                                      <p:cBhvr>
+                                        <p:cTn id="7" dur="500"/>
+                                        <p:tgtEl>
+                                          <p:spTgt spid="2">
+                                            <p:txEl>
+                                              <p:pRg st="0" end="0"/>
+                                            </p:txEl>
+                                          </p:spTgt>
+                                        </p:tgtEl>
+                                      </p:cBhvr>
+                                    </p:animEffect>
+                                  </p:childTnLst>
+                                </p:cTn>
+                              </p:par>
+                            </p:childTnLst>
+                          </p:cTn>
+                        </p:par>
+                      </p:childTnLst>
+                    </p:cTn>
+                  </p:par>
+                  <p:par>
+                    <p:cTn id="8" fill="hold">
+                      <p:stCondLst>
+                        <p:cond delay="indefinite"/>
+                      </p:stCondLst>
+                      <p:childTnLst>
+                        <p:par>
+                          <p:cTn id="9" fill="hold">
+                            <p:stCondLst>
+                              <p:cond delay="0"/>
+                            </p:stCondLst>
+                            <p:childTnLst>
+                              <p:par>
+                                <p:cTn id="10" presetID="10" presetClass="entr" presetSubtype="0" fill="hold" grpId="0" nodeType="clickEffect">
+                                  <p:stCondLst>
+                                    <p:cond delay="0"/>
+                                  </p:stCondLst>
+                                  <p:childTnLst>
+                                    <p:set>
+                                      <p:cBhvr>
+                                        <p:cTn id="11" dur="1" fill="hold">
+                                          <p:stCondLst>
+                                            <p:cond delay="0"/>
+                                          </p:stCondLst>
+                                        </p:cTn>
+                                        <p:tgtEl>
+                                          <p:spTgt spid="2">
+                                            <p:txEl>
+                                              <p:pRg st="1" end="1"/>
+                                            </p:txEl>
+                                          </p:spTgt>
+                                        </p:tgtEl>
+                                        <p:attrNameLst>
+                                          <p:attrName>style.visibility</p:attrName>
+                                        </p:attrNameLst>
+                                      </p:cBhvr>
+                                      <p:to>
+                                        <p:strVal val="visible"/>
+                                      </p:to>
+                                    </p:set>
+                                    <p:animEffect transition="in" filter="fade">
+                                      <p:cBhvr>
+                                        <p:cTn id="12" dur="500"/>
+                                        <p:tgtEl>
+                                          <p:spTgt spid="2">
+                                            <p:txEl>
+                                              <p:pRg st="1" end="1"/>
+                                            </p:txEl>
+                                          </p:spTgt>
+                                        </p:tgtEl>
+                                      </p:cBhvr>
+                                    </p:animEffect>
+                                  </p:childTnLst>
+                                </p:cTn>
+                              </p:par>
+                              <p:par>
+                                <p:cTn id="13" presetID="10" presetClass="entr" presetSubtype="0" fill="hold" grpId="0" nodeType="withEffect">
+                                  <p:stCondLst>
+                                    <p:cond delay="0"/>
+                                  </p:stCondLst>
+                                  <p:childTnLst>
+                                    <p:set>
+                                      <p:cBhvr>
+                                        <p:cTn id="14" dur="1" fill="hold">
+                                          <p:stCondLst>
+                                            <p:cond delay="0"/>
+                                          </p:stCondLst>
+                                        </p:cTn>
+                                        <p:tgtEl>
+                                          <p:spTgt spid="2">
+                                            <p:txEl>
+                                              <p:pRg st="2" end="2"/>
+                                            </p:txEl>
+                                          </p:spTgt>
+                                        </p:tgtEl>
+                                        <p:attrNameLst>
+                                          <p:attrName>style.visibility</p:attrName>
+                                        </p:attrNameLst>
+                                      </p:cBhvr>
+                                      <p:to>
+                                        <p:strVal val="visible"/>
+                                      </p:to>
+                                    </p:set>
+                                    <p:animEffect transition="in" filter="fade">
+                                      <p:cBhvr>
+                                        <p:cTn id="15" dur="500"/>
+                                        <p:tgtEl>
+                                          <p:spTgt spid="2">
+                                            <p:txEl>
+                                              <p:pRg st="2" end="2"/>
+                                            </p:txEl>
+                                          </p:spTgt>
+                                        </p:tgtEl>
+                                      </p:cBhvr>
+                                    </p:animEffect>
+                                  </p:childTnLst>
+                                </p:cTn>
+                              </p:par>
+                            </p:childTnLst>
+                          </p:cTn>
+                        </p:par>
+                      </p:childTnLst>
+                    </p:cTn>
+                  </p:par>
+                  <p:par>
+                    <p:cTn id="16" fill="hold">
+                      <p:stCondLst>
+                        <p:cond delay="indefinite"/>
+                      </p:stCondLst>
+                      <p:childTnLst>
+                        <p:par>
+                          <p:cTn id="17" fill="hold">
+                            <p:stCondLst>
+                              <p:cond delay="0"/>
+                            </p:stCondLst>
+                            <p:childTnLst>
+                              <p:par>
+                                <p:cTn id="18" presetID="10" presetClass="entr" presetSubtype="0" fill="hold" grpId="0" nodeType="clickEffect">
+                                  <p:stCondLst>
+                                    <p:cond delay="0"/>
+                                  </p:stCondLst>
+                                  <p:childTnLst>
+                                    <p:set>
+                                      <p:cBhvr>
+                                        <p:cTn id="19" dur="1" fill="hold">
+                                          <p:stCondLst>
+                                            <p:cond delay="0"/>
+                                          </p:stCondLst>
+                                        </p:cTn>
+                                        <p:tgtEl>
+                                          <p:spTgt spid="2">
+                                            <p:txEl>
+                                              <p:pRg st="3" end="3"/>
+                                            </p:txEl>
+                                          </p:spTgt>
+                                        </p:tgtEl>
+                                        <p:attrNameLst>
+                                          <p:attrName>style.visibility</p:attrName>
+                                        </p:attrNameLst>
+                                      </p:cBhvr>
+                                      <p:to>
+                                        <p:strVal val="visible"/>
+                                      </p:to>
+                                    </p:set>
+                                    <p:animEffect transition="in" filter="fade">
+                                      <p:cBhvr>
+                                        <p:cTn id="20" dur="500"/>
+                                        <p:tgtEl>
+                                          <p:spTgt spid="2">
+                                            <p:txEl>
+                                              <p:pRg st="3" end="3"/>
+                                            </p:txEl>
+                                          </p:spTgt>
+                                        </p:tgtEl>
+                                      </p:cBhvr>
+                                    </p:animEffect>
+                                  </p:childTnLst>
+                                </p:cTn>
+                              </p:par>
+                              <p:par>
+                                <p:cTn id="21" presetID="10" presetClass="entr" presetSubtype="0" fill="hold" grpId="0" nodeType="withEffect">
+                                  <p:stCondLst>
+                                    <p:cond delay="0"/>
+                                  </p:stCondLst>
+                                  <p:childTnLst>
+                                    <p:set>
+                                      <p:cBhvr>
+                                        <p:cTn id="22" dur="1" fill="hold">
+                                          <p:stCondLst>
+                                            <p:cond delay="0"/>
+                                          </p:stCondLst>
+                                        </p:cTn>
+                                        <p:tgtEl>
+                                          <p:spTgt spid="2">
+                                            <p:txEl>
+                                              <p:pRg st="4" end="4"/>
+                                            </p:txEl>
+                                          </p:spTgt>
+                                        </p:tgtEl>
+                                        <p:attrNameLst>
+                                          <p:attrName>style.visibility</p:attrName>
+                                        </p:attrNameLst>
+                                      </p:cBhvr>
+                                      <p:to>
+                                        <p:strVal val="visible"/>
+                                      </p:to>
+                                    </p:set>
+                                    <p:animEffect transition="in" filter="fade">
+                                      <p:cBhvr>
+                                        <p:cTn id="23" dur="500"/>
+                                        <p:tgtEl>
+                                          <p:spTgt spid="2">
+                                            <p:txEl>
+                                              <p:pRg st="4" end="4"/>
+                                            </p:txEl>
+                                          </p:spTgt>
+                                        </p:tgtEl>
+                                      </p:cBhvr>
+                                    </p:animEffect>
+                                  </p:childTnLst>
+                                </p:cTn>
+                              </p:par>
+                            </p:childTnLst>
+                          </p:cTn>
+                        </p:par>
+                      </p:childTnLst>
+                    </p:cTn>
+                  </p:par>
+                  <p:par>
+                    <p:cTn id="24" fill="hold">
+                      <p:stCondLst>
+                        <p:cond delay="indefinite"/>
+                      </p:stCondLst>
+                      <p:childTnLst>
+                        <p:par>
+                          <p:cTn id="25" fill="hold">
+                            <p:stCondLst>
+                              <p:cond delay="0"/>
+                            </p:stCondLst>
+                            <p:childTnLst>
+                              <p:par>
+                                <p:cTn id="26" presetID="10" presetClass="entr" presetSubtype="0" fill="hold" grpId="0" nodeType="clickEffect">
+                                  <p:stCondLst>
+                                    <p:cond delay="0"/>
+                                  </p:stCondLst>
+                                  <p:childTnLst>
+                                    <p:set>
+                                      <p:cBhvr>
+                                        <p:cTn id="27" dur="1" fill="hold">
+                                          <p:stCondLst>
+                                            <p:cond delay="0"/>
+                                          </p:stCondLst>
+                                        </p:cTn>
+                                        <p:tgtEl>
+                                          <p:spTgt spid="2">
+                                            <p:txEl>
+                                              <p:pRg st="5" end="5"/>
+                                            </p:txEl>
+                                          </p:spTgt>
+                                        </p:tgtEl>
+                                        <p:attrNameLst>
+                                          <p:attrName>style.visibility</p:attrName>
+                                        </p:attrNameLst>
+                                      </p:cBhvr>
+                                      <p:to>
+                                        <p:strVal val="visible"/>
+                                      </p:to>
+                                    </p:set>
+                                    <p:animEffect transition="in" filter="fade">
+                                      <p:cBhvr>
+                                        <p:cTn id="28" dur="500"/>
+                                        <p:tgtEl>
+                                          <p:spTgt spid="2">
+                                            <p:txEl>
+                                              <p:pRg st="5" end="5"/>
+                                            </p:txEl>
+                                          </p:spTgt>
+                                        </p:tgtEl>
+                                      </p:cBhvr>
+                                    </p:animEffect>
+                                  </p:childTnLst>
+                                </p:cTn>
+                              </p:par>
+                              <p:par>
+                                <p:cTn id="29" presetID="10" presetClass="entr" presetSubtype="0" fill="hold" grpId="0" nodeType="withEffect">
+                                  <p:stCondLst>
+                                    <p:cond delay="0"/>
+                                  </p:stCondLst>
+                                  <p:childTnLst>
+                                    <p:set>
+                                      <p:cBhvr>
+                                        <p:cTn id="30" dur="1" fill="hold">
+                                          <p:stCondLst>
+                                            <p:cond delay="0"/>
+                                          </p:stCondLst>
+                                        </p:cTn>
+                                        <p:tgtEl>
+                                          <p:spTgt spid="2">
+                                            <p:txEl>
+                                              <p:pRg st="6" end="6"/>
+                                            </p:txEl>
+                                          </p:spTgt>
+                                        </p:tgtEl>
+                                        <p:attrNameLst>
+                                          <p:attrName>style.visibility</p:attrName>
+                                        </p:attrNameLst>
+                                      </p:cBhvr>
+                                      <p:to>
+                                        <p:strVal val="visible"/>
+                                      </p:to>
+                                    </p:set>
+                                    <p:animEffect transition="in" filter="fade">
+                                      <p:cBhvr>
+                                        <p:cTn id="31" dur="500"/>
+                                        <p:tgtEl>
+                                          <p:spTgt spid="2">
+                                            <p:txEl>
+                                              <p:pRg st="6" end="6"/>
+                                            </p:txEl>
+                                          </p:spTgt>
+                                        </p:tgtEl>
+                                      </p:cBhvr>
+                                    </p:animEffect>
+                                  </p:childTnLst>
+                                </p:cTn>
+                              </p:par>
+                            </p:childTnLst>
+                          </p:cTn>
+                        </p:par>
+                      </p:childTnLst>
+                    </p:cTn>
+                  </p:par>
+                  <p:par>
+                    <p:cTn id="32" fill="hold">
+                      <p:stCondLst>
+                        <p:cond delay="indefinite"/>
+                      </p:stCondLst>
+                      <p:childTnLst>
+                        <p:par>
+                          <p:cTn id="33" fill="hold">
+                            <p:stCondLst>
+                              <p:cond delay="0"/>
+                            </p:stCondLst>
+                            <p:childTnLst>
+                              <p:par>
+                                <p:cTn id="34" presetID="10" presetClass="entr" presetSubtype="0" fill="hold" grpId="0" nodeType="clickEffect">
+                                  <p:stCondLst>
+                                    <p:cond delay="0"/>
+                                  </p:stCondLst>
+                                  <p:childTnLst>
+                                    <p:set>
+                                      <p:cBhvr>
+                                        <p:cTn id="35" dur="1" fill="hold">
+                                          <p:stCondLst>
+                                            <p:cond delay="0"/>
+                                          </p:stCondLst>
+                                        </p:cTn>
+                                        <p:tgtEl>
+                                          <p:spTgt spid="2">
+                                            <p:txEl>
+                                              <p:pRg st="7" end="7"/>
+                                            </p:txEl>
+                                          </p:spTgt>
+                                        </p:tgtEl>
+                                        <p:attrNameLst>
+                                          <p:attrName>style.visibility</p:attrName>
+                                        </p:attrNameLst>
+                                      </p:cBhvr>
+                                      <p:to>
+                                        <p:strVal val="visible"/>
+                                      </p:to>
+                                    </p:set>
+                                    <p:animEffect transition="in" filter="fade">
+                                      <p:cBhvr>
+                                        <p:cTn id="36" dur="500"/>
+                                        <p:tgtEl>
+                                          <p:spTgt spid="2">
+                                            <p:txEl>
+                                              <p:pRg st="7" end="7"/>
+                                            </p:txEl>
+                                          </p:spTgt>
+                                        </p:tgtEl>
+                                      </p:cBhvr>
+                                    </p:animEffect>
+                                  </p:childTnLst>
+                                </p:cTn>
+                              </p:par>
+                              <p:par>
+                                <p:cTn id="37" presetID="10" presetClass="entr" presetSubtype="0" fill="hold" grpId="0" nodeType="withEffect">
+                                  <p:stCondLst>
+                                    <p:cond delay="0"/>
+                                  </p:stCondLst>
+                                  <p:childTnLst>
+                                    <p:set>
+                                      <p:cBhvr>
+                                        <p:cTn id="38" dur="1" fill="hold">
+                                          <p:stCondLst>
+                                            <p:cond delay="0"/>
+                                          </p:stCondLst>
+                                        </p:cTn>
+                                        <p:tgtEl>
+                                          <p:spTgt spid="2">
+                                            <p:txEl>
+                                              <p:pRg st="8" end="8"/>
+                                            </p:txEl>
+                                          </p:spTgt>
+                                        </p:tgtEl>
+                                        <p:attrNameLst>
+                                          <p:attrName>style.visibility</p:attrName>
+                                        </p:attrNameLst>
+                                      </p:cBhvr>
+                                      <p:to>
+                                        <p:strVal val="visible"/>
+                                      </p:to>
+                                    </p:set>
+                                    <p:animEffect transition="in" filter="fade">
+                                      <p:cBhvr>
+                                        <p:cTn id="39" dur="500"/>
+                                        <p:tgtEl>
+                                          <p:spTgt spid="2">
+                                            <p:txEl>
+                                              <p:pRg st="8" end="8"/>
+                                            </p:txEl>
+                                          </p:spTgt>
+                                        </p:tgtEl>
+                                      </p:cBhvr>
+                                    </p:animEffect>
+                                  </p:childTnLst>
+                                </p:cTn>
+                              </p:par>
+                            </p:childTnLst>
+                          </p:cTn>
+                        </p:par>
+                      </p:childTnLst>
+                    </p:cTn>
+                  </p:par>
+                </p:childTnLst>
+              </p:cTn>
+              <p:prevCondLst>
+                <p:cond evt="onPrev" delay="0">
+                  <p:tgtEl>
+                    <p:sldTgt/>
+                  </p:tgtEl>
+                </p:cond>
+              </p:prevCondLst>
+              <p:nextCondLst>
+                <p:cond evt="onNext" delay="0">
+                  <p:tgtEl>
+                    <p:sldTgt/>
+                  </p:tgtEl>
+                </p:cond>
+              </p:nextCondLst>
+            </p:seq>
+          </p:childTnLst>
+        </p:cTn>
+      </p:par>
+    </p:tnLst>
+    <p:bldLst>
+      <p:bldP spid="2" grpId="0" build="p"/>
+    </p:bldLst>
+  </p:timing>
 </p:sld>
 </file>
 
@@ -50003,7 +51092,44 @@
           <a:bodyPr/>
           <a:lstStyle/>
           <a:p>
-            <a:endParaRPr lang="en-US"/>
+            <a:r>
+              <a:rPr lang="en-US" dirty="0" smtClean="0"/>
+              <a:t>Assurance of the state of the platform</a:t>
+            </a:r>
+          </a:p>
+          <a:p>
+            <a:r>
+              <a:rPr lang="en-US" dirty="0" smtClean="0"/>
+              <a:t>State: CPU + Peripherals</a:t>
+            </a:r>
+          </a:p>
+          <a:p>
+            <a:r>
+              <a:rPr lang="en-US" dirty="0" smtClean="0"/>
+              <a:t>State is determined by the attestation </a:t>
+            </a:r>
+          </a:p>
+          <a:p>
+            <a:endParaRPr lang="en-US" dirty="0" smtClean="0"/>
+          </a:p>
+          <a:p>
+            <a:endParaRPr lang="en-US" dirty="0"/>
+          </a:p>
+          <a:p>
+            <a:pPr marL="0" indent="0" algn="ctr">
+              <a:buNone/>
+            </a:pPr>
+            <a:r>
+              <a:rPr lang="en-US" dirty="0" smtClean="0">
+                <a:solidFill>
+                  <a:srgbClr val="FF0000"/>
+                </a:solidFill>
+              </a:rPr>
+              <a:t>“I know that I am running a proper version of the enclave that is using a certified peripheral that is running a proper firmware.”</a:t>
+            </a:r>
+          </a:p>
+          <a:p>
+            <a:endParaRPr lang="en-US" dirty="0"/>
           </a:p>
         </p:txBody>
       </p:sp>
@@ -50024,7 +51150,7 @@
           <a:p>
             <a:fld id="{C0E6A5AA-C347-4F8D-86AF-2BF972CD8449}" type="datetime1">
               <a:rPr lang="en-US" smtClean="0"/>
-              <a:t>12/4/2019</a:t>
+              <a:t>12/5/2019</a:t>
             </a:fld>
             <a:endParaRPr lang="en-GB" dirty="0"/>
           </a:p>
@@ -50091,6 +51217,10 @@
           <a:bodyPr/>
           <a:lstStyle/>
           <a:p>
+            <a:r>
+              <a:rPr lang="en-US" dirty="0" smtClean="0"/>
+              <a:t>Platform Awareness</a:t>
+            </a:r>
             <a:endParaRPr lang="en-US" dirty="0"/>
           </a:p>
         </p:txBody>
@@ -50108,6 +51238,235 @@
   <p:transition>
     <p:fade/>
   </p:transition>
+  <p:timing>
+    <p:tnLst>
+      <p:par>
+        <p:cTn id="1" dur="indefinite" restart="never" nodeType="tmRoot">
+          <p:childTnLst>
+            <p:seq concurrent="1" nextAc="seek">
+              <p:cTn id="2" dur="indefinite" nodeType="mainSeq">
+                <p:childTnLst>
+                  <p:par>
+                    <p:cTn id="3" fill="hold">
+                      <p:stCondLst>
+                        <p:cond delay="indefinite"/>
+                      </p:stCondLst>
+                      <p:childTnLst>
+                        <p:par>
+                          <p:cTn id="4" fill="hold">
+                            <p:stCondLst>
+                              <p:cond delay="0"/>
+                            </p:stCondLst>
+                            <p:childTnLst>
+                              <p:par>
+                                <p:cTn id="5" presetID="1" presetClass="entr" presetSubtype="0" fill="hold" grpId="0" nodeType="clickEffect">
+                                  <p:stCondLst>
+                                    <p:cond delay="0"/>
+                                  </p:stCondLst>
+                                  <p:childTnLst>
+                                    <p:set>
+                                      <p:cBhvr>
+                                        <p:cTn id="6" dur="1" fill="hold">
+                                          <p:stCondLst>
+                                            <p:cond delay="0"/>
+                                          </p:stCondLst>
+                                        </p:cTn>
+                                        <p:tgtEl>
+                                          <p:spTgt spid="2">
+                                            <p:txEl>
+                                              <p:pRg st="0" end="0"/>
+                                            </p:txEl>
+                                          </p:spTgt>
+                                        </p:tgtEl>
+                                        <p:attrNameLst>
+                                          <p:attrName>style.visibility</p:attrName>
+                                        </p:attrNameLst>
+                                      </p:cBhvr>
+                                      <p:to>
+                                        <p:strVal val="visible"/>
+                                      </p:to>
+                                    </p:set>
+                                  </p:childTnLst>
+                                </p:cTn>
+                              </p:par>
+                            </p:childTnLst>
+                          </p:cTn>
+                        </p:par>
+                      </p:childTnLst>
+                    </p:cTn>
+                  </p:par>
+                  <p:par>
+                    <p:cTn id="7" fill="hold">
+                      <p:stCondLst>
+                        <p:cond delay="indefinite"/>
+                      </p:stCondLst>
+                      <p:childTnLst>
+                        <p:par>
+                          <p:cTn id="8" fill="hold">
+                            <p:stCondLst>
+                              <p:cond delay="0"/>
+                            </p:stCondLst>
+                            <p:childTnLst>
+                              <p:par>
+                                <p:cTn id="9" presetID="1" presetClass="entr" presetSubtype="0" fill="hold" grpId="0" nodeType="clickEffect">
+                                  <p:stCondLst>
+                                    <p:cond delay="0"/>
+                                  </p:stCondLst>
+                                  <p:childTnLst>
+                                    <p:set>
+                                      <p:cBhvr>
+                                        <p:cTn id="10" dur="1" fill="hold">
+                                          <p:stCondLst>
+                                            <p:cond delay="0"/>
+                                          </p:stCondLst>
+                                        </p:cTn>
+                                        <p:tgtEl>
+                                          <p:spTgt spid="2">
+                                            <p:txEl>
+                                              <p:pRg st="1" end="1"/>
+                                            </p:txEl>
+                                          </p:spTgt>
+                                        </p:tgtEl>
+                                        <p:attrNameLst>
+                                          <p:attrName>style.visibility</p:attrName>
+                                        </p:attrNameLst>
+                                      </p:cBhvr>
+                                      <p:to>
+                                        <p:strVal val="visible"/>
+                                      </p:to>
+                                    </p:set>
+                                  </p:childTnLst>
+                                </p:cTn>
+                              </p:par>
+                            </p:childTnLst>
+                          </p:cTn>
+                        </p:par>
+                      </p:childTnLst>
+                    </p:cTn>
+                  </p:par>
+                  <p:par>
+                    <p:cTn id="11" fill="hold">
+                      <p:stCondLst>
+                        <p:cond delay="indefinite"/>
+                      </p:stCondLst>
+                      <p:childTnLst>
+                        <p:par>
+                          <p:cTn id="12" fill="hold">
+                            <p:stCondLst>
+                              <p:cond delay="0"/>
+                            </p:stCondLst>
+                            <p:childTnLst>
+                              <p:par>
+                                <p:cTn id="13" presetID="1" presetClass="entr" presetSubtype="0" fill="hold" grpId="0" nodeType="clickEffect">
+                                  <p:stCondLst>
+                                    <p:cond delay="0"/>
+                                  </p:stCondLst>
+                                  <p:childTnLst>
+                                    <p:set>
+                                      <p:cBhvr>
+                                        <p:cTn id="14" dur="1" fill="hold">
+                                          <p:stCondLst>
+                                            <p:cond delay="0"/>
+                                          </p:stCondLst>
+                                        </p:cTn>
+                                        <p:tgtEl>
+                                          <p:spTgt spid="2">
+                                            <p:txEl>
+                                              <p:pRg st="2" end="2"/>
+                                            </p:txEl>
+                                          </p:spTgt>
+                                        </p:tgtEl>
+                                        <p:attrNameLst>
+                                          <p:attrName>style.visibility</p:attrName>
+                                        </p:attrNameLst>
+                                      </p:cBhvr>
+                                      <p:to>
+                                        <p:strVal val="visible"/>
+                                      </p:to>
+                                    </p:set>
+                                  </p:childTnLst>
+                                </p:cTn>
+                              </p:par>
+                            </p:childTnLst>
+                          </p:cTn>
+                        </p:par>
+                      </p:childTnLst>
+                    </p:cTn>
+                  </p:par>
+                  <p:par>
+                    <p:cTn id="15" fill="hold">
+                      <p:stCondLst>
+                        <p:cond delay="indefinite"/>
+                      </p:stCondLst>
+                      <p:childTnLst>
+                        <p:par>
+                          <p:cTn id="16" fill="hold">
+                            <p:stCondLst>
+                              <p:cond delay="0"/>
+                            </p:stCondLst>
+                            <p:childTnLst>
+                              <p:par>
+                                <p:cTn id="17" presetID="1" presetClass="entr" presetSubtype="0" fill="hold" grpId="0" nodeType="clickEffect">
+                                  <p:stCondLst>
+                                    <p:cond delay="0"/>
+                                  </p:stCondLst>
+                                  <p:childTnLst>
+                                    <p:set>
+                                      <p:cBhvr>
+                                        <p:cTn id="18" dur="1" fill="hold">
+                                          <p:stCondLst>
+                                            <p:cond delay="0"/>
+                                          </p:stCondLst>
+                                        </p:cTn>
+                                        <p:tgtEl>
+                                          <p:spTgt spid="2">
+                                            <p:txEl>
+                                              <p:pRg st="5" end="5"/>
+                                            </p:txEl>
+                                          </p:spTgt>
+                                        </p:tgtEl>
+                                        <p:attrNameLst>
+                                          <p:attrName>style.visibility</p:attrName>
+                                        </p:attrNameLst>
+                                      </p:cBhvr>
+                                      <p:to>
+                                        <p:strVal val="visible"/>
+                                      </p:to>
+                                    </p:set>
+                                  </p:childTnLst>
+                                </p:cTn>
+                              </p:par>
+                            </p:childTnLst>
+                          </p:cTn>
+                        </p:par>
+                      </p:childTnLst>
+                    </p:cTn>
+                  </p:par>
+                </p:childTnLst>
+              </p:cTn>
+              <p:prevCondLst>
+                <p:cond evt="onPrev" delay="0">
+                  <p:tgtEl>
+                    <p:sldTgt/>
+                  </p:tgtEl>
+                </p:cond>
+              </p:prevCondLst>
+              <p:nextCondLst>
+                <p:cond evt="onNext" delay="0">
+                  <p:tgtEl>
+                    <p:sldTgt/>
+                  </p:tgtEl>
+                </p:cond>
+              </p:nextCondLst>
+            </p:seq>
+          </p:childTnLst>
+        </p:cTn>
+      </p:par>
+    </p:tnLst>
+    <p:bldLst>
+      <p:bldP spid="2" grpId="0" build="p"/>
+    </p:bldLst>
+  </p:timing>
 </p:sld>
 </file>
 
@@ -50130,25 +51489,6 @@
       </p:grpSpPr>
       <p:sp>
         <p:nvSpPr>
-          <p:cNvPr id="2" name="Content Placeholder 1"/>
-          <p:cNvSpPr>
-            <a:spLocks noGrp="1"/>
-          </p:cNvSpPr>
-          <p:nvPr>
-            <p:ph idx="1"/>
-          </p:nvPr>
-        </p:nvSpPr>
-        <p:spPr/>
-        <p:txBody>
-          <a:bodyPr/>
-          <a:lstStyle/>
-          <a:p>
-            <a:endParaRPr lang="en-US"/>
-          </a:p>
-        </p:txBody>
-      </p:sp>
-      <p:sp>
-        <p:nvSpPr>
           <p:cNvPr id="3" name="Date Placeholder 2"/>
           <p:cNvSpPr>
             <a:spLocks noGrp="1"/>
@@ -50164,7 +51504,7 @@
           <a:p>
             <a:fld id="{C0E6A5AA-C347-4F8D-86AF-2BF972CD8449}" type="datetime1">
               <a:rPr lang="en-US" smtClean="0"/>
-              <a:t>12/4/2019</a:t>
+              <a:t>12/5/2019</a:t>
             </a:fld>
             <a:endParaRPr lang="en-GB" dirty="0"/>
           </a:p>
@@ -50233,9 +51573,248 @@
           <a:p>
             <a:r>
               <a:rPr lang="en-US" dirty="0" smtClean="0"/>
-              <a:t>Platform Awareness</a:t>
+              <a:t>Platform </a:t>
+            </a:r>
+            <a:r>
+              <a:rPr lang="en-US" dirty="0" smtClean="0"/>
+              <a:t>Awareness: Trust Model</a:t>
             </a:r>
             <a:endParaRPr lang="en-US" dirty="0"/>
+          </a:p>
+        </p:txBody>
+      </p:sp>
+      <p:pic>
+        <p:nvPicPr>
+          <p:cNvPr id="7" name="Picture 6"/>
+          <p:cNvPicPr>
+            <a:picLocks noChangeAspect="1"/>
+          </p:cNvPicPr>
+          <p:nvPr/>
+        </p:nvPicPr>
+        <p:blipFill rotWithShape="1">
+          <a:blip r:embed="rId2">
+            <a:extLst>
+              <a:ext uri="{28A0092B-C50C-407E-A947-70E740481C1C}">
+                <a14:useLocalDpi xmlns:a14="http://schemas.microsoft.com/office/drawing/2010/main" val="0"/>
+              </a:ext>
+            </a:extLst>
+          </a:blip>
+          <a:srcRect l="1260" t="10468" r="1305" b="10722"/>
+          <a:stretch/>
+        </p:blipFill>
+        <p:spPr>
+          <a:xfrm>
+            <a:off x="3384639" y="1784253"/>
+            <a:ext cx="4553465" cy="3683037"/>
+          </a:xfrm>
+          <a:prstGeom prst="rect">
+            <a:avLst/>
+          </a:prstGeom>
+        </p:spPr>
+      </p:pic>
+      <p:sp>
+        <p:nvSpPr>
+          <p:cNvPr id="8" name="Rectangle 7"/>
+          <p:cNvSpPr/>
+          <p:nvPr/>
+        </p:nvSpPr>
+        <p:spPr>
+          <a:xfrm>
+            <a:off x="7938104" y="3466649"/>
+            <a:ext cx="2422715" cy="400110"/>
+          </a:xfrm>
+          <a:prstGeom prst="rect">
+            <a:avLst/>
+          </a:prstGeom>
+        </p:spPr>
+        <p:txBody>
+          <a:bodyPr wrap="none">
+            <a:spAutoFit/>
+          </a:bodyPr>
+          <a:lstStyle/>
+          <a:p>
+            <a:r>
+              <a:rPr lang="en-US" sz="2000" b="1" dirty="0" smtClean="0"/>
+              <a:t>Trusted processor</a:t>
+            </a:r>
+            <a:endParaRPr lang="en-US" sz="2000" b="1" dirty="0"/>
+          </a:p>
+        </p:txBody>
+      </p:sp>
+      <p:sp>
+        <p:nvSpPr>
+          <p:cNvPr id="10" name="Rectangle 9"/>
+          <p:cNvSpPr/>
+          <p:nvPr/>
+        </p:nvSpPr>
+        <p:spPr>
+          <a:xfrm>
+            <a:off x="4564979" y="5467290"/>
+            <a:ext cx="2491388" cy="400110"/>
+          </a:xfrm>
+          <a:prstGeom prst="rect">
+            <a:avLst/>
+          </a:prstGeom>
+        </p:spPr>
+        <p:txBody>
+          <a:bodyPr wrap="none">
+            <a:spAutoFit/>
+          </a:bodyPr>
+          <a:lstStyle/>
+          <a:p>
+            <a:r>
+              <a:rPr lang="en-US" sz="2000" b="1" dirty="0" smtClean="0"/>
+              <a:t>Untrusted platform</a:t>
+            </a:r>
+            <a:endParaRPr lang="en-US" sz="2000" b="1" dirty="0"/>
+          </a:p>
+        </p:txBody>
+      </p:sp>
+      <p:sp>
+        <p:nvSpPr>
+          <p:cNvPr id="11" name="Rectangle 10"/>
+          <p:cNvSpPr/>
+          <p:nvPr/>
+        </p:nvSpPr>
+        <p:spPr>
+          <a:xfrm>
+            <a:off x="3848017" y="2519479"/>
+            <a:ext cx="203887" cy="1544594"/>
+          </a:xfrm>
+          <a:prstGeom prst="rect">
+            <a:avLst/>
+          </a:prstGeom>
+          <a:solidFill>
+            <a:srgbClr val="A0D468"/>
+          </a:solidFill>
+        </p:spPr>
+        <p:style>
+          <a:lnRef idx="2">
+            <a:schemeClr val="accent1">
+              <a:shade val="50000"/>
+            </a:schemeClr>
+          </a:lnRef>
+          <a:fillRef idx="1">
+            <a:schemeClr val="accent1"/>
+          </a:fillRef>
+          <a:effectRef idx="0">
+            <a:schemeClr val="accent1"/>
+          </a:effectRef>
+          <a:fontRef idx="minor">
+            <a:schemeClr val="lt1"/>
+          </a:fontRef>
+        </p:style>
+        <p:txBody>
+          <a:bodyPr rtlCol="0" anchor="ctr"/>
+          <a:lstStyle/>
+          <a:p>
+            <a:pPr algn="ctr"/>
+            <a:endParaRPr lang="en-US"/>
+          </a:p>
+        </p:txBody>
+      </p:sp>
+      <p:sp>
+        <p:nvSpPr>
+          <p:cNvPr id="12" name="Rectangle 11"/>
+          <p:cNvSpPr/>
+          <p:nvPr/>
+        </p:nvSpPr>
+        <p:spPr>
+          <a:xfrm>
+            <a:off x="4292861" y="2519479"/>
+            <a:ext cx="203887" cy="1544594"/>
+          </a:xfrm>
+          <a:prstGeom prst="rect">
+            <a:avLst/>
+          </a:prstGeom>
+          <a:solidFill>
+            <a:srgbClr val="A0D468"/>
+          </a:solidFill>
+        </p:spPr>
+        <p:style>
+          <a:lnRef idx="2">
+            <a:schemeClr val="accent1">
+              <a:shade val="50000"/>
+            </a:schemeClr>
+          </a:lnRef>
+          <a:fillRef idx="1">
+            <a:schemeClr val="accent1"/>
+          </a:fillRef>
+          <a:effectRef idx="0">
+            <a:schemeClr val="accent1"/>
+          </a:effectRef>
+          <a:fontRef idx="minor">
+            <a:schemeClr val="lt1"/>
+          </a:fontRef>
+        </p:style>
+        <p:txBody>
+          <a:bodyPr rtlCol="0" anchor="ctr"/>
+          <a:lstStyle/>
+          <a:p>
+            <a:pPr algn="ctr"/>
+            <a:endParaRPr lang="en-US"/>
+          </a:p>
+        </p:txBody>
+      </p:sp>
+      <p:sp>
+        <p:nvSpPr>
+          <p:cNvPr id="9" name="Rectangle 8"/>
+          <p:cNvSpPr/>
+          <p:nvPr/>
+        </p:nvSpPr>
+        <p:spPr>
+          <a:xfrm>
+            <a:off x="2649660" y="1967672"/>
+            <a:ext cx="2563779" cy="400110"/>
+          </a:xfrm>
+          <a:prstGeom prst="rect">
+            <a:avLst/>
+          </a:prstGeom>
+        </p:spPr>
+        <p:txBody>
+          <a:bodyPr wrap="none">
+            <a:spAutoFit/>
+          </a:bodyPr>
+          <a:lstStyle/>
+          <a:p>
+            <a:r>
+              <a:rPr lang="en-US" sz="2000" b="1" dirty="0" smtClean="0"/>
+              <a:t>Trusted peripherals</a:t>
+            </a:r>
+            <a:endParaRPr lang="en-US" sz="2000" b="1" dirty="0"/>
+          </a:p>
+        </p:txBody>
+      </p:sp>
+      <p:sp>
+        <p:nvSpPr>
+          <p:cNvPr id="13" name="Rectangle 12"/>
+          <p:cNvSpPr/>
+          <p:nvPr/>
+        </p:nvSpPr>
+        <p:spPr>
+          <a:xfrm>
+            <a:off x="7938104" y="3962400"/>
+            <a:ext cx="3203377" cy="400110"/>
+          </a:xfrm>
+          <a:prstGeom prst="rect">
+            <a:avLst/>
+          </a:prstGeom>
+        </p:spPr>
+        <p:txBody>
+          <a:bodyPr wrap="none">
+            <a:spAutoFit/>
+          </a:bodyPr>
+          <a:lstStyle/>
+          <a:p>
+            <a:r>
+              <a:rPr lang="en-US" sz="2000" b="1" dirty="0" smtClean="0"/>
+              <a:t>Trusted </a:t>
+            </a:r>
+            <a:r>
+              <a:rPr lang="en-US" sz="2000" b="1" dirty="0" smtClean="0"/>
+              <a:t>Security Monitor</a:t>
+            </a:r>
+            <a:endParaRPr lang="en-US" sz="2000" b="1" dirty="0"/>
           </a:p>
         </p:txBody>
       </p:sp>
@@ -50279,47 +51858,131 @@
           <a:chExt cx="0" cy="0"/>
         </a:xfrm>
       </p:grpSpPr>
-      <p:sp>
-        <p:nvSpPr>
-          <p:cNvPr id="12" name="Inhaltsplatzhalter 11"/>
-          <p:cNvSpPr>
-            <a:spLocks noGrp="1"/>
-          </p:cNvSpPr>
-          <p:nvPr>
-            <p:ph sz="half" idx="1"/>
-          </p:nvPr>
-        </p:nvSpPr>
-        <p:spPr/>
-        <p:txBody>
-          <a:bodyPr/>
-          <a:lstStyle/>
-          <a:p>
-            <a:endParaRPr lang="en-GB" dirty="0"/>
-          </a:p>
-        </p:txBody>
-      </p:sp>
-      <p:sp>
-        <p:nvSpPr>
-          <p:cNvPr id="13" name="Inhaltsplatzhalter 12"/>
-          <p:cNvSpPr>
-            <a:spLocks noGrp="1"/>
-          </p:cNvSpPr>
-          <p:nvPr>
-            <p:ph sz="half" idx="2"/>
-          </p:nvPr>
-        </p:nvSpPr>
-        <p:spPr/>
-        <p:txBody>
-          <a:bodyPr/>
-          <a:lstStyle/>
-          <a:p>
-            <a:endParaRPr lang="en-GB" dirty="0"/>
-          </a:p>
-        </p:txBody>
-      </p:sp>
-      <p:sp>
-        <p:nvSpPr>
-          <p:cNvPr id="4" name="Datumsplatzhalter 3"/>
+      <mc:AlternateContent xmlns:mc="http://schemas.openxmlformats.org/markup-compatibility/2006">
+        <mc:Choice xmlns:a14="http://schemas.microsoft.com/office/drawing/2010/main" Requires="a14">
+          <p:sp>
+            <p:nvSpPr>
+              <p:cNvPr id="2" name="Content Placeholder 1"/>
+              <p:cNvSpPr>
+                <a:spLocks noGrp="1"/>
+              </p:cNvSpPr>
+              <p:nvPr>
+                <p:ph idx="1"/>
+              </p:nvPr>
+            </p:nvSpPr>
+            <p:spPr/>
+            <p:txBody>
+              <a:bodyPr/>
+              <a:lstStyle/>
+              <a:p>
+                <a:r>
+                  <a:rPr lang="en-US" dirty="0" smtClean="0"/>
+                  <a:t>Application enclaves (AE)</a:t>
+                </a:r>
+              </a:p>
+              <a:p>
+                <a:pPr lvl="1"/>
+                <a:r>
+                  <a:rPr lang="en-US" dirty="0" smtClean="0"/>
+                  <a:t>Encapsulates application-specific logics</a:t>
+                </a:r>
+              </a:p>
+              <a:p>
+                <a:pPr lvl="1"/>
+                <a:endParaRPr lang="en-US" dirty="0" smtClean="0"/>
+              </a:p>
+              <a:p>
+                <a:r>
+                  <a:rPr lang="en-US" dirty="0" smtClean="0"/>
+                  <a:t>Controller enclave (CE)</a:t>
+                </a:r>
+              </a:p>
+              <a:p>
+                <a:pPr lvl="1"/>
+                <a:r>
+                  <a:rPr lang="en-US" dirty="0" smtClean="0"/>
+                  <a:t>Driver logic</a:t>
+                </a:r>
+              </a:p>
+              <a:p>
+                <a:pPr lvl="1"/>
+                <a:r>
+                  <a:rPr lang="en-US" dirty="0" smtClean="0"/>
+                  <a:t>Peripheral policies</a:t>
+                </a:r>
+              </a:p>
+              <a:p>
+                <a:pPr lvl="1"/>
+                <a:endParaRPr lang="en-US" dirty="0" smtClean="0"/>
+              </a:p>
+              <a:p>
+                <a:r>
+                  <a:rPr lang="en-US" dirty="0" smtClean="0"/>
+                  <a:t>Modified peripheral</a:t>
+                </a:r>
+              </a:p>
+              <a:p>
+                <a:pPr lvl="1"/>
+                <a:r>
+                  <a:rPr lang="en-US" dirty="0" smtClean="0"/>
+                  <a:t>Added small core or </a:t>
+                </a:r>
+                <a14:m>
+                  <m:oMath xmlns:m="http://schemas.openxmlformats.org/officeDocument/2006/math">
+                    <m:r>
+                      <a:rPr lang="en-US" b="0" i="1" smtClean="0">
+                        <a:latin typeface="Cambria Math" panose="02040503050406030204" pitchFamily="18" charset="0"/>
+                      </a:rPr>
+                      <m:t>𝜇</m:t>
+                    </m:r>
+                  </m:oMath>
+                </a14:m>
+                <a:r>
+                  <a:rPr lang="en-US" dirty="0" smtClean="0"/>
+                  <a:t>-controller</a:t>
+                </a:r>
+                <a:endParaRPr lang="en-US" dirty="0"/>
+              </a:p>
+            </p:txBody>
+          </p:sp>
+        </mc:Choice>
+        <mc:Fallback>
+          <p:sp>
+            <p:nvSpPr>
+              <p:cNvPr id="2" name="Content Placeholder 1"/>
+              <p:cNvSpPr>
+                <a:spLocks noGrp="1" noRot="1" noChangeAspect="1" noMove="1" noResize="1" noEditPoints="1" noAdjustHandles="1" noChangeArrowheads="1" noChangeShapeType="1" noTextEdit="1"/>
+              </p:cNvSpPr>
+              <p:nvPr>
+                <p:ph idx="1"/>
+              </p:nvPr>
+            </p:nvSpPr>
+            <p:spPr>
+              <a:blipFill>
+                <a:blip r:embed="rId2"/>
+                <a:stretch>
+                  <a:fillRect l="-264" t="-2026"/>
+                </a:stretch>
+              </a:blipFill>
+            </p:spPr>
+            <p:txBody>
+              <a:bodyPr/>
+              <a:lstStyle/>
+              <a:p>
+                <a:r>
+                  <a:rPr lang="en-US">
+                    <a:noFill/>
+                  </a:rPr>
+                  <a:t> </a:t>
+                </a:r>
+              </a:p>
+            </p:txBody>
+          </p:sp>
+        </mc:Fallback>
+      </mc:AlternateContent>
+      <p:sp>
+        <p:nvSpPr>
+          <p:cNvPr id="3" name="Date Placeholder 2"/>
           <p:cNvSpPr>
             <a:spLocks noGrp="1"/>
           </p:cNvSpPr>
@@ -50332,9 +51995,9 @@
           <a:bodyPr/>
           <a:lstStyle/>
           <a:p>
-            <a:fld id="{9F36BAFD-EAB0-49B3-8F07-303CD82AC296}" type="datetime1">
+            <a:fld id="{C0E6A5AA-C347-4F8D-86AF-2BF972CD8449}" type="datetime1">
               <a:rPr lang="en-US" smtClean="0"/>
-              <a:t>12/4/2019</a:t>
+              <a:t>12/5/2019</a:t>
             </a:fld>
             <a:endParaRPr lang="en-GB" dirty="0"/>
           </a:p>
@@ -50342,7 +52005,7 @@
       </p:sp>
       <p:sp>
         <p:nvSpPr>
-          <p:cNvPr id="5" name="Fußzeilenplatzhalter 4"/>
+          <p:cNvPr id="4" name="Footer Placeholder 3"/>
           <p:cNvSpPr>
             <a:spLocks noGrp="1"/>
           </p:cNvSpPr>
@@ -50365,7 +52028,7 @@
       </p:sp>
       <p:sp>
         <p:nvSpPr>
-          <p:cNvPr id="6" name="Foliennummernplatzhalter 5"/>
+          <p:cNvPr id="5" name="Slide Number Placeholder 4"/>
           <p:cNvSpPr>
             <a:spLocks noGrp="1"/>
           </p:cNvSpPr>
@@ -50380,7 +52043,6 @@
           <a:p>
             <a:fld id="{6C6AE60A-B69C-4790-82F7-3882EDF23186}" type="slidenum">
               <a:rPr lang="en-GB" smtClean="0"/>
-              <a:pPr/>
               <a:t>29</a:t>
             </a:fld>
             <a:endParaRPr lang="en-GB" dirty="0"/>
@@ -50389,7 +52051,7 @@
       </p:sp>
       <p:sp>
         <p:nvSpPr>
-          <p:cNvPr id="11" name="Titel 10"/>
+          <p:cNvPr id="6" name="Title 5"/>
           <p:cNvSpPr>
             <a:spLocks noGrp="1"/>
           </p:cNvSpPr>
@@ -50402,14 +52064,18 @@
           <a:bodyPr/>
           <a:lstStyle/>
           <a:p>
-            <a:endParaRPr lang="en-GB" dirty="0"/>
+            <a:r>
+              <a:rPr lang="en-US" dirty="0" smtClean="0"/>
+              <a:t>Basic Building blocks</a:t>
+            </a:r>
+            <a:endParaRPr lang="en-US" dirty="0"/>
           </a:p>
         </p:txBody>
       </p:sp>
     </p:spTree>
     <p:extLst>
       <p:ext uri="{BB962C8B-B14F-4D97-AF65-F5344CB8AC3E}">
-        <p14:creationId xmlns:p14="http://schemas.microsoft.com/office/powerpoint/2010/main" val="572143329"/>
+        <p14:creationId xmlns:p14="http://schemas.microsoft.com/office/powerpoint/2010/main" val="1789924071"/>
       </p:ext>
     </p:extLst>
   </p:cSld>
@@ -50520,7 +52186,7 @@
           <a:p>
             <a:fld id="{C0E6A5AA-C347-4F8D-86AF-2BF972CD8449}" type="datetime1">
               <a:rPr lang="en-US" smtClean="0"/>
-              <a:t>12/4/2019</a:t>
+              <a:t>12/5/2019</a:t>
             </a:fld>
             <a:endParaRPr lang="en-GB" dirty="0"/>
           </a:p>
@@ -50660,6 +52326,3280 @@
 </file>
 
 <file path=ppt/slides/slide30.xml><?xml version="1.0" encoding="utf-8"?>
+<p:sld xmlns:a="http://schemas.openxmlformats.org/drawingml/2006/main" xmlns:r="http://schemas.openxmlformats.org/officeDocument/2006/relationships" xmlns:p="http://schemas.openxmlformats.org/presentationml/2006/main">
+  <p:cSld>
+    <p:spTree>
+      <p:nvGrpSpPr>
+        <p:cNvPr id="1" name=""/>
+        <p:cNvGrpSpPr/>
+        <p:nvPr/>
+      </p:nvGrpSpPr>
+      <p:grpSpPr>
+        <a:xfrm>
+          <a:off x="0" y="0"/>
+          <a:ext cx="0" cy="0"/>
+          <a:chOff x="0" y="0"/>
+          <a:chExt cx="0" cy="0"/>
+        </a:xfrm>
+      </p:grpSpPr>
+      <p:sp>
+        <p:nvSpPr>
+          <p:cNvPr id="3" name="Date Placeholder 2"/>
+          <p:cNvSpPr>
+            <a:spLocks noGrp="1"/>
+          </p:cNvSpPr>
+          <p:nvPr>
+            <p:ph type="dt" sz="half" idx="10"/>
+          </p:nvPr>
+        </p:nvSpPr>
+        <p:spPr/>
+        <p:txBody>
+          <a:bodyPr/>
+          <a:lstStyle/>
+          <a:p>
+            <a:fld id="{C0E6A5AA-C347-4F8D-86AF-2BF972CD8449}" type="datetime1">
+              <a:rPr lang="en-US" smtClean="0"/>
+              <a:t>12/5/2019</a:t>
+            </a:fld>
+            <a:endParaRPr lang="en-GB" dirty="0"/>
+          </a:p>
+        </p:txBody>
+      </p:sp>
+      <p:sp>
+        <p:nvSpPr>
+          <p:cNvPr id="4" name="Footer Placeholder 3"/>
+          <p:cNvSpPr>
+            <a:spLocks noGrp="1"/>
+          </p:cNvSpPr>
+          <p:nvPr>
+            <p:ph type="ftr" sz="quarter" idx="11"/>
+          </p:nvPr>
+        </p:nvSpPr>
+        <p:spPr/>
+        <p:txBody>
+          <a:bodyPr/>
+          <a:lstStyle/>
+          <a:p>
+            <a:r>
+              <a:rPr lang="en-GB" smtClean="0"/>
+              <a:t>Aritra Dhar</a:t>
+            </a:r>
+            <a:endParaRPr lang="en-GB" dirty="0"/>
+          </a:p>
+        </p:txBody>
+      </p:sp>
+      <p:sp>
+        <p:nvSpPr>
+          <p:cNvPr id="5" name="Slide Number Placeholder 4"/>
+          <p:cNvSpPr>
+            <a:spLocks noGrp="1"/>
+          </p:cNvSpPr>
+          <p:nvPr>
+            <p:ph type="sldNum" sz="quarter" idx="12"/>
+          </p:nvPr>
+        </p:nvSpPr>
+        <p:spPr/>
+        <p:txBody>
+          <a:bodyPr/>
+          <a:lstStyle/>
+          <a:p>
+            <a:fld id="{6C6AE60A-B69C-4790-82F7-3882EDF23186}" type="slidenum">
+              <a:rPr lang="en-GB" smtClean="0"/>
+              <a:t>30</a:t>
+            </a:fld>
+            <a:endParaRPr lang="en-GB" dirty="0"/>
+          </a:p>
+        </p:txBody>
+      </p:sp>
+      <p:sp>
+        <p:nvSpPr>
+          <p:cNvPr id="6" name="Title 5"/>
+          <p:cNvSpPr>
+            <a:spLocks noGrp="1"/>
+          </p:cNvSpPr>
+          <p:nvPr>
+            <p:ph type="title"/>
+          </p:nvPr>
+        </p:nvSpPr>
+        <p:spPr/>
+        <p:txBody>
+          <a:bodyPr/>
+          <a:lstStyle/>
+          <a:p>
+            <a:r>
+              <a:rPr lang="en-US" dirty="0" smtClean="0"/>
+              <a:t>Basic Building Blocks</a:t>
+            </a:r>
+            <a:endParaRPr lang="en-US" dirty="0"/>
+          </a:p>
+        </p:txBody>
+      </p:sp>
+      <p:sp>
+        <p:nvSpPr>
+          <p:cNvPr id="7" name="Rectangle 6"/>
+          <p:cNvSpPr/>
+          <p:nvPr/>
+        </p:nvSpPr>
+        <p:spPr>
+          <a:xfrm>
+            <a:off x="1826419" y="2160374"/>
+            <a:ext cx="4421777" cy="1470453"/>
+          </a:xfrm>
+          <a:prstGeom prst="rect">
+            <a:avLst/>
+          </a:prstGeom>
+          <a:ln w="19050"/>
+        </p:spPr>
+        <p:style>
+          <a:lnRef idx="2">
+            <a:schemeClr val="dk1"/>
+          </a:lnRef>
+          <a:fillRef idx="1">
+            <a:schemeClr val="lt1"/>
+          </a:fillRef>
+          <a:effectRef idx="0">
+            <a:schemeClr val="dk1"/>
+          </a:effectRef>
+          <a:fontRef idx="minor">
+            <a:schemeClr val="dk1"/>
+          </a:fontRef>
+        </p:style>
+        <p:txBody>
+          <a:bodyPr rtlCol="0" anchor="ctr"/>
+          <a:lstStyle/>
+          <a:p>
+            <a:pPr algn="ctr"/>
+            <a:endParaRPr lang="en-US" dirty="0"/>
+          </a:p>
+        </p:txBody>
+      </p:sp>
+      <p:sp>
+        <p:nvSpPr>
+          <p:cNvPr id="8" name="Rectangle 7"/>
+          <p:cNvSpPr/>
+          <p:nvPr/>
+        </p:nvSpPr>
+        <p:spPr>
+          <a:xfrm>
+            <a:off x="3401631" y="3643781"/>
+            <a:ext cx="2060244" cy="369332"/>
+          </a:xfrm>
+          <a:prstGeom prst="rect">
+            <a:avLst/>
+          </a:prstGeom>
+        </p:spPr>
+        <p:txBody>
+          <a:bodyPr wrap="none">
+            <a:spAutoFit/>
+          </a:bodyPr>
+          <a:lstStyle/>
+          <a:p>
+            <a:r>
+              <a:rPr lang="en-US" dirty="0" smtClean="0"/>
+              <a:t>Modified peripheral</a:t>
+            </a:r>
+            <a:endParaRPr lang="en-US" dirty="0"/>
+          </a:p>
+        </p:txBody>
+      </p:sp>
+      <p:cxnSp>
+        <p:nvCxnSpPr>
+          <p:cNvPr id="9" name="Straight Arrow Connector 8"/>
+          <p:cNvCxnSpPr>
+            <a:stCxn id="10" idx="3"/>
+            <a:endCxn id="11" idx="1"/>
+          </p:cNvCxnSpPr>
+          <p:nvPr/>
+        </p:nvCxnSpPr>
+        <p:spPr>
+          <a:xfrm flipV="1">
+            <a:off x="1434484" y="2583602"/>
+            <a:ext cx="616106" cy="6004"/>
+          </a:xfrm>
+          <a:prstGeom prst="straightConnector1">
+            <a:avLst/>
+          </a:prstGeom>
+          <a:ln w="19050">
+            <a:headEnd type="none" w="med" len="med"/>
+            <a:tailEnd type="arrow" w="med" len="med"/>
+          </a:ln>
+        </p:spPr>
+        <p:style>
+          <a:lnRef idx="1">
+            <a:schemeClr val="dk1"/>
+          </a:lnRef>
+          <a:fillRef idx="0">
+            <a:schemeClr val="dk1"/>
+          </a:fillRef>
+          <a:effectRef idx="0">
+            <a:schemeClr val="dk1"/>
+          </a:effectRef>
+          <a:fontRef idx="minor">
+            <a:schemeClr val="tx1"/>
+          </a:fontRef>
+        </p:style>
+      </p:cxnSp>
+      <p:sp>
+        <p:nvSpPr>
+          <p:cNvPr id="10" name="Rectangle 9"/>
+          <p:cNvSpPr/>
+          <p:nvPr/>
+        </p:nvSpPr>
+        <p:spPr>
+          <a:xfrm>
+            <a:off x="696782" y="2404940"/>
+            <a:ext cx="737702" cy="369332"/>
+          </a:xfrm>
+          <a:prstGeom prst="rect">
+            <a:avLst/>
+          </a:prstGeom>
+        </p:spPr>
+        <p:txBody>
+          <a:bodyPr wrap="none">
+            <a:spAutoFit/>
+          </a:bodyPr>
+          <a:lstStyle/>
+          <a:p>
+            <a:r>
+              <a:rPr lang="en-US" dirty="0" smtClean="0"/>
+              <a:t>Signal</a:t>
+            </a:r>
+            <a:endParaRPr lang="en-US" dirty="0"/>
+          </a:p>
+        </p:txBody>
+      </p:sp>
+      <p:sp>
+        <p:nvSpPr>
+          <p:cNvPr id="11" name="Rectangle 10"/>
+          <p:cNvSpPr/>
+          <p:nvPr/>
+        </p:nvSpPr>
+        <p:spPr>
+          <a:xfrm>
+            <a:off x="2050590" y="2314842"/>
+            <a:ext cx="748080" cy="537519"/>
+          </a:xfrm>
+          <a:prstGeom prst="rect">
+            <a:avLst/>
+          </a:prstGeom>
+          <a:ln w="19050"/>
+        </p:spPr>
+        <p:style>
+          <a:lnRef idx="2">
+            <a:schemeClr val="dk1"/>
+          </a:lnRef>
+          <a:fillRef idx="1">
+            <a:schemeClr val="lt1"/>
+          </a:fillRef>
+          <a:effectRef idx="0">
+            <a:schemeClr val="dk1"/>
+          </a:effectRef>
+          <a:fontRef idx="minor">
+            <a:schemeClr val="dk1"/>
+          </a:fontRef>
+        </p:style>
+        <p:txBody>
+          <a:bodyPr rtlCol="0" anchor="ctr"/>
+          <a:lstStyle/>
+          <a:p>
+            <a:pPr algn="ctr"/>
+            <a:r>
+              <a:rPr lang="en-US" dirty="0" smtClean="0"/>
+              <a:t>DSP</a:t>
+            </a:r>
+            <a:endParaRPr lang="en-US" dirty="0"/>
+          </a:p>
+        </p:txBody>
+      </p:sp>
+      <p:sp>
+        <p:nvSpPr>
+          <p:cNvPr id="12" name="Rectangle 11"/>
+          <p:cNvSpPr/>
+          <p:nvPr/>
+        </p:nvSpPr>
+        <p:spPr>
+          <a:xfrm>
+            <a:off x="3135598" y="2247662"/>
+            <a:ext cx="1163923" cy="671880"/>
+          </a:xfrm>
+          <a:prstGeom prst="rect">
+            <a:avLst/>
+          </a:prstGeom>
+          <a:ln w="19050"/>
+        </p:spPr>
+        <p:style>
+          <a:lnRef idx="2">
+            <a:schemeClr val="dk1"/>
+          </a:lnRef>
+          <a:fillRef idx="1">
+            <a:schemeClr val="lt1"/>
+          </a:fillRef>
+          <a:effectRef idx="0">
+            <a:schemeClr val="dk1"/>
+          </a:effectRef>
+          <a:fontRef idx="minor">
+            <a:schemeClr val="dk1"/>
+          </a:fontRef>
+        </p:style>
+        <p:txBody>
+          <a:bodyPr rtlCol="0" anchor="ctr"/>
+          <a:lstStyle/>
+          <a:p>
+            <a:pPr algn="ctr"/>
+            <a:r>
+              <a:rPr lang="en-US" dirty="0" smtClean="0"/>
+              <a:t>RISC-V Core</a:t>
+            </a:r>
+            <a:endParaRPr lang="en-US" dirty="0"/>
+          </a:p>
+        </p:txBody>
+      </p:sp>
+      <p:cxnSp>
+        <p:nvCxnSpPr>
+          <p:cNvPr id="13" name="Straight Arrow Connector 12"/>
+          <p:cNvCxnSpPr>
+            <a:stCxn id="11" idx="3"/>
+            <a:endCxn id="12" idx="1"/>
+          </p:cNvCxnSpPr>
+          <p:nvPr/>
+        </p:nvCxnSpPr>
+        <p:spPr>
+          <a:xfrm>
+            <a:off x="2798670" y="2583602"/>
+            <a:ext cx="336928" cy="0"/>
+          </a:xfrm>
+          <a:prstGeom prst="straightConnector1">
+            <a:avLst/>
+          </a:prstGeom>
+          <a:ln w="19050">
+            <a:headEnd type="none" w="med" len="med"/>
+            <a:tailEnd type="arrow" w="med" len="med"/>
+          </a:ln>
+        </p:spPr>
+        <p:style>
+          <a:lnRef idx="1">
+            <a:schemeClr val="dk1"/>
+          </a:lnRef>
+          <a:fillRef idx="0">
+            <a:schemeClr val="dk1"/>
+          </a:fillRef>
+          <a:effectRef idx="0">
+            <a:schemeClr val="dk1"/>
+          </a:effectRef>
+          <a:fontRef idx="minor">
+            <a:schemeClr val="tx1"/>
+          </a:fontRef>
+        </p:style>
+      </p:cxnSp>
+      <p:sp>
+        <p:nvSpPr>
+          <p:cNvPr id="14" name="Rectangle 13"/>
+          <p:cNvSpPr/>
+          <p:nvPr/>
+        </p:nvSpPr>
+        <p:spPr>
+          <a:xfrm>
+            <a:off x="4812425" y="2247662"/>
+            <a:ext cx="1306026" cy="671880"/>
+          </a:xfrm>
+          <a:prstGeom prst="rect">
+            <a:avLst/>
+          </a:prstGeom>
+          <a:ln w="19050"/>
+        </p:spPr>
+        <p:style>
+          <a:lnRef idx="2">
+            <a:schemeClr val="dk1"/>
+          </a:lnRef>
+          <a:fillRef idx="1">
+            <a:schemeClr val="lt1"/>
+          </a:fillRef>
+          <a:effectRef idx="0">
+            <a:schemeClr val="dk1"/>
+          </a:effectRef>
+          <a:fontRef idx="minor">
+            <a:schemeClr val="dk1"/>
+          </a:fontRef>
+        </p:style>
+        <p:txBody>
+          <a:bodyPr rtlCol="0" anchor="ctr"/>
+          <a:lstStyle/>
+          <a:p>
+            <a:pPr algn="ctr"/>
+            <a:r>
+              <a:rPr lang="en-US" dirty="0" smtClean="0"/>
+              <a:t>MEE</a:t>
+            </a:r>
+            <a:endParaRPr lang="en-US" dirty="0"/>
+          </a:p>
+        </p:txBody>
+      </p:sp>
+      <p:cxnSp>
+        <p:nvCxnSpPr>
+          <p:cNvPr id="15" name="Straight Arrow Connector 14"/>
+          <p:cNvCxnSpPr>
+            <a:stCxn id="12" idx="3"/>
+            <a:endCxn id="14" idx="1"/>
+          </p:cNvCxnSpPr>
+          <p:nvPr/>
+        </p:nvCxnSpPr>
+        <p:spPr>
+          <a:xfrm>
+            <a:off x="4299521" y="2583602"/>
+            <a:ext cx="512904" cy="0"/>
+          </a:xfrm>
+          <a:prstGeom prst="straightConnector1">
+            <a:avLst/>
+          </a:prstGeom>
+          <a:ln w="19050">
+            <a:headEnd type="none" w="med" len="med"/>
+            <a:tailEnd type="arrow" w="med" len="med"/>
+          </a:ln>
+        </p:spPr>
+        <p:style>
+          <a:lnRef idx="1">
+            <a:schemeClr val="dk1"/>
+          </a:lnRef>
+          <a:fillRef idx="0">
+            <a:schemeClr val="dk1"/>
+          </a:fillRef>
+          <a:effectRef idx="0">
+            <a:schemeClr val="dk1"/>
+          </a:effectRef>
+          <a:fontRef idx="minor">
+            <a:schemeClr val="tx1"/>
+          </a:fontRef>
+        </p:style>
+      </p:cxnSp>
+      <p:sp>
+        <p:nvSpPr>
+          <p:cNvPr id="16" name="Rectangle 15"/>
+          <p:cNvSpPr/>
+          <p:nvPr/>
+        </p:nvSpPr>
+        <p:spPr>
+          <a:xfrm>
+            <a:off x="3587517" y="3186748"/>
+            <a:ext cx="2530933" cy="326681"/>
+          </a:xfrm>
+          <a:prstGeom prst="rect">
+            <a:avLst/>
+          </a:prstGeom>
+          <a:ln w="19050"/>
+        </p:spPr>
+        <p:style>
+          <a:lnRef idx="2">
+            <a:schemeClr val="dk1"/>
+          </a:lnRef>
+          <a:fillRef idx="1">
+            <a:schemeClr val="lt1"/>
+          </a:fillRef>
+          <a:effectRef idx="0">
+            <a:schemeClr val="dk1"/>
+          </a:effectRef>
+          <a:fontRef idx="minor">
+            <a:schemeClr val="dk1"/>
+          </a:fontRef>
+        </p:style>
+        <p:txBody>
+          <a:bodyPr rtlCol="0" anchor="ctr"/>
+          <a:lstStyle/>
+          <a:p>
+            <a:pPr algn="ctr"/>
+            <a:r>
+              <a:rPr lang="en-US" dirty="0" smtClean="0"/>
+              <a:t>Key storage</a:t>
+            </a:r>
+            <a:endParaRPr lang="en-US" dirty="0"/>
+          </a:p>
+        </p:txBody>
+      </p:sp>
+      <p:cxnSp>
+        <p:nvCxnSpPr>
+          <p:cNvPr id="17" name="Straight Arrow Connector 16"/>
+          <p:cNvCxnSpPr/>
+          <p:nvPr/>
+        </p:nvCxnSpPr>
+        <p:spPr>
+          <a:xfrm flipV="1">
+            <a:off x="3975155" y="2919542"/>
+            <a:ext cx="0" cy="267206"/>
+          </a:xfrm>
+          <a:prstGeom prst="straightConnector1">
+            <a:avLst/>
+          </a:prstGeom>
+          <a:ln w="19050">
+            <a:headEnd type="arrow" w="med" len="med"/>
+            <a:tailEnd type="arrow" w="med" len="med"/>
+          </a:ln>
+        </p:spPr>
+        <p:style>
+          <a:lnRef idx="1">
+            <a:schemeClr val="dk1"/>
+          </a:lnRef>
+          <a:fillRef idx="0">
+            <a:schemeClr val="dk1"/>
+          </a:fillRef>
+          <a:effectRef idx="0">
+            <a:schemeClr val="dk1"/>
+          </a:effectRef>
+          <a:fontRef idx="minor">
+            <a:schemeClr val="tx1"/>
+          </a:fontRef>
+        </p:style>
+      </p:cxnSp>
+      <p:cxnSp>
+        <p:nvCxnSpPr>
+          <p:cNvPr id="18" name="Straight Arrow Connector 17"/>
+          <p:cNvCxnSpPr/>
+          <p:nvPr/>
+        </p:nvCxnSpPr>
+        <p:spPr>
+          <a:xfrm flipV="1">
+            <a:off x="5501215" y="2919542"/>
+            <a:ext cx="0" cy="267206"/>
+          </a:xfrm>
+          <a:prstGeom prst="straightConnector1">
+            <a:avLst/>
+          </a:prstGeom>
+          <a:ln w="19050">
+            <a:headEnd type="arrow" w="med" len="med"/>
+            <a:tailEnd type="arrow" w="med" len="med"/>
+          </a:ln>
+        </p:spPr>
+        <p:style>
+          <a:lnRef idx="1">
+            <a:schemeClr val="dk1"/>
+          </a:lnRef>
+          <a:fillRef idx="0">
+            <a:schemeClr val="dk1"/>
+          </a:fillRef>
+          <a:effectRef idx="0">
+            <a:schemeClr val="dk1"/>
+          </a:effectRef>
+          <a:fontRef idx="minor">
+            <a:schemeClr val="tx1"/>
+          </a:fontRef>
+        </p:style>
+      </p:cxnSp>
+      <p:sp>
+        <p:nvSpPr>
+          <p:cNvPr id="19" name="Rectangle 18"/>
+          <p:cNvSpPr/>
+          <p:nvPr/>
+        </p:nvSpPr>
+        <p:spPr>
+          <a:xfrm>
+            <a:off x="6627019" y="2160373"/>
+            <a:ext cx="3144342" cy="1470453"/>
+          </a:xfrm>
+          <a:prstGeom prst="rect">
+            <a:avLst/>
+          </a:prstGeom>
+          <a:ln w="19050"/>
+        </p:spPr>
+        <p:style>
+          <a:lnRef idx="2">
+            <a:schemeClr val="dk1"/>
+          </a:lnRef>
+          <a:fillRef idx="1">
+            <a:schemeClr val="lt1"/>
+          </a:fillRef>
+          <a:effectRef idx="0">
+            <a:schemeClr val="dk1"/>
+          </a:effectRef>
+          <a:fontRef idx="minor">
+            <a:schemeClr val="dk1"/>
+          </a:fontRef>
+        </p:style>
+        <p:txBody>
+          <a:bodyPr rtlCol="0" anchor="ctr"/>
+          <a:lstStyle/>
+          <a:p>
+            <a:pPr algn="ctr"/>
+            <a:endParaRPr lang="en-US" dirty="0"/>
+          </a:p>
+        </p:txBody>
+      </p:sp>
+      <p:sp>
+        <p:nvSpPr>
+          <p:cNvPr id="20" name="Rectangle 19"/>
+          <p:cNvSpPr/>
+          <p:nvPr/>
+        </p:nvSpPr>
+        <p:spPr>
+          <a:xfrm>
+            <a:off x="6807089" y="2253666"/>
+            <a:ext cx="1201695" cy="671880"/>
+          </a:xfrm>
+          <a:prstGeom prst="rect">
+            <a:avLst/>
+          </a:prstGeom>
+          <a:ln w="19050"/>
+        </p:spPr>
+        <p:style>
+          <a:lnRef idx="2">
+            <a:schemeClr val="dk1"/>
+          </a:lnRef>
+          <a:fillRef idx="1">
+            <a:schemeClr val="lt1"/>
+          </a:fillRef>
+          <a:effectRef idx="0">
+            <a:schemeClr val="dk1"/>
+          </a:effectRef>
+          <a:fontRef idx="minor">
+            <a:schemeClr val="dk1"/>
+          </a:fontRef>
+        </p:style>
+        <p:txBody>
+          <a:bodyPr rtlCol="0" anchor="ctr"/>
+          <a:lstStyle/>
+          <a:p>
+            <a:pPr algn="ctr"/>
+            <a:r>
+              <a:rPr lang="en-US" dirty="0" smtClean="0"/>
+              <a:t>CE</a:t>
+            </a:r>
+            <a:endParaRPr lang="en-US" dirty="0"/>
+          </a:p>
+        </p:txBody>
+      </p:sp>
+      <p:sp>
+        <p:nvSpPr>
+          <p:cNvPr id="21" name="Rectangle 20"/>
+          <p:cNvSpPr/>
+          <p:nvPr/>
+        </p:nvSpPr>
+        <p:spPr>
+          <a:xfrm>
+            <a:off x="8285463" y="2253666"/>
+            <a:ext cx="1286452" cy="671880"/>
+          </a:xfrm>
+          <a:prstGeom prst="rect">
+            <a:avLst/>
+          </a:prstGeom>
+          <a:ln w="19050"/>
+        </p:spPr>
+        <p:style>
+          <a:lnRef idx="2">
+            <a:schemeClr val="dk1"/>
+          </a:lnRef>
+          <a:fillRef idx="1">
+            <a:schemeClr val="lt1"/>
+          </a:fillRef>
+          <a:effectRef idx="0">
+            <a:schemeClr val="dk1"/>
+          </a:effectRef>
+          <a:fontRef idx="minor">
+            <a:schemeClr val="dk1"/>
+          </a:fontRef>
+        </p:style>
+        <p:txBody>
+          <a:bodyPr rtlCol="0" anchor="ctr"/>
+          <a:lstStyle/>
+          <a:p>
+            <a:pPr algn="ctr"/>
+            <a:r>
+              <a:rPr lang="en-US" dirty="0" smtClean="0"/>
+              <a:t>AE</a:t>
+            </a:r>
+            <a:endParaRPr lang="en-US" dirty="0"/>
+          </a:p>
+        </p:txBody>
+      </p:sp>
+      <p:sp>
+        <p:nvSpPr>
+          <p:cNvPr id="22" name="Rectangle 21"/>
+          <p:cNvSpPr/>
+          <p:nvPr/>
+        </p:nvSpPr>
+        <p:spPr>
+          <a:xfrm>
+            <a:off x="6807089" y="3186748"/>
+            <a:ext cx="2764826" cy="326681"/>
+          </a:xfrm>
+          <a:prstGeom prst="rect">
+            <a:avLst/>
+          </a:prstGeom>
+          <a:ln w="19050"/>
+        </p:spPr>
+        <p:style>
+          <a:lnRef idx="2">
+            <a:schemeClr val="dk1"/>
+          </a:lnRef>
+          <a:fillRef idx="1">
+            <a:schemeClr val="lt1"/>
+          </a:fillRef>
+          <a:effectRef idx="0">
+            <a:schemeClr val="dk1"/>
+          </a:effectRef>
+          <a:fontRef idx="minor">
+            <a:schemeClr val="dk1"/>
+          </a:fontRef>
+        </p:style>
+        <p:txBody>
+          <a:bodyPr rtlCol="0" anchor="ctr"/>
+          <a:lstStyle/>
+          <a:p>
+            <a:pPr algn="ctr"/>
+            <a:r>
+              <a:rPr lang="en-US" dirty="0"/>
+              <a:t>Host CPU</a:t>
+            </a:r>
+          </a:p>
+        </p:txBody>
+      </p:sp>
+      <p:cxnSp>
+        <p:nvCxnSpPr>
+          <p:cNvPr id="23" name="Straight Arrow Connector 22"/>
+          <p:cNvCxnSpPr>
+            <a:stCxn id="20" idx="3"/>
+          </p:cNvCxnSpPr>
+          <p:nvPr/>
+        </p:nvCxnSpPr>
+        <p:spPr>
+          <a:xfrm>
+            <a:off x="8008784" y="2589606"/>
+            <a:ext cx="276679" cy="0"/>
+          </a:xfrm>
+          <a:prstGeom prst="straightConnector1">
+            <a:avLst/>
+          </a:prstGeom>
+          <a:ln w="19050">
+            <a:headEnd type="arrow" w="med" len="med"/>
+            <a:tailEnd type="arrow" w="med" len="med"/>
+          </a:ln>
+        </p:spPr>
+        <p:style>
+          <a:lnRef idx="1">
+            <a:schemeClr val="dk1"/>
+          </a:lnRef>
+          <a:fillRef idx="0">
+            <a:schemeClr val="dk1"/>
+          </a:fillRef>
+          <a:effectRef idx="0">
+            <a:schemeClr val="dk1"/>
+          </a:effectRef>
+          <a:fontRef idx="minor">
+            <a:schemeClr val="tx1"/>
+          </a:fontRef>
+        </p:style>
+      </p:cxnSp>
+      <p:sp>
+        <p:nvSpPr>
+          <p:cNvPr id="24" name="Left-Right Arrow 23"/>
+          <p:cNvSpPr/>
+          <p:nvPr/>
+        </p:nvSpPr>
+        <p:spPr>
+          <a:xfrm>
+            <a:off x="5976347" y="2360698"/>
+            <a:ext cx="872639" cy="376881"/>
+          </a:xfrm>
+          <a:prstGeom prst="leftRightArrow">
+            <a:avLst/>
+          </a:prstGeom>
+          <a:solidFill>
+            <a:srgbClr val="A0D468"/>
+          </a:solidFill>
+        </p:spPr>
+        <p:style>
+          <a:lnRef idx="2">
+            <a:schemeClr val="dk1"/>
+          </a:lnRef>
+          <a:fillRef idx="1">
+            <a:schemeClr val="lt1"/>
+          </a:fillRef>
+          <a:effectRef idx="0">
+            <a:schemeClr val="dk1"/>
+          </a:effectRef>
+          <a:fontRef idx="minor">
+            <a:schemeClr val="dk1"/>
+          </a:fontRef>
+        </p:style>
+        <p:txBody>
+          <a:bodyPr rtlCol="0" anchor="ctr"/>
+          <a:lstStyle/>
+          <a:p>
+            <a:pPr algn="ctr"/>
+            <a:endParaRPr lang="en-US"/>
+          </a:p>
+        </p:txBody>
+      </p:sp>
+      <p:pic>
+        <p:nvPicPr>
+          <p:cNvPr id="44" name="Picture 43"/>
+          <p:cNvPicPr>
+            <a:picLocks noChangeAspect="1"/>
+          </p:cNvPicPr>
+          <p:nvPr/>
+        </p:nvPicPr>
+        <p:blipFill>
+          <a:blip r:embed="rId2"/>
+          <a:stretch>
+            <a:fillRect/>
+          </a:stretch>
+        </p:blipFill>
+        <p:spPr>
+          <a:xfrm>
+            <a:off x="2740819" y="4083917"/>
+            <a:ext cx="2895445" cy="2214913"/>
+          </a:xfrm>
+          <a:prstGeom prst="rect">
+            <a:avLst/>
+          </a:prstGeom>
+        </p:spPr>
+      </p:pic>
+    </p:spTree>
+    <p:extLst>
+      <p:ext uri="{BB962C8B-B14F-4D97-AF65-F5344CB8AC3E}">
+        <p14:creationId xmlns:p14="http://schemas.microsoft.com/office/powerpoint/2010/main" val="263274279"/>
+      </p:ext>
+    </p:extLst>
+  </p:cSld>
+  <p:clrMapOvr>
+    <a:masterClrMapping/>
+  </p:clrMapOvr>
+  <p:transition>
+    <p:fade/>
+  </p:transition>
+  <p:timing>
+    <p:tnLst>
+      <p:par>
+        <p:cTn id="1" dur="indefinite" restart="never" nodeType="tmRoot"/>
+      </p:par>
+    </p:tnLst>
+  </p:timing>
+</p:sld>
+</file>
+
+<file path=ppt/slides/slide31.xml><?xml version="1.0" encoding="utf-8"?>
+<p:sld xmlns:a="http://schemas.openxmlformats.org/drawingml/2006/main" xmlns:r="http://schemas.openxmlformats.org/officeDocument/2006/relationships" xmlns:p="http://schemas.openxmlformats.org/presentationml/2006/main">
+  <p:cSld>
+    <p:spTree>
+      <p:nvGrpSpPr>
+        <p:cNvPr id="1" name=""/>
+        <p:cNvGrpSpPr/>
+        <p:nvPr/>
+      </p:nvGrpSpPr>
+      <p:grpSpPr>
+        <a:xfrm>
+          <a:off x="0" y="0"/>
+          <a:ext cx="0" cy="0"/>
+          <a:chOff x="0" y="0"/>
+          <a:chExt cx="0" cy="0"/>
+        </a:xfrm>
+      </p:grpSpPr>
+      <p:sp>
+        <p:nvSpPr>
+          <p:cNvPr id="2" name="Content Placeholder 1"/>
+          <p:cNvSpPr>
+            <a:spLocks noGrp="1"/>
+          </p:cNvSpPr>
+          <p:nvPr>
+            <p:ph idx="1"/>
+          </p:nvPr>
+        </p:nvSpPr>
+        <p:spPr/>
+        <p:txBody>
+          <a:bodyPr/>
+          <a:lstStyle/>
+          <a:p>
+            <a:r>
+              <a:rPr lang="en-US" dirty="0" smtClean="0"/>
+              <a:t>Communication through shared memory</a:t>
+            </a:r>
+          </a:p>
+          <a:p>
+            <a:pPr lvl="1"/>
+            <a:r>
+              <a:rPr lang="en-US" dirty="0" smtClean="0"/>
+              <a:t>Peripherals are either DMA or memory-mapped</a:t>
+            </a:r>
+          </a:p>
+          <a:p>
+            <a:pPr lvl="1"/>
+            <a:endParaRPr lang="en-US" dirty="0"/>
+          </a:p>
+          <a:p>
+            <a:pPr lvl="1"/>
+            <a:endParaRPr lang="en-US" dirty="0" smtClean="0"/>
+          </a:p>
+          <a:p>
+            <a:pPr lvl="1"/>
+            <a:endParaRPr lang="en-US" dirty="0"/>
+          </a:p>
+          <a:p>
+            <a:pPr lvl="1"/>
+            <a:endParaRPr lang="en-US" dirty="0" smtClean="0"/>
+          </a:p>
+          <a:p>
+            <a:pPr lvl="1"/>
+            <a:endParaRPr lang="en-US" dirty="0"/>
+          </a:p>
+          <a:p>
+            <a:r>
+              <a:rPr lang="en-US" dirty="0" smtClean="0"/>
+              <a:t>Attestation</a:t>
+            </a:r>
+          </a:p>
+          <a:p>
+            <a:pPr lvl="1"/>
+            <a:r>
+              <a:rPr lang="en-US" dirty="0" smtClean="0"/>
+              <a:t>AE</a:t>
+            </a:r>
+          </a:p>
+          <a:p>
+            <a:pPr lvl="1"/>
+            <a:r>
+              <a:rPr lang="en-US" dirty="0" smtClean="0"/>
+              <a:t>CE</a:t>
+            </a:r>
+          </a:p>
+          <a:p>
+            <a:pPr lvl="1"/>
+            <a:r>
+              <a:rPr lang="en-US" dirty="0" smtClean="0"/>
+              <a:t>Peripherals</a:t>
+            </a:r>
+            <a:endParaRPr lang="en-US" dirty="0"/>
+          </a:p>
+        </p:txBody>
+      </p:sp>
+      <p:sp>
+        <p:nvSpPr>
+          <p:cNvPr id="3" name="Date Placeholder 2"/>
+          <p:cNvSpPr>
+            <a:spLocks noGrp="1"/>
+          </p:cNvSpPr>
+          <p:nvPr>
+            <p:ph type="dt" sz="half" idx="10"/>
+          </p:nvPr>
+        </p:nvSpPr>
+        <p:spPr/>
+        <p:txBody>
+          <a:bodyPr/>
+          <a:lstStyle/>
+          <a:p>
+            <a:fld id="{C0E6A5AA-C347-4F8D-86AF-2BF972CD8449}" type="datetime1">
+              <a:rPr lang="en-US" smtClean="0"/>
+              <a:t>12/5/2019</a:t>
+            </a:fld>
+            <a:endParaRPr lang="en-GB" dirty="0"/>
+          </a:p>
+        </p:txBody>
+      </p:sp>
+      <p:sp>
+        <p:nvSpPr>
+          <p:cNvPr id="4" name="Footer Placeholder 3"/>
+          <p:cNvSpPr>
+            <a:spLocks noGrp="1"/>
+          </p:cNvSpPr>
+          <p:nvPr>
+            <p:ph type="ftr" sz="quarter" idx="11"/>
+          </p:nvPr>
+        </p:nvSpPr>
+        <p:spPr/>
+        <p:txBody>
+          <a:bodyPr/>
+          <a:lstStyle/>
+          <a:p>
+            <a:r>
+              <a:rPr lang="en-GB" smtClean="0"/>
+              <a:t>Aritra Dhar</a:t>
+            </a:r>
+            <a:endParaRPr lang="en-GB" dirty="0"/>
+          </a:p>
+        </p:txBody>
+      </p:sp>
+      <p:sp>
+        <p:nvSpPr>
+          <p:cNvPr id="5" name="Slide Number Placeholder 4"/>
+          <p:cNvSpPr>
+            <a:spLocks noGrp="1"/>
+          </p:cNvSpPr>
+          <p:nvPr>
+            <p:ph type="sldNum" sz="quarter" idx="12"/>
+          </p:nvPr>
+        </p:nvSpPr>
+        <p:spPr/>
+        <p:txBody>
+          <a:bodyPr/>
+          <a:lstStyle/>
+          <a:p>
+            <a:fld id="{6C6AE60A-B69C-4790-82F7-3882EDF23186}" type="slidenum">
+              <a:rPr lang="en-GB" smtClean="0"/>
+              <a:t>31</a:t>
+            </a:fld>
+            <a:endParaRPr lang="en-GB" dirty="0"/>
+          </a:p>
+        </p:txBody>
+      </p:sp>
+      <p:sp>
+        <p:nvSpPr>
+          <p:cNvPr id="6" name="Title 5"/>
+          <p:cNvSpPr>
+            <a:spLocks noGrp="1"/>
+          </p:cNvSpPr>
+          <p:nvPr>
+            <p:ph type="title"/>
+          </p:nvPr>
+        </p:nvSpPr>
+        <p:spPr/>
+        <p:txBody>
+          <a:bodyPr/>
+          <a:lstStyle/>
+          <a:p>
+            <a:r>
+              <a:rPr lang="en-US" dirty="0" smtClean="0"/>
+              <a:t>Primitives</a:t>
+            </a:r>
+            <a:endParaRPr lang="en-US" dirty="0"/>
+          </a:p>
+        </p:txBody>
+      </p:sp>
+      <p:grpSp>
+        <p:nvGrpSpPr>
+          <p:cNvPr id="38" name="Group 37"/>
+          <p:cNvGrpSpPr/>
+          <p:nvPr/>
+        </p:nvGrpSpPr>
+        <p:grpSpPr>
+          <a:xfrm>
+            <a:off x="6900906" y="2430382"/>
+            <a:ext cx="5052433" cy="1527972"/>
+            <a:chOff x="6900906" y="2430382"/>
+            <a:chExt cx="5052433" cy="1527972"/>
+          </a:xfrm>
+        </p:grpSpPr>
+        <mc:AlternateContent xmlns:mc="http://schemas.openxmlformats.org/markup-compatibility/2006">
+          <mc:Choice xmlns:a14="http://schemas.microsoft.com/office/drawing/2010/main" Requires="a14">
+            <p:sp>
+              <p:nvSpPr>
+                <p:cNvPr id="7" name="Rectangle 6"/>
+                <p:cNvSpPr/>
+                <p:nvPr/>
+              </p:nvSpPr>
+              <p:spPr>
+                <a:xfrm>
+                  <a:off x="7698142" y="2836775"/>
+                  <a:ext cx="457200" cy="438647"/>
+                </a:xfrm>
+                <a:prstGeom prst="rect">
+                  <a:avLst/>
+                </a:prstGeom>
+                <a:ln w="19050"/>
+              </p:spPr>
+              <p:style>
+                <a:lnRef idx="2">
+                  <a:schemeClr val="dk1"/>
+                </a:lnRef>
+                <a:fillRef idx="1">
+                  <a:schemeClr val="lt1"/>
+                </a:fillRef>
+                <a:effectRef idx="0">
+                  <a:schemeClr val="dk1"/>
+                </a:effectRef>
+                <a:fontRef idx="minor">
+                  <a:schemeClr val="dk1"/>
+                </a:fontRef>
+              </p:style>
+              <p:txBody>
+                <a:bodyPr rtlCol="0" anchor="ctr"/>
+                <a:lstStyle/>
+                <a:p>
+                  <a:pPr algn="ctr"/>
+                  <a14:m>
+                    <m:oMathPara xmlns:m="http://schemas.openxmlformats.org/officeDocument/2006/math">
+                      <m:oMathParaPr>
+                        <m:jc m:val="right"/>
+                      </m:oMathParaPr>
+                      <m:oMath xmlns:m="http://schemas.openxmlformats.org/officeDocument/2006/math">
+                        <m:sSub>
+                          <m:sSubPr>
+                            <m:ctrlPr>
+                              <a:rPr lang="en-US" b="0" i="1" smtClean="0">
+                                <a:latin typeface="Cambria Math" panose="02040503050406030204" pitchFamily="18" charset="0"/>
+                              </a:rPr>
+                            </m:ctrlPr>
+                          </m:sSubPr>
+                          <m:e>
+                            <m:r>
+                              <a:rPr lang="en-US" b="0" i="1" smtClean="0">
+                                <a:latin typeface="Cambria Math" panose="02040503050406030204" pitchFamily="18" charset="0"/>
+                              </a:rPr>
+                              <m:t>𝐸</m:t>
+                            </m:r>
+                          </m:e>
+                          <m:sub>
+                            <m:r>
+                              <a:rPr lang="en-US" b="0" i="1" smtClean="0">
+                                <a:latin typeface="Cambria Math" panose="02040503050406030204" pitchFamily="18" charset="0"/>
+                              </a:rPr>
+                              <m:t>1</m:t>
+                            </m:r>
+                          </m:sub>
+                        </m:sSub>
+                      </m:oMath>
+                    </m:oMathPara>
+                  </a14:m>
+                  <a:endParaRPr lang="en-US" dirty="0"/>
+                </a:p>
+              </p:txBody>
+            </p:sp>
+          </mc:Choice>
+          <mc:Fallback>
+            <p:sp>
+              <p:nvSpPr>
+                <p:cNvPr id="7" name="Rectangle 6"/>
+                <p:cNvSpPr>
+                  <a:spLocks noRot="1" noChangeAspect="1" noMove="1" noResize="1" noEditPoints="1" noAdjustHandles="1" noChangeArrowheads="1" noChangeShapeType="1" noTextEdit="1"/>
+                </p:cNvSpPr>
+                <p:nvPr/>
+              </p:nvSpPr>
+              <p:spPr>
+                <a:xfrm>
+                  <a:off x="7698142" y="2836775"/>
+                  <a:ext cx="457200" cy="438647"/>
+                </a:xfrm>
+                <a:prstGeom prst="rect">
+                  <a:avLst/>
+                </a:prstGeom>
+                <a:blipFill>
+                  <a:blip r:embed="rId2"/>
+                  <a:stretch>
+                    <a:fillRect/>
+                  </a:stretch>
+                </a:blipFill>
+                <a:ln w="19050"/>
+              </p:spPr>
+              <p:txBody>
+                <a:bodyPr/>
+                <a:lstStyle/>
+                <a:p>
+                  <a:r>
+                    <a:rPr lang="en-US">
+                      <a:noFill/>
+                    </a:rPr>
+                    <a:t> </a:t>
+                  </a:r>
+                </a:p>
+              </p:txBody>
+            </p:sp>
+          </mc:Fallback>
+        </mc:AlternateContent>
+        <mc:AlternateContent xmlns:mc="http://schemas.openxmlformats.org/markup-compatibility/2006">
+          <mc:Choice xmlns:a14="http://schemas.microsoft.com/office/drawing/2010/main" Requires="a14">
+            <p:sp>
+              <p:nvSpPr>
+                <p:cNvPr id="8" name="Rectangle 7"/>
+                <p:cNvSpPr/>
+                <p:nvPr/>
+              </p:nvSpPr>
+              <p:spPr>
+                <a:xfrm>
+                  <a:off x="9038850" y="2836775"/>
+                  <a:ext cx="457200" cy="438647"/>
+                </a:xfrm>
+                <a:prstGeom prst="rect">
+                  <a:avLst/>
+                </a:prstGeom>
+                <a:ln w="19050"/>
+              </p:spPr>
+              <p:style>
+                <a:lnRef idx="2">
+                  <a:schemeClr val="dk1"/>
+                </a:lnRef>
+                <a:fillRef idx="1">
+                  <a:schemeClr val="lt1"/>
+                </a:fillRef>
+                <a:effectRef idx="0">
+                  <a:schemeClr val="dk1"/>
+                </a:effectRef>
+                <a:fontRef idx="minor">
+                  <a:schemeClr val="dk1"/>
+                </a:fontRef>
+              </p:style>
+              <p:txBody>
+                <a:bodyPr rtlCol="0" anchor="ctr"/>
+                <a:lstStyle/>
+                <a:p>
+                  <a:pPr algn="ctr"/>
+                  <a14:m>
+                    <m:oMathPara xmlns:m="http://schemas.openxmlformats.org/officeDocument/2006/math">
+                      <m:oMathParaPr>
+                        <m:jc m:val="right"/>
+                      </m:oMathParaPr>
+                      <m:oMath xmlns:m="http://schemas.openxmlformats.org/officeDocument/2006/math">
+                        <m:sSub>
+                          <m:sSubPr>
+                            <m:ctrlPr>
+                              <a:rPr lang="en-US" b="0" i="1" smtClean="0">
+                                <a:latin typeface="Cambria Math" panose="02040503050406030204" pitchFamily="18" charset="0"/>
+                              </a:rPr>
+                            </m:ctrlPr>
+                          </m:sSubPr>
+                          <m:e>
+                            <m:r>
+                              <a:rPr lang="en-US" b="0" i="1" smtClean="0">
+                                <a:latin typeface="Cambria Math" panose="02040503050406030204" pitchFamily="18" charset="0"/>
+                              </a:rPr>
+                              <m:t>𝐸</m:t>
+                            </m:r>
+                          </m:e>
+                          <m:sub>
+                            <m:r>
+                              <a:rPr lang="en-US" b="0" i="1" smtClean="0">
+                                <a:latin typeface="Cambria Math" panose="02040503050406030204" pitchFamily="18" charset="0"/>
+                              </a:rPr>
+                              <m:t>2</m:t>
+                            </m:r>
+                          </m:sub>
+                        </m:sSub>
+                      </m:oMath>
+                    </m:oMathPara>
+                  </a14:m>
+                  <a:endParaRPr lang="en-US" dirty="0"/>
+                </a:p>
+              </p:txBody>
+            </p:sp>
+          </mc:Choice>
+          <mc:Fallback>
+            <p:sp>
+              <p:nvSpPr>
+                <p:cNvPr id="8" name="Rectangle 7"/>
+                <p:cNvSpPr>
+                  <a:spLocks noRot="1" noChangeAspect="1" noMove="1" noResize="1" noEditPoints="1" noAdjustHandles="1" noChangeArrowheads="1" noChangeShapeType="1" noTextEdit="1"/>
+                </p:cNvSpPr>
+                <p:nvPr/>
+              </p:nvSpPr>
+              <p:spPr>
+                <a:xfrm>
+                  <a:off x="9038850" y="2836775"/>
+                  <a:ext cx="457200" cy="438647"/>
+                </a:xfrm>
+                <a:prstGeom prst="rect">
+                  <a:avLst/>
+                </a:prstGeom>
+                <a:blipFill>
+                  <a:blip r:embed="rId3"/>
+                  <a:stretch>
+                    <a:fillRect/>
+                  </a:stretch>
+                </a:blipFill>
+                <a:ln w="19050"/>
+              </p:spPr>
+              <p:txBody>
+                <a:bodyPr/>
+                <a:lstStyle/>
+                <a:p>
+                  <a:r>
+                    <a:rPr lang="en-US">
+                      <a:noFill/>
+                    </a:rPr>
+                    <a:t> </a:t>
+                  </a:r>
+                </a:p>
+              </p:txBody>
+            </p:sp>
+          </mc:Fallback>
+        </mc:AlternateContent>
+        <p:cxnSp>
+          <p:nvCxnSpPr>
+            <p:cNvPr id="9" name="Straight Connector 8"/>
+            <p:cNvCxnSpPr/>
+            <p:nvPr/>
+          </p:nvCxnSpPr>
+          <p:spPr>
+            <a:xfrm flipH="1">
+              <a:off x="7438650" y="2910897"/>
+              <a:ext cx="259492" cy="0"/>
+            </a:xfrm>
+            <a:prstGeom prst="line">
+              <a:avLst/>
+            </a:prstGeom>
+            <a:ln w="19050"/>
+          </p:spPr>
+          <p:style>
+            <a:lnRef idx="1">
+              <a:schemeClr val="dk1"/>
+            </a:lnRef>
+            <a:fillRef idx="0">
+              <a:schemeClr val="dk1"/>
+            </a:fillRef>
+            <a:effectRef idx="0">
+              <a:schemeClr val="dk1"/>
+            </a:effectRef>
+            <a:fontRef idx="minor">
+              <a:schemeClr val="tx1"/>
+            </a:fontRef>
+          </p:style>
+        </p:cxnSp>
+        <p:cxnSp>
+          <p:nvCxnSpPr>
+            <p:cNvPr id="10" name="Straight Connector 9"/>
+            <p:cNvCxnSpPr/>
+            <p:nvPr/>
+          </p:nvCxnSpPr>
+          <p:spPr>
+            <a:xfrm flipH="1">
+              <a:off x="8155342" y="2910897"/>
+              <a:ext cx="259492" cy="0"/>
+            </a:xfrm>
+            <a:prstGeom prst="line">
+              <a:avLst/>
+            </a:prstGeom>
+            <a:ln w="19050"/>
+          </p:spPr>
+          <p:style>
+            <a:lnRef idx="1">
+              <a:schemeClr val="dk1"/>
+            </a:lnRef>
+            <a:fillRef idx="0">
+              <a:schemeClr val="dk1"/>
+            </a:fillRef>
+            <a:effectRef idx="0">
+              <a:schemeClr val="dk1"/>
+            </a:effectRef>
+            <a:fontRef idx="minor">
+              <a:schemeClr val="tx1"/>
+            </a:fontRef>
+          </p:style>
+        </p:cxnSp>
+        <p:cxnSp>
+          <p:nvCxnSpPr>
+            <p:cNvPr id="11" name="Straight Connector 10"/>
+            <p:cNvCxnSpPr/>
+            <p:nvPr/>
+          </p:nvCxnSpPr>
+          <p:spPr>
+            <a:xfrm flipH="1">
+              <a:off x="8779358" y="2910897"/>
+              <a:ext cx="259492" cy="0"/>
+            </a:xfrm>
+            <a:prstGeom prst="line">
+              <a:avLst/>
+            </a:prstGeom>
+            <a:ln w="19050"/>
+          </p:spPr>
+          <p:style>
+            <a:lnRef idx="1">
+              <a:schemeClr val="dk1"/>
+            </a:lnRef>
+            <a:fillRef idx="0">
+              <a:schemeClr val="dk1"/>
+            </a:fillRef>
+            <a:effectRef idx="0">
+              <a:schemeClr val="dk1"/>
+            </a:effectRef>
+            <a:fontRef idx="minor">
+              <a:schemeClr val="tx1"/>
+            </a:fontRef>
+          </p:style>
+        </p:cxnSp>
+        <p:cxnSp>
+          <p:nvCxnSpPr>
+            <p:cNvPr id="12" name="Straight Connector 11"/>
+            <p:cNvCxnSpPr/>
+            <p:nvPr/>
+          </p:nvCxnSpPr>
+          <p:spPr>
+            <a:xfrm flipH="1">
+              <a:off x="9496050" y="2910897"/>
+              <a:ext cx="259492" cy="0"/>
+            </a:xfrm>
+            <a:prstGeom prst="line">
+              <a:avLst/>
+            </a:prstGeom>
+            <a:ln w="19050"/>
+          </p:spPr>
+          <p:style>
+            <a:lnRef idx="1">
+              <a:schemeClr val="dk1"/>
+            </a:lnRef>
+            <a:fillRef idx="0">
+              <a:schemeClr val="dk1"/>
+            </a:fillRef>
+            <a:effectRef idx="0">
+              <a:schemeClr val="dk1"/>
+            </a:effectRef>
+            <a:fontRef idx="minor">
+              <a:schemeClr val="tx1"/>
+            </a:fontRef>
+          </p:style>
+        </p:cxnSp>
+        <p:sp>
+          <p:nvSpPr>
+            <p:cNvPr id="13" name="Rectangle 12"/>
+            <p:cNvSpPr/>
+            <p:nvPr/>
+          </p:nvSpPr>
+          <p:spPr>
+            <a:xfrm>
+              <a:off x="6900906" y="2430382"/>
+              <a:ext cx="667490" cy="369332"/>
+            </a:xfrm>
+            <a:prstGeom prst="rect">
+              <a:avLst/>
+            </a:prstGeom>
+          </p:spPr>
+          <p:txBody>
+            <a:bodyPr wrap="none">
+              <a:spAutoFit/>
+            </a:bodyPr>
+            <a:lstStyle/>
+            <a:p>
+              <a:r>
+                <a:rPr lang="en-US" dirty="0" smtClean="0"/>
+                <a:t>Slave</a:t>
+              </a:r>
+              <a:endParaRPr lang="en-US" dirty="0"/>
+            </a:p>
+          </p:txBody>
+        </p:sp>
+        <p:sp>
+          <p:nvSpPr>
+            <p:cNvPr id="14" name="Rectangle 13"/>
+            <p:cNvSpPr/>
+            <p:nvPr/>
+          </p:nvSpPr>
+          <p:spPr>
+            <a:xfrm>
+              <a:off x="7756933" y="2430382"/>
+              <a:ext cx="849656" cy="369332"/>
+            </a:xfrm>
+            <a:prstGeom prst="rect">
+              <a:avLst/>
+            </a:prstGeom>
+          </p:spPr>
+          <p:txBody>
+            <a:bodyPr wrap="none">
+              <a:spAutoFit/>
+            </a:bodyPr>
+            <a:lstStyle/>
+            <a:p>
+              <a:r>
+                <a:rPr lang="en-US" dirty="0" smtClean="0"/>
+                <a:t>Master</a:t>
+              </a:r>
+              <a:endParaRPr lang="en-US" dirty="0"/>
+            </a:p>
+          </p:txBody>
+        </p:sp>
+        <p:cxnSp>
+          <p:nvCxnSpPr>
+            <p:cNvPr id="15" name="Straight Connector 14"/>
+            <p:cNvCxnSpPr/>
+            <p:nvPr/>
+          </p:nvCxnSpPr>
+          <p:spPr>
+            <a:xfrm flipV="1">
+              <a:off x="7448174" y="2810321"/>
+              <a:ext cx="0" cy="95765"/>
+            </a:xfrm>
+            <a:prstGeom prst="line">
+              <a:avLst/>
+            </a:prstGeom>
+            <a:ln w="19050"/>
+          </p:spPr>
+          <p:style>
+            <a:lnRef idx="1">
+              <a:schemeClr val="dk1"/>
+            </a:lnRef>
+            <a:fillRef idx="0">
+              <a:schemeClr val="dk1"/>
+            </a:fillRef>
+            <a:effectRef idx="0">
+              <a:schemeClr val="dk1"/>
+            </a:effectRef>
+            <a:fontRef idx="minor">
+              <a:schemeClr val="tx1"/>
+            </a:fontRef>
+          </p:style>
+        </p:cxnSp>
+        <p:cxnSp>
+          <p:nvCxnSpPr>
+            <p:cNvPr id="16" name="Straight Connector 15"/>
+            <p:cNvCxnSpPr/>
+            <p:nvPr/>
+          </p:nvCxnSpPr>
+          <p:spPr>
+            <a:xfrm flipV="1">
+              <a:off x="8405434" y="2810321"/>
+              <a:ext cx="0" cy="95765"/>
+            </a:xfrm>
+            <a:prstGeom prst="line">
+              <a:avLst/>
+            </a:prstGeom>
+            <a:ln w="19050"/>
+          </p:spPr>
+          <p:style>
+            <a:lnRef idx="1">
+              <a:schemeClr val="dk1"/>
+            </a:lnRef>
+            <a:fillRef idx="0">
+              <a:schemeClr val="dk1"/>
+            </a:fillRef>
+            <a:effectRef idx="0">
+              <a:schemeClr val="dk1"/>
+            </a:effectRef>
+            <a:fontRef idx="minor">
+              <a:schemeClr val="tx1"/>
+            </a:fontRef>
+          </p:style>
+        </p:cxnSp>
+        <p:cxnSp>
+          <p:nvCxnSpPr>
+            <p:cNvPr id="17" name="Straight Connector 16"/>
+            <p:cNvCxnSpPr/>
+            <p:nvPr/>
+          </p:nvCxnSpPr>
+          <p:spPr>
+            <a:xfrm flipV="1">
+              <a:off x="8788816" y="2810321"/>
+              <a:ext cx="0" cy="95765"/>
+            </a:xfrm>
+            <a:prstGeom prst="line">
+              <a:avLst/>
+            </a:prstGeom>
+            <a:ln w="19050"/>
+          </p:spPr>
+          <p:style>
+            <a:lnRef idx="1">
+              <a:schemeClr val="dk1"/>
+            </a:lnRef>
+            <a:fillRef idx="0">
+              <a:schemeClr val="dk1"/>
+            </a:fillRef>
+            <a:effectRef idx="0">
+              <a:schemeClr val="dk1"/>
+            </a:effectRef>
+            <a:fontRef idx="minor">
+              <a:schemeClr val="tx1"/>
+            </a:fontRef>
+          </p:style>
+        </p:cxnSp>
+        <p:cxnSp>
+          <p:nvCxnSpPr>
+            <p:cNvPr id="18" name="Straight Connector 17"/>
+            <p:cNvCxnSpPr/>
+            <p:nvPr/>
+          </p:nvCxnSpPr>
+          <p:spPr>
+            <a:xfrm flipV="1">
+              <a:off x="9746018" y="2810321"/>
+              <a:ext cx="0" cy="95765"/>
+            </a:xfrm>
+            <a:prstGeom prst="line">
+              <a:avLst/>
+            </a:prstGeom>
+            <a:ln w="19050"/>
+          </p:spPr>
+          <p:style>
+            <a:lnRef idx="1">
+              <a:schemeClr val="dk1"/>
+            </a:lnRef>
+            <a:fillRef idx="0">
+              <a:schemeClr val="dk1"/>
+            </a:fillRef>
+            <a:effectRef idx="0">
+              <a:schemeClr val="dk1"/>
+            </a:effectRef>
+            <a:fontRef idx="minor">
+              <a:schemeClr val="tx1"/>
+            </a:fontRef>
+          </p:style>
+        </p:cxnSp>
+        <p:sp>
+          <p:nvSpPr>
+            <p:cNvPr id="19" name="Rectangle 18"/>
+            <p:cNvSpPr/>
+            <p:nvPr/>
+          </p:nvSpPr>
+          <p:spPr>
+            <a:xfrm>
+              <a:off x="8563630" y="2430382"/>
+              <a:ext cx="667490" cy="369332"/>
+            </a:xfrm>
+            <a:prstGeom prst="rect">
+              <a:avLst/>
+            </a:prstGeom>
+          </p:spPr>
+          <p:txBody>
+            <a:bodyPr wrap="none">
+              <a:spAutoFit/>
+            </a:bodyPr>
+            <a:lstStyle/>
+            <a:p>
+              <a:r>
+                <a:rPr lang="en-US" dirty="0" smtClean="0"/>
+                <a:t>Slave</a:t>
+              </a:r>
+              <a:endParaRPr lang="en-US" dirty="0"/>
+            </a:p>
+          </p:txBody>
+        </p:sp>
+        <p:sp>
+          <p:nvSpPr>
+            <p:cNvPr id="20" name="Rectangle 19"/>
+            <p:cNvSpPr/>
+            <p:nvPr/>
+          </p:nvSpPr>
+          <p:spPr>
+            <a:xfrm>
+              <a:off x="9330714" y="2430382"/>
+              <a:ext cx="849656" cy="369332"/>
+            </a:xfrm>
+            <a:prstGeom prst="rect">
+              <a:avLst/>
+            </a:prstGeom>
+          </p:spPr>
+          <p:txBody>
+            <a:bodyPr wrap="none">
+              <a:spAutoFit/>
+            </a:bodyPr>
+            <a:lstStyle/>
+            <a:p>
+              <a:r>
+                <a:rPr lang="en-US" dirty="0" smtClean="0"/>
+                <a:t>Master</a:t>
+              </a:r>
+              <a:endParaRPr lang="en-US" dirty="0"/>
+            </a:p>
+          </p:txBody>
+        </p:sp>
+        <mc:AlternateContent xmlns:mc="http://schemas.openxmlformats.org/markup-compatibility/2006">
+          <mc:Choice xmlns:a14="http://schemas.microsoft.com/office/drawing/2010/main" Requires="a14">
+            <p:sp>
+              <p:nvSpPr>
+                <p:cNvPr id="21" name="Rectangle 20"/>
+                <p:cNvSpPr/>
+                <p:nvPr/>
+              </p:nvSpPr>
+              <p:spPr>
+                <a:xfrm>
+                  <a:off x="10811819" y="2836775"/>
+                  <a:ext cx="457200" cy="438647"/>
+                </a:xfrm>
+                <a:prstGeom prst="rect">
+                  <a:avLst/>
+                </a:prstGeom>
+                <a:ln w="19050"/>
+              </p:spPr>
+              <p:style>
+                <a:lnRef idx="2">
+                  <a:schemeClr val="dk1"/>
+                </a:lnRef>
+                <a:fillRef idx="1">
+                  <a:schemeClr val="lt1"/>
+                </a:fillRef>
+                <a:effectRef idx="0">
+                  <a:schemeClr val="dk1"/>
+                </a:effectRef>
+                <a:fontRef idx="minor">
+                  <a:schemeClr val="dk1"/>
+                </a:fontRef>
+              </p:style>
+              <p:txBody>
+                <a:bodyPr rtlCol="0" anchor="ctr"/>
+                <a:lstStyle/>
+                <a:p>
+                  <a:pPr algn="ctr"/>
+                  <a14:m>
+                    <m:oMathPara xmlns:m="http://schemas.openxmlformats.org/officeDocument/2006/math">
+                      <m:oMathParaPr>
+                        <m:jc m:val="right"/>
+                      </m:oMathParaPr>
+                      <m:oMath xmlns:m="http://schemas.openxmlformats.org/officeDocument/2006/math">
+                        <m:sSub>
+                          <m:sSubPr>
+                            <m:ctrlPr>
+                              <a:rPr lang="en-US" b="0" i="1" smtClean="0">
+                                <a:latin typeface="Cambria Math" panose="02040503050406030204" pitchFamily="18" charset="0"/>
+                              </a:rPr>
+                            </m:ctrlPr>
+                          </m:sSubPr>
+                          <m:e>
+                            <m:r>
+                              <a:rPr lang="en-US" b="0" i="1" smtClean="0">
+                                <a:latin typeface="Cambria Math" panose="02040503050406030204" pitchFamily="18" charset="0"/>
+                              </a:rPr>
+                              <m:t>𝐸</m:t>
+                            </m:r>
+                          </m:e>
+                          <m:sub>
+                            <m:r>
+                              <a:rPr lang="en-US" b="0" i="1" smtClean="0">
+                                <a:latin typeface="Cambria Math" panose="02040503050406030204" pitchFamily="18" charset="0"/>
+                              </a:rPr>
+                              <m:t>𝑛</m:t>
+                            </m:r>
+                          </m:sub>
+                        </m:sSub>
+                      </m:oMath>
+                    </m:oMathPara>
+                  </a14:m>
+                  <a:endParaRPr lang="en-US" dirty="0"/>
+                </a:p>
+              </p:txBody>
+            </p:sp>
+          </mc:Choice>
+          <mc:Fallback>
+            <p:sp>
+              <p:nvSpPr>
+                <p:cNvPr id="21" name="Rectangle 20"/>
+                <p:cNvSpPr>
+                  <a:spLocks noRot="1" noChangeAspect="1" noMove="1" noResize="1" noEditPoints="1" noAdjustHandles="1" noChangeArrowheads="1" noChangeShapeType="1" noTextEdit="1"/>
+                </p:cNvSpPr>
+                <p:nvPr/>
+              </p:nvSpPr>
+              <p:spPr>
+                <a:xfrm>
+                  <a:off x="10811819" y="2836775"/>
+                  <a:ext cx="457200" cy="438647"/>
+                </a:xfrm>
+                <a:prstGeom prst="rect">
+                  <a:avLst/>
+                </a:prstGeom>
+                <a:blipFill>
+                  <a:blip r:embed="rId4"/>
+                  <a:stretch>
+                    <a:fillRect/>
+                  </a:stretch>
+                </a:blipFill>
+                <a:ln w="19050"/>
+              </p:spPr>
+              <p:txBody>
+                <a:bodyPr/>
+                <a:lstStyle/>
+                <a:p>
+                  <a:r>
+                    <a:rPr lang="en-US">
+                      <a:noFill/>
+                    </a:rPr>
+                    <a:t> </a:t>
+                  </a:r>
+                </a:p>
+              </p:txBody>
+            </p:sp>
+          </mc:Fallback>
+        </mc:AlternateContent>
+        <p:cxnSp>
+          <p:nvCxnSpPr>
+            <p:cNvPr id="22" name="Straight Connector 21"/>
+            <p:cNvCxnSpPr/>
+            <p:nvPr/>
+          </p:nvCxnSpPr>
+          <p:spPr>
+            <a:xfrm flipH="1">
+              <a:off x="10552327" y="2910897"/>
+              <a:ext cx="259492" cy="0"/>
+            </a:xfrm>
+            <a:prstGeom prst="line">
+              <a:avLst/>
+            </a:prstGeom>
+            <a:ln w="19050"/>
+          </p:spPr>
+          <p:style>
+            <a:lnRef idx="1">
+              <a:schemeClr val="dk1"/>
+            </a:lnRef>
+            <a:fillRef idx="0">
+              <a:schemeClr val="dk1"/>
+            </a:fillRef>
+            <a:effectRef idx="0">
+              <a:schemeClr val="dk1"/>
+            </a:effectRef>
+            <a:fontRef idx="minor">
+              <a:schemeClr val="tx1"/>
+            </a:fontRef>
+          </p:style>
+        </p:cxnSp>
+        <p:cxnSp>
+          <p:nvCxnSpPr>
+            <p:cNvPr id="23" name="Straight Connector 22"/>
+            <p:cNvCxnSpPr/>
+            <p:nvPr/>
+          </p:nvCxnSpPr>
+          <p:spPr>
+            <a:xfrm flipH="1">
+              <a:off x="11269019" y="2910897"/>
+              <a:ext cx="259492" cy="0"/>
+            </a:xfrm>
+            <a:prstGeom prst="line">
+              <a:avLst/>
+            </a:prstGeom>
+            <a:ln w="19050"/>
+          </p:spPr>
+          <p:style>
+            <a:lnRef idx="1">
+              <a:schemeClr val="dk1"/>
+            </a:lnRef>
+            <a:fillRef idx="0">
+              <a:schemeClr val="dk1"/>
+            </a:fillRef>
+            <a:effectRef idx="0">
+              <a:schemeClr val="dk1"/>
+            </a:effectRef>
+            <a:fontRef idx="minor">
+              <a:schemeClr val="tx1"/>
+            </a:fontRef>
+          </p:style>
+        </p:cxnSp>
+        <p:cxnSp>
+          <p:nvCxnSpPr>
+            <p:cNvPr id="24" name="Straight Connector 23"/>
+            <p:cNvCxnSpPr/>
+            <p:nvPr/>
+          </p:nvCxnSpPr>
+          <p:spPr>
+            <a:xfrm flipV="1">
+              <a:off x="10561785" y="2810321"/>
+              <a:ext cx="0" cy="95765"/>
+            </a:xfrm>
+            <a:prstGeom prst="line">
+              <a:avLst/>
+            </a:prstGeom>
+            <a:ln w="19050"/>
+          </p:spPr>
+          <p:style>
+            <a:lnRef idx="1">
+              <a:schemeClr val="dk1"/>
+            </a:lnRef>
+            <a:fillRef idx="0">
+              <a:schemeClr val="dk1"/>
+            </a:fillRef>
+            <a:effectRef idx="0">
+              <a:schemeClr val="dk1"/>
+            </a:effectRef>
+            <a:fontRef idx="minor">
+              <a:schemeClr val="tx1"/>
+            </a:fontRef>
+          </p:style>
+        </p:cxnSp>
+        <p:cxnSp>
+          <p:nvCxnSpPr>
+            <p:cNvPr id="25" name="Straight Connector 24"/>
+            <p:cNvCxnSpPr/>
+            <p:nvPr/>
+          </p:nvCxnSpPr>
+          <p:spPr>
+            <a:xfrm flipV="1">
+              <a:off x="11518987" y="2810321"/>
+              <a:ext cx="0" cy="95765"/>
+            </a:xfrm>
+            <a:prstGeom prst="line">
+              <a:avLst/>
+            </a:prstGeom>
+            <a:ln w="19050"/>
+          </p:spPr>
+          <p:style>
+            <a:lnRef idx="1">
+              <a:schemeClr val="dk1"/>
+            </a:lnRef>
+            <a:fillRef idx="0">
+              <a:schemeClr val="dk1"/>
+            </a:fillRef>
+            <a:effectRef idx="0">
+              <a:schemeClr val="dk1"/>
+            </a:effectRef>
+            <a:fontRef idx="minor">
+              <a:schemeClr val="tx1"/>
+            </a:fontRef>
+          </p:style>
+        </p:cxnSp>
+        <p:sp>
+          <p:nvSpPr>
+            <p:cNvPr id="26" name="Rectangle 25"/>
+            <p:cNvSpPr/>
+            <p:nvPr/>
+          </p:nvSpPr>
+          <p:spPr>
+            <a:xfrm>
+              <a:off x="10379558" y="2430382"/>
+              <a:ext cx="667490" cy="369332"/>
+            </a:xfrm>
+            <a:prstGeom prst="rect">
+              <a:avLst/>
+            </a:prstGeom>
+          </p:spPr>
+          <p:txBody>
+            <a:bodyPr wrap="none">
+              <a:spAutoFit/>
+            </a:bodyPr>
+            <a:lstStyle/>
+            <a:p>
+              <a:r>
+                <a:rPr lang="en-US" dirty="0" smtClean="0"/>
+                <a:t>Slave</a:t>
+              </a:r>
+              <a:endParaRPr lang="en-US" dirty="0"/>
+            </a:p>
+          </p:txBody>
+        </p:sp>
+        <p:sp>
+          <p:nvSpPr>
+            <p:cNvPr id="27" name="Rectangle 26"/>
+            <p:cNvSpPr/>
+            <p:nvPr/>
+          </p:nvSpPr>
+          <p:spPr>
+            <a:xfrm>
+              <a:off x="11103683" y="2430382"/>
+              <a:ext cx="849656" cy="369332"/>
+            </a:xfrm>
+            <a:prstGeom prst="rect">
+              <a:avLst/>
+            </a:prstGeom>
+          </p:spPr>
+          <p:txBody>
+            <a:bodyPr wrap="none">
+              <a:spAutoFit/>
+            </a:bodyPr>
+            <a:lstStyle/>
+            <a:p>
+              <a:r>
+                <a:rPr lang="en-US" dirty="0" smtClean="0"/>
+                <a:t>Master</a:t>
+              </a:r>
+              <a:endParaRPr lang="en-US" dirty="0"/>
+            </a:p>
+          </p:txBody>
+        </p:sp>
+        <p:sp>
+          <p:nvSpPr>
+            <p:cNvPr id="28" name="Rectangle 27"/>
+            <p:cNvSpPr/>
+            <p:nvPr/>
+          </p:nvSpPr>
+          <p:spPr>
+            <a:xfrm>
+              <a:off x="10025108" y="2819749"/>
+              <a:ext cx="343364" cy="369332"/>
+            </a:xfrm>
+            <a:prstGeom prst="rect">
+              <a:avLst/>
+            </a:prstGeom>
+          </p:spPr>
+          <p:txBody>
+            <a:bodyPr wrap="none">
+              <a:spAutoFit/>
+            </a:bodyPr>
+            <a:lstStyle/>
+            <a:p>
+              <a:r>
+                <a:rPr lang="en-US" dirty="0" smtClean="0"/>
+                <a:t>…</a:t>
+              </a:r>
+              <a:endParaRPr lang="en-US" dirty="0"/>
+            </a:p>
+          </p:txBody>
+        </p:sp>
+        <p:grpSp>
+          <p:nvGrpSpPr>
+            <p:cNvPr id="29" name="Group 28"/>
+            <p:cNvGrpSpPr/>
+            <p:nvPr/>
+          </p:nvGrpSpPr>
+          <p:grpSpPr>
+            <a:xfrm rot="5400000">
+              <a:off x="9175952" y="1605793"/>
+              <a:ext cx="379554" cy="4325568"/>
+              <a:chOff x="5468210" y="1241082"/>
+              <a:chExt cx="617838" cy="3015048"/>
+            </a:xfrm>
+          </p:grpSpPr>
+          <p:sp>
+            <p:nvSpPr>
+              <p:cNvPr id="30" name="Rectangle 29"/>
+              <p:cNvSpPr/>
+              <p:nvPr/>
+            </p:nvSpPr>
+            <p:spPr>
+              <a:xfrm>
+                <a:off x="5468210" y="1241082"/>
+                <a:ext cx="617838" cy="3015048"/>
+              </a:xfrm>
+              <a:prstGeom prst="rect">
+                <a:avLst/>
+              </a:prstGeom>
+              <a:ln w="19050"/>
+            </p:spPr>
+            <p:style>
+              <a:lnRef idx="2">
+                <a:schemeClr val="dk1"/>
+              </a:lnRef>
+              <a:fillRef idx="1">
+                <a:schemeClr val="lt1"/>
+              </a:fillRef>
+              <a:effectRef idx="0">
+                <a:schemeClr val="dk1"/>
+              </a:effectRef>
+              <a:fontRef idx="minor">
+                <a:schemeClr val="dk1"/>
+              </a:fontRef>
+            </p:style>
+            <p:txBody>
+              <a:bodyPr rtlCol="0" anchor="ctr"/>
+              <a:lstStyle/>
+              <a:p>
+                <a:pPr algn="ctr"/>
+                <a:endParaRPr lang="en-US" dirty="0"/>
+              </a:p>
+            </p:txBody>
+          </p:sp>
+          <p:sp>
+            <p:nvSpPr>
+              <p:cNvPr id="31" name="Rectangle 30"/>
+              <p:cNvSpPr/>
+              <p:nvPr/>
+            </p:nvSpPr>
+            <p:spPr>
+              <a:xfrm>
+                <a:off x="5468210" y="1392353"/>
+                <a:ext cx="617838" cy="263710"/>
+              </a:xfrm>
+              <a:prstGeom prst="rect">
+                <a:avLst/>
+              </a:prstGeom>
+              <a:solidFill>
+                <a:srgbClr val="A0D468"/>
+              </a:solidFill>
+              <a:ln w="19050"/>
+            </p:spPr>
+            <p:style>
+              <a:lnRef idx="2">
+                <a:schemeClr val="dk1"/>
+              </a:lnRef>
+              <a:fillRef idx="1">
+                <a:schemeClr val="lt1"/>
+              </a:fillRef>
+              <a:effectRef idx="0">
+                <a:schemeClr val="dk1"/>
+              </a:effectRef>
+              <a:fontRef idx="minor">
+                <a:schemeClr val="dk1"/>
+              </a:fontRef>
+            </p:style>
+            <p:txBody>
+              <a:bodyPr rtlCol="0" anchor="ctr"/>
+              <a:lstStyle/>
+              <a:p>
+                <a:pPr algn="ctr"/>
+                <a:endParaRPr lang="en-US" dirty="0"/>
+              </a:p>
+            </p:txBody>
+          </p:sp>
+          <p:sp>
+            <p:nvSpPr>
+              <p:cNvPr id="32" name="Rectangle 31"/>
+              <p:cNvSpPr/>
+              <p:nvPr/>
+            </p:nvSpPr>
+            <p:spPr>
+              <a:xfrm>
+                <a:off x="5468210" y="1865816"/>
+                <a:ext cx="617838" cy="263710"/>
+              </a:xfrm>
+              <a:prstGeom prst="rect">
+                <a:avLst/>
+              </a:prstGeom>
+              <a:solidFill>
+                <a:srgbClr val="A0D468"/>
+              </a:solidFill>
+              <a:ln w="19050"/>
+            </p:spPr>
+            <p:style>
+              <a:lnRef idx="2">
+                <a:schemeClr val="dk1"/>
+              </a:lnRef>
+              <a:fillRef idx="1">
+                <a:schemeClr val="lt1"/>
+              </a:fillRef>
+              <a:effectRef idx="0">
+                <a:schemeClr val="dk1"/>
+              </a:effectRef>
+              <a:fontRef idx="minor">
+                <a:schemeClr val="dk1"/>
+              </a:fontRef>
+            </p:style>
+            <p:txBody>
+              <a:bodyPr rtlCol="0" anchor="ctr"/>
+              <a:lstStyle/>
+              <a:p>
+                <a:pPr algn="ctr"/>
+                <a:endParaRPr lang="en-US" dirty="0"/>
+              </a:p>
+            </p:txBody>
+          </p:sp>
+          <p:sp>
+            <p:nvSpPr>
+              <p:cNvPr id="33" name="Rectangle 32"/>
+              <p:cNvSpPr/>
+              <p:nvPr/>
+            </p:nvSpPr>
+            <p:spPr>
+              <a:xfrm>
+                <a:off x="5468210" y="2451890"/>
+                <a:ext cx="617838" cy="263710"/>
+              </a:xfrm>
+              <a:prstGeom prst="rect">
+                <a:avLst/>
+              </a:prstGeom>
+              <a:solidFill>
+                <a:srgbClr val="A0D468"/>
+              </a:solidFill>
+              <a:ln w="19050"/>
+            </p:spPr>
+            <p:style>
+              <a:lnRef idx="2">
+                <a:schemeClr val="dk1"/>
+              </a:lnRef>
+              <a:fillRef idx="1">
+                <a:schemeClr val="lt1"/>
+              </a:fillRef>
+              <a:effectRef idx="0">
+                <a:schemeClr val="dk1"/>
+              </a:effectRef>
+              <a:fontRef idx="minor">
+                <a:schemeClr val="dk1"/>
+              </a:fontRef>
+            </p:style>
+            <p:txBody>
+              <a:bodyPr rtlCol="0" anchor="ctr"/>
+              <a:lstStyle/>
+              <a:p>
+                <a:pPr algn="ctr"/>
+                <a:endParaRPr lang="en-US" dirty="0"/>
+              </a:p>
+            </p:txBody>
+          </p:sp>
+          <p:sp>
+            <p:nvSpPr>
+              <p:cNvPr id="34" name="Rectangle 33"/>
+              <p:cNvSpPr/>
+              <p:nvPr/>
+            </p:nvSpPr>
+            <p:spPr>
+              <a:xfrm>
+                <a:off x="5468210" y="3124356"/>
+                <a:ext cx="617838" cy="263710"/>
+              </a:xfrm>
+              <a:prstGeom prst="rect">
+                <a:avLst/>
+              </a:prstGeom>
+              <a:solidFill>
+                <a:srgbClr val="A0D468"/>
+              </a:solidFill>
+              <a:ln w="19050"/>
+            </p:spPr>
+            <p:style>
+              <a:lnRef idx="2">
+                <a:schemeClr val="dk1"/>
+              </a:lnRef>
+              <a:fillRef idx="1">
+                <a:schemeClr val="lt1"/>
+              </a:fillRef>
+              <a:effectRef idx="0">
+                <a:schemeClr val="dk1"/>
+              </a:effectRef>
+              <a:fontRef idx="minor">
+                <a:schemeClr val="dk1"/>
+              </a:fontRef>
+            </p:style>
+            <p:txBody>
+              <a:bodyPr rtlCol="0" anchor="ctr"/>
+              <a:lstStyle/>
+              <a:p>
+                <a:pPr algn="ctr"/>
+                <a:endParaRPr lang="en-US" dirty="0"/>
+              </a:p>
+            </p:txBody>
+          </p:sp>
+          <p:sp>
+            <p:nvSpPr>
+              <p:cNvPr id="35" name="Rectangle 34"/>
+              <p:cNvSpPr/>
+              <p:nvPr/>
+            </p:nvSpPr>
+            <p:spPr>
+              <a:xfrm>
+                <a:off x="5468210" y="3751622"/>
+                <a:ext cx="617838" cy="263710"/>
+              </a:xfrm>
+              <a:prstGeom prst="rect">
+                <a:avLst/>
+              </a:prstGeom>
+              <a:solidFill>
+                <a:srgbClr val="A0D468"/>
+              </a:solidFill>
+              <a:ln w="19050"/>
+            </p:spPr>
+            <p:style>
+              <a:lnRef idx="2">
+                <a:schemeClr val="dk1"/>
+              </a:lnRef>
+              <a:fillRef idx="1">
+                <a:schemeClr val="lt1"/>
+              </a:fillRef>
+              <a:effectRef idx="0">
+                <a:schemeClr val="dk1"/>
+              </a:effectRef>
+              <a:fontRef idx="minor">
+                <a:schemeClr val="dk1"/>
+              </a:fontRef>
+            </p:style>
+            <p:txBody>
+              <a:bodyPr rtlCol="0" anchor="ctr"/>
+              <a:lstStyle/>
+              <a:p>
+                <a:pPr algn="ctr"/>
+                <a:endParaRPr lang="en-US" dirty="0"/>
+              </a:p>
+            </p:txBody>
+          </p:sp>
+        </p:grpSp>
+        <p:cxnSp>
+          <p:nvCxnSpPr>
+            <p:cNvPr id="36" name="Elbow Connector 35"/>
+            <p:cNvCxnSpPr/>
+            <p:nvPr/>
+          </p:nvCxnSpPr>
+          <p:spPr>
+            <a:xfrm rot="16200000" flipH="1">
+              <a:off x="8056107" y="3127475"/>
+              <a:ext cx="672714" cy="229939"/>
+            </a:xfrm>
+            <a:prstGeom prst="bentConnector3">
+              <a:avLst>
+                <a:gd name="adj1" fmla="val 50000"/>
+              </a:avLst>
+            </a:prstGeom>
+            <a:ln w="19050">
+              <a:headEnd type="triangle"/>
+              <a:tailEnd type="triangle"/>
+            </a:ln>
+          </p:spPr>
+          <p:style>
+            <a:lnRef idx="1">
+              <a:schemeClr val="dk1"/>
+            </a:lnRef>
+            <a:fillRef idx="0">
+              <a:schemeClr val="dk1"/>
+            </a:fillRef>
+            <a:effectRef idx="0">
+              <a:schemeClr val="dk1"/>
+            </a:effectRef>
+            <a:fontRef idx="minor">
+              <a:schemeClr val="tx1"/>
+            </a:fontRef>
+          </p:style>
+        </p:cxnSp>
+        <p:cxnSp>
+          <p:nvCxnSpPr>
+            <p:cNvPr id="37" name="Elbow Connector 36"/>
+            <p:cNvCxnSpPr/>
+            <p:nvPr/>
+          </p:nvCxnSpPr>
+          <p:spPr>
+            <a:xfrm rot="5400000">
+              <a:off x="8507003" y="3156487"/>
+              <a:ext cx="667903" cy="167103"/>
+            </a:xfrm>
+            <a:prstGeom prst="bentConnector3">
+              <a:avLst>
+                <a:gd name="adj1" fmla="val 50000"/>
+              </a:avLst>
+            </a:prstGeom>
+            <a:ln w="19050">
+              <a:headEnd type="triangle"/>
+              <a:tailEnd type="triangle"/>
+            </a:ln>
+          </p:spPr>
+          <p:style>
+            <a:lnRef idx="1">
+              <a:schemeClr val="dk1"/>
+            </a:lnRef>
+            <a:fillRef idx="0">
+              <a:schemeClr val="dk1"/>
+            </a:fillRef>
+            <a:effectRef idx="0">
+              <a:schemeClr val="dk1"/>
+            </a:effectRef>
+            <a:fontRef idx="minor">
+              <a:schemeClr val="tx1"/>
+            </a:fontRef>
+          </p:style>
+        </p:cxnSp>
+      </p:grpSp>
+    </p:spTree>
+    <p:extLst>
+      <p:ext uri="{BB962C8B-B14F-4D97-AF65-F5344CB8AC3E}">
+        <p14:creationId xmlns:p14="http://schemas.microsoft.com/office/powerpoint/2010/main" val="715003146"/>
+      </p:ext>
+    </p:extLst>
+  </p:cSld>
+  <p:clrMapOvr>
+    <a:masterClrMapping/>
+  </p:clrMapOvr>
+  <p:transition>
+    <p:fade/>
+  </p:transition>
+  <p:timing>
+    <p:tnLst>
+      <p:par>
+        <p:cTn id="1" dur="indefinite" restart="never" nodeType="tmRoot"/>
+      </p:par>
+    </p:tnLst>
+  </p:timing>
+</p:sld>
+</file>
+
+<file path=ppt/slides/slide32.xml><?xml version="1.0" encoding="utf-8"?>
+<p:sld xmlns:a="http://schemas.openxmlformats.org/drawingml/2006/main" xmlns:r="http://schemas.openxmlformats.org/officeDocument/2006/relationships" xmlns:p="http://schemas.openxmlformats.org/presentationml/2006/main">
+  <p:cSld>
+    <p:spTree>
+      <p:nvGrpSpPr>
+        <p:cNvPr id="1" name=""/>
+        <p:cNvGrpSpPr/>
+        <p:nvPr/>
+      </p:nvGrpSpPr>
+      <p:grpSpPr>
+        <a:xfrm>
+          <a:off x="0" y="0"/>
+          <a:ext cx="0" cy="0"/>
+          <a:chOff x="0" y="0"/>
+          <a:chExt cx="0" cy="0"/>
+        </a:xfrm>
+      </p:grpSpPr>
+      <p:sp>
+        <p:nvSpPr>
+          <p:cNvPr id="3" name="Date Placeholder 2"/>
+          <p:cNvSpPr>
+            <a:spLocks noGrp="1"/>
+          </p:cNvSpPr>
+          <p:nvPr>
+            <p:ph type="dt" sz="half" idx="10"/>
+          </p:nvPr>
+        </p:nvSpPr>
+        <p:spPr/>
+        <p:txBody>
+          <a:bodyPr/>
+          <a:lstStyle/>
+          <a:p>
+            <a:fld id="{C0E6A5AA-C347-4F8D-86AF-2BF972CD8449}" type="datetime1">
+              <a:rPr lang="en-US" smtClean="0"/>
+              <a:t>12/5/2019</a:t>
+            </a:fld>
+            <a:endParaRPr lang="en-GB" dirty="0"/>
+          </a:p>
+        </p:txBody>
+      </p:sp>
+      <p:sp>
+        <p:nvSpPr>
+          <p:cNvPr id="4" name="Footer Placeholder 3"/>
+          <p:cNvSpPr>
+            <a:spLocks noGrp="1"/>
+          </p:cNvSpPr>
+          <p:nvPr>
+            <p:ph type="ftr" sz="quarter" idx="11"/>
+          </p:nvPr>
+        </p:nvSpPr>
+        <p:spPr/>
+        <p:txBody>
+          <a:bodyPr/>
+          <a:lstStyle/>
+          <a:p>
+            <a:r>
+              <a:rPr lang="en-GB" smtClean="0"/>
+              <a:t>Aritra Dhar</a:t>
+            </a:r>
+            <a:endParaRPr lang="en-GB" dirty="0"/>
+          </a:p>
+        </p:txBody>
+      </p:sp>
+      <p:sp>
+        <p:nvSpPr>
+          <p:cNvPr id="5" name="Slide Number Placeholder 4"/>
+          <p:cNvSpPr>
+            <a:spLocks noGrp="1"/>
+          </p:cNvSpPr>
+          <p:nvPr>
+            <p:ph type="sldNum" sz="quarter" idx="12"/>
+          </p:nvPr>
+        </p:nvSpPr>
+        <p:spPr/>
+        <p:txBody>
+          <a:bodyPr/>
+          <a:lstStyle/>
+          <a:p>
+            <a:fld id="{6C6AE60A-B69C-4790-82F7-3882EDF23186}" type="slidenum">
+              <a:rPr lang="en-GB" smtClean="0"/>
+              <a:t>32</a:t>
+            </a:fld>
+            <a:endParaRPr lang="en-GB" dirty="0"/>
+          </a:p>
+        </p:txBody>
+      </p:sp>
+      <p:sp>
+        <p:nvSpPr>
+          <p:cNvPr id="6" name="Title 5"/>
+          <p:cNvSpPr>
+            <a:spLocks noGrp="1"/>
+          </p:cNvSpPr>
+          <p:nvPr>
+            <p:ph type="title"/>
+          </p:nvPr>
+        </p:nvSpPr>
+        <p:spPr/>
+        <p:txBody>
+          <a:bodyPr/>
+          <a:lstStyle/>
+          <a:p>
+            <a:r>
+              <a:rPr lang="en-US" dirty="0" smtClean="0"/>
+              <a:t>Architecture</a:t>
+            </a:r>
+            <a:endParaRPr lang="en-US" dirty="0"/>
+          </a:p>
+        </p:txBody>
+      </p:sp>
+      <p:pic>
+        <p:nvPicPr>
+          <p:cNvPr id="7" name="Picture 6"/>
+          <p:cNvPicPr>
+            <a:picLocks noChangeAspect="1"/>
+          </p:cNvPicPr>
+          <p:nvPr/>
+        </p:nvPicPr>
+        <p:blipFill>
+          <a:blip r:embed="rId2"/>
+          <a:stretch>
+            <a:fillRect/>
+          </a:stretch>
+        </p:blipFill>
+        <p:spPr>
+          <a:xfrm>
+            <a:off x="3045619" y="1592714"/>
+            <a:ext cx="5693841" cy="4381190"/>
+          </a:xfrm>
+          <a:prstGeom prst="rect">
+            <a:avLst/>
+          </a:prstGeom>
+        </p:spPr>
+      </p:pic>
+    </p:spTree>
+    <p:extLst>
+      <p:ext uri="{BB962C8B-B14F-4D97-AF65-F5344CB8AC3E}">
+        <p14:creationId xmlns:p14="http://schemas.microsoft.com/office/powerpoint/2010/main" val="4276391529"/>
+      </p:ext>
+    </p:extLst>
+  </p:cSld>
+  <p:clrMapOvr>
+    <a:masterClrMapping/>
+  </p:clrMapOvr>
+  <p:transition>
+    <p:fade/>
+  </p:transition>
+  <p:timing>
+    <p:tnLst>
+      <p:par>
+        <p:cTn id="1" dur="indefinite" restart="never" nodeType="tmRoot"/>
+      </p:par>
+    </p:tnLst>
+  </p:timing>
+</p:sld>
+</file>
+
+<file path=ppt/slides/slide33.xml><?xml version="1.0" encoding="utf-8"?>
+<p:sld xmlns:a="http://schemas.openxmlformats.org/drawingml/2006/main" xmlns:r="http://schemas.openxmlformats.org/officeDocument/2006/relationships" xmlns:p="http://schemas.openxmlformats.org/presentationml/2006/main">
+  <p:cSld>
+    <p:spTree>
+      <p:nvGrpSpPr>
+        <p:cNvPr id="1" name=""/>
+        <p:cNvGrpSpPr/>
+        <p:nvPr/>
+      </p:nvGrpSpPr>
+      <p:grpSpPr>
+        <a:xfrm>
+          <a:off x="0" y="0"/>
+          <a:ext cx="0" cy="0"/>
+          <a:chOff x="0" y="0"/>
+          <a:chExt cx="0" cy="0"/>
+        </a:xfrm>
+      </p:grpSpPr>
+      <p:sp>
+        <p:nvSpPr>
+          <p:cNvPr id="3" name="Date Placeholder 2"/>
+          <p:cNvSpPr>
+            <a:spLocks noGrp="1"/>
+          </p:cNvSpPr>
+          <p:nvPr>
+            <p:ph type="dt" sz="half" idx="10"/>
+          </p:nvPr>
+        </p:nvSpPr>
+        <p:spPr/>
+        <p:txBody>
+          <a:bodyPr/>
+          <a:lstStyle/>
+          <a:p>
+            <a:fld id="{C0E6A5AA-C347-4F8D-86AF-2BF972CD8449}" type="datetime1">
+              <a:rPr lang="en-US" smtClean="0"/>
+              <a:t>12/5/2019</a:t>
+            </a:fld>
+            <a:endParaRPr lang="en-GB" dirty="0"/>
+          </a:p>
+        </p:txBody>
+      </p:sp>
+      <p:sp>
+        <p:nvSpPr>
+          <p:cNvPr id="4" name="Footer Placeholder 3"/>
+          <p:cNvSpPr>
+            <a:spLocks noGrp="1"/>
+          </p:cNvSpPr>
+          <p:nvPr>
+            <p:ph type="ftr" sz="quarter" idx="11"/>
+          </p:nvPr>
+        </p:nvSpPr>
+        <p:spPr/>
+        <p:txBody>
+          <a:bodyPr/>
+          <a:lstStyle/>
+          <a:p>
+            <a:r>
+              <a:rPr lang="en-GB" smtClean="0"/>
+              <a:t>Aritra Dhar</a:t>
+            </a:r>
+            <a:endParaRPr lang="en-GB" dirty="0"/>
+          </a:p>
+        </p:txBody>
+      </p:sp>
+      <p:sp>
+        <p:nvSpPr>
+          <p:cNvPr id="5" name="Slide Number Placeholder 4"/>
+          <p:cNvSpPr>
+            <a:spLocks noGrp="1"/>
+          </p:cNvSpPr>
+          <p:nvPr>
+            <p:ph type="sldNum" sz="quarter" idx="12"/>
+          </p:nvPr>
+        </p:nvSpPr>
+        <p:spPr/>
+        <p:txBody>
+          <a:bodyPr/>
+          <a:lstStyle/>
+          <a:p>
+            <a:fld id="{6C6AE60A-B69C-4790-82F7-3882EDF23186}" type="slidenum">
+              <a:rPr lang="en-GB" smtClean="0"/>
+              <a:t>33</a:t>
+            </a:fld>
+            <a:endParaRPr lang="en-GB" dirty="0"/>
+          </a:p>
+        </p:txBody>
+      </p:sp>
+      <p:sp>
+        <p:nvSpPr>
+          <p:cNvPr id="6" name="Title 5"/>
+          <p:cNvSpPr>
+            <a:spLocks noGrp="1"/>
+          </p:cNvSpPr>
+          <p:nvPr>
+            <p:ph type="title"/>
+          </p:nvPr>
+        </p:nvSpPr>
+        <p:spPr/>
+        <p:txBody>
+          <a:bodyPr/>
+          <a:lstStyle/>
+          <a:p>
+            <a:r>
+              <a:rPr lang="en-US" dirty="0" smtClean="0"/>
+              <a:t>Attestation</a:t>
+            </a:r>
+            <a:endParaRPr lang="en-US" dirty="0"/>
+          </a:p>
+        </p:txBody>
+      </p:sp>
+      <p:sp>
+        <p:nvSpPr>
+          <p:cNvPr id="7" name="Rectangle 6"/>
+          <p:cNvSpPr/>
+          <p:nvPr/>
+        </p:nvSpPr>
+        <p:spPr>
+          <a:xfrm>
+            <a:off x="5545312" y="3505200"/>
+            <a:ext cx="574589" cy="311594"/>
+          </a:xfrm>
+          <a:prstGeom prst="rect">
+            <a:avLst/>
+          </a:prstGeom>
+          <a:ln w="19050"/>
+        </p:spPr>
+        <p:style>
+          <a:lnRef idx="2">
+            <a:schemeClr val="dk1"/>
+          </a:lnRef>
+          <a:fillRef idx="1">
+            <a:schemeClr val="lt1"/>
+          </a:fillRef>
+          <a:effectRef idx="0">
+            <a:schemeClr val="dk1"/>
+          </a:effectRef>
+          <a:fontRef idx="minor">
+            <a:schemeClr val="dk1"/>
+          </a:fontRef>
+        </p:style>
+        <p:txBody>
+          <a:bodyPr rtlCol="0" anchor="ctr"/>
+          <a:lstStyle/>
+          <a:p>
+            <a:pPr algn="ctr"/>
+            <a:r>
+              <a:rPr lang="en-US" dirty="0" smtClean="0"/>
+              <a:t>AE</a:t>
+            </a:r>
+            <a:endParaRPr lang="en-US" dirty="0"/>
+          </a:p>
+        </p:txBody>
+      </p:sp>
+      <p:sp>
+        <p:nvSpPr>
+          <p:cNvPr id="9" name="Rectangle 8"/>
+          <p:cNvSpPr/>
+          <p:nvPr/>
+        </p:nvSpPr>
+        <p:spPr>
+          <a:xfrm>
+            <a:off x="5545313" y="3999599"/>
+            <a:ext cx="2014152" cy="311594"/>
+          </a:xfrm>
+          <a:prstGeom prst="rect">
+            <a:avLst/>
+          </a:prstGeom>
+          <a:ln w="19050"/>
+        </p:spPr>
+        <p:style>
+          <a:lnRef idx="2">
+            <a:schemeClr val="dk1"/>
+          </a:lnRef>
+          <a:fillRef idx="1">
+            <a:schemeClr val="lt1"/>
+          </a:fillRef>
+          <a:effectRef idx="0">
+            <a:schemeClr val="dk1"/>
+          </a:effectRef>
+          <a:fontRef idx="minor">
+            <a:schemeClr val="dk1"/>
+          </a:fontRef>
+        </p:style>
+        <p:txBody>
+          <a:bodyPr rtlCol="0" anchor="ctr"/>
+          <a:lstStyle/>
+          <a:p>
+            <a:pPr algn="ctr"/>
+            <a:r>
+              <a:rPr lang="en-US" dirty="0" smtClean="0"/>
+              <a:t>SM</a:t>
+            </a:r>
+            <a:endParaRPr lang="en-US" dirty="0"/>
+          </a:p>
+        </p:txBody>
+      </p:sp>
+      <p:sp>
+        <p:nvSpPr>
+          <p:cNvPr id="10" name="Rectangle 9"/>
+          <p:cNvSpPr/>
+          <p:nvPr/>
+        </p:nvSpPr>
+        <p:spPr>
+          <a:xfrm>
+            <a:off x="6265093" y="3505200"/>
+            <a:ext cx="574589" cy="311594"/>
+          </a:xfrm>
+          <a:prstGeom prst="rect">
+            <a:avLst/>
+          </a:prstGeom>
+          <a:ln w="19050"/>
+        </p:spPr>
+        <p:style>
+          <a:lnRef idx="2">
+            <a:schemeClr val="dk1"/>
+          </a:lnRef>
+          <a:fillRef idx="1">
+            <a:schemeClr val="lt1"/>
+          </a:fillRef>
+          <a:effectRef idx="0">
+            <a:schemeClr val="dk1"/>
+          </a:effectRef>
+          <a:fontRef idx="minor">
+            <a:schemeClr val="dk1"/>
+          </a:fontRef>
+        </p:style>
+        <p:txBody>
+          <a:bodyPr rtlCol="0" anchor="ctr"/>
+          <a:lstStyle/>
+          <a:p>
+            <a:pPr algn="ctr"/>
+            <a:r>
+              <a:rPr lang="en-US" dirty="0"/>
+              <a:t>C</a:t>
+            </a:r>
+            <a:r>
+              <a:rPr lang="en-US" dirty="0" smtClean="0"/>
+              <a:t>E</a:t>
+            </a:r>
+            <a:endParaRPr lang="en-US" dirty="0"/>
+          </a:p>
+        </p:txBody>
+      </p:sp>
+      <p:sp>
+        <p:nvSpPr>
+          <p:cNvPr id="11" name="Rectangle 10"/>
+          <p:cNvSpPr/>
+          <p:nvPr/>
+        </p:nvSpPr>
+        <p:spPr>
+          <a:xfrm>
+            <a:off x="6984876" y="3505200"/>
+            <a:ext cx="574589" cy="311594"/>
+          </a:xfrm>
+          <a:prstGeom prst="rect">
+            <a:avLst/>
+          </a:prstGeom>
+          <a:ln w="19050"/>
+        </p:spPr>
+        <p:style>
+          <a:lnRef idx="2">
+            <a:schemeClr val="dk1"/>
+          </a:lnRef>
+          <a:fillRef idx="1">
+            <a:schemeClr val="lt1"/>
+          </a:fillRef>
+          <a:effectRef idx="0">
+            <a:schemeClr val="dk1"/>
+          </a:effectRef>
+          <a:fontRef idx="minor">
+            <a:schemeClr val="dk1"/>
+          </a:fontRef>
+        </p:style>
+        <p:txBody>
+          <a:bodyPr rtlCol="0" anchor="ctr"/>
+          <a:lstStyle/>
+          <a:p>
+            <a:pPr algn="ctr"/>
+            <a:r>
+              <a:rPr lang="en-US" dirty="0" smtClean="0"/>
+              <a:t>P</a:t>
+            </a:r>
+            <a:endParaRPr lang="en-US" dirty="0"/>
+          </a:p>
+        </p:txBody>
+      </p:sp>
+      <p:cxnSp>
+        <p:nvCxnSpPr>
+          <p:cNvPr id="12" name="Straight Arrow Connector 11"/>
+          <p:cNvCxnSpPr>
+            <a:stCxn id="11" idx="2"/>
+          </p:cNvCxnSpPr>
+          <p:nvPr/>
+        </p:nvCxnSpPr>
+        <p:spPr>
+          <a:xfrm>
+            <a:off x="7272171" y="3816794"/>
+            <a:ext cx="0" cy="198787"/>
+          </a:xfrm>
+          <a:prstGeom prst="straightConnector1">
+            <a:avLst/>
+          </a:prstGeom>
+          <a:ln w="19050">
+            <a:tailEnd type="triangle"/>
+          </a:ln>
+        </p:spPr>
+        <p:style>
+          <a:lnRef idx="1">
+            <a:schemeClr val="dk1"/>
+          </a:lnRef>
+          <a:fillRef idx="0">
+            <a:schemeClr val="dk1"/>
+          </a:fillRef>
+          <a:effectRef idx="0">
+            <a:schemeClr val="dk1"/>
+          </a:effectRef>
+          <a:fontRef idx="minor">
+            <a:schemeClr val="tx1"/>
+          </a:fontRef>
+        </p:style>
+      </p:cxnSp>
+      <p:cxnSp>
+        <p:nvCxnSpPr>
+          <p:cNvPr id="13" name="Straight Arrow Connector 12"/>
+          <p:cNvCxnSpPr>
+            <a:stCxn id="9" idx="0"/>
+            <a:endCxn id="10" idx="2"/>
+          </p:cNvCxnSpPr>
+          <p:nvPr/>
+        </p:nvCxnSpPr>
+        <p:spPr>
+          <a:xfrm flipH="1" flipV="1">
+            <a:off x="6552388" y="3816794"/>
+            <a:ext cx="1" cy="182805"/>
+          </a:xfrm>
+          <a:prstGeom prst="straightConnector1">
+            <a:avLst/>
+          </a:prstGeom>
+          <a:ln w="19050">
+            <a:tailEnd type="triangle"/>
+          </a:ln>
+        </p:spPr>
+        <p:style>
+          <a:lnRef idx="1">
+            <a:schemeClr val="dk1"/>
+          </a:lnRef>
+          <a:fillRef idx="0">
+            <a:schemeClr val="dk1"/>
+          </a:fillRef>
+          <a:effectRef idx="0">
+            <a:schemeClr val="dk1"/>
+          </a:effectRef>
+          <a:fontRef idx="minor">
+            <a:schemeClr val="tx1"/>
+          </a:fontRef>
+        </p:style>
+      </p:cxnSp>
+      <p:sp>
+        <p:nvSpPr>
+          <p:cNvPr id="26" name="Rectangle 25"/>
+          <p:cNvSpPr/>
+          <p:nvPr/>
+        </p:nvSpPr>
+        <p:spPr>
+          <a:xfrm>
+            <a:off x="8464055" y="3505200"/>
+            <a:ext cx="574589" cy="311594"/>
+          </a:xfrm>
+          <a:prstGeom prst="rect">
+            <a:avLst/>
+          </a:prstGeom>
+          <a:ln w="19050"/>
+        </p:spPr>
+        <p:style>
+          <a:lnRef idx="2">
+            <a:schemeClr val="dk1"/>
+          </a:lnRef>
+          <a:fillRef idx="1">
+            <a:schemeClr val="lt1"/>
+          </a:fillRef>
+          <a:effectRef idx="0">
+            <a:schemeClr val="dk1"/>
+          </a:effectRef>
+          <a:fontRef idx="minor">
+            <a:schemeClr val="dk1"/>
+          </a:fontRef>
+        </p:style>
+        <p:txBody>
+          <a:bodyPr rtlCol="0" anchor="ctr"/>
+          <a:lstStyle/>
+          <a:p>
+            <a:pPr algn="ctr"/>
+            <a:r>
+              <a:rPr lang="en-US" dirty="0" smtClean="0"/>
+              <a:t>AE</a:t>
+            </a:r>
+            <a:endParaRPr lang="en-US" dirty="0"/>
+          </a:p>
+        </p:txBody>
+      </p:sp>
+      <p:sp>
+        <p:nvSpPr>
+          <p:cNvPr id="27" name="Rectangle 26"/>
+          <p:cNvSpPr/>
+          <p:nvPr/>
+        </p:nvSpPr>
+        <p:spPr>
+          <a:xfrm>
+            <a:off x="8464056" y="3999599"/>
+            <a:ext cx="2014152" cy="311594"/>
+          </a:xfrm>
+          <a:prstGeom prst="rect">
+            <a:avLst/>
+          </a:prstGeom>
+          <a:ln w="19050"/>
+        </p:spPr>
+        <p:style>
+          <a:lnRef idx="2">
+            <a:schemeClr val="dk1"/>
+          </a:lnRef>
+          <a:fillRef idx="1">
+            <a:schemeClr val="lt1"/>
+          </a:fillRef>
+          <a:effectRef idx="0">
+            <a:schemeClr val="dk1"/>
+          </a:effectRef>
+          <a:fontRef idx="minor">
+            <a:schemeClr val="dk1"/>
+          </a:fontRef>
+        </p:style>
+        <p:txBody>
+          <a:bodyPr rtlCol="0" anchor="ctr"/>
+          <a:lstStyle/>
+          <a:p>
+            <a:pPr algn="ctr"/>
+            <a:r>
+              <a:rPr lang="en-US" dirty="0" smtClean="0"/>
+              <a:t>SM</a:t>
+            </a:r>
+            <a:endParaRPr lang="en-US" dirty="0"/>
+          </a:p>
+        </p:txBody>
+      </p:sp>
+      <p:sp>
+        <p:nvSpPr>
+          <p:cNvPr id="28" name="Rectangle 27"/>
+          <p:cNvSpPr/>
+          <p:nvPr/>
+        </p:nvSpPr>
+        <p:spPr>
+          <a:xfrm>
+            <a:off x="9183836" y="3505200"/>
+            <a:ext cx="574589" cy="311594"/>
+          </a:xfrm>
+          <a:prstGeom prst="rect">
+            <a:avLst/>
+          </a:prstGeom>
+          <a:ln w="19050"/>
+        </p:spPr>
+        <p:style>
+          <a:lnRef idx="2">
+            <a:schemeClr val="dk1"/>
+          </a:lnRef>
+          <a:fillRef idx="1">
+            <a:schemeClr val="lt1"/>
+          </a:fillRef>
+          <a:effectRef idx="0">
+            <a:schemeClr val="dk1"/>
+          </a:effectRef>
+          <a:fontRef idx="minor">
+            <a:schemeClr val="dk1"/>
+          </a:fontRef>
+        </p:style>
+        <p:txBody>
+          <a:bodyPr rtlCol="0" anchor="ctr"/>
+          <a:lstStyle/>
+          <a:p>
+            <a:pPr algn="ctr"/>
+            <a:r>
+              <a:rPr lang="en-US" dirty="0"/>
+              <a:t>C</a:t>
+            </a:r>
+            <a:r>
+              <a:rPr lang="en-US" dirty="0" smtClean="0"/>
+              <a:t>E</a:t>
+            </a:r>
+            <a:endParaRPr lang="en-US" dirty="0"/>
+          </a:p>
+        </p:txBody>
+      </p:sp>
+      <p:sp>
+        <p:nvSpPr>
+          <p:cNvPr id="29" name="Rectangle 28"/>
+          <p:cNvSpPr/>
+          <p:nvPr/>
+        </p:nvSpPr>
+        <p:spPr>
+          <a:xfrm>
+            <a:off x="9979819" y="3505200"/>
+            <a:ext cx="498389" cy="311594"/>
+          </a:xfrm>
+          <a:prstGeom prst="rect">
+            <a:avLst/>
+          </a:prstGeom>
+          <a:ln w="19050"/>
+        </p:spPr>
+        <p:style>
+          <a:lnRef idx="2">
+            <a:schemeClr val="dk1"/>
+          </a:lnRef>
+          <a:fillRef idx="1">
+            <a:schemeClr val="lt1"/>
+          </a:fillRef>
+          <a:effectRef idx="0">
+            <a:schemeClr val="dk1"/>
+          </a:effectRef>
+          <a:fontRef idx="minor">
+            <a:schemeClr val="dk1"/>
+          </a:fontRef>
+        </p:style>
+        <p:txBody>
+          <a:bodyPr rtlCol="0" anchor="ctr"/>
+          <a:lstStyle/>
+          <a:p>
+            <a:pPr algn="ctr"/>
+            <a:r>
+              <a:rPr lang="en-US" dirty="0" smtClean="0"/>
+              <a:t>P</a:t>
+            </a:r>
+            <a:endParaRPr lang="en-US" dirty="0"/>
+          </a:p>
+        </p:txBody>
+      </p:sp>
+      <p:cxnSp>
+        <p:nvCxnSpPr>
+          <p:cNvPr id="30" name="Straight Arrow Connector 29"/>
+          <p:cNvCxnSpPr>
+            <a:stCxn id="28" idx="3"/>
+            <a:endCxn id="29" idx="1"/>
+          </p:cNvCxnSpPr>
+          <p:nvPr/>
+        </p:nvCxnSpPr>
+        <p:spPr>
+          <a:xfrm>
+            <a:off x="9758425" y="3660997"/>
+            <a:ext cx="221394" cy="0"/>
+          </a:xfrm>
+          <a:prstGeom prst="straightConnector1">
+            <a:avLst/>
+          </a:prstGeom>
+          <a:ln w="19050">
+            <a:headEnd type="triangle" w="med" len="med"/>
+            <a:tailEnd type="triangle" w="med" len="med"/>
+          </a:ln>
+        </p:spPr>
+        <p:style>
+          <a:lnRef idx="1">
+            <a:schemeClr val="dk1"/>
+          </a:lnRef>
+          <a:fillRef idx="0">
+            <a:schemeClr val="dk1"/>
+          </a:fillRef>
+          <a:effectRef idx="0">
+            <a:schemeClr val="dk1"/>
+          </a:effectRef>
+          <a:fontRef idx="minor">
+            <a:schemeClr val="tx1"/>
+          </a:fontRef>
+        </p:style>
+      </p:cxnSp>
+      <p:sp>
+        <p:nvSpPr>
+          <p:cNvPr id="37" name="Content Placeholder 1"/>
+          <p:cNvSpPr>
+            <a:spLocks noGrp="1"/>
+          </p:cNvSpPr>
+          <p:nvPr>
+            <p:ph idx="1"/>
+          </p:nvPr>
+        </p:nvSpPr>
+        <p:spPr>
+          <a:xfrm>
+            <a:off x="323850" y="2024064"/>
+            <a:ext cx="11537950" cy="4210046"/>
+          </a:xfrm>
+        </p:spPr>
+        <p:txBody>
+          <a:bodyPr/>
+          <a:lstStyle/>
+          <a:p>
+            <a:r>
+              <a:rPr lang="en-US" dirty="0" smtClean="0"/>
+              <a:t>Keystone attestation</a:t>
+            </a:r>
+            <a:endParaRPr lang="en-US" dirty="0"/>
+          </a:p>
+        </p:txBody>
+      </p:sp>
+    </p:spTree>
+    <p:extLst>
+      <p:ext uri="{BB962C8B-B14F-4D97-AF65-F5344CB8AC3E}">
+        <p14:creationId xmlns:p14="http://schemas.microsoft.com/office/powerpoint/2010/main" val="2468571053"/>
+      </p:ext>
+    </p:extLst>
+  </p:cSld>
+  <p:clrMapOvr>
+    <a:masterClrMapping/>
+  </p:clrMapOvr>
+  <p:transition>
+    <p:fade/>
+  </p:transition>
+  <p:timing>
+    <p:tnLst>
+      <p:par>
+        <p:cTn id="1" dur="indefinite" restart="never" nodeType="tmRoot"/>
+      </p:par>
+    </p:tnLst>
+  </p:timing>
+</p:sld>
+</file>
+
+<file path=ppt/slides/slide34.xml><?xml version="1.0" encoding="utf-8"?>
+<p:sld xmlns:a="http://schemas.openxmlformats.org/drawingml/2006/main" xmlns:r="http://schemas.openxmlformats.org/officeDocument/2006/relationships" xmlns:p="http://schemas.openxmlformats.org/presentationml/2006/main">
+  <p:cSld>
+    <p:spTree>
+      <p:nvGrpSpPr>
+        <p:cNvPr id="1" name=""/>
+        <p:cNvGrpSpPr/>
+        <p:nvPr/>
+      </p:nvGrpSpPr>
+      <p:grpSpPr>
+        <a:xfrm>
+          <a:off x="0" y="0"/>
+          <a:ext cx="0" cy="0"/>
+          <a:chOff x="0" y="0"/>
+          <a:chExt cx="0" cy="0"/>
+        </a:xfrm>
+      </p:grpSpPr>
+      <p:sp>
+        <p:nvSpPr>
+          <p:cNvPr id="12" name="Inhaltsplatzhalter 11"/>
+          <p:cNvSpPr>
+            <a:spLocks noGrp="1"/>
+          </p:cNvSpPr>
+          <p:nvPr>
+            <p:ph sz="half" idx="1"/>
+          </p:nvPr>
+        </p:nvSpPr>
+        <p:spPr/>
+        <p:txBody>
+          <a:bodyPr/>
+          <a:lstStyle/>
+          <a:p>
+            <a:endParaRPr lang="en-GB" dirty="0"/>
+          </a:p>
+        </p:txBody>
+      </p:sp>
+      <p:sp>
+        <p:nvSpPr>
+          <p:cNvPr id="13" name="Inhaltsplatzhalter 12"/>
+          <p:cNvSpPr>
+            <a:spLocks noGrp="1"/>
+          </p:cNvSpPr>
+          <p:nvPr>
+            <p:ph sz="half" idx="2"/>
+          </p:nvPr>
+        </p:nvSpPr>
+        <p:spPr/>
+        <p:txBody>
+          <a:bodyPr/>
+          <a:lstStyle/>
+          <a:p>
+            <a:endParaRPr lang="en-GB" dirty="0"/>
+          </a:p>
+        </p:txBody>
+      </p:sp>
+      <p:sp>
+        <p:nvSpPr>
+          <p:cNvPr id="4" name="Datumsplatzhalter 3"/>
+          <p:cNvSpPr>
+            <a:spLocks noGrp="1"/>
+          </p:cNvSpPr>
+          <p:nvPr>
+            <p:ph type="dt" sz="half" idx="10"/>
+          </p:nvPr>
+        </p:nvSpPr>
+        <p:spPr/>
+        <p:txBody>
+          <a:bodyPr/>
+          <a:lstStyle/>
+          <a:p>
+            <a:fld id="{9F36BAFD-EAB0-49B3-8F07-303CD82AC296}" type="datetime1">
+              <a:rPr lang="en-US" smtClean="0"/>
+              <a:t>12/5/2019</a:t>
+            </a:fld>
+            <a:endParaRPr lang="en-GB" dirty="0"/>
+          </a:p>
+        </p:txBody>
+      </p:sp>
+      <p:sp>
+        <p:nvSpPr>
+          <p:cNvPr id="5" name="Fußzeilenplatzhalter 4"/>
+          <p:cNvSpPr>
+            <a:spLocks noGrp="1"/>
+          </p:cNvSpPr>
+          <p:nvPr>
+            <p:ph type="ftr" sz="quarter" idx="11"/>
+          </p:nvPr>
+        </p:nvSpPr>
+        <p:spPr/>
+        <p:txBody>
+          <a:bodyPr/>
+          <a:lstStyle/>
+          <a:p>
+            <a:r>
+              <a:rPr lang="en-GB" smtClean="0"/>
+              <a:t>Aritra Dhar</a:t>
+            </a:r>
+            <a:endParaRPr lang="en-GB" dirty="0"/>
+          </a:p>
+        </p:txBody>
+      </p:sp>
+      <p:sp>
+        <p:nvSpPr>
+          <p:cNvPr id="6" name="Foliennummernplatzhalter 5"/>
+          <p:cNvSpPr>
+            <a:spLocks noGrp="1"/>
+          </p:cNvSpPr>
+          <p:nvPr>
+            <p:ph type="sldNum" sz="quarter" idx="12"/>
+          </p:nvPr>
+        </p:nvSpPr>
+        <p:spPr/>
+        <p:txBody>
+          <a:bodyPr/>
+          <a:lstStyle/>
+          <a:p>
+            <a:fld id="{6C6AE60A-B69C-4790-82F7-3882EDF23186}" type="slidenum">
+              <a:rPr lang="en-GB" smtClean="0"/>
+              <a:pPr/>
+              <a:t>34</a:t>
+            </a:fld>
+            <a:endParaRPr lang="en-GB" dirty="0"/>
+          </a:p>
+        </p:txBody>
+      </p:sp>
+      <p:sp>
+        <p:nvSpPr>
+          <p:cNvPr id="11" name="Titel 10"/>
+          <p:cNvSpPr>
+            <a:spLocks noGrp="1"/>
+          </p:cNvSpPr>
+          <p:nvPr>
+            <p:ph type="title"/>
+          </p:nvPr>
+        </p:nvSpPr>
+        <p:spPr/>
+        <p:txBody>
+          <a:bodyPr/>
+          <a:lstStyle/>
+          <a:p>
+            <a:endParaRPr lang="en-GB" dirty="0"/>
+          </a:p>
+        </p:txBody>
+      </p:sp>
+    </p:spTree>
+    <p:extLst>
+      <p:ext uri="{BB962C8B-B14F-4D97-AF65-F5344CB8AC3E}">
+        <p14:creationId xmlns:p14="http://schemas.microsoft.com/office/powerpoint/2010/main" val="572143329"/>
+      </p:ext>
+    </p:extLst>
+  </p:cSld>
+  <p:clrMapOvr>
+    <a:masterClrMapping/>
+  </p:clrMapOvr>
+  <p:transition>
+    <p:fade/>
+  </p:transition>
+  <p:timing>
+    <p:tnLst>
+      <p:par>
+        <p:cTn id="1" dur="indefinite" restart="never" nodeType="tmRoot"/>
+      </p:par>
+    </p:tnLst>
+  </p:timing>
+</p:sld>
+</file>
+
+<file path=ppt/slides/slide35.xml><?xml version="1.0" encoding="utf-8"?>
 <p:sld xmlns:a="http://schemas.openxmlformats.org/drawingml/2006/main" xmlns:r="http://schemas.openxmlformats.org/officeDocument/2006/relationships" xmlns:p="http://schemas.openxmlformats.org/presentationml/2006/main">
   <p:cSld>
     <p:spTree>
@@ -51063,7 +56003,7 @@
           <a:p>
             <a:fld id="{C0E6A5AA-C347-4F8D-86AF-2BF972CD8449}" type="datetime1">
               <a:rPr lang="en-US" smtClean="0"/>
-              <a:t>12/4/2019</a:t>
+              <a:t>12/5/2019</a:t>
             </a:fld>
             <a:endParaRPr lang="en-GB" dirty="0"/>
           </a:p>
@@ -51784,7 +56724,7 @@
           <a:p>
             <a:fld id="{C0E6A5AA-C347-4F8D-86AF-2BF972CD8449}" type="datetime1">
               <a:rPr lang="en-US" smtClean="0"/>
-              <a:t>12/4/2019</a:t>
+              <a:t>12/5/2019</a:t>
             </a:fld>
             <a:endParaRPr lang="en-GB" dirty="0"/>
           </a:p>
@@ -51966,7 +56906,7 @@
           <a:p>
             <a:fld id="{C0E6A5AA-C347-4F8D-86AF-2BF972CD8449}" type="datetime1">
               <a:rPr lang="en-US" smtClean="0"/>
-              <a:t>12/4/2019</a:t>
+              <a:t>12/5/2019</a:t>
             </a:fld>
             <a:endParaRPr lang="en-GB" dirty="0"/>
           </a:p>
@@ -52236,7 +57176,7 @@
           <a:p>
             <a:fld id="{C0E6A5AA-C347-4F8D-86AF-2BF972CD8449}" type="datetime1">
               <a:rPr lang="en-US" smtClean="0"/>
-              <a:t>12/4/2019</a:t>
+              <a:t>12/5/2019</a:t>
             </a:fld>
             <a:endParaRPr lang="en-GB" dirty="0"/>
           </a:p>
@@ -52368,7 +57308,7 @@
           <a:p>
             <a:fld id="{C0E6A5AA-C347-4F8D-86AF-2BF972CD8449}" type="datetime1">
               <a:rPr lang="en-US" smtClean="0"/>
-              <a:t>12/4/2019</a:t>
+              <a:t>12/5/2019</a:t>
             </a:fld>
             <a:endParaRPr lang="en-GB" dirty="0"/>
           </a:p>
@@ -52662,7 +57602,7 @@
           <a:p>
             <a:fld id="{C0E6A5AA-C347-4F8D-86AF-2BF972CD8449}" type="datetime1">
               <a:rPr lang="en-US" smtClean="0"/>
-              <a:t>12/4/2019</a:t>
+              <a:t>12/5/2019</a:t>
             </a:fld>
             <a:endParaRPr lang="en-GB" dirty="0"/>
           </a:p>
